--- a/Apresentação.pptx
+++ b/Apresentação.pptx
@@ -5,24 +5,51 @@
     <p:sldMasterId id="2147483660" r:id="rId1"/>
   </p:sldMasterIdLst>
   <p:notesMasterIdLst>
-    <p:notesMasterId r:id="rId17"/>
+    <p:notesMasterId r:id="rId44"/>
   </p:notesMasterIdLst>
   <p:sldIdLst>
     <p:sldId id="256" r:id="rId2"/>
     <p:sldId id="257" r:id="rId3"/>
-    <p:sldId id="258" r:id="rId4"/>
-    <p:sldId id="259" r:id="rId5"/>
-    <p:sldId id="260" r:id="rId6"/>
-    <p:sldId id="261" r:id="rId7"/>
-    <p:sldId id="262" r:id="rId8"/>
-    <p:sldId id="263" r:id="rId9"/>
-    <p:sldId id="267" r:id="rId10"/>
-    <p:sldId id="268" r:id="rId11"/>
-    <p:sldId id="266" r:id="rId12"/>
-    <p:sldId id="269" r:id="rId13"/>
-    <p:sldId id="270" r:id="rId14"/>
-    <p:sldId id="271" r:id="rId15"/>
-    <p:sldId id="272" r:id="rId16"/>
+    <p:sldId id="273" r:id="rId4"/>
+    <p:sldId id="281" r:id="rId5"/>
+    <p:sldId id="274" r:id="rId6"/>
+    <p:sldId id="275" r:id="rId7"/>
+    <p:sldId id="258" r:id="rId8"/>
+    <p:sldId id="259" r:id="rId9"/>
+    <p:sldId id="299" r:id="rId10"/>
+    <p:sldId id="260" r:id="rId11"/>
+    <p:sldId id="261" r:id="rId12"/>
+    <p:sldId id="262" r:id="rId13"/>
+    <p:sldId id="263" r:id="rId14"/>
+    <p:sldId id="267" r:id="rId15"/>
+    <p:sldId id="268" r:id="rId16"/>
+    <p:sldId id="276" r:id="rId17"/>
+    <p:sldId id="266" r:id="rId18"/>
+    <p:sldId id="277" r:id="rId19"/>
+    <p:sldId id="282" r:id="rId20"/>
+    <p:sldId id="278" r:id="rId21"/>
+    <p:sldId id="279" r:id="rId22"/>
+    <p:sldId id="280" r:id="rId23"/>
+    <p:sldId id="269" r:id="rId24"/>
+    <p:sldId id="270" r:id="rId25"/>
+    <p:sldId id="271" r:id="rId26"/>
+    <p:sldId id="283" r:id="rId27"/>
+    <p:sldId id="284" r:id="rId28"/>
+    <p:sldId id="285" r:id="rId29"/>
+    <p:sldId id="286" r:id="rId30"/>
+    <p:sldId id="288" r:id="rId31"/>
+    <p:sldId id="287" r:id="rId32"/>
+    <p:sldId id="289" r:id="rId33"/>
+    <p:sldId id="290" r:id="rId34"/>
+    <p:sldId id="291" r:id="rId35"/>
+    <p:sldId id="292" r:id="rId36"/>
+    <p:sldId id="293" r:id="rId37"/>
+    <p:sldId id="294" r:id="rId38"/>
+    <p:sldId id="295" r:id="rId39"/>
+    <p:sldId id="296" r:id="rId40"/>
+    <p:sldId id="297" r:id="rId41"/>
+    <p:sldId id="298" r:id="rId42"/>
+    <p:sldId id="300" r:id="rId43"/>
   </p:sldIdLst>
   <p:sldSz cx="9144000" cy="6858000" type="screen4x3"/>
   <p:notesSz cx="6858000" cy="9144000"/>
@@ -206,7 +233,7 @@
           <a:p>
             <a:fld id="{59728D08-1CFE-4D6D-B752-8CC2B00FAFCA}" type="datetimeFigureOut">
               <a:rPr lang="pt-BR" smtClean="0"/>
-              <a:t>28/10/2013</a:t>
+              <a:t>02/12/2013</a:t>
             </a:fld>
             <a:endParaRPr lang="pt-BR"/>
           </a:p>
@@ -539,7 +566,7 @@
           <a:p>
             <a:fld id="{09229B8C-1EB7-4E48-B4C6-7C4B2D5DB086}" type="slidenum">
               <a:rPr lang="pt-BR" smtClean="0"/>
-              <a:t>11</a:t>
+              <a:t>17</a:t>
             </a:fld>
             <a:endParaRPr lang="pt-BR"/>
           </a:p>
@@ -623,7 +650,427 @@
           <a:p>
             <a:fld id="{09229B8C-1EB7-4E48-B4C6-7C4B2D5DB086}" type="slidenum">
               <a:rPr lang="pt-BR" smtClean="0"/>
-              <a:t>13</a:t>
+              <a:t>18</a:t>
+            </a:fld>
+            <a:endParaRPr lang="pt-BR"/>
+          </a:p>
+        </p:txBody>
+      </p:sp>
+    </p:spTree>
+    <p:extLst>
+      <p:ext uri="{BB962C8B-B14F-4D97-AF65-F5344CB8AC3E}">
+        <p14:creationId xmlns:p14="http://schemas.microsoft.com/office/powerpoint/2010/main" val="2162100738"/>
+      </p:ext>
+    </p:extLst>
+  </p:cSld>
+  <p:clrMapOvr>
+    <a:masterClrMapping/>
+  </p:clrMapOvr>
+</p:notes>
+</file>
+
+<file path=ppt/notesSlides/notesSlide3.xml><?xml version="1.0" encoding="utf-8"?>
+<p:notes xmlns:a="http://schemas.openxmlformats.org/drawingml/2006/main" xmlns:r="http://schemas.openxmlformats.org/officeDocument/2006/relationships" xmlns:p="http://schemas.openxmlformats.org/presentationml/2006/main">
+  <p:cSld>
+    <p:spTree>
+      <p:nvGrpSpPr>
+        <p:cNvPr id="1" name=""/>
+        <p:cNvGrpSpPr/>
+        <p:nvPr/>
+      </p:nvGrpSpPr>
+      <p:grpSpPr>
+        <a:xfrm>
+          <a:off x="0" y="0"/>
+          <a:ext cx="0" cy="0"/>
+          <a:chOff x="0" y="0"/>
+          <a:chExt cx="0" cy="0"/>
+        </a:xfrm>
+      </p:grpSpPr>
+      <p:sp>
+        <p:nvSpPr>
+          <p:cNvPr id="2" name="Espaço Reservado para Imagem de Slide 1"/>
+          <p:cNvSpPr>
+            <a:spLocks noGrp="1" noRot="1" noChangeAspect="1"/>
+          </p:cNvSpPr>
+          <p:nvPr>
+            <p:ph type="sldImg"/>
+          </p:nvPr>
+        </p:nvSpPr>
+        <p:spPr/>
+      </p:sp>
+      <p:sp>
+        <p:nvSpPr>
+          <p:cNvPr id="3" name="Espaço Reservado para Anotações 2"/>
+          <p:cNvSpPr>
+            <a:spLocks noGrp="1"/>
+          </p:cNvSpPr>
+          <p:nvPr>
+            <p:ph type="body" idx="1"/>
+          </p:nvPr>
+        </p:nvSpPr>
+        <p:spPr/>
+        <p:txBody>
+          <a:bodyPr/>
+          <a:lstStyle/>
+          <a:p>
+            <a:endParaRPr lang="pt-BR" dirty="0"/>
+          </a:p>
+        </p:txBody>
+      </p:sp>
+      <p:sp>
+        <p:nvSpPr>
+          <p:cNvPr id="4" name="Espaço Reservado para Número de Slide 3"/>
+          <p:cNvSpPr>
+            <a:spLocks noGrp="1"/>
+          </p:cNvSpPr>
+          <p:nvPr>
+            <p:ph type="sldNum" sz="quarter" idx="10"/>
+          </p:nvPr>
+        </p:nvSpPr>
+        <p:spPr/>
+        <p:txBody>
+          <a:bodyPr/>
+          <a:lstStyle/>
+          <a:p>
+            <a:fld id="{09229B8C-1EB7-4E48-B4C6-7C4B2D5DB086}" type="slidenum">
+              <a:rPr lang="pt-BR" smtClean="0"/>
+              <a:t>19</a:t>
+            </a:fld>
+            <a:endParaRPr lang="pt-BR"/>
+          </a:p>
+        </p:txBody>
+      </p:sp>
+    </p:spTree>
+    <p:extLst>
+      <p:ext uri="{BB962C8B-B14F-4D97-AF65-F5344CB8AC3E}">
+        <p14:creationId xmlns:p14="http://schemas.microsoft.com/office/powerpoint/2010/main" val="2162100738"/>
+      </p:ext>
+    </p:extLst>
+  </p:cSld>
+  <p:clrMapOvr>
+    <a:masterClrMapping/>
+  </p:clrMapOvr>
+</p:notes>
+</file>
+
+<file path=ppt/notesSlides/notesSlide4.xml><?xml version="1.0" encoding="utf-8"?>
+<p:notes xmlns:a="http://schemas.openxmlformats.org/drawingml/2006/main" xmlns:r="http://schemas.openxmlformats.org/officeDocument/2006/relationships" xmlns:p="http://schemas.openxmlformats.org/presentationml/2006/main">
+  <p:cSld>
+    <p:spTree>
+      <p:nvGrpSpPr>
+        <p:cNvPr id="1" name=""/>
+        <p:cNvGrpSpPr/>
+        <p:nvPr/>
+      </p:nvGrpSpPr>
+      <p:grpSpPr>
+        <a:xfrm>
+          <a:off x="0" y="0"/>
+          <a:ext cx="0" cy="0"/>
+          <a:chOff x="0" y="0"/>
+          <a:chExt cx="0" cy="0"/>
+        </a:xfrm>
+      </p:grpSpPr>
+      <p:sp>
+        <p:nvSpPr>
+          <p:cNvPr id="2" name="Espaço Reservado para Imagem de Slide 1"/>
+          <p:cNvSpPr>
+            <a:spLocks noGrp="1" noRot="1" noChangeAspect="1"/>
+          </p:cNvSpPr>
+          <p:nvPr>
+            <p:ph type="sldImg"/>
+          </p:nvPr>
+        </p:nvSpPr>
+        <p:spPr/>
+      </p:sp>
+      <p:sp>
+        <p:nvSpPr>
+          <p:cNvPr id="3" name="Espaço Reservado para Anotações 2"/>
+          <p:cNvSpPr>
+            <a:spLocks noGrp="1"/>
+          </p:cNvSpPr>
+          <p:nvPr>
+            <p:ph type="body" idx="1"/>
+          </p:nvPr>
+        </p:nvSpPr>
+        <p:spPr/>
+        <p:txBody>
+          <a:bodyPr/>
+          <a:lstStyle/>
+          <a:p>
+            <a:endParaRPr lang="pt-BR" dirty="0"/>
+          </a:p>
+        </p:txBody>
+      </p:sp>
+      <p:sp>
+        <p:nvSpPr>
+          <p:cNvPr id="4" name="Espaço Reservado para Número de Slide 3"/>
+          <p:cNvSpPr>
+            <a:spLocks noGrp="1"/>
+          </p:cNvSpPr>
+          <p:nvPr>
+            <p:ph type="sldNum" sz="quarter" idx="10"/>
+          </p:nvPr>
+        </p:nvSpPr>
+        <p:spPr/>
+        <p:txBody>
+          <a:bodyPr/>
+          <a:lstStyle/>
+          <a:p>
+            <a:fld id="{09229B8C-1EB7-4E48-B4C6-7C4B2D5DB086}" type="slidenum">
+              <a:rPr lang="pt-BR" smtClean="0"/>
+              <a:t>20</a:t>
+            </a:fld>
+            <a:endParaRPr lang="pt-BR"/>
+          </a:p>
+        </p:txBody>
+      </p:sp>
+    </p:spTree>
+    <p:extLst>
+      <p:ext uri="{BB962C8B-B14F-4D97-AF65-F5344CB8AC3E}">
+        <p14:creationId xmlns:p14="http://schemas.microsoft.com/office/powerpoint/2010/main" val="2162100738"/>
+      </p:ext>
+    </p:extLst>
+  </p:cSld>
+  <p:clrMapOvr>
+    <a:masterClrMapping/>
+  </p:clrMapOvr>
+</p:notes>
+</file>
+
+<file path=ppt/notesSlides/notesSlide5.xml><?xml version="1.0" encoding="utf-8"?>
+<p:notes xmlns:a="http://schemas.openxmlformats.org/drawingml/2006/main" xmlns:r="http://schemas.openxmlformats.org/officeDocument/2006/relationships" xmlns:p="http://schemas.openxmlformats.org/presentationml/2006/main">
+  <p:cSld>
+    <p:spTree>
+      <p:nvGrpSpPr>
+        <p:cNvPr id="1" name=""/>
+        <p:cNvGrpSpPr/>
+        <p:nvPr/>
+      </p:nvGrpSpPr>
+      <p:grpSpPr>
+        <a:xfrm>
+          <a:off x="0" y="0"/>
+          <a:ext cx="0" cy="0"/>
+          <a:chOff x="0" y="0"/>
+          <a:chExt cx="0" cy="0"/>
+        </a:xfrm>
+      </p:grpSpPr>
+      <p:sp>
+        <p:nvSpPr>
+          <p:cNvPr id="2" name="Espaço Reservado para Imagem de Slide 1"/>
+          <p:cNvSpPr>
+            <a:spLocks noGrp="1" noRot="1" noChangeAspect="1"/>
+          </p:cNvSpPr>
+          <p:nvPr>
+            <p:ph type="sldImg"/>
+          </p:nvPr>
+        </p:nvSpPr>
+        <p:spPr/>
+      </p:sp>
+      <p:sp>
+        <p:nvSpPr>
+          <p:cNvPr id="3" name="Espaço Reservado para Anotações 2"/>
+          <p:cNvSpPr>
+            <a:spLocks noGrp="1"/>
+          </p:cNvSpPr>
+          <p:nvPr>
+            <p:ph type="body" idx="1"/>
+          </p:nvPr>
+        </p:nvSpPr>
+        <p:spPr/>
+        <p:txBody>
+          <a:bodyPr/>
+          <a:lstStyle/>
+          <a:p>
+            <a:endParaRPr lang="pt-BR" dirty="0"/>
+          </a:p>
+        </p:txBody>
+      </p:sp>
+      <p:sp>
+        <p:nvSpPr>
+          <p:cNvPr id="4" name="Espaço Reservado para Número de Slide 3"/>
+          <p:cNvSpPr>
+            <a:spLocks noGrp="1"/>
+          </p:cNvSpPr>
+          <p:nvPr>
+            <p:ph type="sldNum" sz="quarter" idx="10"/>
+          </p:nvPr>
+        </p:nvSpPr>
+        <p:spPr/>
+        <p:txBody>
+          <a:bodyPr/>
+          <a:lstStyle/>
+          <a:p>
+            <a:fld id="{09229B8C-1EB7-4E48-B4C6-7C4B2D5DB086}" type="slidenum">
+              <a:rPr lang="pt-BR" smtClean="0"/>
+              <a:t>21</a:t>
+            </a:fld>
+            <a:endParaRPr lang="pt-BR"/>
+          </a:p>
+        </p:txBody>
+      </p:sp>
+    </p:spTree>
+    <p:extLst>
+      <p:ext uri="{BB962C8B-B14F-4D97-AF65-F5344CB8AC3E}">
+        <p14:creationId xmlns:p14="http://schemas.microsoft.com/office/powerpoint/2010/main" val="2162100738"/>
+      </p:ext>
+    </p:extLst>
+  </p:cSld>
+  <p:clrMapOvr>
+    <a:masterClrMapping/>
+  </p:clrMapOvr>
+</p:notes>
+</file>
+
+<file path=ppt/notesSlides/notesSlide6.xml><?xml version="1.0" encoding="utf-8"?>
+<p:notes xmlns:a="http://schemas.openxmlformats.org/drawingml/2006/main" xmlns:r="http://schemas.openxmlformats.org/officeDocument/2006/relationships" xmlns:p="http://schemas.openxmlformats.org/presentationml/2006/main">
+  <p:cSld>
+    <p:spTree>
+      <p:nvGrpSpPr>
+        <p:cNvPr id="1" name=""/>
+        <p:cNvGrpSpPr/>
+        <p:nvPr/>
+      </p:nvGrpSpPr>
+      <p:grpSpPr>
+        <a:xfrm>
+          <a:off x="0" y="0"/>
+          <a:ext cx="0" cy="0"/>
+          <a:chOff x="0" y="0"/>
+          <a:chExt cx="0" cy="0"/>
+        </a:xfrm>
+      </p:grpSpPr>
+      <p:sp>
+        <p:nvSpPr>
+          <p:cNvPr id="2" name="Espaço Reservado para Imagem de Slide 1"/>
+          <p:cNvSpPr>
+            <a:spLocks noGrp="1" noRot="1" noChangeAspect="1"/>
+          </p:cNvSpPr>
+          <p:nvPr>
+            <p:ph type="sldImg"/>
+          </p:nvPr>
+        </p:nvSpPr>
+        <p:spPr/>
+      </p:sp>
+      <p:sp>
+        <p:nvSpPr>
+          <p:cNvPr id="3" name="Espaço Reservado para Anotações 2"/>
+          <p:cNvSpPr>
+            <a:spLocks noGrp="1"/>
+          </p:cNvSpPr>
+          <p:nvPr>
+            <p:ph type="body" idx="1"/>
+          </p:nvPr>
+        </p:nvSpPr>
+        <p:spPr/>
+        <p:txBody>
+          <a:bodyPr/>
+          <a:lstStyle/>
+          <a:p>
+            <a:endParaRPr lang="pt-BR" dirty="0"/>
+          </a:p>
+        </p:txBody>
+      </p:sp>
+      <p:sp>
+        <p:nvSpPr>
+          <p:cNvPr id="4" name="Espaço Reservado para Número de Slide 3"/>
+          <p:cNvSpPr>
+            <a:spLocks noGrp="1"/>
+          </p:cNvSpPr>
+          <p:nvPr>
+            <p:ph type="sldNum" sz="quarter" idx="10"/>
+          </p:nvPr>
+        </p:nvSpPr>
+        <p:spPr/>
+        <p:txBody>
+          <a:bodyPr/>
+          <a:lstStyle/>
+          <a:p>
+            <a:fld id="{09229B8C-1EB7-4E48-B4C6-7C4B2D5DB086}" type="slidenum">
+              <a:rPr lang="pt-BR" smtClean="0"/>
+              <a:t>22</a:t>
+            </a:fld>
+            <a:endParaRPr lang="pt-BR"/>
+          </a:p>
+        </p:txBody>
+      </p:sp>
+    </p:spTree>
+    <p:extLst>
+      <p:ext uri="{BB962C8B-B14F-4D97-AF65-F5344CB8AC3E}">
+        <p14:creationId xmlns:p14="http://schemas.microsoft.com/office/powerpoint/2010/main" val="2162100738"/>
+      </p:ext>
+    </p:extLst>
+  </p:cSld>
+  <p:clrMapOvr>
+    <a:masterClrMapping/>
+  </p:clrMapOvr>
+</p:notes>
+</file>
+
+<file path=ppt/notesSlides/notesSlide7.xml><?xml version="1.0" encoding="utf-8"?>
+<p:notes xmlns:a="http://schemas.openxmlformats.org/drawingml/2006/main" xmlns:r="http://schemas.openxmlformats.org/officeDocument/2006/relationships" xmlns:p="http://schemas.openxmlformats.org/presentationml/2006/main">
+  <p:cSld>
+    <p:spTree>
+      <p:nvGrpSpPr>
+        <p:cNvPr id="1" name=""/>
+        <p:cNvGrpSpPr/>
+        <p:nvPr/>
+      </p:nvGrpSpPr>
+      <p:grpSpPr>
+        <a:xfrm>
+          <a:off x="0" y="0"/>
+          <a:ext cx="0" cy="0"/>
+          <a:chOff x="0" y="0"/>
+          <a:chExt cx="0" cy="0"/>
+        </a:xfrm>
+      </p:grpSpPr>
+      <p:sp>
+        <p:nvSpPr>
+          <p:cNvPr id="2" name="Espaço Reservado para Imagem de Slide 1"/>
+          <p:cNvSpPr>
+            <a:spLocks noGrp="1" noRot="1" noChangeAspect="1"/>
+          </p:cNvSpPr>
+          <p:nvPr>
+            <p:ph type="sldImg"/>
+          </p:nvPr>
+        </p:nvSpPr>
+        <p:spPr/>
+      </p:sp>
+      <p:sp>
+        <p:nvSpPr>
+          <p:cNvPr id="3" name="Espaço Reservado para Anotações 2"/>
+          <p:cNvSpPr>
+            <a:spLocks noGrp="1"/>
+          </p:cNvSpPr>
+          <p:nvPr>
+            <p:ph type="body" idx="1"/>
+          </p:nvPr>
+        </p:nvSpPr>
+        <p:spPr/>
+        <p:txBody>
+          <a:bodyPr/>
+          <a:lstStyle/>
+          <a:p>
+            <a:endParaRPr lang="pt-BR" dirty="0"/>
+          </a:p>
+        </p:txBody>
+      </p:sp>
+      <p:sp>
+        <p:nvSpPr>
+          <p:cNvPr id="4" name="Espaço Reservado para Número de Slide 3"/>
+          <p:cNvSpPr>
+            <a:spLocks noGrp="1"/>
+          </p:cNvSpPr>
+          <p:nvPr>
+            <p:ph type="sldNum" sz="quarter" idx="10"/>
+          </p:nvPr>
+        </p:nvSpPr>
+        <p:spPr/>
+        <p:txBody>
+          <a:bodyPr/>
+          <a:lstStyle/>
+          <a:p>
+            <a:fld id="{09229B8C-1EB7-4E48-B4C6-7C4B2D5DB086}" type="slidenum">
+              <a:rPr lang="pt-BR" smtClean="0"/>
+              <a:t>24</a:t>
             </a:fld>
             <a:endParaRPr lang="pt-BR"/>
           </a:p>
@@ -3399,7 +3846,7 @@
           <a:p>
             <a:fld id="{95CA6A6C-2AC3-4218-B9A0-62CA25DAEC40}" type="datetimeFigureOut">
               <a:rPr lang="pt-BR" smtClean="0"/>
-              <a:t>28/10/2013</a:t>
+              <a:t>02/12/2013</a:t>
             </a:fld>
             <a:endParaRPr lang="pt-BR"/>
           </a:p>
@@ -3684,7 +4131,7 @@
           <a:p>
             <a:fld id="{95CA6A6C-2AC3-4218-B9A0-62CA25DAEC40}" type="datetimeFigureOut">
               <a:rPr lang="pt-BR" smtClean="0"/>
-              <a:t>28/10/2013</a:t>
+              <a:t>02/12/2013</a:t>
             </a:fld>
             <a:endParaRPr lang="pt-BR"/>
           </a:p>
@@ -3859,7 +4306,7 @@
           <a:p>
             <a:fld id="{95CA6A6C-2AC3-4218-B9A0-62CA25DAEC40}" type="datetimeFigureOut">
               <a:rPr lang="pt-BR" smtClean="0"/>
-              <a:t>28/10/2013</a:t>
+              <a:t>02/12/2013</a:t>
             </a:fld>
             <a:endParaRPr lang="pt-BR"/>
           </a:p>
@@ -4024,7 +4471,7 @@
           <a:p>
             <a:fld id="{95CA6A6C-2AC3-4218-B9A0-62CA25DAEC40}" type="datetimeFigureOut">
               <a:rPr lang="pt-BR" smtClean="0"/>
-              <a:t>28/10/2013</a:t>
+              <a:t>02/12/2013</a:t>
             </a:fld>
             <a:endParaRPr lang="pt-BR"/>
           </a:p>
@@ -4265,7 +4712,7 @@
           <a:p>
             <a:fld id="{95CA6A6C-2AC3-4218-B9A0-62CA25DAEC40}" type="datetimeFigureOut">
               <a:rPr lang="pt-BR" smtClean="0"/>
-              <a:t>28/10/2013</a:t>
+              <a:t>02/12/2013</a:t>
             </a:fld>
             <a:endParaRPr lang="pt-BR"/>
           </a:p>
@@ -4378,7 +4825,7 @@
           <a:p>
             <a:fld id="{95CA6A6C-2AC3-4218-B9A0-62CA25DAEC40}" type="datetimeFigureOut">
               <a:rPr lang="pt-BR" smtClean="0"/>
-              <a:t>28/10/2013</a:t>
+              <a:t>02/12/2013</a:t>
             </a:fld>
             <a:endParaRPr lang="pt-BR"/>
           </a:p>
@@ -4917,7 +5364,7 @@
           <a:p>
             <a:fld id="{95CA6A6C-2AC3-4218-B9A0-62CA25DAEC40}" type="datetimeFigureOut">
               <a:rPr lang="pt-BR" smtClean="0"/>
-              <a:t>28/10/2013</a:t>
+              <a:t>02/12/2013</a:t>
             </a:fld>
             <a:endParaRPr lang="pt-BR"/>
           </a:p>
@@ -5030,7 +5477,7 @@
           <a:p>
             <a:fld id="{95CA6A6C-2AC3-4218-B9A0-62CA25DAEC40}" type="datetimeFigureOut">
               <a:rPr lang="pt-BR" smtClean="0"/>
-              <a:t>28/10/2013</a:t>
+              <a:t>02/12/2013</a:t>
             </a:fld>
             <a:endParaRPr lang="pt-BR"/>
           </a:p>
@@ -5120,7 +5567,7 @@
           <a:p>
             <a:fld id="{95CA6A6C-2AC3-4218-B9A0-62CA25DAEC40}" type="datetimeFigureOut">
               <a:rPr lang="pt-BR" smtClean="0"/>
-              <a:t>28/10/2013</a:t>
+              <a:t>02/12/2013</a:t>
             </a:fld>
             <a:endParaRPr lang="pt-BR"/>
           </a:p>
@@ -7771,7 +8218,7 @@
           <a:p>
             <a:fld id="{95CA6A6C-2AC3-4218-B9A0-62CA25DAEC40}" type="datetimeFigureOut">
               <a:rPr lang="pt-BR" smtClean="0"/>
-              <a:t>28/10/2013</a:t>
+              <a:t>02/12/2013</a:t>
             </a:fld>
             <a:endParaRPr lang="pt-BR"/>
           </a:p>
@@ -10983,7 +11430,7 @@
           <a:p>
             <a:fld id="{95CA6A6C-2AC3-4218-B9A0-62CA25DAEC40}" type="datetimeFigureOut">
               <a:rPr lang="pt-BR" smtClean="0"/>
-              <a:t>28/10/2013</a:t>
+              <a:t>02/12/2013</a:t>
             </a:fld>
             <a:endParaRPr lang="pt-BR"/>
           </a:p>
@@ -13805,7 +14252,7 @@
           <a:p>
             <a:fld id="{95CA6A6C-2AC3-4218-B9A0-62CA25DAEC40}" type="datetimeFigureOut">
               <a:rPr lang="pt-BR" smtClean="0"/>
-              <a:t>28/10/2013</a:t>
+              <a:t>02/12/2013</a:t>
             </a:fld>
             <a:endParaRPr lang="pt-BR"/>
           </a:p>
@@ -14287,7 +14734,19 @@
           <a:p>
             <a:r>
               <a:rPr lang="pt-BR" dirty="0" smtClean="0"/>
-              <a:t>Utilização de algoritmo genético para resolução do problema de alocação de salas (PAS)</a:t>
+              <a:t>Utilização </a:t>
+            </a:r>
+            <a:r>
+              <a:rPr lang="pt-BR" dirty="0" smtClean="0"/>
+              <a:t>do </a:t>
+            </a:r>
+            <a:r>
+              <a:rPr lang="pt-BR" dirty="0" smtClean="0"/>
+              <a:t>algoritmo genético para resolução do problema de alocação de </a:t>
+            </a:r>
+            <a:r>
+              <a:rPr lang="pt-BR" dirty="0" smtClean="0"/>
+              <a:t>salas</a:t>
             </a:r>
             <a:endParaRPr lang="pt-BR" dirty="0"/>
           </a:p>
@@ -14342,13 +14801,20 @@
         </p:nvSpPr>
         <p:spPr/>
         <p:txBody>
-          <a:bodyPr/>
+          <a:bodyPr>
+            <a:normAutofit fontScale="90000"/>
+          </a:bodyPr>
           <a:lstStyle/>
           <a:p>
             <a:r>
-              <a:rPr lang="pt-BR" dirty="0"/>
-              <a:t>Algoritmo Genético</a:t>
-            </a:r>
+              <a:rPr lang="pt-BR" dirty="0" smtClean="0"/>
+              <a:t>Sistema </a:t>
+            </a:r>
+            <a:r>
+              <a:rPr lang="pt-BR" dirty="0" smtClean="0"/>
+              <a:t>Desenvolvido - Modelagem</a:t>
+            </a:r>
+            <a:endParaRPr lang="pt-BR" dirty="0"/>
           </a:p>
         </p:txBody>
       </p:sp>
@@ -14369,7 +14835,649 @@
           <a:p>
             <a:r>
               <a:rPr lang="pt-BR" dirty="0" smtClean="0"/>
-              <a:t>Indivíduo</a:t>
+              <a:t>Diagrama de caso de </a:t>
+            </a:r>
+            <a:r>
+              <a:rPr lang="pt-BR" dirty="0" smtClean="0"/>
+              <a:t>uso</a:t>
+            </a:r>
+          </a:p>
+          <a:p>
+            <a:endParaRPr lang="pt-BR" dirty="0"/>
+          </a:p>
+        </p:txBody>
+      </p:sp>
+      <p:pic>
+        <p:nvPicPr>
+          <p:cNvPr id="4" name="Picture 2" descr="E:\TI\Desenvolvimento\GitHub\tcc2\Documento\imagens\diagramaCasoUso.png"/>
+          <p:cNvPicPr>
+            <a:picLocks noChangeAspect="1" noChangeArrowheads="1"/>
+          </p:cNvPicPr>
+          <p:nvPr/>
+        </p:nvPicPr>
+        <p:blipFill>
+          <a:blip r:embed="rId2">
+            <a:extLst>
+              <a:ext uri="{28A0092B-C50C-407E-A947-70E740481C1C}">
+                <a14:useLocalDpi xmlns:a14="http://schemas.microsoft.com/office/drawing/2010/main" val="0"/>
+              </a:ext>
+            </a:extLst>
+          </a:blip>
+          <a:srcRect/>
+          <a:stretch>
+            <a:fillRect/>
+          </a:stretch>
+        </p:blipFill>
+        <p:spPr bwMode="auto">
+          <a:xfrm>
+            <a:off x="2123728" y="2708920"/>
+            <a:ext cx="4728963" cy="3736341"/>
+          </a:xfrm>
+          <a:prstGeom prst="rect">
+            <a:avLst/>
+          </a:prstGeom>
+          <a:noFill/>
+          <a:extLst>
+            <a:ext uri="{909E8E84-426E-40DD-AFC4-6F175D3DCCD1}">
+              <a14:hiddenFill xmlns:a14="http://schemas.microsoft.com/office/drawing/2010/main">
+                <a:solidFill>
+                  <a:srgbClr val="FFFFFF"/>
+                </a:solidFill>
+              </a14:hiddenFill>
+            </a:ext>
+          </a:extLst>
+        </p:spPr>
+      </p:pic>
+    </p:spTree>
+    <p:extLst>
+      <p:ext uri="{BB962C8B-B14F-4D97-AF65-F5344CB8AC3E}">
+        <p14:creationId xmlns:p14="http://schemas.microsoft.com/office/powerpoint/2010/main" val="1307973960"/>
+      </p:ext>
+    </p:extLst>
+  </p:cSld>
+  <p:clrMapOvr>
+    <a:masterClrMapping/>
+  </p:clrMapOvr>
+  <p:timing>
+    <p:tnLst>
+      <p:par>
+        <p:cTn id="1" dur="indefinite" restart="never" nodeType="tmRoot"/>
+      </p:par>
+    </p:tnLst>
+  </p:timing>
+</p:sld>
+</file>
+
+<file path=ppt/slides/slide11.xml><?xml version="1.0" encoding="utf-8"?>
+<p:sld xmlns:a="http://schemas.openxmlformats.org/drawingml/2006/main" xmlns:r="http://schemas.openxmlformats.org/officeDocument/2006/relationships" xmlns:p="http://schemas.openxmlformats.org/presentationml/2006/main">
+  <p:cSld>
+    <p:spTree>
+      <p:nvGrpSpPr>
+        <p:cNvPr id="1" name=""/>
+        <p:cNvGrpSpPr/>
+        <p:nvPr/>
+      </p:nvGrpSpPr>
+      <p:grpSpPr>
+        <a:xfrm>
+          <a:off x="0" y="0"/>
+          <a:ext cx="0" cy="0"/>
+          <a:chOff x="0" y="0"/>
+          <a:chExt cx="0" cy="0"/>
+        </a:xfrm>
+      </p:grpSpPr>
+      <p:sp>
+        <p:nvSpPr>
+          <p:cNvPr id="2" name="Título 1"/>
+          <p:cNvSpPr>
+            <a:spLocks noGrp="1"/>
+          </p:cNvSpPr>
+          <p:nvPr>
+            <p:ph type="title"/>
+          </p:nvPr>
+        </p:nvSpPr>
+        <p:spPr/>
+        <p:txBody>
+          <a:bodyPr>
+            <a:normAutofit fontScale="90000"/>
+          </a:bodyPr>
+          <a:lstStyle/>
+          <a:p>
+            <a:r>
+              <a:rPr lang="pt-BR" dirty="0"/>
+              <a:t>Sistema Desenvolvido - Modelagem</a:t>
+            </a:r>
+            <a:endParaRPr lang="pt-BR" dirty="0"/>
+          </a:p>
+        </p:txBody>
+      </p:sp>
+      <p:sp>
+        <p:nvSpPr>
+          <p:cNvPr id="6" name="Espaço Reservado para Conteúdo 5"/>
+          <p:cNvSpPr>
+            <a:spLocks noGrp="1"/>
+          </p:cNvSpPr>
+          <p:nvPr>
+            <p:ph idx="1"/>
+          </p:nvPr>
+        </p:nvSpPr>
+        <p:spPr/>
+        <p:txBody>
+          <a:bodyPr/>
+          <a:lstStyle/>
+          <a:p>
+            <a:r>
+              <a:rPr lang="pt-BR" dirty="0" smtClean="0"/>
+              <a:t>Diagrama de entidade </a:t>
+            </a:r>
+          </a:p>
+          <a:p>
+            <a:pPr marL="68580" indent="0">
+              <a:buNone/>
+            </a:pPr>
+            <a:r>
+              <a:rPr lang="pt-BR" dirty="0" err="1"/>
+              <a:t>r</a:t>
+            </a:r>
+            <a:r>
+              <a:rPr lang="pt-BR" dirty="0" err="1" smtClean="0"/>
+              <a:t>elaciomento</a:t>
+            </a:r>
+            <a:endParaRPr lang="pt-BR" dirty="0"/>
+          </a:p>
+        </p:txBody>
+      </p:sp>
+      <p:pic>
+        <p:nvPicPr>
+          <p:cNvPr id="2051" name="Picture 3" descr="E:\TI\Desenvolvimento\GitHub\tcc2\Documento\imagens\diagramaEntidadeRelacionamento.png"/>
+          <p:cNvPicPr>
+            <a:picLocks noChangeAspect="1" noChangeArrowheads="1"/>
+          </p:cNvPicPr>
+          <p:nvPr/>
+        </p:nvPicPr>
+        <p:blipFill>
+          <a:blip r:embed="rId2">
+            <a:extLst>
+              <a:ext uri="{28A0092B-C50C-407E-A947-70E740481C1C}">
+                <a14:useLocalDpi xmlns:a14="http://schemas.microsoft.com/office/drawing/2010/main" val="0"/>
+              </a:ext>
+            </a:extLst>
+          </a:blip>
+          <a:srcRect/>
+          <a:stretch>
+            <a:fillRect/>
+          </a:stretch>
+        </p:blipFill>
+        <p:spPr bwMode="auto">
+          <a:xfrm>
+            <a:off x="5652119" y="1518692"/>
+            <a:ext cx="3309519" cy="5229200"/>
+          </a:xfrm>
+          <a:prstGeom prst="rect">
+            <a:avLst/>
+          </a:prstGeom>
+          <a:noFill/>
+          <a:extLst>
+            <a:ext uri="{909E8E84-426E-40DD-AFC4-6F175D3DCCD1}">
+              <a14:hiddenFill xmlns:a14="http://schemas.microsoft.com/office/drawing/2010/main">
+                <a:solidFill>
+                  <a:srgbClr val="FFFFFF"/>
+                </a:solidFill>
+              </a14:hiddenFill>
+            </a:ext>
+          </a:extLst>
+        </p:spPr>
+      </p:pic>
+    </p:spTree>
+    <p:extLst>
+      <p:ext uri="{BB962C8B-B14F-4D97-AF65-F5344CB8AC3E}">
+        <p14:creationId xmlns:p14="http://schemas.microsoft.com/office/powerpoint/2010/main" val="150586597"/>
+      </p:ext>
+    </p:extLst>
+  </p:cSld>
+  <p:clrMapOvr>
+    <a:masterClrMapping/>
+  </p:clrMapOvr>
+  <p:timing>
+    <p:tnLst>
+      <p:par>
+        <p:cTn id="1" dur="indefinite" restart="never" nodeType="tmRoot"/>
+      </p:par>
+    </p:tnLst>
+  </p:timing>
+</p:sld>
+</file>
+
+<file path=ppt/slides/slide12.xml><?xml version="1.0" encoding="utf-8"?>
+<p:sld xmlns:a="http://schemas.openxmlformats.org/drawingml/2006/main" xmlns:r="http://schemas.openxmlformats.org/officeDocument/2006/relationships" xmlns:p="http://schemas.openxmlformats.org/presentationml/2006/main">
+  <p:cSld>
+    <p:spTree>
+      <p:nvGrpSpPr>
+        <p:cNvPr id="1" name=""/>
+        <p:cNvGrpSpPr/>
+        <p:nvPr/>
+      </p:nvGrpSpPr>
+      <p:grpSpPr>
+        <a:xfrm>
+          <a:off x="0" y="0"/>
+          <a:ext cx="0" cy="0"/>
+          <a:chOff x="0" y="0"/>
+          <a:chExt cx="0" cy="0"/>
+        </a:xfrm>
+      </p:grpSpPr>
+      <p:sp>
+        <p:nvSpPr>
+          <p:cNvPr id="2" name="Título 1"/>
+          <p:cNvSpPr>
+            <a:spLocks noGrp="1"/>
+          </p:cNvSpPr>
+          <p:nvPr>
+            <p:ph type="title"/>
+          </p:nvPr>
+        </p:nvSpPr>
+        <p:spPr/>
+        <p:txBody>
+          <a:bodyPr>
+            <a:normAutofit fontScale="90000"/>
+          </a:bodyPr>
+          <a:lstStyle/>
+          <a:p>
+            <a:r>
+              <a:rPr lang="pt-BR" dirty="0"/>
+              <a:t>Sistema Desenvolvido - Modelagem</a:t>
+            </a:r>
+            <a:endParaRPr lang="pt-BR" dirty="0"/>
+          </a:p>
+        </p:txBody>
+      </p:sp>
+      <p:sp>
+        <p:nvSpPr>
+          <p:cNvPr id="4" name="Espaço Reservado para Conteúdo 3"/>
+          <p:cNvSpPr>
+            <a:spLocks noGrp="1"/>
+          </p:cNvSpPr>
+          <p:nvPr>
+            <p:ph idx="1"/>
+          </p:nvPr>
+        </p:nvSpPr>
+        <p:spPr/>
+        <p:txBody>
+          <a:bodyPr/>
+          <a:lstStyle/>
+          <a:p>
+            <a:r>
+              <a:rPr lang="pt-BR" dirty="0" smtClean="0"/>
+              <a:t>Diagrama de classe</a:t>
+            </a:r>
+            <a:endParaRPr lang="pt-BR" dirty="0"/>
+          </a:p>
+        </p:txBody>
+      </p:sp>
+      <p:pic>
+        <p:nvPicPr>
+          <p:cNvPr id="5" name="Picture 2" descr="E:\TI\Desenvolvimento\GitHub\tcc2\Documento\imagens\diagramaClasse.png"/>
+          <p:cNvPicPr>
+            <a:picLocks noChangeAspect="1" noChangeArrowheads="1"/>
+          </p:cNvPicPr>
+          <p:nvPr/>
+        </p:nvPicPr>
+        <p:blipFill>
+          <a:blip r:embed="rId2" cstate="print">
+            <a:extLst>
+              <a:ext uri="{28A0092B-C50C-407E-A947-70E740481C1C}">
+                <a14:useLocalDpi xmlns:a14="http://schemas.microsoft.com/office/drawing/2010/main" val="0"/>
+              </a:ext>
+            </a:extLst>
+          </a:blip>
+          <a:srcRect/>
+          <a:stretch>
+            <a:fillRect/>
+          </a:stretch>
+        </p:blipFill>
+        <p:spPr bwMode="auto">
+          <a:xfrm>
+            <a:off x="4567588" y="2276872"/>
+            <a:ext cx="4032447" cy="4159896"/>
+          </a:xfrm>
+          <a:prstGeom prst="rect">
+            <a:avLst/>
+          </a:prstGeom>
+          <a:noFill/>
+          <a:extLst>
+            <a:ext uri="{909E8E84-426E-40DD-AFC4-6F175D3DCCD1}">
+              <a14:hiddenFill xmlns:a14="http://schemas.microsoft.com/office/drawing/2010/main">
+                <a:solidFill>
+                  <a:srgbClr val="FFFFFF"/>
+                </a:solidFill>
+              </a14:hiddenFill>
+            </a:ext>
+          </a:extLst>
+        </p:spPr>
+      </p:pic>
+    </p:spTree>
+    <p:extLst>
+      <p:ext uri="{BB962C8B-B14F-4D97-AF65-F5344CB8AC3E}">
+        <p14:creationId xmlns:p14="http://schemas.microsoft.com/office/powerpoint/2010/main" val="3111598204"/>
+      </p:ext>
+    </p:extLst>
+  </p:cSld>
+  <p:clrMapOvr>
+    <a:masterClrMapping/>
+  </p:clrMapOvr>
+  <p:timing>
+    <p:tnLst>
+      <p:par>
+        <p:cTn id="1" dur="indefinite" restart="never" nodeType="tmRoot"/>
+      </p:par>
+    </p:tnLst>
+  </p:timing>
+</p:sld>
+</file>
+
+<file path=ppt/slides/slide13.xml><?xml version="1.0" encoding="utf-8"?>
+<p:sld xmlns:a="http://schemas.openxmlformats.org/drawingml/2006/main" xmlns:r="http://schemas.openxmlformats.org/officeDocument/2006/relationships" xmlns:p="http://schemas.openxmlformats.org/presentationml/2006/main">
+  <p:cSld>
+    <p:spTree>
+      <p:nvGrpSpPr>
+        <p:cNvPr id="1" name=""/>
+        <p:cNvGrpSpPr/>
+        <p:nvPr/>
+      </p:nvGrpSpPr>
+      <p:grpSpPr>
+        <a:xfrm>
+          <a:off x="0" y="0"/>
+          <a:ext cx="0" cy="0"/>
+          <a:chOff x="0" y="0"/>
+          <a:chExt cx="0" cy="0"/>
+        </a:xfrm>
+      </p:grpSpPr>
+      <p:sp>
+        <p:nvSpPr>
+          <p:cNvPr id="2" name="Título 1"/>
+          <p:cNvSpPr>
+            <a:spLocks noGrp="1"/>
+          </p:cNvSpPr>
+          <p:nvPr>
+            <p:ph type="title"/>
+          </p:nvPr>
+        </p:nvSpPr>
+        <p:spPr/>
+        <p:txBody>
+          <a:bodyPr/>
+          <a:lstStyle/>
+          <a:p>
+            <a:r>
+              <a:rPr lang="pt-BR" dirty="0" smtClean="0"/>
+              <a:t>Algoritmo Genético</a:t>
+            </a:r>
+            <a:endParaRPr lang="pt-BR" dirty="0"/>
+          </a:p>
+        </p:txBody>
+      </p:sp>
+      <p:sp>
+        <p:nvSpPr>
+          <p:cNvPr id="4" name="Espaço Reservado para Conteúdo 3"/>
+          <p:cNvSpPr>
+            <a:spLocks noGrp="1"/>
+          </p:cNvSpPr>
+          <p:nvPr>
+            <p:ph idx="1"/>
+          </p:nvPr>
+        </p:nvSpPr>
+        <p:spPr/>
+        <p:txBody>
+          <a:bodyPr/>
+          <a:lstStyle/>
+          <a:p>
+            <a:r>
+              <a:rPr lang="pt-BR" dirty="0"/>
+              <a:t>Representação Gene</a:t>
+            </a:r>
+            <a:endParaRPr lang="pt-BR" dirty="0"/>
+          </a:p>
+        </p:txBody>
+      </p:sp>
+      <p:pic>
+        <p:nvPicPr>
+          <p:cNvPr id="4099" name="Picture 3" descr="D:\workspace\tcc2\Documento\imagens\representacaoGene.png"/>
+          <p:cNvPicPr>
+            <a:picLocks noChangeAspect="1" noChangeArrowheads="1"/>
+          </p:cNvPicPr>
+          <p:nvPr/>
+        </p:nvPicPr>
+        <p:blipFill>
+          <a:blip r:embed="rId2">
+            <a:extLst>
+              <a:ext uri="{28A0092B-C50C-407E-A947-70E740481C1C}">
+                <a14:useLocalDpi xmlns:a14="http://schemas.microsoft.com/office/drawing/2010/main" val="0"/>
+              </a:ext>
+            </a:extLst>
+          </a:blip>
+          <a:srcRect/>
+          <a:stretch>
+            <a:fillRect/>
+          </a:stretch>
+        </p:blipFill>
+        <p:spPr bwMode="auto">
+          <a:xfrm>
+            <a:off x="2593256" y="3124200"/>
+            <a:ext cx="3924300" cy="1743075"/>
+          </a:xfrm>
+          <a:prstGeom prst="rect">
+            <a:avLst/>
+          </a:prstGeom>
+          <a:noFill/>
+          <a:extLst>
+            <a:ext uri="{909E8E84-426E-40DD-AFC4-6F175D3DCCD1}">
+              <a14:hiddenFill xmlns:a14="http://schemas.microsoft.com/office/drawing/2010/main">
+                <a:solidFill>
+                  <a:srgbClr val="FFFFFF"/>
+                </a:solidFill>
+              </a14:hiddenFill>
+            </a:ext>
+          </a:extLst>
+        </p:spPr>
+      </p:pic>
+    </p:spTree>
+    <p:extLst>
+      <p:ext uri="{BB962C8B-B14F-4D97-AF65-F5344CB8AC3E}">
+        <p14:creationId xmlns:p14="http://schemas.microsoft.com/office/powerpoint/2010/main" val="3786269829"/>
+      </p:ext>
+    </p:extLst>
+  </p:cSld>
+  <p:clrMapOvr>
+    <a:masterClrMapping/>
+  </p:clrMapOvr>
+  <p:timing>
+    <p:tnLst>
+      <p:par>
+        <p:cTn id="1" dur="indefinite" restart="never" nodeType="tmRoot"/>
+      </p:par>
+    </p:tnLst>
+  </p:timing>
+</p:sld>
+</file>
+
+<file path=ppt/slides/slide14.xml><?xml version="1.0" encoding="utf-8"?>
+<p:sld xmlns:a="http://schemas.openxmlformats.org/drawingml/2006/main" xmlns:r="http://schemas.openxmlformats.org/officeDocument/2006/relationships" xmlns:p="http://schemas.openxmlformats.org/presentationml/2006/main">
+  <p:cSld>
+    <p:spTree>
+      <p:nvGrpSpPr>
+        <p:cNvPr id="1" name=""/>
+        <p:cNvGrpSpPr/>
+        <p:nvPr/>
+      </p:nvGrpSpPr>
+      <p:grpSpPr>
+        <a:xfrm>
+          <a:off x="0" y="0"/>
+          <a:ext cx="0" cy="0"/>
+          <a:chOff x="0" y="0"/>
+          <a:chExt cx="0" cy="0"/>
+        </a:xfrm>
+      </p:grpSpPr>
+      <p:sp>
+        <p:nvSpPr>
+          <p:cNvPr id="2" name="Título 1"/>
+          <p:cNvSpPr>
+            <a:spLocks noGrp="1"/>
+          </p:cNvSpPr>
+          <p:nvPr>
+            <p:ph type="title"/>
+          </p:nvPr>
+        </p:nvSpPr>
+        <p:spPr/>
+        <p:txBody>
+          <a:bodyPr/>
+          <a:lstStyle/>
+          <a:p>
+            <a:r>
+              <a:rPr lang="pt-BR" dirty="0" smtClean="0"/>
+              <a:t>Algoritmo Genético</a:t>
+            </a:r>
+            <a:endParaRPr lang="pt-BR" dirty="0"/>
+          </a:p>
+        </p:txBody>
+      </p:sp>
+      <p:sp>
+        <p:nvSpPr>
+          <p:cNvPr id="3" name="Espaço Reservado para Conteúdo 2"/>
+          <p:cNvSpPr>
+            <a:spLocks noGrp="1"/>
+          </p:cNvSpPr>
+          <p:nvPr>
+            <p:ph idx="1"/>
+          </p:nvPr>
+        </p:nvSpPr>
+        <p:spPr/>
+        <p:txBody>
+          <a:bodyPr/>
+          <a:lstStyle/>
+          <a:p>
+            <a:r>
+              <a:rPr lang="pt-BR" dirty="0"/>
+              <a:t>Representação Cromossomo</a:t>
+            </a:r>
+            <a:endParaRPr lang="pt-BR" dirty="0"/>
+          </a:p>
+        </p:txBody>
+      </p:sp>
+      <p:pic>
+        <p:nvPicPr>
+          <p:cNvPr id="5122" name="Picture 2" descr="D:\workspace\tcc2\Documento\imagens\representacaoCromossomo.png"/>
+          <p:cNvPicPr>
+            <a:picLocks noChangeAspect="1" noChangeArrowheads="1"/>
+          </p:cNvPicPr>
+          <p:nvPr/>
+        </p:nvPicPr>
+        <p:blipFill>
+          <a:blip r:embed="rId2">
+            <a:extLst>
+              <a:ext uri="{28A0092B-C50C-407E-A947-70E740481C1C}">
+                <a14:useLocalDpi xmlns:a14="http://schemas.microsoft.com/office/drawing/2010/main" val="0"/>
+              </a:ext>
+            </a:extLst>
+          </a:blip>
+          <a:srcRect/>
+          <a:stretch>
+            <a:fillRect/>
+          </a:stretch>
+        </p:blipFill>
+        <p:spPr bwMode="auto">
+          <a:xfrm>
+            <a:off x="1871662" y="3435927"/>
+            <a:ext cx="5400675" cy="581025"/>
+          </a:xfrm>
+          <a:prstGeom prst="rect">
+            <a:avLst/>
+          </a:prstGeom>
+          <a:noFill/>
+          <a:extLst>
+            <a:ext uri="{909E8E84-426E-40DD-AFC4-6F175D3DCCD1}">
+              <a14:hiddenFill xmlns:a14="http://schemas.microsoft.com/office/drawing/2010/main">
+                <a:solidFill>
+                  <a:srgbClr val="FFFFFF"/>
+                </a:solidFill>
+              </a14:hiddenFill>
+            </a:ext>
+          </a:extLst>
+        </p:spPr>
+      </p:pic>
+    </p:spTree>
+    <p:extLst>
+      <p:ext uri="{BB962C8B-B14F-4D97-AF65-F5344CB8AC3E}">
+        <p14:creationId xmlns:p14="http://schemas.microsoft.com/office/powerpoint/2010/main" val="1591249136"/>
+      </p:ext>
+    </p:extLst>
+  </p:cSld>
+  <p:clrMapOvr>
+    <a:masterClrMapping/>
+  </p:clrMapOvr>
+  <p:timing>
+    <p:tnLst>
+      <p:par>
+        <p:cTn id="1" dur="indefinite" restart="never" nodeType="tmRoot"/>
+      </p:par>
+    </p:tnLst>
+  </p:timing>
+</p:sld>
+</file>
+
+<file path=ppt/slides/slide15.xml><?xml version="1.0" encoding="utf-8"?>
+<p:sld xmlns:a="http://schemas.openxmlformats.org/drawingml/2006/main" xmlns:r="http://schemas.openxmlformats.org/officeDocument/2006/relationships" xmlns:p="http://schemas.openxmlformats.org/presentationml/2006/main">
+  <p:cSld>
+    <p:spTree>
+      <p:nvGrpSpPr>
+        <p:cNvPr id="1" name=""/>
+        <p:cNvGrpSpPr/>
+        <p:nvPr/>
+      </p:nvGrpSpPr>
+      <p:grpSpPr>
+        <a:xfrm>
+          <a:off x="0" y="0"/>
+          <a:ext cx="0" cy="0"/>
+          <a:chOff x="0" y="0"/>
+          <a:chExt cx="0" cy="0"/>
+        </a:xfrm>
+      </p:grpSpPr>
+      <p:sp>
+        <p:nvSpPr>
+          <p:cNvPr id="2" name="Título 1"/>
+          <p:cNvSpPr>
+            <a:spLocks noGrp="1"/>
+          </p:cNvSpPr>
+          <p:nvPr>
+            <p:ph type="title"/>
+          </p:nvPr>
+        </p:nvSpPr>
+        <p:spPr/>
+        <p:txBody>
+          <a:bodyPr/>
+          <a:lstStyle/>
+          <a:p>
+            <a:r>
+              <a:rPr lang="pt-BR" dirty="0"/>
+              <a:t>Algoritmo Genético</a:t>
+            </a:r>
+          </a:p>
+        </p:txBody>
+      </p:sp>
+      <p:sp>
+        <p:nvSpPr>
+          <p:cNvPr id="3" name="Espaço Reservado para Conteúdo 2"/>
+          <p:cNvSpPr>
+            <a:spLocks noGrp="1"/>
+          </p:cNvSpPr>
+          <p:nvPr>
+            <p:ph idx="1"/>
+          </p:nvPr>
+        </p:nvSpPr>
+        <p:spPr/>
+        <p:txBody>
+          <a:bodyPr/>
+          <a:lstStyle/>
+          <a:p>
+            <a:r>
+              <a:rPr lang="pt-BR" dirty="0"/>
+              <a:t>Representação Indivíduo</a:t>
             </a:r>
             <a:endParaRPr lang="pt-BR" dirty="0"/>
           </a:p>
@@ -14436,7 +15544,7 @@
 </p:sld>
 </file>
 
-<file path=ppt/slides/slide11.xml><?xml version="1.0" encoding="utf-8"?>
+<file path=ppt/slides/slide16.xml><?xml version="1.0" encoding="utf-8"?>
 <p:sld xmlns:a="http://schemas.openxmlformats.org/drawingml/2006/main" xmlns:r="http://schemas.openxmlformats.org/officeDocument/2006/relationships" xmlns:p="http://schemas.openxmlformats.org/presentationml/2006/main">
   <p:cSld>
     <p:spTree>
@@ -14469,10 +15577,9 @@
           <a:lstStyle/>
           <a:p>
             <a:r>
-              <a:rPr lang="pt-BR" dirty="0" smtClean="0"/>
+              <a:rPr lang="pt-BR" dirty="0"/>
               <a:t>Algoritmo Genético</a:t>
             </a:r>
-            <a:endParaRPr lang="pt-BR" dirty="0"/>
           </a:p>
         </p:txBody>
       </p:sp>
@@ -14486,64 +15593,187 @@
             <p:ph idx="1"/>
           </p:nvPr>
         </p:nvSpPr>
-        <p:spPr/>
+        <p:spPr>
+          <a:xfrm>
+            <a:off x="1043492" y="2323652"/>
+            <a:ext cx="7344932" cy="3985668"/>
+          </a:xfrm>
+        </p:spPr>
         <p:txBody>
-          <a:bodyPr/>
+          <a:bodyPr>
+            <a:normAutofit/>
+          </a:bodyPr>
           <a:lstStyle/>
           <a:p>
             <a:r>
               <a:rPr lang="pt-BR" dirty="0" smtClean="0"/>
-              <a:t>Mutação</a:t>
-            </a:r>
+              <a:t>Função objetivo</a:t>
+            </a:r>
+          </a:p>
+          <a:p>
             <a:endParaRPr lang="pt-BR" dirty="0"/>
+          </a:p>
+          <a:p>
+            <a:pPr marL="68580" indent="0">
+              <a:buNone/>
+            </a:pPr>
+            <a:r>
+              <a:rPr lang="pt-BR" sz="1200" b="1" dirty="0" smtClean="0"/>
+              <a:t>Restrição  obrigatoriedade entre disciplina e horário</a:t>
+            </a:r>
+          </a:p>
+          <a:p>
+            <a:pPr marL="68580" indent="0">
+              <a:buNone/>
+            </a:pPr>
+            <a:endParaRPr lang="pt-BR" sz="1200" dirty="0" smtClean="0"/>
+          </a:p>
+          <a:p>
+            <a:pPr marL="68580" indent="0">
+              <a:buNone/>
+            </a:pPr>
+            <a:r>
+              <a:rPr lang="pt-BR" sz="1200" dirty="0" smtClean="0"/>
+              <a:t>fitness01 =  </a:t>
+            </a:r>
+            <a:r>
+              <a:rPr lang="pt-BR" sz="1200" dirty="0" err="1" smtClean="0"/>
+              <a:t>somatórioRelaciomentosAtendidos</a:t>
+            </a:r>
+            <a:r>
+              <a:rPr lang="pt-BR" sz="1200" dirty="0" smtClean="0"/>
+              <a:t> </a:t>
+            </a:r>
+            <a:r>
+              <a:rPr lang="pt-BR" sz="1200" dirty="0"/>
+              <a:t>* 100 / </a:t>
+            </a:r>
+            <a:r>
+              <a:rPr lang="pt-BR" sz="1200" dirty="0" err="1" smtClean="0"/>
+              <a:t>quantidadDisciplinaHorario</a:t>
+            </a:r>
+            <a:endParaRPr lang="pt-BR" sz="1200" dirty="0" smtClean="0"/>
+          </a:p>
+          <a:p>
+            <a:pPr marL="68580" indent="0">
+              <a:buNone/>
+            </a:pPr>
+            <a:endParaRPr lang="pt-BR" sz="1200" dirty="0" smtClean="0"/>
+          </a:p>
+          <a:p>
+            <a:pPr marL="68580" indent="0">
+              <a:buNone/>
+            </a:pPr>
+            <a:r>
+              <a:rPr lang="pt-BR" sz="1200" b="1" dirty="0" smtClean="0"/>
+              <a:t>Restrição capacidade da sala</a:t>
+            </a:r>
+          </a:p>
+          <a:p>
+            <a:pPr marL="68580" indent="0">
+              <a:buNone/>
+            </a:pPr>
+            <a:endParaRPr lang="pt-BR" sz="1200" dirty="0" smtClean="0"/>
+          </a:p>
+          <a:p>
+            <a:pPr marL="68580" indent="0">
+              <a:buNone/>
+            </a:pPr>
+            <a:r>
+              <a:rPr lang="pt-BR" sz="1200" dirty="0" smtClean="0"/>
+              <a:t>fitness02 </a:t>
+            </a:r>
+            <a:r>
+              <a:rPr lang="pt-BR" sz="1200" dirty="0"/>
+              <a:t>=  </a:t>
+            </a:r>
+            <a:r>
+              <a:rPr lang="pt-BR" sz="1200" dirty="0" err="1"/>
+              <a:t>somatórioRelaciomentosAtendidos</a:t>
+            </a:r>
+            <a:r>
+              <a:rPr lang="pt-BR" sz="1200" dirty="0"/>
+              <a:t> * 100 / </a:t>
+            </a:r>
+            <a:r>
+              <a:rPr lang="pt-BR" sz="1200" dirty="0" err="1" smtClean="0"/>
+              <a:t>quantidadDisciplinaHorario</a:t>
+            </a:r>
+            <a:endParaRPr lang="pt-BR" sz="1200" dirty="0" smtClean="0"/>
+          </a:p>
+          <a:p>
+            <a:pPr marL="68580" indent="0">
+              <a:buNone/>
+            </a:pPr>
+            <a:endParaRPr lang="pt-BR" sz="1200" dirty="0" smtClean="0"/>
+          </a:p>
+          <a:p>
+            <a:pPr marL="68580" indent="0">
+              <a:buNone/>
+            </a:pPr>
+            <a:r>
+              <a:rPr lang="pt-BR" sz="1200" b="1" dirty="0" smtClean="0"/>
+              <a:t>Restrição todos os relacionamentos de obrigatoriedade entre disciplina e horário</a:t>
+            </a:r>
+          </a:p>
+          <a:p>
+            <a:pPr marL="68580" indent="0">
+              <a:buNone/>
+            </a:pPr>
+            <a:endParaRPr lang="pt-BR" sz="1200" dirty="0"/>
+          </a:p>
+          <a:p>
+            <a:pPr marL="68580" indent="0">
+              <a:buNone/>
+            </a:pPr>
+            <a:r>
+              <a:rPr lang="pt-BR" sz="1200" dirty="0" smtClean="0"/>
+              <a:t>fitness03 </a:t>
+            </a:r>
+            <a:r>
+              <a:rPr lang="pt-BR" sz="1200" dirty="0"/>
+              <a:t>=  </a:t>
+            </a:r>
+            <a:r>
+              <a:rPr lang="pt-BR" sz="1200" dirty="0" err="1"/>
+              <a:t>somatórioRelaciomentosAtendidos</a:t>
+            </a:r>
+            <a:r>
+              <a:rPr lang="pt-BR" sz="1200" dirty="0"/>
+              <a:t> * 100 / </a:t>
+            </a:r>
+            <a:r>
+              <a:rPr lang="pt-BR" sz="1200" dirty="0" err="1"/>
+              <a:t>quantidadDisciplinaHorario</a:t>
+            </a:r>
+            <a:endParaRPr lang="pt-BR" sz="1200" dirty="0"/>
+          </a:p>
+          <a:p>
+            <a:pPr marL="68580" indent="0">
+              <a:buNone/>
+            </a:pPr>
+            <a:endParaRPr lang="pt-BR" sz="1200" u="sng" dirty="0"/>
+          </a:p>
+          <a:p>
+            <a:pPr marL="68580" indent="0">
+              <a:buNone/>
+            </a:pPr>
+            <a:r>
+              <a:rPr lang="pt-BR" sz="1200" dirty="0" smtClean="0"/>
+              <a:t>(fitness01+fitness02+fitness03</a:t>
+            </a:r>
+            <a:r>
+              <a:rPr lang="pt-BR" sz="1200" dirty="0"/>
+              <a:t>)/3</a:t>
+            </a:r>
+            <a:endParaRPr lang="pt-BR" sz="1200" dirty="0"/>
           </a:p>
         </p:txBody>
       </p:sp>
-      <p:pic>
-        <p:nvPicPr>
-          <p:cNvPr id="7170" name="Picture 2" descr="D:\workspace\tcc2\Documento\imagens\representacaoMutacao.png"/>
-          <p:cNvPicPr>
-            <a:picLocks noChangeAspect="1" noChangeArrowheads="1"/>
-          </p:cNvPicPr>
-          <p:nvPr/>
-        </p:nvPicPr>
-        <p:blipFill>
-          <a:blip r:embed="rId3">
-            <a:extLst>
-              <a:ext uri="{28A0092B-C50C-407E-A947-70E740481C1C}">
-                <a14:useLocalDpi xmlns:a14="http://schemas.microsoft.com/office/drawing/2010/main" val="0"/>
-              </a:ext>
-            </a:extLst>
-          </a:blip>
-          <a:srcRect/>
-          <a:stretch>
-            <a:fillRect/>
-          </a:stretch>
-        </p:blipFill>
-        <p:spPr bwMode="auto">
-          <a:xfrm>
-            <a:off x="1547664" y="3140968"/>
-            <a:ext cx="6135687" cy="2000250"/>
-          </a:xfrm>
-          <a:prstGeom prst="rect">
-            <a:avLst/>
-          </a:prstGeom>
-          <a:noFill/>
-          <a:extLst>
-            <a:ext uri="{909E8E84-426E-40DD-AFC4-6F175D3DCCD1}">
-              <a14:hiddenFill xmlns:a14="http://schemas.microsoft.com/office/drawing/2010/main">
-                <a:solidFill>
-                  <a:srgbClr val="FFFFFF"/>
-                </a:solidFill>
-              </a14:hiddenFill>
-            </a:ext>
-          </a:extLst>
-        </p:spPr>
-      </p:pic>
     </p:spTree>
     <p:extLst>
       <p:ext uri="{BB962C8B-B14F-4D97-AF65-F5344CB8AC3E}">
-        <p14:creationId xmlns:p14="http://schemas.microsoft.com/office/powerpoint/2010/main" val="1509131478"/>
+        <p14:creationId xmlns:p14="http://schemas.microsoft.com/office/powerpoint/2010/main" val="304488047"/>
       </p:ext>
     </p:extLst>
   </p:cSld>
@@ -14560,7 +15790,7 @@
 </p:sld>
 </file>
 
-<file path=ppt/slides/slide12.xml><?xml version="1.0" encoding="utf-8"?>
+<file path=ppt/slides/slide17.xml><?xml version="1.0" encoding="utf-8"?>
 <p:sld xmlns:a="http://schemas.openxmlformats.org/drawingml/2006/main" xmlns:r="http://schemas.openxmlformats.org/officeDocument/2006/relationships" xmlns:p="http://schemas.openxmlformats.org/presentationml/2006/main">
   <p:cSld>
     <p:spTree>
@@ -14589,12 +15819,22 @@
         </p:nvSpPr>
         <p:spPr/>
         <p:txBody>
-          <a:bodyPr/>
+          <a:bodyPr>
+            <a:normAutofit fontScale="90000"/>
+          </a:bodyPr>
           <a:lstStyle/>
           <a:p>
             <a:r>
+              <a:rPr lang="pt-BR" dirty="0"/>
+              <a:t>Sistema Desenvolvido - </a:t>
+            </a:r>
+            <a:r>
               <a:rPr lang="pt-BR" dirty="0" smtClean="0"/>
-              <a:t>Algoritmo Genético</a:t>
+              <a:t>Algoritmo </a:t>
+            </a:r>
+            <a:r>
+              <a:rPr lang="pt-BR" dirty="0" smtClean="0"/>
+              <a:t>Genético</a:t>
             </a:r>
             <a:endParaRPr lang="pt-BR" dirty="0"/>
           </a:p>
@@ -14617,57 +15857,29 @@
           <a:p>
             <a:r>
               <a:rPr lang="pt-BR" dirty="0" smtClean="0"/>
-              <a:t>População</a:t>
+              <a:t>Operador Genético - Elitismo</a:t>
+            </a:r>
+          </a:p>
+          <a:p>
+            <a:endParaRPr lang="pt-BR" dirty="0"/>
+          </a:p>
+          <a:p>
+            <a:pPr>
+              <a:buFont typeface="Wingdings" panose="05000000000000000000" pitchFamily="2" charset="2"/>
+              <a:buChar char="v"/>
+            </a:pPr>
+            <a:r>
+              <a:rPr lang="pt-BR" dirty="0" smtClean="0"/>
+              <a:t>Garantia da seleção do melhor indivíduo</a:t>
             </a:r>
             <a:endParaRPr lang="pt-BR" dirty="0"/>
           </a:p>
         </p:txBody>
       </p:sp>
-      <p:pic>
-        <p:nvPicPr>
-          <p:cNvPr id="8194" name="Picture 2" descr="D:\workspace\tcc2\Documento\imagens\fluxoNovaPopulacao.png"/>
-          <p:cNvPicPr>
-            <a:picLocks noChangeAspect="1" noChangeArrowheads="1"/>
-          </p:cNvPicPr>
-          <p:nvPr/>
-        </p:nvPicPr>
-        <p:blipFill>
-          <a:blip r:embed="rId2" cstate="print">
-            <a:extLst>
-              <a:ext uri="{28A0092B-C50C-407E-A947-70E740481C1C}">
-                <a14:useLocalDpi xmlns:a14="http://schemas.microsoft.com/office/drawing/2010/main" val="0"/>
-              </a:ext>
-            </a:extLst>
-          </a:blip>
-          <a:srcRect/>
-          <a:stretch>
-            <a:fillRect/>
-          </a:stretch>
-        </p:blipFill>
-        <p:spPr bwMode="auto">
-          <a:xfrm>
-            <a:off x="4139952" y="2436021"/>
-            <a:ext cx="2592288" cy="3603045"/>
-          </a:xfrm>
-          <a:prstGeom prst="rect">
-            <a:avLst/>
-          </a:prstGeom>
-          <a:noFill/>
-          <a:extLst>
-            <a:ext uri="{909E8E84-426E-40DD-AFC4-6F175D3DCCD1}">
-              <a14:hiddenFill xmlns:a14="http://schemas.microsoft.com/office/drawing/2010/main">
-                <a:solidFill>
-                  <a:srgbClr val="FFFFFF"/>
-                </a:solidFill>
-              </a14:hiddenFill>
-            </a:ext>
-          </a:extLst>
-        </p:spPr>
-      </p:pic>
     </p:spTree>
     <p:extLst>
       <p:ext uri="{BB962C8B-B14F-4D97-AF65-F5344CB8AC3E}">
-        <p14:creationId xmlns:p14="http://schemas.microsoft.com/office/powerpoint/2010/main" val="1356173687"/>
+        <p14:creationId xmlns:p14="http://schemas.microsoft.com/office/powerpoint/2010/main" val="1509131478"/>
       </p:ext>
     </p:extLst>
   </p:cSld>
@@ -14684,7 +15896,7 @@
 </p:sld>
 </file>
 
-<file path=ppt/slides/slide13.xml><?xml version="1.0" encoding="utf-8"?>
+<file path=ppt/slides/slide18.xml><?xml version="1.0" encoding="utf-8"?>
 <p:sld xmlns:a="http://schemas.openxmlformats.org/drawingml/2006/main" xmlns:r="http://schemas.openxmlformats.org/officeDocument/2006/relationships" xmlns:p="http://schemas.openxmlformats.org/presentationml/2006/main">
   <p:cSld>
     <p:spTree>
@@ -14713,12 +15925,22 @@
         </p:nvSpPr>
         <p:spPr/>
         <p:txBody>
-          <a:bodyPr/>
+          <a:bodyPr>
+            <a:normAutofit fontScale="90000"/>
+          </a:bodyPr>
           <a:lstStyle/>
           <a:p>
             <a:r>
+              <a:rPr lang="pt-BR" dirty="0"/>
+              <a:t>Sistema Desenvolvido - </a:t>
+            </a:r>
+            <a:r>
               <a:rPr lang="pt-BR" dirty="0" smtClean="0"/>
-              <a:t>Algoritmo Genético</a:t>
+              <a:t>Algoritmo </a:t>
+            </a:r>
+            <a:r>
+              <a:rPr lang="pt-BR" dirty="0" smtClean="0"/>
+              <a:t>Genético</a:t>
             </a:r>
             <a:endParaRPr lang="pt-BR" dirty="0"/>
           </a:p>
@@ -14741,7 +15963,11 @@
           <a:p>
             <a:r>
               <a:rPr lang="pt-BR" dirty="0" smtClean="0"/>
-              <a:t>Fluxo Algoritmo</a:t>
+              <a:t>Operador Genético </a:t>
+            </a:r>
+            <a:r>
+              <a:rPr lang="pt-BR" dirty="0"/>
+              <a:t>- Representação Mutação</a:t>
             </a:r>
             <a:endParaRPr lang="pt-BR" dirty="0"/>
           </a:p>
@@ -14749,7 +15975,7 @@
       </p:sp>
       <p:pic>
         <p:nvPicPr>
-          <p:cNvPr id="9218" name="Picture 2" descr="D:\workspace\tcc2\Documento\imagens\fluxoAlgoritimo.png"/>
+          <p:cNvPr id="7170" name="Picture 2" descr="D:\workspace\tcc2\Documento\imagens\representacaoMutacao.png"/>
           <p:cNvPicPr>
             <a:picLocks noChangeAspect="1" noChangeArrowheads="1"/>
           </p:cNvPicPr>
@@ -14770,8 +15996,8 @@
         </p:blipFill>
         <p:spPr bwMode="auto">
           <a:xfrm>
-            <a:off x="4139952" y="2348880"/>
-            <a:ext cx="4104456" cy="4036639"/>
+            <a:off x="1566765" y="3140968"/>
+            <a:ext cx="6135687" cy="2000250"/>
           </a:xfrm>
           <a:prstGeom prst="rect">
             <a:avLst/>
@@ -14791,7 +16017,7 @@
     </p:spTree>
     <p:extLst>
       <p:ext uri="{BB962C8B-B14F-4D97-AF65-F5344CB8AC3E}">
-        <p14:creationId xmlns:p14="http://schemas.microsoft.com/office/powerpoint/2010/main" val="993251545"/>
+        <p14:creationId xmlns:p14="http://schemas.microsoft.com/office/powerpoint/2010/main" val="1395359655"/>
       </p:ext>
     </p:extLst>
   </p:cSld>
@@ -14808,7 +16034,7 @@
 </p:sld>
 </file>
 
-<file path=ppt/slides/slide14.xml><?xml version="1.0" encoding="utf-8"?>
+<file path=ppt/slides/slide19.xml><?xml version="1.0" encoding="utf-8"?>
 <p:sld xmlns:a="http://schemas.openxmlformats.org/drawingml/2006/main" xmlns:r="http://schemas.openxmlformats.org/officeDocument/2006/relationships" xmlns:p="http://schemas.openxmlformats.org/presentationml/2006/main">
   <p:cSld>
     <p:spTree>
@@ -14837,12 +16063,22 @@
         </p:nvSpPr>
         <p:spPr/>
         <p:txBody>
-          <a:bodyPr/>
+          <a:bodyPr>
+            <a:normAutofit fontScale="90000"/>
+          </a:bodyPr>
           <a:lstStyle/>
           <a:p>
             <a:r>
+              <a:rPr lang="pt-BR" dirty="0"/>
+              <a:t>Sistema Desenvolvido - </a:t>
+            </a:r>
+            <a:r>
               <a:rPr lang="pt-BR" dirty="0" smtClean="0"/>
-              <a:t>O que foi feito</a:t>
+              <a:t>Algoritmo </a:t>
+            </a:r>
+            <a:r>
+              <a:rPr lang="pt-BR" dirty="0" smtClean="0"/>
+              <a:t>Genético</a:t>
             </a:r>
             <a:endParaRPr lang="pt-BR" dirty="0"/>
           </a:p>
@@ -14865,25 +16101,35 @@
           <a:p>
             <a:r>
               <a:rPr lang="pt-BR" dirty="0" smtClean="0"/>
-              <a:t>Análise do sistema.</a:t>
-            </a:r>
-          </a:p>
-          <a:p>
+              <a:t>Operador Genético </a:t>
+            </a:r>
             <a:r>
               <a:rPr lang="pt-BR" dirty="0" smtClean="0"/>
-              <a:t>Desenvolvimento do sistema.</a:t>
-            </a:r>
-          </a:p>
-          <a:p>
+              <a:t>– Seleção por torneio</a:t>
+            </a:r>
+          </a:p>
+          <a:p>
+            <a:endParaRPr lang="pt-BR" dirty="0"/>
+          </a:p>
+          <a:p>
+            <a:pPr>
+              <a:buFont typeface="Wingdings" panose="05000000000000000000" pitchFamily="2" charset="2"/>
+              <a:buChar char="v"/>
+            </a:pPr>
             <a:r>
               <a:rPr lang="pt-BR" dirty="0" smtClean="0"/>
-              <a:t>70% da escrita do documento.</a:t>
-            </a:r>
-          </a:p>
-          <a:p>
-            <a:endParaRPr lang="pt-BR" dirty="0" smtClean="0"/>
-          </a:p>
-          <a:p>
+              <a:t>Seleciona 3 indivíduos  da população anterior</a:t>
+            </a:r>
+          </a:p>
+          <a:p>
+            <a:pPr>
+              <a:buFont typeface="Wingdings" panose="05000000000000000000" pitchFamily="2" charset="2"/>
+              <a:buChar char="v"/>
+            </a:pPr>
+            <a:r>
+              <a:rPr lang="pt-BR" dirty="0" smtClean="0"/>
+              <a:t>Escolhe os 2 com maior fitness para realizar o crossover</a:t>
+            </a:r>
             <a:endParaRPr lang="pt-BR" dirty="0"/>
           </a:p>
         </p:txBody>
@@ -14891,107 +16137,7 @@
     </p:spTree>
     <p:extLst>
       <p:ext uri="{BB962C8B-B14F-4D97-AF65-F5344CB8AC3E}">
-        <p14:creationId xmlns:p14="http://schemas.microsoft.com/office/powerpoint/2010/main" val="1097085339"/>
-      </p:ext>
-    </p:extLst>
-  </p:cSld>
-  <p:clrMapOvr>
-    <a:masterClrMapping/>
-  </p:clrMapOvr>
-  <p:timing>
-    <p:tnLst>
-      <p:par>
-        <p:cTn id="1" dur="indefinite" restart="never" nodeType="tmRoot"/>
-      </p:par>
-    </p:tnLst>
-  </p:timing>
-</p:sld>
-</file>
-
-<file path=ppt/slides/slide15.xml><?xml version="1.0" encoding="utf-8"?>
-<p:sld xmlns:a="http://schemas.openxmlformats.org/drawingml/2006/main" xmlns:r="http://schemas.openxmlformats.org/officeDocument/2006/relationships" xmlns:p="http://schemas.openxmlformats.org/presentationml/2006/main">
-  <p:cSld>
-    <p:spTree>
-      <p:nvGrpSpPr>
-        <p:cNvPr id="1" name=""/>
-        <p:cNvGrpSpPr/>
-        <p:nvPr/>
-      </p:nvGrpSpPr>
-      <p:grpSpPr>
-        <a:xfrm>
-          <a:off x="0" y="0"/>
-          <a:ext cx="0" cy="0"/>
-          <a:chOff x="0" y="0"/>
-          <a:chExt cx="0" cy="0"/>
-        </a:xfrm>
-      </p:grpSpPr>
-      <p:sp>
-        <p:nvSpPr>
-          <p:cNvPr id="2" name="Título 1"/>
-          <p:cNvSpPr>
-            <a:spLocks noGrp="1"/>
-          </p:cNvSpPr>
-          <p:nvPr>
-            <p:ph type="title"/>
-          </p:nvPr>
-        </p:nvSpPr>
-        <p:spPr/>
-        <p:txBody>
-          <a:bodyPr/>
-          <a:lstStyle/>
-          <a:p>
-            <a:r>
-              <a:rPr lang="pt-BR" dirty="0" smtClean="0"/>
-              <a:t>O que falta fazer</a:t>
-            </a:r>
-            <a:endParaRPr lang="pt-BR" dirty="0"/>
-          </a:p>
-        </p:txBody>
-      </p:sp>
-      <p:sp>
-        <p:nvSpPr>
-          <p:cNvPr id="3" name="Espaço Reservado para Conteúdo 2"/>
-          <p:cNvSpPr>
-            <a:spLocks noGrp="1"/>
-          </p:cNvSpPr>
-          <p:nvPr>
-            <p:ph idx="1"/>
-          </p:nvPr>
-        </p:nvSpPr>
-        <p:spPr/>
-        <p:txBody>
-          <a:bodyPr/>
-          <a:lstStyle/>
-          <a:p>
-            <a:r>
-              <a:rPr lang="pt-BR" dirty="0" smtClean="0"/>
-              <a:t>Reescrever o referencial teórico sobre algoritmo genético.</a:t>
-            </a:r>
-          </a:p>
-          <a:p>
-            <a:r>
-              <a:rPr lang="pt-BR" dirty="0" smtClean="0"/>
-              <a:t>Ajustar os capítulos metodologia, sistema desenvolvido e introdução.</a:t>
-            </a:r>
-          </a:p>
-          <a:p>
-            <a:r>
-              <a:rPr lang="pt-BR" dirty="0" smtClean="0"/>
-              <a:t>Escrever o capítulo de conclusão.</a:t>
-            </a:r>
-          </a:p>
-          <a:p>
-            <a:endParaRPr lang="pt-BR" dirty="0" smtClean="0"/>
-          </a:p>
-          <a:p>
-            <a:endParaRPr lang="pt-BR" dirty="0"/>
-          </a:p>
-        </p:txBody>
-      </p:sp>
-    </p:spTree>
-    <p:extLst>
-      <p:ext uri="{BB962C8B-B14F-4D97-AF65-F5344CB8AC3E}">
-        <p14:creationId xmlns:p14="http://schemas.microsoft.com/office/powerpoint/2010/main" val="945592680"/>
+        <p14:creationId xmlns:p14="http://schemas.microsoft.com/office/powerpoint/2010/main" val="2899445986"/>
       </p:ext>
     </p:extLst>
   </p:cSld>
@@ -15042,7 +16188,7 @@
           <a:p>
             <a:r>
               <a:rPr lang="pt-BR" dirty="0" smtClean="0"/>
-              <a:t>Introdução	</a:t>
+              <a:t>Sumário</a:t>
             </a:r>
             <a:endParaRPr lang="pt-BR" dirty="0"/>
           </a:p>
@@ -15089,6 +16235,1395 @@
     <p:extLst>
       <p:ext uri="{BB962C8B-B14F-4D97-AF65-F5344CB8AC3E}">
         <p14:creationId xmlns:p14="http://schemas.microsoft.com/office/powerpoint/2010/main" val="1116196143"/>
+      </p:ext>
+    </p:extLst>
+  </p:cSld>
+  <p:clrMapOvr>
+    <a:masterClrMapping/>
+  </p:clrMapOvr>
+  <p:timing>
+    <p:tnLst>
+      <p:par>
+        <p:cTn id="1" dur="indefinite" restart="never" nodeType="tmRoot"/>
+      </p:par>
+    </p:tnLst>
+  </p:timing>
+</p:sld>
+</file>
+
+<file path=ppt/slides/slide20.xml><?xml version="1.0" encoding="utf-8"?>
+<p:sld xmlns:a="http://schemas.openxmlformats.org/drawingml/2006/main" xmlns:r="http://schemas.openxmlformats.org/officeDocument/2006/relationships" xmlns:p="http://schemas.openxmlformats.org/presentationml/2006/main">
+  <p:cSld>
+    <p:spTree>
+      <p:nvGrpSpPr>
+        <p:cNvPr id="1" name=""/>
+        <p:cNvGrpSpPr/>
+        <p:nvPr/>
+      </p:nvGrpSpPr>
+      <p:grpSpPr>
+        <a:xfrm>
+          <a:off x="0" y="0"/>
+          <a:ext cx="0" cy="0"/>
+          <a:chOff x="0" y="0"/>
+          <a:chExt cx="0" cy="0"/>
+        </a:xfrm>
+      </p:grpSpPr>
+      <p:sp>
+        <p:nvSpPr>
+          <p:cNvPr id="2" name="Título 1"/>
+          <p:cNvSpPr>
+            <a:spLocks noGrp="1"/>
+          </p:cNvSpPr>
+          <p:nvPr>
+            <p:ph type="title"/>
+          </p:nvPr>
+        </p:nvSpPr>
+        <p:spPr/>
+        <p:txBody>
+          <a:bodyPr>
+            <a:normAutofit fontScale="90000"/>
+          </a:bodyPr>
+          <a:lstStyle/>
+          <a:p>
+            <a:r>
+              <a:rPr lang="pt-BR" dirty="0"/>
+              <a:t>Sistema Desenvolvido - </a:t>
+            </a:r>
+            <a:r>
+              <a:rPr lang="pt-BR" dirty="0" smtClean="0"/>
+              <a:t>Algoritmo </a:t>
+            </a:r>
+            <a:r>
+              <a:rPr lang="pt-BR" dirty="0" smtClean="0"/>
+              <a:t>Genético</a:t>
+            </a:r>
+            <a:endParaRPr lang="pt-BR" dirty="0"/>
+          </a:p>
+        </p:txBody>
+      </p:sp>
+      <p:sp>
+        <p:nvSpPr>
+          <p:cNvPr id="3" name="Espaço Reservado para Conteúdo 2"/>
+          <p:cNvSpPr>
+            <a:spLocks noGrp="1"/>
+          </p:cNvSpPr>
+          <p:nvPr>
+            <p:ph idx="1"/>
+          </p:nvPr>
+        </p:nvSpPr>
+        <p:spPr/>
+        <p:txBody>
+          <a:bodyPr/>
+          <a:lstStyle/>
+          <a:p>
+            <a:r>
+              <a:rPr lang="pt-BR" dirty="0" smtClean="0"/>
+              <a:t>Operador Genético </a:t>
+            </a:r>
+            <a:r>
+              <a:rPr lang="pt-BR" dirty="0"/>
+              <a:t>- Indivíduos antes do crossover</a:t>
+            </a:r>
+            <a:endParaRPr lang="pt-BR" dirty="0"/>
+          </a:p>
+        </p:txBody>
+      </p:sp>
+      <p:pic>
+        <p:nvPicPr>
+          <p:cNvPr id="4098" name="Picture 2" descr="E:\TI\Desenvolvimento\GitHub\tcc2\Documento\imagens\individuosAntesInsersaoGenetica.png"/>
+          <p:cNvPicPr>
+            <a:picLocks noChangeAspect="1" noChangeArrowheads="1"/>
+          </p:cNvPicPr>
+          <p:nvPr/>
+        </p:nvPicPr>
+        <p:blipFill>
+          <a:blip r:embed="rId3">
+            <a:extLst>
+              <a:ext uri="{28A0092B-C50C-407E-A947-70E740481C1C}">
+                <a14:useLocalDpi xmlns:a14="http://schemas.microsoft.com/office/drawing/2010/main" val="0"/>
+              </a:ext>
+            </a:extLst>
+          </a:blip>
+          <a:srcRect/>
+          <a:stretch>
+            <a:fillRect/>
+          </a:stretch>
+        </p:blipFill>
+        <p:spPr bwMode="auto">
+          <a:xfrm>
+            <a:off x="1115616" y="3284984"/>
+            <a:ext cx="6831013" cy="1905000"/>
+          </a:xfrm>
+          <a:prstGeom prst="rect">
+            <a:avLst/>
+          </a:prstGeom>
+          <a:noFill/>
+          <a:extLst>
+            <a:ext uri="{909E8E84-426E-40DD-AFC4-6F175D3DCCD1}">
+              <a14:hiddenFill xmlns:a14="http://schemas.microsoft.com/office/drawing/2010/main">
+                <a:solidFill>
+                  <a:srgbClr val="FFFFFF"/>
+                </a:solidFill>
+              </a14:hiddenFill>
+            </a:ext>
+          </a:extLst>
+        </p:spPr>
+      </p:pic>
+    </p:spTree>
+    <p:extLst>
+      <p:ext uri="{BB962C8B-B14F-4D97-AF65-F5344CB8AC3E}">
+        <p14:creationId xmlns:p14="http://schemas.microsoft.com/office/powerpoint/2010/main" val="1364656836"/>
+      </p:ext>
+    </p:extLst>
+  </p:cSld>
+  <p:clrMapOvr>
+    <a:masterClrMapping/>
+  </p:clrMapOvr>
+  <p:timing>
+    <p:tnLst>
+      <p:par>
+        <p:cTn id="1" dur="indefinite" restart="never" nodeType="tmRoot"/>
+      </p:par>
+    </p:tnLst>
+  </p:timing>
+</p:sld>
+</file>
+
+<file path=ppt/slides/slide21.xml><?xml version="1.0" encoding="utf-8"?>
+<p:sld xmlns:a="http://schemas.openxmlformats.org/drawingml/2006/main" xmlns:r="http://schemas.openxmlformats.org/officeDocument/2006/relationships" xmlns:p="http://schemas.openxmlformats.org/presentationml/2006/main">
+  <p:cSld>
+    <p:spTree>
+      <p:nvGrpSpPr>
+        <p:cNvPr id="1" name=""/>
+        <p:cNvGrpSpPr/>
+        <p:nvPr/>
+      </p:nvGrpSpPr>
+      <p:grpSpPr>
+        <a:xfrm>
+          <a:off x="0" y="0"/>
+          <a:ext cx="0" cy="0"/>
+          <a:chOff x="0" y="0"/>
+          <a:chExt cx="0" cy="0"/>
+        </a:xfrm>
+      </p:grpSpPr>
+      <p:sp>
+        <p:nvSpPr>
+          <p:cNvPr id="2" name="Título 1"/>
+          <p:cNvSpPr>
+            <a:spLocks noGrp="1"/>
+          </p:cNvSpPr>
+          <p:nvPr>
+            <p:ph type="title"/>
+          </p:nvPr>
+        </p:nvSpPr>
+        <p:spPr/>
+        <p:txBody>
+          <a:bodyPr>
+            <a:normAutofit fontScale="90000"/>
+          </a:bodyPr>
+          <a:lstStyle/>
+          <a:p>
+            <a:r>
+              <a:rPr lang="pt-BR" dirty="0"/>
+              <a:t>Sistema Desenvolvido - </a:t>
+            </a:r>
+            <a:r>
+              <a:rPr lang="pt-BR" dirty="0" smtClean="0"/>
+              <a:t>Algoritmo </a:t>
+            </a:r>
+            <a:r>
+              <a:rPr lang="pt-BR" dirty="0" smtClean="0"/>
+              <a:t>Genético</a:t>
+            </a:r>
+            <a:endParaRPr lang="pt-BR" dirty="0"/>
+          </a:p>
+        </p:txBody>
+      </p:sp>
+      <p:sp>
+        <p:nvSpPr>
+          <p:cNvPr id="3" name="Espaço Reservado para Conteúdo 2"/>
+          <p:cNvSpPr>
+            <a:spLocks noGrp="1"/>
+          </p:cNvSpPr>
+          <p:nvPr>
+            <p:ph idx="1"/>
+          </p:nvPr>
+        </p:nvSpPr>
+        <p:spPr/>
+        <p:txBody>
+          <a:bodyPr/>
+          <a:lstStyle/>
+          <a:p>
+            <a:r>
+              <a:rPr lang="pt-BR" dirty="0" smtClean="0"/>
+              <a:t>Operador Genético </a:t>
+            </a:r>
+            <a:r>
+              <a:rPr lang="pt-BR" dirty="0"/>
+              <a:t>- Inserção do material genético do pai</a:t>
+            </a:r>
+            <a:endParaRPr lang="pt-BR" dirty="0"/>
+          </a:p>
+        </p:txBody>
+      </p:sp>
+      <p:pic>
+        <p:nvPicPr>
+          <p:cNvPr id="5122" name="Picture 2" descr="E:\TI\Desenvolvimento\GitHub\tcc2\Documento\imagens\individuosAposInsersaoGenetica.png"/>
+          <p:cNvPicPr>
+            <a:picLocks noChangeAspect="1" noChangeArrowheads="1"/>
+          </p:cNvPicPr>
+          <p:nvPr/>
+        </p:nvPicPr>
+        <p:blipFill>
+          <a:blip r:embed="rId3">
+            <a:extLst>
+              <a:ext uri="{28A0092B-C50C-407E-A947-70E740481C1C}">
+                <a14:useLocalDpi xmlns:a14="http://schemas.microsoft.com/office/drawing/2010/main" val="0"/>
+              </a:ext>
+            </a:extLst>
+          </a:blip>
+          <a:srcRect/>
+          <a:stretch>
+            <a:fillRect/>
+          </a:stretch>
+        </p:blipFill>
+        <p:spPr bwMode="auto">
+          <a:xfrm>
+            <a:off x="1259632" y="3353097"/>
+            <a:ext cx="6783387" cy="1819275"/>
+          </a:xfrm>
+          <a:prstGeom prst="rect">
+            <a:avLst/>
+          </a:prstGeom>
+          <a:noFill/>
+          <a:extLst>
+            <a:ext uri="{909E8E84-426E-40DD-AFC4-6F175D3DCCD1}">
+              <a14:hiddenFill xmlns:a14="http://schemas.microsoft.com/office/drawing/2010/main">
+                <a:solidFill>
+                  <a:srgbClr val="FFFFFF"/>
+                </a:solidFill>
+              </a14:hiddenFill>
+            </a:ext>
+          </a:extLst>
+        </p:spPr>
+      </p:pic>
+    </p:spTree>
+    <p:extLst>
+      <p:ext uri="{BB962C8B-B14F-4D97-AF65-F5344CB8AC3E}">
+        <p14:creationId xmlns:p14="http://schemas.microsoft.com/office/powerpoint/2010/main" val="1463871440"/>
+      </p:ext>
+    </p:extLst>
+  </p:cSld>
+  <p:clrMapOvr>
+    <a:masterClrMapping/>
+  </p:clrMapOvr>
+  <p:timing>
+    <p:tnLst>
+      <p:par>
+        <p:cTn id="1" dur="indefinite" restart="never" nodeType="tmRoot"/>
+      </p:par>
+    </p:tnLst>
+  </p:timing>
+</p:sld>
+</file>
+
+<file path=ppt/slides/slide22.xml><?xml version="1.0" encoding="utf-8"?>
+<p:sld xmlns:a="http://schemas.openxmlformats.org/drawingml/2006/main" xmlns:r="http://schemas.openxmlformats.org/officeDocument/2006/relationships" xmlns:p="http://schemas.openxmlformats.org/presentationml/2006/main">
+  <p:cSld>
+    <p:spTree>
+      <p:nvGrpSpPr>
+        <p:cNvPr id="1" name=""/>
+        <p:cNvGrpSpPr/>
+        <p:nvPr/>
+      </p:nvGrpSpPr>
+      <p:grpSpPr>
+        <a:xfrm>
+          <a:off x="0" y="0"/>
+          <a:ext cx="0" cy="0"/>
+          <a:chOff x="0" y="0"/>
+          <a:chExt cx="0" cy="0"/>
+        </a:xfrm>
+      </p:grpSpPr>
+      <p:sp>
+        <p:nvSpPr>
+          <p:cNvPr id="2" name="Título 1"/>
+          <p:cNvSpPr>
+            <a:spLocks noGrp="1"/>
+          </p:cNvSpPr>
+          <p:nvPr>
+            <p:ph type="title"/>
+          </p:nvPr>
+        </p:nvSpPr>
+        <p:spPr/>
+        <p:txBody>
+          <a:bodyPr>
+            <a:normAutofit fontScale="90000"/>
+          </a:bodyPr>
+          <a:lstStyle/>
+          <a:p>
+            <a:r>
+              <a:rPr lang="pt-BR" dirty="0"/>
+              <a:t>Sistema Desenvolvido - </a:t>
+            </a:r>
+            <a:r>
+              <a:rPr lang="pt-BR" dirty="0" smtClean="0"/>
+              <a:t>Algoritmo </a:t>
+            </a:r>
+            <a:r>
+              <a:rPr lang="pt-BR" dirty="0" smtClean="0"/>
+              <a:t>Genético</a:t>
+            </a:r>
+            <a:endParaRPr lang="pt-BR" dirty="0"/>
+          </a:p>
+        </p:txBody>
+      </p:sp>
+      <p:sp>
+        <p:nvSpPr>
+          <p:cNvPr id="3" name="Espaço Reservado para Conteúdo 2"/>
+          <p:cNvSpPr>
+            <a:spLocks noGrp="1"/>
+          </p:cNvSpPr>
+          <p:nvPr>
+            <p:ph idx="1"/>
+          </p:nvPr>
+        </p:nvSpPr>
+        <p:spPr/>
+        <p:txBody>
+          <a:bodyPr/>
+          <a:lstStyle/>
+          <a:p>
+            <a:r>
+              <a:rPr lang="pt-BR" dirty="0" smtClean="0"/>
+              <a:t>Operador Genético </a:t>
+            </a:r>
+            <a:r>
+              <a:rPr lang="pt-BR" dirty="0"/>
+              <a:t>- Inserção do material genético da mãe</a:t>
+            </a:r>
+            <a:endParaRPr lang="pt-BR" dirty="0"/>
+          </a:p>
+        </p:txBody>
+      </p:sp>
+      <p:pic>
+        <p:nvPicPr>
+          <p:cNvPr id="6146" name="Picture 2" descr="E:\TI\Desenvolvimento\GitHub\tcc2\Documento\imagens\insersaoMaterialMae.png"/>
+          <p:cNvPicPr>
+            <a:picLocks noChangeAspect="1" noChangeArrowheads="1"/>
+          </p:cNvPicPr>
+          <p:nvPr/>
+        </p:nvPicPr>
+        <p:blipFill>
+          <a:blip r:embed="rId3">
+            <a:extLst>
+              <a:ext uri="{28A0092B-C50C-407E-A947-70E740481C1C}">
+                <a14:useLocalDpi xmlns:a14="http://schemas.microsoft.com/office/drawing/2010/main" val="0"/>
+              </a:ext>
+            </a:extLst>
+          </a:blip>
+          <a:srcRect/>
+          <a:stretch>
+            <a:fillRect/>
+          </a:stretch>
+        </p:blipFill>
+        <p:spPr bwMode="auto">
+          <a:xfrm>
+            <a:off x="1246932" y="3234680"/>
+            <a:ext cx="6878637" cy="1866900"/>
+          </a:xfrm>
+          <a:prstGeom prst="rect">
+            <a:avLst/>
+          </a:prstGeom>
+          <a:noFill/>
+          <a:extLst>
+            <a:ext uri="{909E8E84-426E-40DD-AFC4-6F175D3DCCD1}">
+              <a14:hiddenFill xmlns:a14="http://schemas.microsoft.com/office/drawing/2010/main">
+                <a:solidFill>
+                  <a:srgbClr val="FFFFFF"/>
+                </a:solidFill>
+              </a14:hiddenFill>
+            </a:ext>
+          </a:extLst>
+        </p:spPr>
+      </p:pic>
+    </p:spTree>
+    <p:extLst>
+      <p:ext uri="{BB962C8B-B14F-4D97-AF65-F5344CB8AC3E}">
+        <p14:creationId xmlns:p14="http://schemas.microsoft.com/office/powerpoint/2010/main" val="1463871440"/>
+      </p:ext>
+    </p:extLst>
+  </p:cSld>
+  <p:clrMapOvr>
+    <a:masterClrMapping/>
+  </p:clrMapOvr>
+  <p:timing>
+    <p:tnLst>
+      <p:par>
+        <p:cTn id="1" dur="indefinite" restart="never" nodeType="tmRoot"/>
+      </p:par>
+    </p:tnLst>
+  </p:timing>
+</p:sld>
+</file>
+
+<file path=ppt/slides/slide23.xml><?xml version="1.0" encoding="utf-8"?>
+<p:sld xmlns:a="http://schemas.openxmlformats.org/drawingml/2006/main" xmlns:r="http://schemas.openxmlformats.org/officeDocument/2006/relationships" xmlns:p="http://schemas.openxmlformats.org/presentationml/2006/main">
+  <p:cSld>
+    <p:spTree>
+      <p:nvGrpSpPr>
+        <p:cNvPr id="1" name=""/>
+        <p:cNvGrpSpPr/>
+        <p:nvPr/>
+      </p:nvGrpSpPr>
+      <p:grpSpPr>
+        <a:xfrm>
+          <a:off x="0" y="0"/>
+          <a:ext cx="0" cy="0"/>
+          <a:chOff x="0" y="0"/>
+          <a:chExt cx="0" cy="0"/>
+        </a:xfrm>
+      </p:grpSpPr>
+      <p:sp>
+        <p:nvSpPr>
+          <p:cNvPr id="2" name="Título 1"/>
+          <p:cNvSpPr>
+            <a:spLocks noGrp="1"/>
+          </p:cNvSpPr>
+          <p:nvPr>
+            <p:ph type="title"/>
+          </p:nvPr>
+        </p:nvSpPr>
+        <p:spPr/>
+        <p:txBody>
+          <a:bodyPr>
+            <a:normAutofit fontScale="90000"/>
+          </a:bodyPr>
+          <a:lstStyle/>
+          <a:p>
+            <a:r>
+              <a:rPr lang="pt-BR" dirty="0"/>
+              <a:t>Sistema Desenvolvido - Algoritmo Genético</a:t>
+            </a:r>
+            <a:endParaRPr lang="pt-BR" dirty="0"/>
+          </a:p>
+        </p:txBody>
+      </p:sp>
+      <p:sp>
+        <p:nvSpPr>
+          <p:cNvPr id="3" name="Espaço Reservado para Conteúdo 2"/>
+          <p:cNvSpPr>
+            <a:spLocks noGrp="1"/>
+          </p:cNvSpPr>
+          <p:nvPr>
+            <p:ph idx="1"/>
+          </p:nvPr>
+        </p:nvSpPr>
+        <p:spPr/>
+        <p:txBody>
+          <a:bodyPr/>
+          <a:lstStyle/>
+          <a:p>
+            <a:r>
+              <a:rPr lang="pt-BR" dirty="0" smtClean="0"/>
+              <a:t>Fluxo população</a:t>
+            </a:r>
+            <a:endParaRPr lang="pt-BR" dirty="0"/>
+          </a:p>
+        </p:txBody>
+      </p:sp>
+      <p:pic>
+        <p:nvPicPr>
+          <p:cNvPr id="7170" name="Picture 2" descr="E:\TI\Desenvolvimento\GitHub\tcc2\Documento\imagens\fluxoNovaPopulacao.png"/>
+          <p:cNvPicPr>
+            <a:picLocks noChangeAspect="1" noChangeArrowheads="1"/>
+          </p:cNvPicPr>
+          <p:nvPr/>
+        </p:nvPicPr>
+        <p:blipFill>
+          <a:blip r:embed="rId2">
+            <a:extLst>
+              <a:ext uri="{28A0092B-C50C-407E-A947-70E740481C1C}">
+                <a14:useLocalDpi xmlns:a14="http://schemas.microsoft.com/office/drawing/2010/main" val="0"/>
+              </a:ext>
+            </a:extLst>
+          </a:blip>
+          <a:srcRect/>
+          <a:stretch>
+            <a:fillRect/>
+          </a:stretch>
+        </p:blipFill>
+        <p:spPr bwMode="auto">
+          <a:xfrm>
+            <a:off x="5548089" y="1772816"/>
+            <a:ext cx="3533303" cy="5052160"/>
+          </a:xfrm>
+          <a:prstGeom prst="rect">
+            <a:avLst/>
+          </a:prstGeom>
+          <a:noFill/>
+          <a:extLst>
+            <a:ext uri="{909E8E84-426E-40DD-AFC4-6F175D3DCCD1}">
+              <a14:hiddenFill xmlns:a14="http://schemas.microsoft.com/office/drawing/2010/main">
+                <a:solidFill>
+                  <a:srgbClr val="FFFFFF"/>
+                </a:solidFill>
+              </a14:hiddenFill>
+            </a:ext>
+          </a:extLst>
+        </p:spPr>
+      </p:pic>
+    </p:spTree>
+    <p:extLst>
+      <p:ext uri="{BB962C8B-B14F-4D97-AF65-F5344CB8AC3E}">
+        <p14:creationId xmlns:p14="http://schemas.microsoft.com/office/powerpoint/2010/main" val="1356173687"/>
+      </p:ext>
+    </p:extLst>
+  </p:cSld>
+  <p:clrMapOvr>
+    <a:masterClrMapping/>
+  </p:clrMapOvr>
+  <p:timing>
+    <p:tnLst>
+      <p:par>
+        <p:cTn id="1" dur="indefinite" restart="never" nodeType="tmRoot"/>
+      </p:par>
+    </p:tnLst>
+  </p:timing>
+</p:sld>
+</file>
+
+<file path=ppt/slides/slide24.xml><?xml version="1.0" encoding="utf-8"?>
+<p:sld xmlns:a="http://schemas.openxmlformats.org/drawingml/2006/main" xmlns:r="http://schemas.openxmlformats.org/officeDocument/2006/relationships" xmlns:p="http://schemas.openxmlformats.org/presentationml/2006/main">
+  <p:cSld>
+    <p:spTree>
+      <p:nvGrpSpPr>
+        <p:cNvPr id="1" name=""/>
+        <p:cNvGrpSpPr/>
+        <p:nvPr/>
+      </p:nvGrpSpPr>
+      <p:grpSpPr>
+        <a:xfrm>
+          <a:off x="0" y="0"/>
+          <a:ext cx="0" cy="0"/>
+          <a:chOff x="0" y="0"/>
+          <a:chExt cx="0" cy="0"/>
+        </a:xfrm>
+      </p:grpSpPr>
+      <p:sp>
+        <p:nvSpPr>
+          <p:cNvPr id="2" name="Título 1"/>
+          <p:cNvSpPr>
+            <a:spLocks noGrp="1"/>
+          </p:cNvSpPr>
+          <p:nvPr>
+            <p:ph type="title"/>
+          </p:nvPr>
+        </p:nvSpPr>
+        <p:spPr/>
+        <p:txBody>
+          <a:bodyPr>
+            <a:normAutofit fontScale="90000"/>
+          </a:bodyPr>
+          <a:lstStyle/>
+          <a:p>
+            <a:r>
+              <a:rPr lang="pt-BR" dirty="0"/>
+              <a:t>Sistema Desenvolvido - Algoritmo Genético</a:t>
+            </a:r>
+            <a:endParaRPr lang="pt-BR" dirty="0"/>
+          </a:p>
+        </p:txBody>
+      </p:sp>
+      <p:sp>
+        <p:nvSpPr>
+          <p:cNvPr id="3" name="Espaço Reservado para Conteúdo 2"/>
+          <p:cNvSpPr>
+            <a:spLocks noGrp="1"/>
+          </p:cNvSpPr>
+          <p:nvPr>
+            <p:ph idx="1"/>
+          </p:nvPr>
+        </p:nvSpPr>
+        <p:spPr/>
+        <p:txBody>
+          <a:bodyPr/>
+          <a:lstStyle/>
+          <a:p>
+            <a:r>
+              <a:rPr lang="pt-BR" dirty="0" smtClean="0"/>
+              <a:t>Fluxo </a:t>
+            </a:r>
+            <a:r>
+              <a:rPr lang="pt-BR" dirty="0" smtClean="0"/>
+              <a:t>algoritmo</a:t>
+            </a:r>
+          </a:p>
+          <a:p>
+            <a:pPr marL="68580" indent="0">
+              <a:buNone/>
+            </a:pPr>
+            <a:r>
+              <a:rPr lang="pt-BR" dirty="0" smtClean="0"/>
+              <a:t>genético</a:t>
+            </a:r>
+            <a:endParaRPr lang="pt-BR" dirty="0"/>
+          </a:p>
+        </p:txBody>
+      </p:sp>
+      <p:pic>
+        <p:nvPicPr>
+          <p:cNvPr id="8194" name="Picture 2" descr="E:\TI\Desenvolvimento\GitHub\tcc2\Documento\imagens\fluxoAlgoritimo.png"/>
+          <p:cNvPicPr>
+            <a:picLocks noChangeAspect="1" noChangeArrowheads="1"/>
+          </p:cNvPicPr>
+          <p:nvPr/>
+        </p:nvPicPr>
+        <p:blipFill>
+          <a:blip r:embed="rId3">
+            <a:extLst>
+              <a:ext uri="{28A0092B-C50C-407E-A947-70E740481C1C}">
+                <a14:useLocalDpi xmlns:a14="http://schemas.microsoft.com/office/drawing/2010/main" val="0"/>
+              </a:ext>
+            </a:extLst>
+          </a:blip>
+          <a:srcRect/>
+          <a:stretch>
+            <a:fillRect/>
+          </a:stretch>
+        </p:blipFill>
+        <p:spPr bwMode="auto">
+          <a:xfrm>
+            <a:off x="4208760" y="2276872"/>
+            <a:ext cx="3881930" cy="4149080"/>
+          </a:xfrm>
+          <a:prstGeom prst="rect">
+            <a:avLst/>
+          </a:prstGeom>
+          <a:noFill/>
+          <a:extLst>
+            <a:ext uri="{909E8E84-426E-40DD-AFC4-6F175D3DCCD1}">
+              <a14:hiddenFill xmlns:a14="http://schemas.microsoft.com/office/drawing/2010/main">
+                <a:solidFill>
+                  <a:srgbClr val="FFFFFF"/>
+                </a:solidFill>
+              </a14:hiddenFill>
+            </a:ext>
+          </a:extLst>
+        </p:spPr>
+      </p:pic>
+    </p:spTree>
+    <p:extLst>
+      <p:ext uri="{BB962C8B-B14F-4D97-AF65-F5344CB8AC3E}">
+        <p14:creationId xmlns:p14="http://schemas.microsoft.com/office/powerpoint/2010/main" val="993251545"/>
+      </p:ext>
+    </p:extLst>
+  </p:cSld>
+  <p:clrMapOvr>
+    <a:masterClrMapping/>
+  </p:clrMapOvr>
+  <p:timing>
+    <p:tnLst>
+      <p:par>
+        <p:cTn id="1" dur="indefinite" restart="never" nodeType="tmRoot"/>
+      </p:par>
+    </p:tnLst>
+  </p:timing>
+</p:sld>
+</file>
+
+<file path=ppt/slides/slide25.xml><?xml version="1.0" encoding="utf-8"?>
+<p:sld xmlns:a="http://schemas.openxmlformats.org/drawingml/2006/main" xmlns:r="http://schemas.openxmlformats.org/officeDocument/2006/relationships" xmlns:p="http://schemas.openxmlformats.org/presentationml/2006/main">
+  <p:cSld>
+    <p:spTree>
+      <p:nvGrpSpPr>
+        <p:cNvPr id="1" name=""/>
+        <p:cNvGrpSpPr/>
+        <p:nvPr/>
+      </p:nvGrpSpPr>
+      <p:grpSpPr>
+        <a:xfrm>
+          <a:off x="0" y="0"/>
+          <a:ext cx="0" cy="0"/>
+          <a:chOff x="0" y="0"/>
+          <a:chExt cx="0" cy="0"/>
+        </a:xfrm>
+      </p:grpSpPr>
+      <p:sp>
+        <p:nvSpPr>
+          <p:cNvPr id="2" name="Título 1"/>
+          <p:cNvSpPr>
+            <a:spLocks noGrp="1"/>
+          </p:cNvSpPr>
+          <p:nvPr>
+            <p:ph type="title"/>
+          </p:nvPr>
+        </p:nvSpPr>
+        <p:spPr/>
+        <p:txBody>
+          <a:bodyPr/>
+          <a:lstStyle/>
+          <a:p>
+            <a:r>
+              <a:rPr lang="pt-BR" dirty="0" smtClean="0"/>
+              <a:t>Resultados Obtidos	</a:t>
+            </a:r>
+            <a:endParaRPr lang="pt-BR" dirty="0"/>
+          </a:p>
+        </p:txBody>
+      </p:sp>
+      <p:sp>
+        <p:nvSpPr>
+          <p:cNvPr id="3" name="Espaço Reservado para Conteúdo 2"/>
+          <p:cNvSpPr>
+            <a:spLocks noGrp="1"/>
+          </p:cNvSpPr>
+          <p:nvPr>
+            <p:ph idx="1"/>
+          </p:nvPr>
+        </p:nvSpPr>
+        <p:spPr/>
+        <p:txBody>
+          <a:bodyPr/>
+          <a:lstStyle/>
+          <a:p>
+            <a:r>
+              <a:rPr lang="pt-BR" dirty="0" smtClean="0"/>
+              <a:t>Configuração da maquina</a:t>
+            </a:r>
+          </a:p>
+          <a:p>
+            <a:endParaRPr lang="pt-BR" dirty="0" smtClean="0"/>
+          </a:p>
+          <a:p>
+            <a:pPr>
+              <a:buFont typeface="Wingdings" panose="05000000000000000000" pitchFamily="2" charset="2"/>
+              <a:buChar char="v"/>
+            </a:pPr>
+            <a:r>
+              <a:rPr lang="pt-BR" dirty="0" smtClean="0"/>
+              <a:t>Intel </a:t>
+            </a:r>
+            <a:r>
+              <a:rPr lang="pt-BR" dirty="0"/>
+              <a:t>(R) Core (TM) i5 3.40GHz </a:t>
+            </a:r>
+            <a:endParaRPr lang="pt-BR" dirty="0" smtClean="0"/>
+          </a:p>
+          <a:p>
+            <a:pPr>
+              <a:buFont typeface="Wingdings" panose="05000000000000000000" pitchFamily="2" charset="2"/>
+              <a:buChar char="v"/>
+            </a:pPr>
+            <a:r>
+              <a:rPr lang="pt-BR" dirty="0" smtClean="0"/>
+              <a:t>16Gb </a:t>
+            </a:r>
+            <a:r>
+              <a:rPr lang="pt-BR" dirty="0"/>
+              <a:t>de memória RAM </a:t>
+            </a:r>
+            <a:endParaRPr lang="pt-BR" dirty="0" smtClean="0"/>
+          </a:p>
+          <a:p>
+            <a:pPr>
+              <a:buFont typeface="Wingdings" panose="05000000000000000000" pitchFamily="2" charset="2"/>
+              <a:buChar char="v"/>
+            </a:pPr>
+            <a:r>
+              <a:rPr lang="pt-BR" dirty="0" smtClean="0"/>
+              <a:t>Sistema operacional </a:t>
+            </a:r>
+            <a:r>
+              <a:rPr lang="pt-BR" dirty="0"/>
+              <a:t>Windows 7 </a:t>
+            </a:r>
+            <a:r>
+              <a:rPr lang="pt-BR" dirty="0" smtClean="0"/>
+              <a:t>64bit</a:t>
+            </a:r>
+            <a:endParaRPr lang="pt-BR" dirty="0" smtClean="0"/>
+          </a:p>
+          <a:p>
+            <a:endParaRPr lang="pt-BR" u="sng" dirty="0" smtClean="0"/>
+          </a:p>
+          <a:p>
+            <a:endParaRPr lang="pt-BR" dirty="0"/>
+          </a:p>
+        </p:txBody>
+      </p:sp>
+    </p:spTree>
+    <p:extLst>
+      <p:ext uri="{BB962C8B-B14F-4D97-AF65-F5344CB8AC3E}">
+        <p14:creationId xmlns:p14="http://schemas.microsoft.com/office/powerpoint/2010/main" val="1097085339"/>
+      </p:ext>
+    </p:extLst>
+  </p:cSld>
+  <p:clrMapOvr>
+    <a:masterClrMapping/>
+  </p:clrMapOvr>
+  <p:timing>
+    <p:tnLst>
+      <p:par>
+        <p:cTn id="1" dur="indefinite" restart="never" nodeType="tmRoot"/>
+      </p:par>
+    </p:tnLst>
+  </p:timing>
+</p:sld>
+</file>
+
+<file path=ppt/slides/slide26.xml><?xml version="1.0" encoding="utf-8"?>
+<p:sld xmlns:a="http://schemas.openxmlformats.org/drawingml/2006/main" xmlns:r="http://schemas.openxmlformats.org/officeDocument/2006/relationships" xmlns:p="http://schemas.openxmlformats.org/presentationml/2006/main">
+  <p:cSld>
+    <p:spTree>
+      <p:nvGrpSpPr>
+        <p:cNvPr id="1" name=""/>
+        <p:cNvGrpSpPr/>
+        <p:nvPr/>
+      </p:nvGrpSpPr>
+      <p:grpSpPr>
+        <a:xfrm>
+          <a:off x="0" y="0"/>
+          <a:ext cx="0" cy="0"/>
+          <a:chOff x="0" y="0"/>
+          <a:chExt cx="0" cy="0"/>
+        </a:xfrm>
+      </p:grpSpPr>
+      <p:sp>
+        <p:nvSpPr>
+          <p:cNvPr id="2" name="Título 1"/>
+          <p:cNvSpPr>
+            <a:spLocks noGrp="1"/>
+          </p:cNvSpPr>
+          <p:nvPr>
+            <p:ph type="title"/>
+          </p:nvPr>
+        </p:nvSpPr>
+        <p:spPr/>
+        <p:txBody>
+          <a:bodyPr>
+            <a:normAutofit fontScale="90000"/>
+          </a:bodyPr>
+          <a:lstStyle/>
+          <a:p>
+            <a:r>
+              <a:rPr lang="pt-BR" dirty="0"/>
+              <a:t>Resultados Obtidos - Teste </a:t>
+            </a:r>
+            <a:r>
+              <a:rPr lang="pt-BR" dirty="0" smtClean="0"/>
+              <a:t>Inicial</a:t>
+            </a:r>
+            <a:r>
+              <a:rPr lang="pt-BR" dirty="0" smtClean="0"/>
+              <a:t>	</a:t>
+            </a:r>
+            <a:endParaRPr lang="pt-BR" dirty="0"/>
+          </a:p>
+        </p:txBody>
+      </p:sp>
+      <p:sp>
+        <p:nvSpPr>
+          <p:cNvPr id="3" name="Espaço Reservado para Conteúdo 2"/>
+          <p:cNvSpPr>
+            <a:spLocks noGrp="1"/>
+          </p:cNvSpPr>
+          <p:nvPr>
+            <p:ph idx="1"/>
+          </p:nvPr>
+        </p:nvSpPr>
+        <p:spPr/>
+        <p:txBody>
+          <a:bodyPr>
+            <a:normAutofit fontScale="92500" lnSpcReduction="10000"/>
+          </a:bodyPr>
+          <a:lstStyle/>
+          <a:p>
+            <a:r>
+              <a:rPr lang="pt-BR" dirty="0" smtClean="0"/>
+              <a:t>Teste Inicial</a:t>
+            </a:r>
+          </a:p>
+          <a:p>
+            <a:endParaRPr lang="pt-BR" dirty="0"/>
+          </a:p>
+          <a:p>
+            <a:pPr>
+              <a:buFont typeface="Wingdings" panose="05000000000000000000" pitchFamily="2" charset="2"/>
+              <a:buChar char="v"/>
+            </a:pPr>
+            <a:r>
+              <a:rPr lang="pt-BR" dirty="0" smtClean="0"/>
+              <a:t>10 salas</a:t>
+            </a:r>
+          </a:p>
+          <a:p>
+            <a:pPr>
+              <a:buFont typeface="Wingdings" panose="05000000000000000000" pitchFamily="2" charset="2"/>
+              <a:buChar char="v"/>
+            </a:pPr>
+            <a:r>
+              <a:rPr lang="pt-BR" dirty="0" smtClean="0"/>
+              <a:t>46 disciplinas e suas restrições de horário</a:t>
+            </a:r>
+          </a:p>
+          <a:p>
+            <a:endParaRPr lang="pt-BR" dirty="0" smtClean="0"/>
+          </a:p>
+          <a:p>
+            <a:r>
+              <a:rPr lang="pt-BR" dirty="0" smtClean="0"/>
+              <a:t>Objetivo do teste inicial</a:t>
+            </a:r>
+          </a:p>
+          <a:p>
+            <a:endParaRPr lang="pt-BR" dirty="0" smtClean="0"/>
+          </a:p>
+          <a:p>
+            <a:pPr>
+              <a:buFont typeface="Wingdings" panose="05000000000000000000" pitchFamily="2" charset="2"/>
+              <a:buChar char="v"/>
+            </a:pPr>
+            <a:r>
+              <a:rPr lang="pt-BR" dirty="0" smtClean="0"/>
+              <a:t>Descobrir o desempenho do algoritmo antes de utilizar a carga completa</a:t>
+            </a:r>
+            <a:endParaRPr lang="pt-BR" dirty="0"/>
+          </a:p>
+        </p:txBody>
+      </p:sp>
+    </p:spTree>
+    <p:extLst>
+      <p:ext uri="{BB962C8B-B14F-4D97-AF65-F5344CB8AC3E}">
+        <p14:creationId xmlns:p14="http://schemas.microsoft.com/office/powerpoint/2010/main" val="901607256"/>
+      </p:ext>
+    </p:extLst>
+  </p:cSld>
+  <p:clrMapOvr>
+    <a:masterClrMapping/>
+  </p:clrMapOvr>
+  <p:timing>
+    <p:tnLst>
+      <p:par>
+        <p:cTn id="1" dur="indefinite" restart="never" nodeType="tmRoot"/>
+      </p:par>
+    </p:tnLst>
+  </p:timing>
+</p:sld>
+</file>
+
+<file path=ppt/slides/slide27.xml><?xml version="1.0" encoding="utf-8"?>
+<p:sld xmlns:a="http://schemas.openxmlformats.org/drawingml/2006/main" xmlns:r="http://schemas.openxmlformats.org/officeDocument/2006/relationships" xmlns:p="http://schemas.openxmlformats.org/presentationml/2006/main">
+  <p:cSld>
+    <p:spTree>
+      <p:nvGrpSpPr>
+        <p:cNvPr id="1" name=""/>
+        <p:cNvGrpSpPr/>
+        <p:nvPr/>
+      </p:nvGrpSpPr>
+      <p:grpSpPr>
+        <a:xfrm>
+          <a:off x="0" y="0"/>
+          <a:ext cx="0" cy="0"/>
+          <a:chOff x="0" y="0"/>
+          <a:chExt cx="0" cy="0"/>
+        </a:xfrm>
+      </p:grpSpPr>
+      <p:sp>
+        <p:nvSpPr>
+          <p:cNvPr id="2" name="Título 1"/>
+          <p:cNvSpPr>
+            <a:spLocks noGrp="1"/>
+          </p:cNvSpPr>
+          <p:nvPr>
+            <p:ph type="title"/>
+          </p:nvPr>
+        </p:nvSpPr>
+        <p:spPr/>
+        <p:txBody>
+          <a:bodyPr>
+            <a:normAutofit fontScale="90000"/>
+          </a:bodyPr>
+          <a:lstStyle/>
+          <a:p>
+            <a:r>
+              <a:rPr lang="pt-BR" dirty="0"/>
+              <a:t>Resultados Obtidos - Teste Inicial	</a:t>
+            </a:r>
+            <a:r>
+              <a:rPr lang="pt-BR" dirty="0" smtClean="0"/>
+              <a:t>	</a:t>
+            </a:r>
+            <a:endParaRPr lang="pt-BR" dirty="0"/>
+          </a:p>
+        </p:txBody>
+      </p:sp>
+      <p:sp>
+        <p:nvSpPr>
+          <p:cNvPr id="3" name="Espaço Reservado para Conteúdo 2"/>
+          <p:cNvSpPr>
+            <a:spLocks noGrp="1"/>
+          </p:cNvSpPr>
+          <p:nvPr>
+            <p:ph idx="1"/>
+          </p:nvPr>
+        </p:nvSpPr>
+        <p:spPr/>
+        <p:txBody>
+          <a:bodyPr>
+            <a:normAutofit/>
+          </a:bodyPr>
+          <a:lstStyle/>
+          <a:p>
+            <a:r>
+              <a:rPr lang="pt-BR" dirty="0" smtClean="0"/>
+              <a:t>Parâmetros iniciais</a:t>
+            </a:r>
+          </a:p>
+        </p:txBody>
+      </p:sp>
+      <p:pic>
+        <p:nvPicPr>
+          <p:cNvPr id="9219" name="Picture 3"/>
+          <p:cNvPicPr>
+            <a:picLocks noChangeAspect="1" noChangeArrowheads="1"/>
+          </p:cNvPicPr>
+          <p:nvPr/>
+        </p:nvPicPr>
+        <p:blipFill>
+          <a:blip r:embed="rId2">
+            <a:extLst>
+              <a:ext uri="{28A0092B-C50C-407E-A947-70E740481C1C}">
+                <a14:useLocalDpi xmlns:a14="http://schemas.microsoft.com/office/drawing/2010/main" val="0"/>
+              </a:ext>
+            </a:extLst>
+          </a:blip>
+          <a:srcRect/>
+          <a:stretch>
+            <a:fillRect/>
+          </a:stretch>
+        </p:blipFill>
+        <p:spPr bwMode="auto">
+          <a:xfrm>
+            <a:off x="2987824" y="2971750"/>
+            <a:ext cx="2933700" cy="2879725"/>
+          </a:xfrm>
+          <a:prstGeom prst="rect">
+            <a:avLst/>
+          </a:prstGeom>
+          <a:noFill/>
+          <a:ln>
+            <a:noFill/>
+          </a:ln>
+          <a:extLst>
+            <a:ext uri="{909E8E84-426E-40DD-AFC4-6F175D3DCCD1}">
+              <a14:hiddenFill xmlns:a14="http://schemas.microsoft.com/office/drawing/2010/main">
+                <a:solidFill>
+                  <a:srgbClr val="FFFFFF"/>
+                </a:solidFill>
+              </a14:hiddenFill>
+            </a:ext>
+            <a:ext uri="{91240B29-F687-4F45-9708-019B960494DF}">
+              <a14:hiddenLine xmlns:a14="http://schemas.microsoft.com/office/drawing/2010/main" w="9525">
+                <a:solidFill>
+                  <a:srgbClr val="000000"/>
+                </a:solidFill>
+                <a:miter lim="800000"/>
+                <a:headEnd/>
+                <a:tailEnd/>
+              </a14:hiddenLine>
+            </a:ext>
+          </a:extLst>
+        </p:spPr>
+      </p:pic>
+    </p:spTree>
+    <p:extLst>
+      <p:ext uri="{BB962C8B-B14F-4D97-AF65-F5344CB8AC3E}">
+        <p14:creationId xmlns:p14="http://schemas.microsoft.com/office/powerpoint/2010/main" val="2133338884"/>
+      </p:ext>
+    </p:extLst>
+  </p:cSld>
+  <p:clrMapOvr>
+    <a:masterClrMapping/>
+  </p:clrMapOvr>
+  <p:timing>
+    <p:tnLst>
+      <p:par>
+        <p:cTn id="1" dur="indefinite" restart="never" nodeType="tmRoot"/>
+      </p:par>
+    </p:tnLst>
+  </p:timing>
+</p:sld>
+</file>
+
+<file path=ppt/slides/slide28.xml><?xml version="1.0" encoding="utf-8"?>
+<p:sld xmlns:a="http://schemas.openxmlformats.org/drawingml/2006/main" xmlns:r="http://schemas.openxmlformats.org/officeDocument/2006/relationships" xmlns:p="http://schemas.openxmlformats.org/presentationml/2006/main">
+  <p:cSld>
+    <p:spTree>
+      <p:nvGrpSpPr>
+        <p:cNvPr id="1" name=""/>
+        <p:cNvGrpSpPr/>
+        <p:nvPr/>
+      </p:nvGrpSpPr>
+      <p:grpSpPr>
+        <a:xfrm>
+          <a:off x="0" y="0"/>
+          <a:ext cx="0" cy="0"/>
+          <a:chOff x="0" y="0"/>
+          <a:chExt cx="0" cy="0"/>
+        </a:xfrm>
+      </p:grpSpPr>
+      <p:sp>
+        <p:nvSpPr>
+          <p:cNvPr id="2" name="Título 1"/>
+          <p:cNvSpPr>
+            <a:spLocks noGrp="1"/>
+          </p:cNvSpPr>
+          <p:nvPr>
+            <p:ph type="title"/>
+          </p:nvPr>
+        </p:nvSpPr>
+        <p:spPr/>
+        <p:txBody>
+          <a:bodyPr>
+            <a:normAutofit fontScale="90000"/>
+          </a:bodyPr>
+          <a:lstStyle/>
+          <a:p>
+            <a:r>
+              <a:rPr lang="pt-BR" dirty="0"/>
+              <a:t>Resultados Obtidos - Teste Inicial	</a:t>
+            </a:r>
+            <a:r>
+              <a:rPr lang="pt-BR" dirty="0" smtClean="0"/>
+              <a:t>	</a:t>
+            </a:r>
+            <a:endParaRPr lang="pt-BR" dirty="0"/>
+          </a:p>
+        </p:txBody>
+      </p:sp>
+      <p:sp>
+        <p:nvSpPr>
+          <p:cNvPr id="3" name="Espaço Reservado para Conteúdo 2"/>
+          <p:cNvSpPr>
+            <a:spLocks noGrp="1"/>
+          </p:cNvSpPr>
+          <p:nvPr>
+            <p:ph idx="1"/>
+          </p:nvPr>
+        </p:nvSpPr>
+        <p:spPr/>
+        <p:txBody>
+          <a:bodyPr>
+            <a:normAutofit/>
+          </a:bodyPr>
+          <a:lstStyle/>
+          <a:p>
+            <a:r>
+              <a:rPr lang="pt-BR" dirty="0" smtClean="0"/>
+              <a:t>Testes</a:t>
+            </a:r>
+          </a:p>
+          <a:p>
+            <a:endParaRPr lang="pt-BR" dirty="0"/>
+          </a:p>
+          <a:p>
+            <a:pPr>
+              <a:buFont typeface="Wingdings" panose="05000000000000000000" pitchFamily="2" charset="2"/>
+              <a:buChar char="v"/>
+            </a:pPr>
+            <a:r>
+              <a:rPr lang="pt-BR" dirty="0" smtClean="0"/>
+              <a:t>Todos parâmetros</a:t>
+            </a:r>
+          </a:p>
+          <a:p>
+            <a:pPr>
+              <a:buFont typeface="Wingdings" panose="05000000000000000000" pitchFamily="2" charset="2"/>
+              <a:buChar char="v"/>
+            </a:pPr>
+            <a:r>
+              <a:rPr lang="pt-BR" dirty="0" smtClean="0"/>
+              <a:t>Sem o parâmetro de mutação</a:t>
+            </a:r>
+          </a:p>
+          <a:p>
+            <a:pPr>
+              <a:buFont typeface="Wingdings" panose="05000000000000000000" pitchFamily="2" charset="2"/>
+              <a:buChar char="v"/>
+            </a:pPr>
+            <a:r>
+              <a:rPr lang="pt-BR" dirty="0" smtClean="0"/>
+              <a:t>Sem o parâmetro de crossover</a:t>
+            </a:r>
+          </a:p>
+          <a:p>
+            <a:endParaRPr lang="pt-BR" dirty="0" smtClean="0"/>
+          </a:p>
+        </p:txBody>
+      </p:sp>
+    </p:spTree>
+    <p:extLst>
+      <p:ext uri="{BB962C8B-B14F-4D97-AF65-F5344CB8AC3E}">
+        <p14:creationId xmlns:p14="http://schemas.microsoft.com/office/powerpoint/2010/main" val="3238930541"/>
+      </p:ext>
+    </p:extLst>
+  </p:cSld>
+  <p:clrMapOvr>
+    <a:masterClrMapping/>
+  </p:clrMapOvr>
+  <p:timing>
+    <p:tnLst>
+      <p:par>
+        <p:cTn id="1" dur="indefinite" restart="never" nodeType="tmRoot"/>
+      </p:par>
+    </p:tnLst>
+  </p:timing>
+</p:sld>
+</file>
+
+<file path=ppt/slides/slide29.xml><?xml version="1.0" encoding="utf-8"?>
+<p:sld xmlns:a="http://schemas.openxmlformats.org/drawingml/2006/main" xmlns:r="http://schemas.openxmlformats.org/officeDocument/2006/relationships" xmlns:p="http://schemas.openxmlformats.org/presentationml/2006/main">
+  <p:cSld>
+    <p:spTree>
+      <p:nvGrpSpPr>
+        <p:cNvPr id="1" name=""/>
+        <p:cNvGrpSpPr/>
+        <p:nvPr/>
+      </p:nvGrpSpPr>
+      <p:grpSpPr>
+        <a:xfrm>
+          <a:off x="0" y="0"/>
+          <a:ext cx="0" cy="0"/>
+          <a:chOff x="0" y="0"/>
+          <a:chExt cx="0" cy="0"/>
+        </a:xfrm>
+      </p:grpSpPr>
+      <p:sp>
+        <p:nvSpPr>
+          <p:cNvPr id="2" name="Título 1"/>
+          <p:cNvSpPr>
+            <a:spLocks noGrp="1"/>
+          </p:cNvSpPr>
+          <p:nvPr>
+            <p:ph type="title"/>
+          </p:nvPr>
+        </p:nvSpPr>
+        <p:spPr/>
+        <p:txBody>
+          <a:bodyPr>
+            <a:normAutofit fontScale="90000"/>
+          </a:bodyPr>
+          <a:lstStyle/>
+          <a:p>
+            <a:r>
+              <a:rPr lang="pt-BR" dirty="0"/>
+              <a:t>Resultados Obtidos - Teste Inicial	</a:t>
+            </a:r>
+            <a:r>
+              <a:rPr lang="pt-BR" dirty="0" smtClean="0"/>
+              <a:t>	</a:t>
+            </a:r>
+            <a:endParaRPr lang="pt-BR" dirty="0"/>
+          </a:p>
+        </p:txBody>
+      </p:sp>
+      <p:sp>
+        <p:nvSpPr>
+          <p:cNvPr id="3" name="Espaço Reservado para Conteúdo 2"/>
+          <p:cNvSpPr>
+            <a:spLocks noGrp="1"/>
+          </p:cNvSpPr>
+          <p:nvPr>
+            <p:ph idx="1"/>
+          </p:nvPr>
+        </p:nvSpPr>
+        <p:spPr/>
+        <p:txBody>
+          <a:bodyPr>
+            <a:normAutofit/>
+          </a:bodyPr>
+          <a:lstStyle/>
+          <a:p>
+            <a:r>
+              <a:rPr lang="pt-BR" dirty="0" smtClean="0"/>
+              <a:t>Resultado dos testes</a:t>
+            </a:r>
+          </a:p>
+          <a:p>
+            <a:endParaRPr lang="pt-BR" dirty="0"/>
+          </a:p>
+          <a:p>
+            <a:endParaRPr lang="pt-BR" dirty="0" smtClean="0"/>
+          </a:p>
+        </p:txBody>
+      </p:sp>
+      <p:pic>
+        <p:nvPicPr>
+          <p:cNvPr id="10242" name="Picture 2"/>
+          <p:cNvPicPr>
+            <a:picLocks noChangeAspect="1" noChangeArrowheads="1"/>
+          </p:cNvPicPr>
+          <p:nvPr/>
+        </p:nvPicPr>
+        <p:blipFill>
+          <a:blip r:embed="rId2">
+            <a:extLst>
+              <a:ext uri="{28A0092B-C50C-407E-A947-70E740481C1C}">
+                <a14:useLocalDpi xmlns:a14="http://schemas.microsoft.com/office/drawing/2010/main" val="0"/>
+              </a:ext>
+            </a:extLst>
+          </a:blip>
+          <a:srcRect/>
+          <a:stretch>
+            <a:fillRect/>
+          </a:stretch>
+        </p:blipFill>
+        <p:spPr bwMode="auto">
+          <a:xfrm>
+            <a:off x="1159024" y="2924944"/>
+            <a:ext cx="6781275" cy="3342200"/>
+          </a:xfrm>
+          <a:prstGeom prst="rect">
+            <a:avLst/>
+          </a:prstGeom>
+          <a:noFill/>
+          <a:ln>
+            <a:noFill/>
+          </a:ln>
+          <a:effectLst/>
+          <a:extLst>
+            <a:ext uri="{909E8E84-426E-40DD-AFC4-6F175D3DCCD1}">
+              <a14:hiddenFill xmlns:a14="http://schemas.microsoft.com/office/drawing/2010/main">
+                <a:solidFill>
+                  <a:schemeClr val="accent1"/>
+                </a:solidFill>
+              </a14:hiddenFill>
+            </a:ext>
+            <a:ext uri="{91240B29-F687-4F45-9708-019B960494DF}">
+              <a14:hiddenLine xmlns:a14="http://schemas.microsoft.com/office/drawing/2010/main" w="9525">
+                <a:solidFill>
+                  <a:schemeClr val="tx1"/>
+                </a:solidFill>
+                <a:miter lim="800000"/>
+                <a:headEnd/>
+                <a:tailEnd/>
+              </a14:hiddenLine>
+            </a:ext>
+            <a:ext uri="{AF507438-7753-43E0-B8FC-AC1667EBCBE1}">
+              <a14:hiddenEffects xmlns:a14="http://schemas.microsoft.com/office/drawing/2010/main">
+                <a:effectLst>
+                  <a:outerShdw dist="35921" dir="2700000" algn="ctr" rotWithShape="0">
+                    <a:schemeClr val="bg2"/>
+                  </a:outerShdw>
+                </a:effectLst>
+              </a14:hiddenEffects>
+            </a:ext>
+          </a:extLst>
+        </p:spPr>
+      </p:pic>
+    </p:spTree>
+    <p:extLst>
+      <p:ext uri="{BB962C8B-B14F-4D97-AF65-F5344CB8AC3E}">
+        <p14:creationId xmlns:p14="http://schemas.microsoft.com/office/powerpoint/2010/main" val="3802175511"/>
       </p:ext>
     </p:extLst>
   </p:cSld>
@@ -15139,7 +17674,7 @@
           <a:p>
             <a:r>
               <a:rPr lang="pt-BR" dirty="0" smtClean="0"/>
-              <a:t>Referencial teórico</a:t>
+              <a:t>Introdução	</a:t>
             </a:r>
             <a:endParaRPr lang="pt-BR" dirty="0"/>
           </a:p>
@@ -15162,44 +17697,50 @@
           <a:p>
             <a:r>
               <a:rPr lang="pt-BR" dirty="0" smtClean="0"/>
-              <a:t>Problemas de otimização</a:t>
-            </a:r>
-          </a:p>
-          <a:p>
+              <a:t>Contextualização</a:t>
+            </a:r>
+          </a:p>
+          <a:p>
+            <a:endParaRPr lang="pt-BR" dirty="0" smtClean="0"/>
+          </a:p>
+          <a:p>
+            <a:pPr>
+              <a:buFont typeface="Wingdings" panose="05000000000000000000" pitchFamily="2" charset="2"/>
+              <a:buChar char="v"/>
+            </a:pPr>
             <a:r>
               <a:rPr lang="pt-BR" dirty="0" smtClean="0"/>
-              <a:t>Heurística</a:t>
-            </a:r>
-          </a:p>
-          <a:p>
+              <a:t>Problema de Alocação de Salas PAS</a:t>
+            </a:r>
+          </a:p>
+          <a:p>
+            <a:pPr>
+              <a:buFont typeface="Wingdings" panose="05000000000000000000" pitchFamily="2" charset="2"/>
+              <a:buChar char="v"/>
+            </a:pPr>
             <a:r>
               <a:rPr lang="pt-BR" dirty="0" smtClean="0"/>
-              <a:t>Busca Tabu</a:t>
-            </a:r>
-          </a:p>
-          <a:p>
+              <a:t>Meta-heurística Algoritmo Genético</a:t>
+            </a:r>
+          </a:p>
+          <a:p>
+            <a:pPr>
+              <a:buFont typeface="Wingdings" panose="05000000000000000000" pitchFamily="2" charset="2"/>
+              <a:buChar char="v"/>
+            </a:pPr>
             <a:r>
               <a:rPr lang="pt-BR" dirty="0" smtClean="0"/>
-              <a:t>Recozimento Simulado</a:t>
-            </a:r>
-          </a:p>
-          <a:p>
-            <a:r>
-              <a:rPr lang="pt-BR" dirty="0" smtClean="0"/>
-              <a:t>Algoritmos Genéticos</a:t>
-            </a:r>
-          </a:p>
-          <a:p>
-            <a:r>
-              <a:rPr lang="pt-BR" dirty="0" err="1" smtClean="0"/>
-              <a:t>TimeTabling</a:t>
-            </a:r>
+              <a:t>Alocação de 149 disciplinas em 50 salas disponíveis na Faculdade de Filosofia e Ciências Humanas.</a:t>
+            </a:r>
+          </a:p>
+          <a:p>
+            <a:pPr>
+              <a:buFont typeface="Wingdings" panose="05000000000000000000" pitchFamily="2" charset="2"/>
+              <a:buChar char="v"/>
+            </a:pPr>
             <a:endParaRPr lang="pt-BR" dirty="0" smtClean="0"/>
           </a:p>
           <a:p>
-            <a:pPr marL="68580" indent="0">
-              <a:buNone/>
-            </a:pPr>
             <a:endParaRPr lang="pt-BR" dirty="0"/>
           </a:p>
         </p:txBody>
@@ -15207,7 +17748,1436 @@
     </p:spTree>
     <p:extLst>
       <p:ext uri="{BB962C8B-B14F-4D97-AF65-F5344CB8AC3E}">
-        <p14:creationId xmlns:p14="http://schemas.microsoft.com/office/powerpoint/2010/main" val="442706682"/>
+        <p14:creationId xmlns:p14="http://schemas.microsoft.com/office/powerpoint/2010/main" val="3801576391"/>
+      </p:ext>
+    </p:extLst>
+  </p:cSld>
+  <p:clrMapOvr>
+    <a:masterClrMapping/>
+  </p:clrMapOvr>
+  <p:timing>
+    <p:tnLst>
+      <p:par>
+        <p:cTn id="1" dur="indefinite" restart="never" nodeType="tmRoot"/>
+      </p:par>
+    </p:tnLst>
+  </p:timing>
+</p:sld>
+</file>
+
+<file path=ppt/slides/slide30.xml><?xml version="1.0" encoding="utf-8"?>
+<p:sld xmlns:a="http://schemas.openxmlformats.org/drawingml/2006/main" xmlns:r="http://schemas.openxmlformats.org/officeDocument/2006/relationships" xmlns:p="http://schemas.openxmlformats.org/presentationml/2006/main">
+  <p:cSld>
+    <p:spTree>
+      <p:nvGrpSpPr>
+        <p:cNvPr id="1" name=""/>
+        <p:cNvGrpSpPr/>
+        <p:nvPr/>
+      </p:nvGrpSpPr>
+      <p:grpSpPr>
+        <a:xfrm>
+          <a:off x="0" y="0"/>
+          <a:ext cx="0" cy="0"/>
+          <a:chOff x="0" y="0"/>
+          <a:chExt cx="0" cy="0"/>
+        </a:xfrm>
+      </p:grpSpPr>
+      <p:sp>
+        <p:nvSpPr>
+          <p:cNvPr id="2" name="Título 1"/>
+          <p:cNvSpPr>
+            <a:spLocks noGrp="1"/>
+          </p:cNvSpPr>
+          <p:nvPr>
+            <p:ph type="title"/>
+          </p:nvPr>
+        </p:nvSpPr>
+        <p:spPr/>
+        <p:txBody>
+          <a:bodyPr>
+            <a:normAutofit fontScale="90000"/>
+          </a:bodyPr>
+          <a:lstStyle/>
+          <a:p>
+            <a:r>
+              <a:rPr lang="pt-BR" dirty="0"/>
+              <a:t>Resultados Obtidos - Teste Inicial	</a:t>
+            </a:r>
+            <a:r>
+              <a:rPr lang="pt-BR" dirty="0" smtClean="0"/>
+              <a:t>	</a:t>
+            </a:r>
+            <a:endParaRPr lang="pt-BR" dirty="0"/>
+          </a:p>
+        </p:txBody>
+      </p:sp>
+      <p:sp>
+        <p:nvSpPr>
+          <p:cNvPr id="3" name="Espaço Reservado para Conteúdo 2"/>
+          <p:cNvSpPr>
+            <a:spLocks noGrp="1"/>
+          </p:cNvSpPr>
+          <p:nvPr>
+            <p:ph idx="1"/>
+          </p:nvPr>
+        </p:nvSpPr>
+        <p:spPr/>
+        <p:txBody>
+          <a:bodyPr>
+            <a:normAutofit/>
+          </a:bodyPr>
+          <a:lstStyle/>
+          <a:p>
+            <a:r>
+              <a:rPr lang="pt-BR" dirty="0" smtClean="0"/>
+              <a:t>Melhoria genética</a:t>
+            </a:r>
+          </a:p>
+          <a:p>
+            <a:endParaRPr lang="pt-BR" dirty="0" smtClean="0"/>
+          </a:p>
+          <a:p>
+            <a:pPr>
+              <a:buFont typeface="Wingdings" panose="05000000000000000000" pitchFamily="2" charset="2"/>
+              <a:buChar char="v"/>
+            </a:pPr>
+            <a:r>
+              <a:rPr lang="pt-BR" dirty="0" smtClean="0"/>
+              <a:t>Troca dos genes para um posição que respeite as restrições do problema.</a:t>
+            </a:r>
+          </a:p>
+        </p:txBody>
+      </p:sp>
+    </p:spTree>
+    <p:extLst>
+      <p:ext uri="{BB962C8B-B14F-4D97-AF65-F5344CB8AC3E}">
+        <p14:creationId xmlns:p14="http://schemas.microsoft.com/office/powerpoint/2010/main" val="1184005835"/>
+      </p:ext>
+    </p:extLst>
+  </p:cSld>
+  <p:clrMapOvr>
+    <a:masterClrMapping/>
+  </p:clrMapOvr>
+  <p:timing>
+    <p:tnLst>
+      <p:par>
+        <p:cTn id="1" dur="indefinite" restart="never" nodeType="tmRoot"/>
+      </p:par>
+    </p:tnLst>
+  </p:timing>
+</p:sld>
+</file>
+
+<file path=ppt/slides/slide31.xml><?xml version="1.0" encoding="utf-8"?>
+<p:sld xmlns:a="http://schemas.openxmlformats.org/drawingml/2006/main" xmlns:r="http://schemas.openxmlformats.org/officeDocument/2006/relationships" xmlns:p="http://schemas.openxmlformats.org/presentationml/2006/main">
+  <p:cSld>
+    <p:spTree>
+      <p:nvGrpSpPr>
+        <p:cNvPr id="1" name=""/>
+        <p:cNvGrpSpPr/>
+        <p:nvPr/>
+      </p:nvGrpSpPr>
+      <p:grpSpPr>
+        <a:xfrm>
+          <a:off x="0" y="0"/>
+          <a:ext cx="0" cy="0"/>
+          <a:chOff x="0" y="0"/>
+          <a:chExt cx="0" cy="0"/>
+        </a:xfrm>
+      </p:grpSpPr>
+      <p:sp>
+        <p:nvSpPr>
+          <p:cNvPr id="2" name="Título 1"/>
+          <p:cNvSpPr>
+            <a:spLocks noGrp="1"/>
+          </p:cNvSpPr>
+          <p:nvPr>
+            <p:ph type="title"/>
+          </p:nvPr>
+        </p:nvSpPr>
+        <p:spPr/>
+        <p:txBody>
+          <a:bodyPr>
+            <a:normAutofit fontScale="90000"/>
+          </a:bodyPr>
+          <a:lstStyle/>
+          <a:p>
+            <a:r>
+              <a:rPr lang="pt-BR" dirty="0"/>
+              <a:t>Resultados Obtidos - Teste Inicial	</a:t>
+            </a:r>
+            <a:r>
+              <a:rPr lang="pt-BR" dirty="0" smtClean="0"/>
+              <a:t>	</a:t>
+            </a:r>
+            <a:endParaRPr lang="pt-BR" dirty="0"/>
+          </a:p>
+        </p:txBody>
+      </p:sp>
+      <p:sp>
+        <p:nvSpPr>
+          <p:cNvPr id="3" name="Espaço Reservado para Conteúdo 2"/>
+          <p:cNvSpPr>
+            <a:spLocks noGrp="1"/>
+          </p:cNvSpPr>
+          <p:nvPr>
+            <p:ph idx="1"/>
+          </p:nvPr>
+        </p:nvSpPr>
+        <p:spPr/>
+        <p:txBody>
+          <a:bodyPr>
+            <a:normAutofit/>
+          </a:bodyPr>
+          <a:lstStyle/>
+          <a:p>
+            <a:r>
+              <a:rPr lang="pt-BR" dirty="0" smtClean="0"/>
+              <a:t>Resultado melhoria genética</a:t>
+            </a:r>
+          </a:p>
+          <a:p>
+            <a:endParaRPr lang="pt-BR" dirty="0"/>
+          </a:p>
+          <a:p>
+            <a:endParaRPr lang="pt-BR" dirty="0" smtClean="0"/>
+          </a:p>
+        </p:txBody>
+      </p:sp>
+      <p:pic>
+        <p:nvPicPr>
+          <p:cNvPr id="11266" name="Gráfico 1"/>
+          <p:cNvPicPr>
+            <a:picLocks noChangeArrowheads="1"/>
+          </p:cNvPicPr>
+          <p:nvPr/>
+        </p:nvPicPr>
+        <p:blipFill>
+          <a:blip r:embed="rId2">
+            <a:extLst>
+              <a:ext uri="{28A0092B-C50C-407E-A947-70E740481C1C}">
+                <a14:useLocalDpi xmlns:a14="http://schemas.microsoft.com/office/drawing/2010/main" val="0"/>
+              </a:ext>
+            </a:extLst>
+          </a:blip>
+          <a:srcRect/>
+          <a:stretch>
+            <a:fillRect/>
+          </a:stretch>
+        </p:blipFill>
+        <p:spPr bwMode="auto">
+          <a:xfrm>
+            <a:off x="1331640" y="3096046"/>
+            <a:ext cx="5322887" cy="2511425"/>
+          </a:xfrm>
+          <a:prstGeom prst="rect">
+            <a:avLst/>
+          </a:prstGeom>
+          <a:noFill/>
+          <a:ln>
+            <a:noFill/>
+          </a:ln>
+          <a:extLst>
+            <a:ext uri="{909E8E84-426E-40DD-AFC4-6F175D3DCCD1}">
+              <a14:hiddenFill xmlns:a14="http://schemas.microsoft.com/office/drawing/2010/main">
+                <a:solidFill>
+                  <a:srgbClr val="FFFFFF"/>
+                </a:solidFill>
+              </a14:hiddenFill>
+            </a:ext>
+            <a:ext uri="{91240B29-F687-4F45-9708-019B960494DF}">
+              <a14:hiddenLine xmlns:a14="http://schemas.microsoft.com/office/drawing/2010/main" w="9525">
+                <a:solidFill>
+                  <a:srgbClr val="000000"/>
+                </a:solidFill>
+                <a:miter lim="800000"/>
+                <a:headEnd/>
+                <a:tailEnd/>
+              </a14:hiddenLine>
+            </a:ext>
+          </a:extLst>
+        </p:spPr>
+      </p:pic>
+    </p:spTree>
+    <p:extLst>
+      <p:ext uri="{BB962C8B-B14F-4D97-AF65-F5344CB8AC3E}">
+        <p14:creationId xmlns:p14="http://schemas.microsoft.com/office/powerpoint/2010/main" val="197317090"/>
+      </p:ext>
+    </p:extLst>
+  </p:cSld>
+  <p:clrMapOvr>
+    <a:masterClrMapping/>
+  </p:clrMapOvr>
+  <p:timing>
+    <p:tnLst>
+      <p:par>
+        <p:cTn id="1" dur="indefinite" restart="never" nodeType="tmRoot"/>
+      </p:par>
+    </p:tnLst>
+  </p:timing>
+</p:sld>
+</file>
+
+<file path=ppt/slides/slide32.xml><?xml version="1.0" encoding="utf-8"?>
+<p:sld xmlns:a="http://schemas.openxmlformats.org/drawingml/2006/main" xmlns:r="http://schemas.openxmlformats.org/officeDocument/2006/relationships" xmlns:p="http://schemas.openxmlformats.org/presentationml/2006/main">
+  <p:cSld>
+    <p:spTree>
+      <p:nvGrpSpPr>
+        <p:cNvPr id="1" name=""/>
+        <p:cNvGrpSpPr/>
+        <p:nvPr/>
+      </p:nvGrpSpPr>
+      <p:grpSpPr>
+        <a:xfrm>
+          <a:off x="0" y="0"/>
+          <a:ext cx="0" cy="0"/>
+          <a:chOff x="0" y="0"/>
+          <a:chExt cx="0" cy="0"/>
+        </a:xfrm>
+      </p:grpSpPr>
+      <p:sp>
+        <p:nvSpPr>
+          <p:cNvPr id="2" name="Título 1"/>
+          <p:cNvSpPr>
+            <a:spLocks noGrp="1"/>
+          </p:cNvSpPr>
+          <p:nvPr>
+            <p:ph type="title"/>
+          </p:nvPr>
+        </p:nvSpPr>
+        <p:spPr/>
+        <p:txBody>
+          <a:bodyPr>
+            <a:normAutofit fontScale="90000"/>
+          </a:bodyPr>
+          <a:lstStyle/>
+          <a:p>
+            <a:r>
+              <a:rPr lang="pt-BR" dirty="0"/>
+              <a:t>Resultados Obtidos - Teste Inicial	</a:t>
+            </a:r>
+            <a:r>
+              <a:rPr lang="pt-BR" dirty="0" smtClean="0"/>
+              <a:t>	</a:t>
+            </a:r>
+            <a:endParaRPr lang="pt-BR" dirty="0"/>
+          </a:p>
+        </p:txBody>
+      </p:sp>
+      <p:sp>
+        <p:nvSpPr>
+          <p:cNvPr id="3" name="Espaço Reservado para Conteúdo 2"/>
+          <p:cNvSpPr>
+            <a:spLocks noGrp="1"/>
+          </p:cNvSpPr>
+          <p:nvPr>
+            <p:ph idx="1"/>
+          </p:nvPr>
+        </p:nvSpPr>
+        <p:spPr/>
+        <p:txBody>
+          <a:bodyPr>
+            <a:normAutofit/>
+          </a:bodyPr>
+          <a:lstStyle/>
+          <a:p>
+            <a:r>
+              <a:rPr lang="pt-BR" dirty="0" smtClean="0"/>
+              <a:t>Testes com crossover e melhoria genética</a:t>
+            </a:r>
+          </a:p>
+          <a:p>
+            <a:endParaRPr lang="pt-BR" dirty="0" smtClean="0"/>
+          </a:p>
+          <a:p>
+            <a:pPr>
+              <a:buFont typeface="Wingdings" panose="05000000000000000000" pitchFamily="2" charset="2"/>
+              <a:buChar char="v"/>
+            </a:pPr>
+            <a:r>
+              <a:rPr lang="pt-BR" dirty="0" smtClean="0"/>
+              <a:t>Inserção do parâmetro de crossover</a:t>
+            </a:r>
+          </a:p>
+          <a:p>
+            <a:pPr>
+              <a:buFont typeface="Wingdings" panose="05000000000000000000" pitchFamily="2" charset="2"/>
+              <a:buChar char="v"/>
+            </a:pPr>
+            <a:r>
+              <a:rPr lang="pt-BR" dirty="0" smtClean="0"/>
+              <a:t>Dobro da população metade do crossover</a:t>
+            </a:r>
+          </a:p>
+          <a:p>
+            <a:pPr>
+              <a:buFont typeface="Wingdings" panose="05000000000000000000" pitchFamily="2" charset="2"/>
+              <a:buChar char="v"/>
+            </a:pPr>
+            <a:r>
+              <a:rPr lang="pt-BR" dirty="0" smtClean="0"/>
+              <a:t>Dobro da população metade do crossover 2</a:t>
+            </a:r>
+            <a:endParaRPr lang="pt-BR" dirty="0"/>
+          </a:p>
+          <a:p>
+            <a:pPr marL="68580" indent="0">
+              <a:buNone/>
+            </a:pPr>
+            <a:endParaRPr lang="pt-BR" dirty="0" smtClean="0"/>
+          </a:p>
+          <a:p>
+            <a:endParaRPr lang="pt-BR" dirty="0"/>
+          </a:p>
+          <a:p>
+            <a:endParaRPr lang="pt-BR" dirty="0" smtClean="0"/>
+          </a:p>
+        </p:txBody>
+      </p:sp>
+    </p:spTree>
+    <p:extLst>
+      <p:ext uri="{BB962C8B-B14F-4D97-AF65-F5344CB8AC3E}">
+        <p14:creationId xmlns:p14="http://schemas.microsoft.com/office/powerpoint/2010/main" val="3879314854"/>
+      </p:ext>
+    </p:extLst>
+  </p:cSld>
+  <p:clrMapOvr>
+    <a:masterClrMapping/>
+  </p:clrMapOvr>
+  <p:timing>
+    <p:tnLst>
+      <p:par>
+        <p:cTn id="1" dur="indefinite" restart="never" nodeType="tmRoot"/>
+      </p:par>
+    </p:tnLst>
+  </p:timing>
+</p:sld>
+</file>
+
+<file path=ppt/slides/slide33.xml><?xml version="1.0" encoding="utf-8"?>
+<p:sld xmlns:a="http://schemas.openxmlformats.org/drawingml/2006/main" xmlns:r="http://schemas.openxmlformats.org/officeDocument/2006/relationships" xmlns:p="http://schemas.openxmlformats.org/presentationml/2006/main">
+  <p:cSld>
+    <p:spTree>
+      <p:nvGrpSpPr>
+        <p:cNvPr id="1" name=""/>
+        <p:cNvGrpSpPr/>
+        <p:nvPr/>
+      </p:nvGrpSpPr>
+      <p:grpSpPr>
+        <a:xfrm>
+          <a:off x="0" y="0"/>
+          <a:ext cx="0" cy="0"/>
+          <a:chOff x="0" y="0"/>
+          <a:chExt cx="0" cy="0"/>
+        </a:xfrm>
+      </p:grpSpPr>
+      <p:sp>
+        <p:nvSpPr>
+          <p:cNvPr id="2" name="Título 1"/>
+          <p:cNvSpPr>
+            <a:spLocks noGrp="1"/>
+          </p:cNvSpPr>
+          <p:nvPr>
+            <p:ph type="title"/>
+          </p:nvPr>
+        </p:nvSpPr>
+        <p:spPr/>
+        <p:txBody>
+          <a:bodyPr>
+            <a:normAutofit fontScale="90000"/>
+          </a:bodyPr>
+          <a:lstStyle/>
+          <a:p>
+            <a:r>
+              <a:rPr lang="pt-BR" dirty="0"/>
+              <a:t>Resultados Obtidos - Teste Inicial	</a:t>
+            </a:r>
+            <a:r>
+              <a:rPr lang="pt-BR" dirty="0" smtClean="0"/>
+              <a:t>	</a:t>
+            </a:r>
+            <a:endParaRPr lang="pt-BR" dirty="0"/>
+          </a:p>
+        </p:txBody>
+      </p:sp>
+      <p:sp>
+        <p:nvSpPr>
+          <p:cNvPr id="3" name="Espaço Reservado para Conteúdo 2"/>
+          <p:cNvSpPr>
+            <a:spLocks noGrp="1"/>
+          </p:cNvSpPr>
+          <p:nvPr>
+            <p:ph idx="1"/>
+          </p:nvPr>
+        </p:nvSpPr>
+        <p:spPr/>
+        <p:txBody>
+          <a:bodyPr>
+            <a:normAutofit/>
+          </a:bodyPr>
+          <a:lstStyle/>
+          <a:p>
+            <a:r>
+              <a:rPr lang="pt-BR" dirty="0" smtClean="0"/>
+              <a:t>Resultados dos testes</a:t>
+            </a:r>
+          </a:p>
+          <a:p>
+            <a:endParaRPr lang="pt-BR" dirty="0"/>
+          </a:p>
+          <a:p>
+            <a:endParaRPr lang="pt-BR" dirty="0"/>
+          </a:p>
+          <a:p>
+            <a:endParaRPr lang="pt-BR" dirty="0" smtClean="0"/>
+          </a:p>
+        </p:txBody>
+      </p:sp>
+      <p:pic>
+        <p:nvPicPr>
+          <p:cNvPr id="13314" name="Picture 2"/>
+          <p:cNvPicPr>
+            <a:picLocks noChangeAspect="1" noChangeArrowheads="1"/>
+          </p:cNvPicPr>
+          <p:nvPr/>
+        </p:nvPicPr>
+        <p:blipFill>
+          <a:blip r:embed="rId2">
+            <a:extLst>
+              <a:ext uri="{28A0092B-C50C-407E-A947-70E740481C1C}">
+                <a14:useLocalDpi xmlns:a14="http://schemas.microsoft.com/office/drawing/2010/main" val="0"/>
+              </a:ext>
+            </a:extLst>
+          </a:blip>
+          <a:srcRect/>
+          <a:stretch>
+            <a:fillRect/>
+          </a:stretch>
+        </p:blipFill>
+        <p:spPr bwMode="auto">
+          <a:xfrm>
+            <a:off x="1331640" y="2852936"/>
+            <a:ext cx="6480720" cy="3415199"/>
+          </a:xfrm>
+          <a:prstGeom prst="rect">
+            <a:avLst/>
+          </a:prstGeom>
+          <a:noFill/>
+          <a:ln>
+            <a:noFill/>
+          </a:ln>
+          <a:effectLst/>
+          <a:extLst>
+            <a:ext uri="{909E8E84-426E-40DD-AFC4-6F175D3DCCD1}">
+              <a14:hiddenFill xmlns:a14="http://schemas.microsoft.com/office/drawing/2010/main">
+                <a:solidFill>
+                  <a:schemeClr val="accent1"/>
+                </a:solidFill>
+              </a14:hiddenFill>
+            </a:ext>
+            <a:ext uri="{91240B29-F687-4F45-9708-019B960494DF}">
+              <a14:hiddenLine xmlns:a14="http://schemas.microsoft.com/office/drawing/2010/main" w="9525">
+                <a:solidFill>
+                  <a:schemeClr val="tx1"/>
+                </a:solidFill>
+                <a:miter lim="800000"/>
+                <a:headEnd/>
+                <a:tailEnd/>
+              </a14:hiddenLine>
+            </a:ext>
+            <a:ext uri="{AF507438-7753-43E0-B8FC-AC1667EBCBE1}">
+              <a14:hiddenEffects xmlns:a14="http://schemas.microsoft.com/office/drawing/2010/main">
+                <a:effectLst>
+                  <a:outerShdw dist="35921" dir="2700000" algn="ctr" rotWithShape="0">
+                    <a:schemeClr val="bg2"/>
+                  </a:outerShdw>
+                </a:effectLst>
+              </a14:hiddenEffects>
+            </a:ext>
+          </a:extLst>
+        </p:spPr>
+      </p:pic>
+    </p:spTree>
+    <p:extLst>
+      <p:ext uri="{BB962C8B-B14F-4D97-AF65-F5344CB8AC3E}">
+        <p14:creationId xmlns:p14="http://schemas.microsoft.com/office/powerpoint/2010/main" val="1510992296"/>
+      </p:ext>
+    </p:extLst>
+  </p:cSld>
+  <p:clrMapOvr>
+    <a:masterClrMapping/>
+  </p:clrMapOvr>
+  <p:timing>
+    <p:tnLst>
+      <p:par>
+        <p:cTn id="1" dur="indefinite" restart="never" nodeType="tmRoot"/>
+      </p:par>
+    </p:tnLst>
+  </p:timing>
+</p:sld>
+</file>
+
+<file path=ppt/slides/slide34.xml><?xml version="1.0" encoding="utf-8"?>
+<p:sld xmlns:a="http://schemas.openxmlformats.org/drawingml/2006/main" xmlns:r="http://schemas.openxmlformats.org/officeDocument/2006/relationships" xmlns:p="http://schemas.openxmlformats.org/presentationml/2006/main">
+  <p:cSld>
+    <p:spTree>
+      <p:nvGrpSpPr>
+        <p:cNvPr id="1" name=""/>
+        <p:cNvGrpSpPr/>
+        <p:nvPr/>
+      </p:nvGrpSpPr>
+      <p:grpSpPr>
+        <a:xfrm>
+          <a:off x="0" y="0"/>
+          <a:ext cx="0" cy="0"/>
+          <a:chOff x="0" y="0"/>
+          <a:chExt cx="0" cy="0"/>
+        </a:xfrm>
+      </p:grpSpPr>
+      <p:sp>
+        <p:nvSpPr>
+          <p:cNvPr id="2" name="Título 1"/>
+          <p:cNvSpPr>
+            <a:spLocks noGrp="1"/>
+          </p:cNvSpPr>
+          <p:nvPr>
+            <p:ph type="title"/>
+          </p:nvPr>
+        </p:nvSpPr>
+        <p:spPr/>
+        <p:txBody>
+          <a:bodyPr>
+            <a:normAutofit fontScale="90000"/>
+          </a:bodyPr>
+          <a:lstStyle/>
+          <a:p>
+            <a:r>
+              <a:rPr lang="pt-BR" dirty="0"/>
+              <a:t>Resultados Obtidos - Teste Inicial	</a:t>
+            </a:r>
+            <a:r>
+              <a:rPr lang="pt-BR" dirty="0" smtClean="0"/>
+              <a:t>	</a:t>
+            </a:r>
+            <a:endParaRPr lang="pt-BR" dirty="0"/>
+          </a:p>
+        </p:txBody>
+      </p:sp>
+      <p:sp>
+        <p:nvSpPr>
+          <p:cNvPr id="3" name="Espaço Reservado para Conteúdo 2"/>
+          <p:cNvSpPr>
+            <a:spLocks noGrp="1"/>
+          </p:cNvSpPr>
+          <p:nvPr>
+            <p:ph idx="1"/>
+          </p:nvPr>
+        </p:nvSpPr>
+        <p:spPr/>
+        <p:txBody>
+          <a:bodyPr>
+            <a:normAutofit/>
+          </a:bodyPr>
+          <a:lstStyle/>
+          <a:p>
+            <a:r>
+              <a:rPr lang="pt-BR" dirty="0" smtClean="0"/>
+              <a:t>Comparação melhor resultado com o método de mutação </a:t>
+            </a:r>
+          </a:p>
+          <a:p>
+            <a:endParaRPr lang="pt-BR" dirty="0"/>
+          </a:p>
+          <a:p>
+            <a:endParaRPr lang="pt-BR" dirty="0"/>
+          </a:p>
+          <a:p>
+            <a:endParaRPr lang="pt-BR" dirty="0" smtClean="0"/>
+          </a:p>
+        </p:txBody>
+      </p:sp>
+      <p:pic>
+        <p:nvPicPr>
+          <p:cNvPr id="14338" name="Picture 2"/>
+          <p:cNvPicPr>
+            <a:picLocks noChangeAspect="1" noChangeArrowheads="1"/>
+          </p:cNvPicPr>
+          <p:nvPr/>
+        </p:nvPicPr>
+        <p:blipFill>
+          <a:blip r:embed="rId2">
+            <a:extLst>
+              <a:ext uri="{28A0092B-C50C-407E-A947-70E740481C1C}">
+                <a14:useLocalDpi xmlns:a14="http://schemas.microsoft.com/office/drawing/2010/main" val="0"/>
+              </a:ext>
+            </a:extLst>
+          </a:blip>
+          <a:srcRect/>
+          <a:stretch>
+            <a:fillRect/>
+          </a:stretch>
+        </p:blipFill>
+        <p:spPr bwMode="auto">
+          <a:xfrm>
+            <a:off x="1331640" y="3212975"/>
+            <a:ext cx="6768752" cy="3072341"/>
+          </a:xfrm>
+          <a:prstGeom prst="rect">
+            <a:avLst/>
+          </a:prstGeom>
+          <a:noFill/>
+          <a:ln>
+            <a:noFill/>
+          </a:ln>
+          <a:effectLst/>
+          <a:extLst>
+            <a:ext uri="{909E8E84-426E-40DD-AFC4-6F175D3DCCD1}">
+              <a14:hiddenFill xmlns:a14="http://schemas.microsoft.com/office/drawing/2010/main">
+                <a:solidFill>
+                  <a:schemeClr val="accent1"/>
+                </a:solidFill>
+              </a14:hiddenFill>
+            </a:ext>
+            <a:ext uri="{91240B29-F687-4F45-9708-019B960494DF}">
+              <a14:hiddenLine xmlns:a14="http://schemas.microsoft.com/office/drawing/2010/main" w="9525">
+                <a:solidFill>
+                  <a:schemeClr val="tx1"/>
+                </a:solidFill>
+                <a:miter lim="800000"/>
+                <a:headEnd/>
+                <a:tailEnd/>
+              </a14:hiddenLine>
+            </a:ext>
+            <a:ext uri="{AF507438-7753-43E0-B8FC-AC1667EBCBE1}">
+              <a14:hiddenEffects xmlns:a14="http://schemas.microsoft.com/office/drawing/2010/main">
+                <a:effectLst>
+                  <a:outerShdw dist="35921" dir="2700000" algn="ctr" rotWithShape="0">
+                    <a:schemeClr val="bg2"/>
+                  </a:outerShdw>
+                </a:effectLst>
+              </a14:hiddenEffects>
+            </a:ext>
+          </a:extLst>
+        </p:spPr>
+      </p:pic>
+    </p:spTree>
+    <p:extLst>
+      <p:ext uri="{BB962C8B-B14F-4D97-AF65-F5344CB8AC3E}">
+        <p14:creationId xmlns:p14="http://schemas.microsoft.com/office/powerpoint/2010/main" val="880646194"/>
+      </p:ext>
+    </p:extLst>
+  </p:cSld>
+  <p:clrMapOvr>
+    <a:masterClrMapping/>
+  </p:clrMapOvr>
+  <p:timing>
+    <p:tnLst>
+      <p:par>
+        <p:cTn id="1" dur="indefinite" restart="never" nodeType="tmRoot"/>
+      </p:par>
+    </p:tnLst>
+  </p:timing>
+</p:sld>
+</file>
+
+<file path=ppt/slides/slide35.xml><?xml version="1.0" encoding="utf-8"?>
+<p:sld xmlns:a="http://schemas.openxmlformats.org/drawingml/2006/main" xmlns:r="http://schemas.openxmlformats.org/officeDocument/2006/relationships" xmlns:p="http://schemas.openxmlformats.org/presentationml/2006/main">
+  <p:cSld>
+    <p:spTree>
+      <p:nvGrpSpPr>
+        <p:cNvPr id="1" name=""/>
+        <p:cNvGrpSpPr/>
+        <p:nvPr/>
+      </p:nvGrpSpPr>
+      <p:grpSpPr>
+        <a:xfrm>
+          <a:off x="0" y="0"/>
+          <a:ext cx="0" cy="0"/>
+          <a:chOff x="0" y="0"/>
+          <a:chExt cx="0" cy="0"/>
+        </a:xfrm>
+      </p:grpSpPr>
+      <p:sp>
+        <p:nvSpPr>
+          <p:cNvPr id="2" name="Título 1"/>
+          <p:cNvSpPr>
+            <a:spLocks noGrp="1"/>
+          </p:cNvSpPr>
+          <p:nvPr>
+            <p:ph type="title"/>
+          </p:nvPr>
+        </p:nvSpPr>
+        <p:spPr/>
+        <p:txBody>
+          <a:bodyPr>
+            <a:normAutofit fontScale="90000"/>
+          </a:bodyPr>
+          <a:lstStyle/>
+          <a:p>
+            <a:r>
+              <a:rPr lang="pt-BR" dirty="0"/>
+              <a:t>Resultados Obtidos - Teste Inicial	</a:t>
+            </a:r>
+            <a:r>
+              <a:rPr lang="pt-BR" dirty="0" smtClean="0"/>
+              <a:t>	</a:t>
+            </a:r>
+            <a:endParaRPr lang="pt-BR" dirty="0"/>
+          </a:p>
+        </p:txBody>
+      </p:sp>
+      <p:sp>
+        <p:nvSpPr>
+          <p:cNvPr id="3" name="Espaço Reservado para Conteúdo 2"/>
+          <p:cNvSpPr>
+            <a:spLocks noGrp="1"/>
+          </p:cNvSpPr>
+          <p:nvPr>
+            <p:ph idx="1"/>
+          </p:nvPr>
+        </p:nvSpPr>
+        <p:spPr/>
+        <p:txBody>
+          <a:bodyPr>
+            <a:normAutofit/>
+          </a:bodyPr>
+          <a:lstStyle/>
+          <a:p>
+            <a:r>
+              <a:rPr lang="pt-BR" dirty="0" smtClean="0"/>
+              <a:t>Comparação dos tempos de execução</a:t>
+            </a:r>
+          </a:p>
+          <a:p>
+            <a:pPr marL="68580" indent="0">
+              <a:buNone/>
+            </a:pPr>
+            <a:endParaRPr lang="pt-BR" dirty="0" smtClean="0"/>
+          </a:p>
+          <a:p>
+            <a:endParaRPr lang="pt-BR" dirty="0"/>
+          </a:p>
+          <a:p>
+            <a:endParaRPr lang="pt-BR" dirty="0"/>
+          </a:p>
+          <a:p>
+            <a:endParaRPr lang="pt-BR" dirty="0" smtClean="0"/>
+          </a:p>
+        </p:txBody>
+      </p:sp>
+      <p:pic>
+        <p:nvPicPr>
+          <p:cNvPr id="15362" name="Picture 2"/>
+          <p:cNvPicPr>
+            <a:picLocks noChangeAspect="1" noChangeArrowheads="1"/>
+          </p:cNvPicPr>
+          <p:nvPr/>
+        </p:nvPicPr>
+        <p:blipFill>
+          <a:blip r:embed="rId2">
+            <a:extLst>
+              <a:ext uri="{28A0092B-C50C-407E-A947-70E740481C1C}">
+                <a14:useLocalDpi xmlns:a14="http://schemas.microsoft.com/office/drawing/2010/main" val="0"/>
+              </a:ext>
+            </a:extLst>
+          </a:blip>
+          <a:srcRect/>
+          <a:stretch>
+            <a:fillRect/>
+          </a:stretch>
+        </p:blipFill>
+        <p:spPr bwMode="auto">
+          <a:xfrm>
+            <a:off x="971600" y="3140968"/>
+            <a:ext cx="7344816" cy="3138773"/>
+          </a:xfrm>
+          <a:prstGeom prst="rect">
+            <a:avLst/>
+          </a:prstGeom>
+          <a:noFill/>
+          <a:ln>
+            <a:noFill/>
+          </a:ln>
+          <a:extLst>
+            <a:ext uri="{909E8E84-426E-40DD-AFC4-6F175D3DCCD1}">
+              <a14:hiddenFill xmlns:a14="http://schemas.microsoft.com/office/drawing/2010/main">
+                <a:solidFill>
+                  <a:srgbClr val="FFFFFF"/>
+                </a:solidFill>
+              </a14:hiddenFill>
+            </a:ext>
+            <a:ext uri="{91240B29-F687-4F45-9708-019B960494DF}">
+              <a14:hiddenLine xmlns:a14="http://schemas.microsoft.com/office/drawing/2010/main" w="9525">
+                <a:solidFill>
+                  <a:srgbClr val="000000"/>
+                </a:solidFill>
+                <a:miter lim="800000"/>
+                <a:headEnd/>
+                <a:tailEnd/>
+              </a14:hiddenLine>
+            </a:ext>
+          </a:extLst>
+        </p:spPr>
+      </p:pic>
+    </p:spTree>
+    <p:extLst>
+      <p:ext uri="{BB962C8B-B14F-4D97-AF65-F5344CB8AC3E}">
+        <p14:creationId xmlns:p14="http://schemas.microsoft.com/office/powerpoint/2010/main" val="2041771416"/>
+      </p:ext>
+    </p:extLst>
+  </p:cSld>
+  <p:clrMapOvr>
+    <a:masterClrMapping/>
+  </p:clrMapOvr>
+  <p:timing>
+    <p:tnLst>
+      <p:par>
+        <p:cTn id="1" dur="indefinite" restart="never" nodeType="tmRoot"/>
+      </p:par>
+    </p:tnLst>
+  </p:timing>
+</p:sld>
+</file>
+
+<file path=ppt/slides/slide36.xml><?xml version="1.0" encoding="utf-8"?>
+<p:sld xmlns:a="http://schemas.openxmlformats.org/drawingml/2006/main" xmlns:r="http://schemas.openxmlformats.org/officeDocument/2006/relationships" xmlns:p="http://schemas.openxmlformats.org/presentationml/2006/main">
+  <p:cSld>
+    <p:spTree>
+      <p:nvGrpSpPr>
+        <p:cNvPr id="1" name=""/>
+        <p:cNvGrpSpPr/>
+        <p:nvPr/>
+      </p:nvGrpSpPr>
+      <p:grpSpPr>
+        <a:xfrm>
+          <a:off x="0" y="0"/>
+          <a:ext cx="0" cy="0"/>
+          <a:chOff x="0" y="0"/>
+          <a:chExt cx="0" cy="0"/>
+        </a:xfrm>
+      </p:grpSpPr>
+      <p:sp>
+        <p:nvSpPr>
+          <p:cNvPr id="2" name="Título 1"/>
+          <p:cNvSpPr>
+            <a:spLocks noGrp="1"/>
+          </p:cNvSpPr>
+          <p:nvPr>
+            <p:ph type="title"/>
+          </p:nvPr>
+        </p:nvSpPr>
+        <p:spPr/>
+        <p:txBody>
+          <a:bodyPr>
+            <a:normAutofit fontScale="90000"/>
+          </a:bodyPr>
+          <a:lstStyle/>
+          <a:p>
+            <a:r>
+              <a:rPr lang="pt-BR" dirty="0"/>
+              <a:t>Resultados Obtidos - Teste Inicial	</a:t>
+            </a:r>
+            <a:r>
+              <a:rPr lang="pt-BR" dirty="0" smtClean="0"/>
+              <a:t>	</a:t>
+            </a:r>
+            <a:endParaRPr lang="pt-BR" dirty="0"/>
+          </a:p>
+        </p:txBody>
+      </p:sp>
+      <p:sp>
+        <p:nvSpPr>
+          <p:cNvPr id="3" name="Espaço Reservado para Conteúdo 2"/>
+          <p:cNvSpPr>
+            <a:spLocks noGrp="1"/>
+          </p:cNvSpPr>
+          <p:nvPr>
+            <p:ph idx="1"/>
+          </p:nvPr>
+        </p:nvSpPr>
+        <p:spPr/>
+        <p:txBody>
+          <a:bodyPr>
+            <a:normAutofit/>
+          </a:bodyPr>
+          <a:lstStyle/>
+          <a:p>
+            <a:r>
+              <a:rPr lang="pt-BR" dirty="0" smtClean="0"/>
+              <a:t>Desempenho carga de testes com 5000 gerações</a:t>
+            </a:r>
+          </a:p>
+          <a:p>
+            <a:pPr marL="68580" indent="0">
+              <a:buNone/>
+            </a:pPr>
+            <a:endParaRPr lang="pt-BR" dirty="0" smtClean="0"/>
+          </a:p>
+          <a:p>
+            <a:endParaRPr lang="pt-BR" dirty="0"/>
+          </a:p>
+          <a:p>
+            <a:endParaRPr lang="pt-BR" dirty="0"/>
+          </a:p>
+          <a:p>
+            <a:endParaRPr lang="pt-BR" dirty="0" smtClean="0"/>
+          </a:p>
+        </p:txBody>
+      </p:sp>
+      <p:pic>
+        <p:nvPicPr>
+          <p:cNvPr id="16386" name="Picture 2"/>
+          <p:cNvPicPr>
+            <a:picLocks noChangeAspect="1" noChangeArrowheads="1"/>
+          </p:cNvPicPr>
+          <p:nvPr/>
+        </p:nvPicPr>
+        <p:blipFill>
+          <a:blip r:embed="rId2">
+            <a:extLst>
+              <a:ext uri="{28A0092B-C50C-407E-A947-70E740481C1C}">
+                <a14:useLocalDpi xmlns:a14="http://schemas.microsoft.com/office/drawing/2010/main" val="0"/>
+              </a:ext>
+            </a:extLst>
+          </a:blip>
+          <a:srcRect/>
+          <a:stretch>
+            <a:fillRect/>
+          </a:stretch>
+        </p:blipFill>
+        <p:spPr bwMode="auto">
+          <a:xfrm>
+            <a:off x="1187624" y="3284984"/>
+            <a:ext cx="7128792" cy="3099999"/>
+          </a:xfrm>
+          <a:prstGeom prst="rect">
+            <a:avLst/>
+          </a:prstGeom>
+          <a:noFill/>
+          <a:ln>
+            <a:noFill/>
+          </a:ln>
+          <a:effectLst/>
+          <a:extLst>
+            <a:ext uri="{909E8E84-426E-40DD-AFC4-6F175D3DCCD1}">
+              <a14:hiddenFill xmlns:a14="http://schemas.microsoft.com/office/drawing/2010/main">
+                <a:solidFill>
+                  <a:schemeClr val="accent1"/>
+                </a:solidFill>
+              </a14:hiddenFill>
+            </a:ext>
+            <a:ext uri="{91240B29-F687-4F45-9708-019B960494DF}">
+              <a14:hiddenLine xmlns:a14="http://schemas.microsoft.com/office/drawing/2010/main" w="9525">
+                <a:solidFill>
+                  <a:schemeClr val="tx1"/>
+                </a:solidFill>
+                <a:miter lim="800000"/>
+                <a:headEnd/>
+                <a:tailEnd/>
+              </a14:hiddenLine>
+            </a:ext>
+            <a:ext uri="{AF507438-7753-43E0-B8FC-AC1667EBCBE1}">
+              <a14:hiddenEffects xmlns:a14="http://schemas.microsoft.com/office/drawing/2010/main">
+                <a:effectLst>
+                  <a:outerShdw dist="35921" dir="2700000" algn="ctr" rotWithShape="0">
+                    <a:schemeClr val="bg2"/>
+                  </a:outerShdw>
+                </a:effectLst>
+              </a14:hiddenEffects>
+            </a:ext>
+          </a:extLst>
+        </p:spPr>
+      </p:pic>
+    </p:spTree>
+    <p:extLst>
+      <p:ext uri="{BB962C8B-B14F-4D97-AF65-F5344CB8AC3E}">
+        <p14:creationId xmlns:p14="http://schemas.microsoft.com/office/powerpoint/2010/main" val="658547735"/>
+      </p:ext>
+    </p:extLst>
+  </p:cSld>
+  <p:clrMapOvr>
+    <a:masterClrMapping/>
+  </p:clrMapOvr>
+  <p:timing>
+    <p:tnLst>
+      <p:par>
+        <p:cTn id="1" dur="indefinite" restart="never" nodeType="tmRoot"/>
+      </p:par>
+    </p:tnLst>
+  </p:timing>
+</p:sld>
+</file>
+
+<file path=ppt/slides/slide37.xml><?xml version="1.0" encoding="utf-8"?>
+<p:sld xmlns:a="http://schemas.openxmlformats.org/drawingml/2006/main" xmlns:r="http://schemas.openxmlformats.org/officeDocument/2006/relationships" xmlns:p="http://schemas.openxmlformats.org/presentationml/2006/main">
+  <p:cSld>
+    <p:spTree>
+      <p:nvGrpSpPr>
+        <p:cNvPr id="1" name=""/>
+        <p:cNvGrpSpPr/>
+        <p:nvPr/>
+      </p:nvGrpSpPr>
+      <p:grpSpPr>
+        <a:xfrm>
+          <a:off x="0" y="0"/>
+          <a:ext cx="0" cy="0"/>
+          <a:chOff x="0" y="0"/>
+          <a:chExt cx="0" cy="0"/>
+        </a:xfrm>
+      </p:grpSpPr>
+      <p:sp>
+        <p:nvSpPr>
+          <p:cNvPr id="2" name="Título 1"/>
+          <p:cNvSpPr>
+            <a:spLocks noGrp="1"/>
+          </p:cNvSpPr>
+          <p:nvPr>
+            <p:ph type="title"/>
+          </p:nvPr>
+        </p:nvSpPr>
+        <p:spPr/>
+        <p:txBody>
+          <a:bodyPr>
+            <a:normAutofit fontScale="90000"/>
+          </a:bodyPr>
+          <a:lstStyle/>
+          <a:p>
+            <a:r>
+              <a:rPr lang="pt-BR" dirty="0"/>
+              <a:t>Resultados Obtidos - Teste Inicial	</a:t>
+            </a:r>
+            <a:r>
+              <a:rPr lang="pt-BR" dirty="0" smtClean="0"/>
+              <a:t>	</a:t>
+            </a:r>
+            <a:endParaRPr lang="pt-BR" dirty="0"/>
+          </a:p>
+        </p:txBody>
+      </p:sp>
+      <p:sp>
+        <p:nvSpPr>
+          <p:cNvPr id="3" name="Espaço Reservado para Conteúdo 2"/>
+          <p:cNvSpPr>
+            <a:spLocks noGrp="1"/>
+          </p:cNvSpPr>
+          <p:nvPr>
+            <p:ph idx="1"/>
+          </p:nvPr>
+        </p:nvSpPr>
+        <p:spPr/>
+        <p:txBody>
+          <a:bodyPr>
+            <a:normAutofit/>
+          </a:bodyPr>
+          <a:lstStyle/>
+          <a:p>
+            <a:r>
+              <a:rPr lang="pt-BR" dirty="0" smtClean="0"/>
+              <a:t>Desempenho carga de testes com 5000 gerações</a:t>
+            </a:r>
+          </a:p>
+          <a:p>
+            <a:pPr marL="68580" indent="0">
+              <a:buNone/>
+            </a:pPr>
+            <a:endParaRPr lang="pt-BR" dirty="0" smtClean="0"/>
+          </a:p>
+          <a:p>
+            <a:pPr>
+              <a:buFont typeface="Wingdings" panose="05000000000000000000" pitchFamily="2" charset="2"/>
+              <a:buChar char="v"/>
+            </a:pPr>
+            <a:r>
+              <a:rPr lang="pt-BR" dirty="0" smtClean="0"/>
+              <a:t>Encontra uma solução que atende a 70% das restrições</a:t>
+            </a:r>
+          </a:p>
+          <a:p>
+            <a:pPr>
+              <a:buFont typeface="Wingdings" panose="05000000000000000000" pitchFamily="2" charset="2"/>
+              <a:buChar char="v"/>
+            </a:pPr>
+            <a:r>
+              <a:rPr lang="pt-BR" dirty="0" smtClean="0"/>
+              <a:t>Total de 30 horas</a:t>
+            </a:r>
+            <a:endParaRPr lang="pt-BR" dirty="0"/>
+          </a:p>
+          <a:p>
+            <a:endParaRPr lang="pt-BR" dirty="0" smtClean="0"/>
+          </a:p>
+        </p:txBody>
+      </p:sp>
+    </p:spTree>
+    <p:extLst>
+      <p:ext uri="{BB962C8B-B14F-4D97-AF65-F5344CB8AC3E}">
+        <p14:creationId xmlns:p14="http://schemas.microsoft.com/office/powerpoint/2010/main" val="14070293"/>
+      </p:ext>
+    </p:extLst>
+  </p:cSld>
+  <p:clrMapOvr>
+    <a:masterClrMapping/>
+  </p:clrMapOvr>
+  <p:timing>
+    <p:tnLst>
+      <p:par>
+        <p:cTn id="1" dur="indefinite" restart="never" nodeType="tmRoot"/>
+      </p:par>
+    </p:tnLst>
+  </p:timing>
+</p:sld>
+</file>
+
+<file path=ppt/slides/slide38.xml><?xml version="1.0" encoding="utf-8"?>
+<p:sld xmlns:a="http://schemas.openxmlformats.org/drawingml/2006/main" xmlns:r="http://schemas.openxmlformats.org/officeDocument/2006/relationships" xmlns:p="http://schemas.openxmlformats.org/presentationml/2006/main">
+  <p:cSld>
+    <p:spTree>
+      <p:nvGrpSpPr>
+        <p:cNvPr id="1" name=""/>
+        <p:cNvGrpSpPr/>
+        <p:nvPr/>
+      </p:nvGrpSpPr>
+      <p:grpSpPr>
+        <a:xfrm>
+          <a:off x="0" y="0"/>
+          <a:ext cx="0" cy="0"/>
+          <a:chOff x="0" y="0"/>
+          <a:chExt cx="0" cy="0"/>
+        </a:xfrm>
+      </p:grpSpPr>
+      <p:sp>
+        <p:nvSpPr>
+          <p:cNvPr id="2" name="Título 1"/>
+          <p:cNvSpPr>
+            <a:spLocks noGrp="1"/>
+          </p:cNvSpPr>
+          <p:nvPr>
+            <p:ph type="title"/>
+          </p:nvPr>
+        </p:nvSpPr>
+        <p:spPr/>
+        <p:txBody>
+          <a:bodyPr>
+            <a:normAutofit fontScale="90000"/>
+          </a:bodyPr>
+          <a:lstStyle/>
+          <a:p>
+            <a:r>
+              <a:rPr lang="pt-BR" dirty="0"/>
+              <a:t>Resultados Obtidos - Teste </a:t>
+            </a:r>
+            <a:r>
+              <a:rPr lang="pt-BR" dirty="0" smtClean="0"/>
+              <a:t>Carga Completa</a:t>
+            </a:r>
+            <a:r>
+              <a:rPr lang="pt-BR" dirty="0"/>
+              <a:t>	</a:t>
+            </a:r>
+            <a:r>
+              <a:rPr lang="pt-BR" dirty="0" smtClean="0"/>
+              <a:t>	</a:t>
+            </a:r>
+            <a:endParaRPr lang="pt-BR" dirty="0"/>
+          </a:p>
+        </p:txBody>
+      </p:sp>
+      <p:sp>
+        <p:nvSpPr>
+          <p:cNvPr id="3" name="Espaço Reservado para Conteúdo 2"/>
+          <p:cNvSpPr>
+            <a:spLocks noGrp="1"/>
+          </p:cNvSpPr>
+          <p:nvPr>
+            <p:ph idx="1"/>
+          </p:nvPr>
+        </p:nvSpPr>
+        <p:spPr/>
+        <p:txBody>
+          <a:bodyPr>
+            <a:normAutofit/>
+          </a:bodyPr>
+          <a:lstStyle/>
+          <a:p>
+            <a:r>
+              <a:rPr lang="pt-BR" dirty="0" smtClean="0"/>
+              <a:t>Comparação da evolução da carga completa com a carga inicial de teste</a:t>
+            </a:r>
+          </a:p>
+          <a:p>
+            <a:endParaRPr lang="pt-BR" dirty="0" smtClean="0"/>
+          </a:p>
+        </p:txBody>
+      </p:sp>
+      <p:pic>
+        <p:nvPicPr>
+          <p:cNvPr id="17410" name="Picture 2"/>
+          <p:cNvPicPr>
+            <a:picLocks noChangeAspect="1" noChangeArrowheads="1"/>
+          </p:cNvPicPr>
+          <p:nvPr/>
+        </p:nvPicPr>
+        <p:blipFill>
+          <a:blip r:embed="rId2">
+            <a:extLst>
+              <a:ext uri="{28A0092B-C50C-407E-A947-70E740481C1C}">
+                <a14:useLocalDpi xmlns:a14="http://schemas.microsoft.com/office/drawing/2010/main" val="0"/>
+              </a:ext>
+            </a:extLst>
+          </a:blip>
+          <a:srcRect/>
+          <a:stretch>
+            <a:fillRect/>
+          </a:stretch>
+        </p:blipFill>
+        <p:spPr bwMode="auto">
+          <a:xfrm>
+            <a:off x="1247304" y="3179030"/>
+            <a:ext cx="6709072" cy="3053706"/>
+          </a:xfrm>
+          <a:prstGeom prst="rect">
+            <a:avLst/>
+          </a:prstGeom>
+          <a:noFill/>
+          <a:ln>
+            <a:noFill/>
+          </a:ln>
+          <a:effectLst/>
+          <a:extLst>
+            <a:ext uri="{909E8E84-426E-40DD-AFC4-6F175D3DCCD1}">
+              <a14:hiddenFill xmlns:a14="http://schemas.microsoft.com/office/drawing/2010/main">
+                <a:solidFill>
+                  <a:schemeClr val="accent1"/>
+                </a:solidFill>
+              </a14:hiddenFill>
+            </a:ext>
+            <a:ext uri="{91240B29-F687-4F45-9708-019B960494DF}">
+              <a14:hiddenLine xmlns:a14="http://schemas.microsoft.com/office/drawing/2010/main" w="9525">
+                <a:solidFill>
+                  <a:schemeClr val="tx1"/>
+                </a:solidFill>
+                <a:miter lim="800000"/>
+                <a:headEnd/>
+                <a:tailEnd/>
+              </a14:hiddenLine>
+            </a:ext>
+            <a:ext uri="{AF507438-7753-43E0-B8FC-AC1667EBCBE1}">
+              <a14:hiddenEffects xmlns:a14="http://schemas.microsoft.com/office/drawing/2010/main">
+                <a:effectLst>
+                  <a:outerShdw dist="35921" dir="2700000" algn="ctr" rotWithShape="0">
+                    <a:schemeClr val="bg2"/>
+                  </a:outerShdw>
+                </a:effectLst>
+              </a14:hiddenEffects>
+            </a:ext>
+          </a:extLst>
+        </p:spPr>
+      </p:pic>
+    </p:spTree>
+    <p:extLst>
+      <p:ext uri="{BB962C8B-B14F-4D97-AF65-F5344CB8AC3E}">
+        <p14:creationId xmlns:p14="http://schemas.microsoft.com/office/powerpoint/2010/main" val="305467930"/>
+      </p:ext>
+    </p:extLst>
+  </p:cSld>
+  <p:clrMapOvr>
+    <a:masterClrMapping/>
+  </p:clrMapOvr>
+  <p:timing>
+    <p:tnLst>
+      <p:par>
+        <p:cTn id="1" dur="indefinite" restart="never" nodeType="tmRoot"/>
+      </p:par>
+    </p:tnLst>
+  </p:timing>
+</p:sld>
+</file>
+
+<file path=ppt/slides/slide39.xml><?xml version="1.0" encoding="utf-8"?>
+<p:sld xmlns:a="http://schemas.openxmlformats.org/drawingml/2006/main" xmlns:r="http://schemas.openxmlformats.org/officeDocument/2006/relationships" xmlns:p="http://schemas.openxmlformats.org/presentationml/2006/main">
+  <p:cSld>
+    <p:spTree>
+      <p:nvGrpSpPr>
+        <p:cNvPr id="1" name=""/>
+        <p:cNvGrpSpPr/>
+        <p:nvPr/>
+      </p:nvGrpSpPr>
+      <p:grpSpPr>
+        <a:xfrm>
+          <a:off x="0" y="0"/>
+          <a:ext cx="0" cy="0"/>
+          <a:chOff x="0" y="0"/>
+          <a:chExt cx="0" cy="0"/>
+        </a:xfrm>
+      </p:grpSpPr>
+      <p:sp>
+        <p:nvSpPr>
+          <p:cNvPr id="2" name="Título 1"/>
+          <p:cNvSpPr>
+            <a:spLocks noGrp="1"/>
+          </p:cNvSpPr>
+          <p:nvPr>
+            <p:ph type="title"/>
+          </p:nvPr>
+        </p:nvSpPr>
+        <p:spPr/>
+        <p:txBody>
+          <a:bodyPr>
+            <a:normAutofit fontScale="90000"/>
+          </a:bodyPr>
+          <a:lstStyle/>
+          <a:p>
+            <a:r>
+              <a:rPr lang="pt-BR" dirty="0"/>
+              <a:t>Resultados Obtidos - Teste </a:t>
+            </a:r>
+            <a:r>
+              <a:rPr lang="pt-BR" dirty="0" smtClean="0"/>
+              <a:t>Carga Completa</a:t>
+            </a:r>
+            <a:r>
+              <a:rPr lang="pt-BR" dirty="0"/>
+              <a:t>	</a:t>
+            </a:r>
+            <a:r>
+              <a:rPr lang="pt-BR" dirty="0" smtClean="0"/>
+              <a:t>	</a:t>
+            </a:r>
+            <a:endParaRPr lang="pt-BR" dirty="0"/>
+          </a:p>
+        </p:txBody>
+      </p:sp>
+      <p:sp>
+        <p:nvSpPr>
+          <p:cNvPr id="3" name="Espaço Reservado para Conteúdo 2"/>
+          <p:cNvSpPr>
+            <a:spLocks noGrp="1"/>
+          </p:cNvSpPr>
+          <p:nvPr>
+            <p:ph idx="1"/>
+          </p:nvPr>
+        </p:nvSpPr>
+        <p:spPr/>
+        <p:txBody>
+          <a:bodyPr>
+            <a:normAutofit/>
+          </a:bodyPr>
+          <a:lstStyle/>
+          <a:p>
+            <a:r>
+              <a:rPr lang="pt-BR" dirty="0" smtClean="0"/>
+              <a:t>Previsão </a:t>
+            </a:r>
+          </a:p>
+          <a:p>
+            <a:endParaRPr lang="pt-BR" dirty="0" smtClean="0"/>
+          </a:p>
+        </p:txBody>
+      </p:sp>
+    </p:spTree>
+    <p:extLst>
+      <p:ext uri="{BB962C8B-B14F-4D97-AF65-F5344CB8AC3E}">
+        <p14:creationId xmlns:p14="http://schemas.microsoft.com/office/powerpoint/2010/main" val="3064943905"/>
       </p:ext>
     </p:extLst>
   </p:cSld>
@@ -15258,7 +19228,7 @@
           <a:p>
             <a:r>
               <a:rPr lang="pt-BR" dirty="0" smtClean="0"/>
-              <a:t>Metodologia</a:t>
+              <a:t>Introdução	</a:t>
             </a:r>
             <a:endParaRPr lang="pt-BR" dirty="0"/>
           </a:p>
@@ -15276,13 +19246,67 @@
         </p:nvSpPr>
         <p:spPr/>
         <p:txBody>
-          <a:bodyPr/>
+          <a:bodyPr>
+            <a:normAutofit fontScale="92500"/>
+          </a:bodyPr>
           <a:lstStyle/>
           <a:p>
             <a:r>
               <a:rPr lang="pt-BR" dirty="0" smtClean="0"/>
-              <a:t>Ferramentas Utilizadas</a:t>
-            </a:r>
+              <a:t>Contextualização</a:t>
+            </a:r>
+          </a:p>
+          <a:p>
+            <a:endParaRPr lang="pt-BR" dirty="0" smtClean="0"/>
+          </a:p>
+          <a:p>
+            <a:pPr>
+              <a:buFont typeface="Wingdings" panose="05000000000000000000" pitchFamily="2" charset="2"/>
+              <a:buChar char="v"/>
+            </a:pPr>
+            <a:r>
+              <a:rPr lang="pt-BR" dirty="0" smtClean="0"/>
+              <a:t>Restrições do problema</a:t>
+            </a:r>
+          </a:p>
+          <a:p>
+            <a:pPr marL="525780" indent="-457200">
+              <a:buFont typeface="+mj-lt"/>
+              <a:buAutoNum type="arabicPeriod"/>
+            </a:pPr>
+            <a:r>
+              <a:rPr lang="pt-BR" dirty="0" smtClean="0"/>
+              <a:t>Os horários das salas devem atender a obrigatoriedade enviada pelos colegiados</a:t>
+            </a:r>
+          </a:p>
+          <a:p>
+            <a:pPr marL="525780" indent="-457200">
+              <a:buFont typeface="+mj-lt"/>
+              <a:buAutoNum type="arabicPeriod"/>
+            </a:pPr>
+            <a:r>
+              <a:rPr lang="pt-BR" dirty="0" smtClean="0"/>
+              <a:t>A capacidade da disciplina de ser atendida</a:t>
+            </a:r>
+          </a:p>
+          <a:p>
+            <a:pPr marL="525780" indent="-457200">
+              <a:buFont typeface="+mj-lt"/>
+              <a:buAutoNum type="arabicPeriod"/>
+            </a:pPr>
+            <a:r>
+              <a:rPr lang="pt-BR" dirty="0" smtClean="0"/>
+              <a:t>Todas as obrigatoriedades de disciplina e horário de uma disciplina devem estar na mesma sala.</a:t>
+            </a:r>
+          </a:p>
+          <a:p>
+            <a:pPr>
+              <a:buFont typeface="Wingdings" panose="05000000000000000000" pitchFamily="2" charset="2"/>
+              <a:buChar char="v"/>
+            </a:pPr>
+            <a:endParaRPr lang="pt-BR" dirty="0" smtClean="0"/>
+          </a:p>
+          <a:p>
             <a:endParaRPr lang="pt-BR" dirty="0"/>
           </a:p>
         </p:txBody>
@@ -15290,7 +19314,377 @@
     </p:spTree>
     <p:extLst>
       <p:ext uri="{BB962C8B-B14F-4D97-AF65-F5344CB8AC3E}">
-        <p14:creationId xmlns:p14="http://schemas.microsoft.com/office/powerpoint/2010/main" val="700352977"/>
+        <p14:creationId xmlns:p14="http://schemas.microsoft.com/office/powerpoint/2010/main" val="2070209792"/>
+      </p:ext>
+    </p:extLst>
+  </p:cSld>
+  <p:clrMapOvr>
+    <a:masterClrMapping/>
+  </p:clrMapOvr>
+  <p:timing>
+    <p:tnLst>
+      <p:par>
+        <p:cTn id="1" dur="indefinite" restart="never" nodeType="tmRoot"/>
+      </p:par>
+    </p:tnLst>
+  </p:timing>
+</p:sld>
+</file>
+
+<file path=ppt/slides/slide40.xml><?xml version="1.0" encoding="utf-8"?>
+<p:sld xmlns:a="http://schemas.openxmlformats.org/drawingml/2006/main" xmlns:r="http://schemas.openxmlformats.org/officeDocument/2006/relationships" xmlns:p="http://schemas.openxmlformats.org/presentationml/2006/main">
+  <p:cSld>
+    <p:spTree>
+      <p:nvGrpSpPr>
+        <p:cNvPr id="1" name=""/>
+        <p:cNvGrpSpPr/>
+        <p:nvPr/>
+      </p:nvGrpSpPr>
+      <p:grpSpPr>
+        <a:xfrm>
+          <a:off x="0" y="0"/>
+          <a:ext cx="0" cy="0"/>
+          <a:chOff x="0" y="0"/>
+          <a:chExt cx="0" cy="0"/>
+        </a:xfrm>
+      </p:grpSpPr>
+      <p:sp>
+        <p:nvSpPr>
+          <p:cNvPr id="2" name="Título 1"/>
+          <p:cNvSpPr>
+            <a:spLocks noGrp="1"/>
+          </p:cNvSpPr>
+          <p:nvPr>
+            <p:ph type="title"/>
+          </p:nvPr>
+        </p:nvSpPr>
+        <p:spPr/>
+        <p:txBody>
+          <a:bodyPr>
+            <a:normAutofit/>
+          </a:bodyPr>
+          <a:lstStyle/>
+          <a:p>
+            <a:r>
+              <a:rPr lang="pt-BR" dirty="0" smtClean="0"/>
+              <a:t>Considerações Finais</a:t>
+            </a:r>
+            <a:r>
+              <a:rPr lang="pt-BR" dirty="0"/>
+              <a:t>	</a:t>
+            </a:r>
+            <a:r>
+              <a:rPr lang="pt-BR" dirty="0" smtClean="0"/>
+              <a:t>	</a:t>
+            </a:r>
+            <a:endParaRPr lang="pt-BR" dirty="0"/>
+          </a:p>
+        </p:txBody>
+      </p:sp>
+      <p:sp>
+        <p:nvSpPr>
+          <p:cNvPr id="3" name="Espaço Reservado para Conteúdo 2"/>
+          <p:cNvSpPr>
+            <a:spLocks noGrp="1"/>
+          </p:cNvSpPr>
+          <p:nvPr>
+            <p:ph idx="1"/>
+          </p:nvPr>
+        </p:nvSpPr>
+        <p:spPr/>
+        <p:txBody>
+          <a:bodyPr>
+            <a:normAutofit/>
+          </a:bodyPr>
+          <a:lstStyle/>
+          <a:p>
+            <a:r>
+              <a:rPr lang="pt-BR" dirty="0" smtClean="0"/>
+              <a:t>Não é uma tarefa simples</a:t>
+            </a:r>
+          </a:p>
+          <a:p>
+            <a:r>
+              <a:rPr lang="pt-BR" dirty="0" smtClean="0"/>
+              <a:t>O algoritmo encontra uma solução que atende a 70% das restrições, porem deve se levar em consideração o tempo.</a:t>
+            </a:r>
+          </a:p>
+          <a:p>
+            <a:r>
+              <a:rPr lang="pt-BR" dirty="0" smtClean="0"/>
+              <a:t>O operador genético acelera a evolução quando a biodiversidade é grande</a:t>
+            </a:r>
+          </a:p>
+          <a:p>
+            <a:r>
+              <a:rPr lang="pt-BR" dirty="0" smtClean="0"/>
+              <a:t>O algoritmo gera uma solução inicial.</a:t>
+            </a:r>
+          </a:p>
+          <a:p>
+            <a:pPr marL="68580" indent="0">
+              <a:buNone/>
+            </a:pPr>
+            <a:endParaRPr lang="pt-BR" dirty="0" smtClean="0"/>
+          </a:p>
+          <a:p>
+            <a:endParaRPr lang="pt-BR" dirty="0" smtClean="0"/>
+          </a:p>
+          <a:p>
+            <a:endParaRPr lang="pt-BR" dirty="0" smtClean="0"/>
+          </a:p>
+          <a:p>
+            <a:endParaRPr lang="pt-BR" dirty="0" smtClean="0"/>
+          </a:p>
+        </p:txBody>
+      </p:sp>
+    </p:spTree>
+    <p:extLst>
+      <p:ext uri="{BB962C8B-B14F-4D97-AF65-F5344CB8AC3E}">
+        <p14:creationId xmlns:p14="http://schemas.microsoft.com/office/powerpoint/2010/main" val="1229296146"/>
+      </p:ext>
+    </p:extLst>
+  </p:cSld>
+  <p:clrMapOvr>
+    <a:masterClrMapping/>
+  </p:clrMapOvr>
+  <p:timing>
+    <p:tnLst>
+      <p:par>
+        <p:cTn id="1" dur="indefinite" restart="never" nodeType="tmRoot"/>
+      </p:par>
+    </p:tnLst>
+  </p:timing>
+</p:sld>
+</file>
+
+<file path=ppt/slides/slide41.xml><?xml version="1.0" encoding="utf-8"?>
+<p:sld xmlns:a="http://schemas.openxmlformats.org/drawingml/2006/main" xmlns:r="http://schemas.openxmlformats.org/officeDocument/2006/relationships" xmlns:p="http://schemas.openxmlformats.org/presentationml/2006/main">
+  <p:cSld>
+    <p:spTree>
+      <p:nvGrpSpPr>
+        <p:cNvPr id="1" name=""/>
+        <p:cNvGrpSpPr/>
+        <p:nvPr/>
+      </p:nvGrpSpPr>
+      <p:grpSpPr>
+        <a:xfrm>
+          <a:off x="0" y="0"/>
+          <a:ext cx="0" cy="0"/>
+          <a:chOff x="0" y="0"/>
+          <a:chExt cx="0" cy="0"/>
+        </a:xfrm>
+      </p:grpSpPr>
+      <p:sp>
+        <p:nvSpPr>
+          <p:cNvPr id="2" name="Título 1"/>
+          <p:cNvSpPr>
+            <a:spLocks noGrp="1"/>
+          </p:cNvSpPr>
+          <p:nvPr>
+            <p:ph type="title"/>
+          </p:nvPr>
+        </p:nvSpPr>
+        <p:spPr/>
+        <p:txBody>
+          <a:bodyPr>
+            <a:normAutofit/>
+          </a:bodyPr>
+          <a:lstStyle/>
+          <a:p>
+            <a:r>
+              <a:rPr lang="pt-BR" dirty="0" smtClean="0"/>
+              <a:t>Trabalhos Futuros</a:t>
+            </a:r>
+            <a:r>
+              <a:rPr lang="pt-BR" dirty="0" smtClean="0"/>
+              <a:t>	</a:t>
+            </a:r>
+            <a:endParaRPr lang="pt-BR" dirty="0"/>
+          </a:p>
+        </p:txBody>
+      </p:sp>
+      <p:sp>
+        <p:nvSpPr>
+          <p:cNvPr id="3" name="Espaço Reservado para Conteúdo 2"/>
+          <p:cNvSpPr>
+            <a:spLocks noGrp="1"/>
+          </p:cNvSpPr>
+          <p:nvPr>
+            <p:ph idx="1"/>
+          </p:nvPr>
+        </p:nvSpPr>
+        <p:spPr/>
+        <p:txBody>
+          <a:bodyPr>
+            <a:normAutofit/>
+          </a:bodyPr>
+          <a:lstStyle/>
+          <a:p>
+            <a:r>
+              <a:rPr lang="pt-BR" dirty="0" smtClean="0"/>
+              <a:t>Aplicação de técnicas para que não aconteça a convergência prematura.</a:t>
+            </a:r>
+          </a:p>
+          <a:p>
+            <a:pPr marL="68580" indent="0">
+              <a:buNone/>
+            </a:pPr>
+            <a:r>
+              <a:rPr lang="pt-BR" dirty="0"/>
+              <a:t> </a:t>
+            </a:r>
+            <a:r>
+              <a:rPr lang="pt-BR" dirty="0" smtClean="0"/>
+              <a:t>  </a:t>
+            </a:r>
+            <a:r>
+              <a:rPr lang="pt-BR" dirty="0" err="1" smtClean="0"/>
+              <a:t>Ex</a:t>
+            </a:r>
+            <a:r>
+              <a:rPr lang="pt-BR" dirty="0" smtClean="0"/>
+              <a:t>: Utilização de técnicas para gerar a população inicial.</a:t>
+            </a:r>
+          </a:p>
+          <a:p>
+            <a:r>
+              <a:rPr lang="pt-BR" dirty="0" smtClean="0"/>
+              <a:t>Teste com parâmetros diferentes.</a:t>
+            </a:r>
+          </a:p>
+          <a:p>
+            <a:r>
+              <a:rPr lang="pt-BR" dirty="0" smtClean="0"/>
+              <a:t>Utilização de outros algoritmos para solucionar o mesmo problema.</a:t>
+            </a:r>
+          </a:p>
+          <a:p>
+            <a:pPr marL="68580" indent="0">
+              <a:buNone/>
+            </a:pPr>
+            <a:endParaRPr lang="pt-BR" dirty="0" smtClean="0"/>
+          </a:p>
+          <a:p>
+            <a:endParaRPr lang="pt-BR" dirty="0" smtClean="0"/>
+          </a:p>
+          <a:p>
+            <a:endParaRPr lang="pt-BR" dirty="0" smtClean="0"/>
+          </a:p>
+          <a:p>
+            <a:endParaRPr lang="pt-BR" dirty="0" smtClean="0"/>
+          </a:p>
+        </p:txBody>
+      </p:sp>
+    </p:spTree>
+    <p:extLst>
+      <p:ext uri="{BB962C8B-B14F-4D97-AF65-F5344CB8AC3E}">
+        <p14:creationId xmlns:p14="http://schemas.microsoft.com/office/powerpoint/2010/main" val="3763076917"/>
+      </p:ext>
+    </p:extLst>
+  </p:cSld>
+  <p:clrMapOvr>
+    <a:masterClrMapping/>
+  </p:clrMapOvr>
+  <p:timing>
+    <p:tnLst>
+      <p:par>
+        <p:cTn id="1" dur="indefinite" restart="never" nodeType="tmRoot"/>
+      </p:par>
+    </p:tnLst>
+  </p:timing>
+</p:sld>
+</file>
+
+<file path=ppt/slides/slide42.xml><?xml version="1.0" encoding="utf-8"?>
+<p:sld xmlns:a="http://schemas.openxmlformats.org/drawingml/2006/main" xmlns:r="http://schemas.openxmlformats.org/officeDocument/2006/relationships" xmlns:p="http://schemas.openxmlformats.org/presentationml/2006/main">
+  <p:cSld>
+    <p:spTree>
+      <p:nvGrpSpPr>
+        <p:cNvPr id="1" name=""/>
+        <p:cNvGrpSpPr/>
+        <p:nvPr/>
+      </p:nvGrpSpPr>
+      <p:grpSpPr>
+        <a:xfrm>
+          <a:off x="0" y="0"/>
+          <a:ext cx="0" cy="0"/>
+          <a:chOff x="0" y="0"/>
+          <a:chExt cx="0" cy="0"/>
+        </a:xfrm>
+      </p:grpSpPr>
+      <p:sp>
+        <p:nvSpPr>
+          <p:cNvPr id="2" name="Título 1"/>
+          <p:cNvSpPr>
+            <a:spLocks noGrp="1"/>
+          </p:cNvSpPr>
+          <p:nvPr>
+            <p:ph type="title"/>
+          </p:nvPr>
+        </p:nvSpPr>
+        <p:spPr/>
+        <p:txBody>
+          <a:bodyPr>
+            <a:normAutofit/>
+          </a:bodyPr>
+          <a:lstStyle/>
+          <a:p>
+            <a:r>
+              <a:rPr lang="pt-BR" smtClean="0"/>
+              <a:t>Referencial Teórico.</a:t>
+            </a:r>
+            <a:r>
+              <a:rPr lang="pt-BR" dirty="0" smtClean="0"/>
+              <a:t>	</a:t>
+            </a:r>
+            <a:endParaRPr lang="pt-BR" dirty="0"/>
+          </a:p>
+        </p:txBody>
+      </p:sp>
+      <p:sp>
+        <p:nvSpPr>
+          <p:cNvPr id="3" name="Espaço Reservado para Conteúdo 2"/>
+          <p:cNvSpPr>
+            <a:spLocks noGrp="1"/>
+          </p:cNvSpPr>
+          <p:nvPr>
+            <p:ph idx="1"/>
+          </p:nvPr>
+        </p:nvSpPr>
+        <p:spPr/>
+        <p:txBody>
+          <a:bodyPr>
+            <a:normAutofit/>
+          </a:bodyPr>
+          <a:lstStyle/>
+          <a:p>
+            <a:r>
+              <a:rPr lang="pt-BR" dirty="0" smtClean="0"/>
+              <a:t>Vou escolher ainda</a:t>
+            </a:r>
+          </a:p>
+          <a:p>
+            <a:pPr marL="68580" indent="0">
+              <a:buNone/>
+            </a:pPr>
+            <a:endParaRPr lang="pt-BR" dirty="0" smtClean="0"/>
+          </a:p>
+          <a:p>
+            <a:endParaRPr lang="pt-BR" dirty="0" smtClean="0"/>
+          </a:p>
+          <a:p>
+            <a:endParaRPr lang="pt-BR" dirty="0" smtClean="0"/>
+          </a:p>
+          <a:p>
+            <a:endParaRPr lang="pt-BR" dirty="0" smtClean="0"/>
+          </a:p>
+        </p:txBody>
+      </p:sp>
+    </p:spTree>
+    <p:extLst>
+      <p:ext uri="{BB962C8B-B14F-4D97-AF65-F5344CB8AC3E}">
+        <p14:creationId xmlns:p14="http://schemas.microsoft.com/office/powerpoint/2010/main" val="1108308430"/>
       </p:ext>
     </p:extLst>
   </p:cSld>
@@ -15341,7 +19735,7 @@
           <a:p>
             <a:r>
               <a:rPr lang="pt-BR" dirty="0" smtClean="0"/>
-              <a:t>Sistema Desenvolvido</a:t>
+              <a:t>Introdução	</a:t>
             </a:r>
             <a:endParaRPr lang="pt-BR" dirty="0"/>
           </a:p>
@@ -15359,62 +19753,56 @@
         </p:nvSpPr>
         <p:spPr/>
         <p:txBody>
-          <a:bodyPr/>
+          <a:bodyPr>
+            <a:normAutofit lnSpcReduction="10000"/>
+          </a:bodyPr>
           <a:lstStyle/>
           <a:p>
             <a:r>
               <a:rPr lang="pt-BR" dirty="0" smtClean="0"/>
-              <a:t>Diagrama de caso de uso</a:t>
+              <a:t>Objetivos</a:t>
+            </a:r>
+          </a:p>
+          <a:p>
+            <a:endParaRPr lang="pt-BR" dirty="0" smtClean="0"/>
+          </a:p>
+          <a:p>
+            <a:pPr>
+              <a:buFont typeface="Wingdings" panose="05000000000000000000" pitchFamily="2" charset="2"/>
+              <a:buChar char="v"/>
+            </a:pPr>
+            <a:r>
+              <a:rPr lang="pt-BR" dirty="0" smtClean="0"/>
+              <a:t>Estudo da implementação do algoritmo genético.</a:t>
+            </a:r>
+          </a:p>
+          <a:p>
+            <a:pPr>
+              <a:buFont typeface="Wingdings" panose="05000000000000000000" pitchFamily="2" charset="2"/>
+              <a:buChar char="v"/>
+            </a:pPr>
+            <a:r>
+              <a:rPr lang="pt-BR" dirty="0" smtClean="0"/>
+              <a:t>Otimizar o tempo da resolução do problema de alocação que é de 2 semanas realizando um trabalho manual.</a:t>
+            </a:r>
+          </a:p>
+          <a:p>
+            <a:pPr>
+              <a:buFont typeface="Wingdings" panose="05000000000000000000" pitchFamily="2" charset="2"/>
+              <a:buChar char="v"/>
+            </a:pPr>
+            <a:r>
+              <a:rPr lang="pt-BR" dirty="0" smtClean="0"/>
+              <a:t>Identificar os melhores parâmetros iniciais a serem utilizados pelo algoritmo.</a:t>
             </a:r>
             <a:endParaRPr lang="pt-BR" dirty="0"/>
           </a:p>
         </p:txBody>
       </p:sp>
-      <p:pic>
-        <p:nvPicPr>
-          <p:cNvPr id="1026" name="Picture 2" descr="D:\workspace\tcc2\Documento\imagens\diagramaCasoUso.png"/>
-          <p:cNvPicPr>
-            <a:picLocks noChangeAspect="1" noChangeArrowheads="1"/>
-          </p:cNvPicPr>
-          <p:nvPr/>
-        </p:nvPicPr>
-        <p:blipFill>
-          <a:blip r:embed="rId2">
-            <a:extLst>
-              <a:ext uri="{28A0092B-C50C-407E-A947-70E740481C1C}">
-                <a14:useLocalDpi xmlns:a14="http://schemas.microsoft.com/office/drawing/2010/main" val="0"/>
-              </a:ext>
-            </a:extLst>
-          </a:blip>
-          <a:srcRect/>
-          <a:stretch>
-            <a:fillRect/>
-          </a:stretch>
-        </p:blipFill>
-        <p:spPr bwMode="auto">
-          <a:xfrm>
-            <a:off x="2458307" y="2852936"/>
-            <a:ext cx="4659436" cy="3575537"/>
-          </a:xfrm>
-          <a:prstGeom prst="rect">
-            <a:avLst/>
-          </a:prstGeom>
-          <a:noFill/>
-          <a:extLst>
-            <a:ext uri="{909E8E84-426E-40DD-AFC4-6F175D3DCCD1}">
-              <a14:hiddenFill xmlns:a14="http://schemas.microsoft.com/office/drawing/2010/main">
-                <a:solidFill>
-                  <a:srgbClr val="FFFFFF"/>
-                </a:solidFill>
-              </a14:hiddenFill>
-            </a:ext>
-          </a:extLst>
-        </p:spPr>
-      </p:pic>
     </p:spTree>
     <p:extLst>
       <p:ext uri="{BB962C8B-B14F-4D97-AF65-F5344CB8AC3E}">
-        <p14:creationId xmlns:p14="http://schemas.microsoft.com/office/powerpoint/2010/main" val="1307973960"/>
+        <p14:creationId xmlns:p14="http://schemas.microsoft.com/office/powerpoint/2010/main" val="1691545644"/>
       </p:ext>
     </p:extLst>
   </p:cSld>
@@ -15465,59 +19853,59 @@
           <a:p>
             <a:r>
               <a:rPr lang="pt-BR" dirty="0" smtClean="0"/>
-              <a:t>Sistema Desenvolvido</a:t>
+              <a:t>Introdução	</a:t>
             </a:r>
             <a:endParaRPr lang="pt-BR" dirty="0"/>
           </a:p>
         </p:txBody>
       </p:sp>
-      <p:pic>
-        <p:nvPicPr>
-          <p:cNvPr id="2050" name="Picture 2" descr="D:\workspace\tcc2\Documento\imagens\diagramaEntidadeRelacionamento.png"/>
-          <p:cNvPicPr>
-            <a:picLocks noGrp="1" noChangeAspect="1" noChangeArrowheads="1"/>
-          </p:cNvPicPr>
+      <p:sp>
+        <p:nvSpPr>
+          <p:cNvPr id="3" name="Espaço Reservado para Conteúdo 2"/>
+          <p:cNvSpPr>
+            <a:spLocks noGrp="1"/>
+          </p:cNvSpPr>
           <p:nvPr>
             <p:ph idx="1"/>
           </p:nvPr>
-        </p:nvPicPr>
-        <p:blipFill>
-          <a:blip r:embed="rId2" cstate="print">
-            <a:extLst>
-              <a:ext uri="{28A0092B-C50C-407E-A947-70E740481C1C}">
-                <a14:useLocalDpi xmlns:a14="http://schemas.microsoft.com/office/drawing/2010/main" val="0"/>
-              </a:ext>
-            </a:extLst>
-          </a:blip>
-          <a:srcRect/>
-          <a:stretch>
-            <a:fillRect/>
-          </a:stretch>
-        </p:blipFill>
-        <p:spPr bwMode="auto">
-          <a:xfrm>
-            <a:off x="2423936" y="2324100"/>
-            <a:ext cx="4015140" cy="3508375"/>
-          </a:xfrm>
-          <a:prstGeom prst="rect">
-            <a:avLst/>
-          </a:prstGeom>
-          <a:noFill/>
-          <a:extLst>
-            <a:ext uri="{909E8E84-426E-40DD-AFC4-6F175D3DCCD1}">
-              <a14:hiddenFill xmlns:a14="http://schemas.microsoft.com/office/drawing/2010/main">
-                <a:solidFill>
-                  <a:srgbClr val="FFFFFF"/>
-                </a:solidFill>
-              </a14:hiddenFill>
-            </a:ext>
-          </a:extLst>
-        </p:spPr>
-      </p:pic>
+        </p:nvSpPr>
+        <p:spPr/>
+        <p:txBody>
+          <a:bodyPr/>
+          <a:lstStyle/>
+          <a:p>
+            <a:r>
+              <a:rPr lang="pt-BR" dirty="0" smtClean="0"/>
+              <a:t>Justificativa</a:t>
+            </a:r>
+          </a:p>
+          <a:p>
+            <a:pPr>
+              <a:buFont typeface="Wingdings" panose="05000000000000000000" pitchFamily="2" charset="2"/>
+              <a:buChar char="v"/>
+            </a:pPr>
+            <a:endParaRPr lang="pt-BR" dirty="0" smtClean="0"/>
+          </a:p>
+          <a:p>
+            <a:pPr>
+              <a:buFont typeface="Wingdings" panose="05000000000000000000" pitchFamily="2" charset="2"/>
+              <a:buChar char="v"/>
+            </a:pPr>
+            <a:r>
+              <a:rPr lang="pt-BR" dirty="0" smtClean="0"/>
+              <a:t>Aplicar as restrições especificas do prédio da Faculdade de Filosofia e Ciências Humanas alocado na Universidade Federal de Minas Gerais.</a:t>
+            </a:r>
+            <a:endParaRPr lang="pt-BR" dirty="0" smtClean="0"/>
+          </a:p>
+          <a:p>
+            <a:endParaRPr lang="pt-BR" dirty="0"/>
+          </a:p>
+        </p:txBody>
+      </p:sp>
     </p:spTree>
     <p:extLst>
       <p:ext uri="{BB962C8B-B14F-4D97-AF65-F5344CB8AC3E}">
-        <p14:creationId xmlns:p14="http://schemas.microsoft.com/office/powerpoint/2010/main" val="150586597"/>
+        <p14:creationId xmlns:p14="http://schemas.microsoft.com/office/powerpoint/2010/main" val="1691545644"/>
       </p:ext>
     </p:extLst>
   </p:cSld>
@@ -15568,59 +19956,80 @@
           <a:p>
             <a:r>
               <a:rPr lang="pt-BR" dirty="0" smtClean="0"/>
-              <a:t>Sistema Desenvolvido	</a:t>
+              <a:t>Referencial teórico</a:t>
             </a:r>
             <a:endParaRPr lang="pt-BR" dirty="0"/>
           </a:p>
         </p:txBody>
       </p:sp>
-      <p:pic>
-        <p:nvPicPr>
-          <p:cNvPr id="3074" name="Picture 2" descr="D:\workspace\tcc2\Documento\imagens\diagramaClasse.png"/>
-          <p:cNvPicPr>
-            <a:picLocks noGrp="1" noChangeAspect="1" noChangeArrowheads="1"/>
-          </p:cNvPicPr>
+      <p:sp>
+        <p:nvSpPr>
+          <p:cNvPr id="3" name="Espaço Reservado para Conteúdo 2"/>
+          <p:cNvSpPr>
+            <a:spLocks noGrp="1"/>
+          </p:cNvSpPr>
           <p:nvPr>
             <p:ph idx="1"/>
           </p:nvPr>
-        </p:nvPicPr>
-        <p:blipFill>
-          <a:blip r:embed="rId2" cstate="print">
-            <a:extLst>
-              <a:ext uri="{28A0092B-C50C-407E-A947-70E740481C1C}">
-                <a14:useLocalDpi xmlns:a14="http://schemas.microsoft.com/office/drawing/2010/main" val="0"/>
-              </a:ext>
-            </a:extLst>
-          </a:blip>
-          <a:srcRect/>
-          <a:stretch>
-            <a:fillRect/>
-          </a:stretch>
-        </p:blipFill>
-        <p:spPr bwMode="auto">
-          <a:xfrm>
-            <a:off x="2731054" y="2324100"/>
-            <a:ext cx="3400905" cy="3508375"/>
-          </a:xfrm>
-          <a:prstGeom prst="rect">
-            <a:avLst/>
-          </a:prstGeom>
-          <a:noFill/>
-          <a:extLst>
-            <a:ext uri="{909E8E84-426E-40DD-AFC4-6F175D3DCCD1}">
-              <a14:hiddenFill xmlns:a14="http://schemas.microsoft.com/office/drawing/2010/main">
-                <a:solidFill>
-                  <a:srgbClr val="FFFFFF"/>
-                </a:solidFill>
-              </a14:hiddenFill>
-            </a:ext>
-          </a:extLst>
-        </p:spPr>
-      </p:pic>
+        </p:nvSpPr>
+        <p:spPr/>
+        <p:txBody>
+          <a:bodyPr/>
+          <a:lstStyle/>
+          <a:p>
+            <a:r>
+              <a:rPr lang="pt-BR" dirty="0" smtClean="0"/>
+              <a:t>Problemas de </a:t>
+            </a:r>
+            <a:r>
+              <a:rPr lang="pt-BR" dirty="0" smtClean="0"/>
+              <a:t>otimização</a:t>
+            </a:r>
+            <a:endParaRPr lang="pt-BR" dirty="0" smtClean="0"/>
+          </a:p>
+          <a:p>
+            <a:r>
+              <a:rPr lang="pt-BR" dirty="0" smtClean="0"/>
+              <a:t>Heurística</a:t>
+            </a:r>
+          </a:p>
+          <a:p>
+            <a:r>
+              <a:rPr lang="pt-BR" dirty="0" smtClean="0"/>
+              <a:t>Busca Tabu</a:t>
+            </a:r>
+          </a:p>
+          <a:p>
+            <a:r>
+              <a:rPr lang="pt-BR" dirty="0" smtClean="0"/>
+              <a:t>Recozimento Simulado</a:t>
+            </a:r>
+          </a:p>
+          <a:p>
+            <a:r>
+              <a:rPr lang="pt-BR" dirty="0" smtClean="0"/>
+              <a:t>Algoritmos Genéticos</a:t>
+            </a:r>
+          </a:p>
+          <a:p>
+            <a:r>
+              <a:rPr lang="pt-BR" dirty="0" err="1" smtClean="0"/>
+              <a:t>TimeTabling</a:t>
+            </a:r>
+            <a:endParaRPr lang="pt-BR" dirty="0" smtClean="0"/>
+          </a:p>
+          <a:p>
+            <a:pPr marL="68580" indent="0">
+              <a:buNone/>
+            </a:pPr>
+            <a:endParaRPr lang="pt-BR" dirty="0"/>
+          </a:p>
+        </p:txBody>
+      </p:sp>
     </p:spTree>
     <p:extLst>
       <p:ext uri="{BB962C8B-B14F-4D97-AF65-F5344CB8AC3E}">
-        <p14:creationId xmlns:p14="http://schemas.microsoft.com/office/powerpoint/2010/main" val="3111598204"/>
+        <p14:creationId xmlns:p14="http://schemas.microsoft.com/office/powerpoint/2010/main" val="442706682"/>
       </p:ext>
     </p:extLst>
   </p:cSld>
@@ -15671,7 +20080,7 @@
           <a:p>
             <a:r>
               <a:rPr lang="pt-BR" dirty="0" smtClean="0"/>
-              <a:t>Algoritmo Genético</a:t>
+              <a:t>Metodologia</a:t>
             </a:r>
             <a:endParaRPr lang="pt-BR" dirty="0"/>
           </a:p>
@@ -15679,7 +20088,7 @@
       </p:sp>
       <p:sp>
         <p:nvSpPr>
-          <p:cNvPr id="4" name="Espaço Reservado para Conteúdo 3"/>
+          <p:cNvPr id="3" name="Espaço Reservado para Conteúdo 2"/>
           <p:cNvSpPr>
             <a:spLocks noGrp="1"/>
           </p:cNvSpPr>
@@ -15689,62 +20098,92 @@
         </p:nvSpPr>
         <p:spPr/>
         <p:txBody>
-          <a:bodyPr/>
+          <a:bodyPr>
+            <a:normAutofit lnSpcReduction="10000"/>
+          </a:bodyPr>
           <a:lstStyle/>
           <a:p>
             <a:r>
               <a:rPr lang="pt-BR" dirty="0" smtClean="0"/>
-              <a:t>Gene</a:t>
+              <a:t>Ferramentas </a:t>
+            </a:r>
+            <a:r>
+              <a:rPr lang="pt-BR" dirty="0" smtClean="0"/>
+              <a:t>Utilizadas</a:t>
+            </a:r>
+          </a:p>
+          <a:p>
+            <a:endParaRPr lang="pt-BR" dirty="0" smtClean="0"/>
+          </a:p>
+          <a:p>
+            <a:pPr>
+              <a:buFont typeface="Wingdings" panose="05000000000000000000" pitchFamily="2" charset="2"/>
+              <a:buChar char="v"/>
+            </a:pPr>
+            <a:r>
+              <a:rPr lang="pt-BR" dirty="0" err="1" smtClean="0"/>
+              <a:t>PostgreSQL</a:t>
+            </a:r>
+            <a:endParaRPr lang="pt-BR" dirty="0" smtClean="0"/>
+          </a:p>
+          <a:p>
+            <a:pPr>
+              <a:buFont typeface="Wingdings" panose="05000000000000000000" pitchFamily="2" charset="2"/>
+              <a:buChar char="v"/>
+            </a:pPr>
+            <a:r>
+              <a:rPr lang="pt-BR" dirty="0" smtClean="0"/>
+              <a:t>Java</a:t>
+            </a:r>
+          </a:p>
+          <a:p>
+            <a:pPr>
+              <a:buFont typeface="Wingdings" panose="05000000000000000000" pitchFamily="2" charset="2"/>
+              <a:buChar char="v"/>
+            </a:pPr>
+            <a:r>
+              <a:rPr lang="pt-BR" dirty="0" smtClean="0"/>
+              <a:t>Play! Framework</a:t>
+            </a:r>
+            <a:endParaRPr lang="pt-BR" dirty="0" smtClean="0"/>
+          </a:p>
+          <a:p>
+            <a:pPr>
+              <a:buFont typeface="Wingdings" panose="05000000000000000000" pitchFamily="2" charset="2"/>
+              <a:buChar char="v"/>
+            </a:pPr>
+            <a:r>
+              <a:rPr lang="pt-BR" dirty="0" smtClean="0"/>
+              <a:t>HTML</a:t>
+            </a:r>
+          </a:p>
+          <a:p>
+            <a:pPr>
+              <a:buFont typeface="Wingdings" panose="05000000000000000000" pitchFamily="2" charset="2"/>
+              <a:buChar char="v"/>
+            </a:pPr>
+            <a:r>
+              <a:rPr lang="pt-BR" dirty="0" smtClean="0"/>
+              <a:t>CSS</a:t>
+            </a:r>
+          </a:p>
+          <a:p>
+            <a:pPr>
+              <a:buFont typeface="Wingdings" panose="05000000000000000000" pitchFamily="2" charset="2"/>
+              <a:buChar char="v"/>
+            </a:pPr>
+            <a:r>
+              <a:rPr lang="pt-BR" dirty="0" err="1" smtClean="0"/>
+              <a:t>JavaScript</a:t>
             </a:r>
             <a:endParaRPr lang="pt-BR" dirty="0"/>
           </a:p>
         </p:txBody>
       </p:sp>
-      <p:pic>
-        <p:nvPicPr>
-          <p:cNvPr id="4099" name="Picture 3" descr="D:\workspace\tcc2\Documento\imagens\representacaoGene.png"/>
-          <p:cNvPicPr>
-            <a:picLocks noChangeAspect="1" noChangeArrowheads="1"/>
-          </p:cNvPicPr>
-          <p:nvPr/>
-        </p:nvPicPr>
-        <p:blipFill>
-          <a:blip r:embed="rId2">
-            <a:extLst>
-              <a:ext uri="{28A0092B-C50C-407E-A947-70E740481C1C}">
-                <a14:useLocalDpi xmlns:a14="http://schemas.microsoft.com/office/drawing/2010/main" val="0"/>
-              </a:ext>
-            </a:extLst>
-          </a:blip>
-          <a:srcRect/>
-          <a:stretch>
-            <a:fillRect/>
-          </a:stretch>
-        </p:blipFill>
-        <p:spPr bwMode="auto">
-          <a:xfrm>
-            <a:off x="2699792" y="3284984"/>
-            <a:ext cx="3924300" cy="1743075"/>
-          </a:xfrm>
-          <a:prstGeom prst="rect">
-            <a:avLst/>
-          </a:prstGeom>
-          <a:noFill/>
-          <a:extLst>
-            <a:ext uri="{909E8E84-426E-40DD-AFC4-6F175D3DCCD1}">
-              <a14:hiddenFill xmlns:a14="http://schemas.microsoft.com/office/drawing/2010/main">
-                <a:solidFill>
-                  <a:srgbClr val="FFFFFF"/>
-                </a:solidFill>
-              </a14:hiddenFill>
-            </a:ext>
-          </a:extLst>
-        </p:spPr>
-      </p:pic>
     </p:spTree>
     <p:extLst>
       <p:ext uri="{BB962C8B-B14F-4D97-AF65-F5344CB8AC3E}">
-        <p14:creationId xmlns:p14="http://schemas.microsoft.com/office/powerpoint/2010/main" val="3786269829"/>
+        <p14:creationId xmlns:p14="http://schemas.microsoft.com/office/powerpoint/2010/main" val="700352977"/>
       </p:ext>
     </p:extLst>
   </p:cSld>
@@ -15795,7 +20234,7 @@
           <a:p>
             <a:r>
               <a:rPr lang="pt-BR" dirty="0" smtClean="0"/>
-              <a:t>Algoritmo Genético</a:t>
+              <a:t>Metodologia</a:t>
             </a:r>
             <a:endParaRPr lang="pt-BR" dirty="0"/>
           </a:p>
@@ -15818,57 +20257,45 @@
           <a:p>
             <a:r>
               <a:rPr lang="pt-BR" dirty="0" smtClean="0"/>
-              <a:t>Cromossomo</a:t>
-            </a:r>
+              <a:t>Escolha do algoritmo genético</a:t>
+            </a:r>
+          </a:p>
+          <a:p>
+            <a:r>
+              <a:rPr lang="pt-BR" dirty="0" smtClean="0"/>
+              <a:t>Entrevista com o responsável da área</a:t>
+            </a:r>
+          </a:p>
+          <a:p>
+            <a:r>
+              <a:rPr lang="pt-BR" dirty="0" smtClean="0"/>
+              <a:t>Desenho dos diagramas</a:t>
+            </a:r>
+          </a:p>
+          <a:p>
+            <a:r>
+              <a:rPr lang="pt-BR" dirty="0" smtClean="0"/>
+              <a:t>Interpretação do problema para aplicar sobre o algoritmo</a:t>
+            </a:r>
+          </a:p>
+          <a:p>
+            <a:r>
+              <a:rPr lang="pt-BR" dirty="0" smtClean="0"/>
+              <a:t>Realização de testes.</a:t>
+            </a:r>
+          </a:p>
+          <a:p>
+            <a:pPr marL="68580" indent="0">
+              <a:buNone/>
+            </a:pPr>
             <a:endParaRPr lang="pt-BR" dirty="0"/>
           </a:p>
         </p:txBody>
       </p:sp>
-      <p:pic>
-        <p:nvPicPr>
-          <p:cNvPr id="5122" name="Picture 2" descr="D:\workspace\tcc2\Documento\imagens\representacaoCromossomo.png"/>
-          <p:cNvPicPr>
-            <a:picLocks noChangeAspect="1" noChangeArrowheads="1"/>
-          </p:cNvPicPr>
-          <p:nvPr/>
-        </p:nvPicPr>
-        <p:blipFill>
-          <a:blip r:embed="rId2">
-            <a:extLst>
-              <a:ext uri="{28A0092B-C50C-407E-A947-70E740481C1C}">
-                <a14:useLocalDpi xmlns:a14="http://schemas.microsoft.com/office/drawing/2010/main" val="0"/>
-              </a:ext>
-            </a:extLst>
-          </a:blip>
-          <a:srcRect/>
-          <a:stretch>
-            <a:fillRect/>
-          </a:stretch>
-        </p:blipFill>
-        <p:spPr bwMode="auto">
-          <a:xfrm>
-            <a:off x="1871662" y="3435927"/>
-            <a:ext cx="5400675" cy="581025"/>
-          </a:xfrm>
-          <a:prstGeom prst="rect">
-            <a:avLst/>
-          </a:prstGeom>
-          <a:noFill/>
-          <a:extLst>
-            <a:ext uri="{909E8E84-426E-40DD-AFC4-6F175D3DCCD1}">
-              <a14:hiddenFill xmlns:a14="http://schemas.microsoft.com/office/drawing/2010/main">
-                <a:solidFill>
-                  <a:srgbClr val="FFFFFF"/>
-                </a:solidFill>
-              </a14:hiddenFill>
-            </a:ext>
-          </a:extLst>
-        </p:spPr>
-      </p:pic>
     </p:spTree>
     <p:extLst>
       <p:ext uri="{BB962C8B-B14F-4D97-AF65-F5344CB8AC3E}">
-        <p14:creationId xmlns:p14="http://schemas.microsoft.com/office/powerpoint/2010/main" val="1591249136"/>
+        <p14:creationId xmlns:p14="http://schemas.microsoft.com/office/powerpoint/2010/main" val="2790945150"/>
       </p:ext>
     </p:extLst>
   </p:cSld>

--- a/Apresentação.pptx
+++ b/Apresentação.pptx
@@ -5,21 +5,21 @@
     <p:sldMasterId id="2147483660" r:id="rId1"/>
   </p:sldMasterIdLst>
   <p:notesMasterIdLst>
-    <p:notesMasterId r:id="rId44"/>
+    <p:notesMasterId r:id="rId47"/>
   </p:notesMasterIdLst>
   <p:sldIdLst>
     <p:sldId id="256" r:id="rId2"/>
     <p:sldId id="257" r:id="rId3"/>
     <p:sldId id="273" r:id="rId4"/>
-    <p:sldId id="281" r:id="rId5"/>
-    <p:sldId id="274" r:id="rId6"/>
-    <p:sldId id="275" r:id="rId7"/>
-    <p:sldId id="258" r:id="rId8"/>
-    <p:sldId id="259" r:id="rId9"/>
-    <p:sldId id="299" r:id="rId10"/>
-    <p:sldId id="260" r:id="rId11"/>
-    <p:sldId id="261" r:id="rId12"/>
-    <p:sldId id="262" r:id="rId13"/>
+    <p:sldId id="274" r:id="rId5"/>
+    <p:sldId id="275" r:id="rId6"/>
+    <p:sldId id="258" r:id="rId7"/>
+    <p:sldId id="303" r:id="rId8"/>
+    <p:sldId id="304" r:id="rId9"/>
+    <p:sldId id="305" r:id="rId10"/>
+    <p:sldId id="259" r:id="rId11"/>
+    <p:sldId id="299" r:id="rId12"/>
+    <p:sldId id="301" r:id="rId13"/>
     <p:sldId id="263" r:id="rId14"/>
     <p:sldId id="267" r:id="rId15"/>
     <p:sldId id="268" r:id="rId16"/>
@@ -34,22 +34,25 @@
     <p:sldId id="270" r:id="rId25"/>
     <p:sldId id="271" r:id="rId26"/>
     <p:sldId id="283" r:id="rId27"/>
-    <p:sldId id="284" r:id="rId28"/>
-    <p:sldId id="285" r:id="rId29"/>
-    <p:sldId id="286" r:id="rId30"/>
-    <p:sldId id="288" r:id="rId31"/>
-    <p:sldId id="287" r:id="rId32"/>
-    <p:sldId id="289" r:id="rId33"/>
-    <p:sldId id="290" r:id="rId34"/>
-    <p:sldId id="291" r:id="rId35"/>
-    <p:sldId id="292" r:id="rId36"/>
-    <p:sldId id="293" r:id="rId37"/>
-    <p:sldId id="294" r:id="rId38"/>
-    <p:sldId id="295" r:id="rId39"/>
-    <p:sldId id="296" r:id="rId40"/>
-    <p:sldId id="297" r:id="rId41"/>
-    <p:sldId id="298" r:id="rId42"/>
-    <p:sldId id="300" r:id="rId43"/>
+    <p:sldId id="306" r:id="rId28"/>
+    <p:sldId id="284" r:id="rId29"/>
+    <p:sldId id="285" r:id="rId30"/>
+    <p:sldId id="286" r:id="rId31"/>
+    <p:sldId id="288" r:id="rId32"/>
+    <p:sldId id="287" r:id="rId33"/>
+    <p:sldId id="289" r:id="rId34"/>
+    <p:sldId id="290" r:id="rId35"/>
+    <p:sldId id="291" r:id="rId36"/>
+    <p:sldId id="292" r:id="rId37"/>
+    <p:sldId id="293" r:id="rId38"/>
+    <p:sldId id="294" r:id="rId39"/>
+    <p:sldId id="295" r:id="rId40"/>
+    <p:sldId id="296" r:id="rId41"/>
+    <p:sldId id="297" r:id="rId42"/>
+    <p:sldId id="298" r:id="rId43"/>
+    <p:sldId id="300" r:id="rId44"/>
+    <p:sldId id="307" r:id="rId45"/>
+    <p:sldId id="302" r:id="rId46"/>
   </p:sldIdLst>
   <p:sldSz cx="9144000" cy="6858000" type="screen4x3"/>
   <p:notesSz cx="6858000" cy="9144000"/>
@@ -233,7 +236,7 @@
           <a:p>
             <a:fld id="{59728D08-1CFE-4D6D-B752-8CC2B00FAFCA}" type="datetimeFigureOut">
               <a:rPr lang="pt-BR" smtClean="0"/>
-              <a:t>02/12/2013</a:t>
+              <a:t>03/12/2013</a:t>
             </a:fld>
             <a:endParaRPr lang="pt-BR"/>
           </a:p>
@@ -3846,7 +3849,7 @@
           <a:p>
             <a:fld id="{95CA6A6C-2AC3-4218-B9A0-62CA25DAEC40}" type="datetimeFigureOut">
               <a:rPr lang="pt-BR" smtClean="0"/>
-              <a:t>02/12/2013</a:t>
+              <a:t>03/12/2013</a:t>
             </a:fld>
             <a:endParaRPr lang="pt-BR"/>
           </a:p>
@@ -4131,7 +4134,7 @@
           <a:p>
             <a:fld id="{95CA6A6C-2AC3-4218-B9A0-62CA25DAEC40}" type="datetimeFigureOut">
               <a:rPr lang="pt-BR" smtClean="0"/>
-              <a:t>02/12/2013</a:t>
+              <a:t>03/12/2013</a:t>
             </a:fld>
             <a:endParaRPr lang="pt-BR"/>
           </a:p>
@@ -4306,7 +4309,7 @@
           <a:p>
             <a:fld id="{95CA6A6C-2AC3-4218-B9A0-62CA25DAEC40}" type="datetimeFigureOut">
               <a:rPr lang="pt-BR" smtClean="0"/>
-              <a:t>02/12/2013</a:t>
+              <a:t>03/12/2013</a:t>
             </a:fld>
             <a:endParaRPr lang="pt-BR"/>
           </a:p>
@@ -4471,7 +4474,7 @@
           <a:p>
             <a:fld id="{95CA6A6C-2AC3-4218-B9A0-62CA25DAEC40}" type="datetimeFigureOut">
               <a:rPr lang="pt-BR" smtClean="0"/>
-              <a:t>02/12/2013</a:t>
+              <a:t>03/12/2013</a:t>
             </a:fld>
             <a:endParaRPr lang="pt-BR"/>
           </a:p>
@@ -4712,7 +4715,7 @@
           <a:p>
             <a:fld id="{95CA6A6C-2AC3-4218-B9A0-62CA25DAEC40}" type="datetimeFigureOut">
               <a:rPr lang="pt-BR" smtClean="0"/>
-              <a:t>02/12/2013</a:t>
+              <a:t>03/12/2013</a:t>
             </a:fld>
             <a:endParaRPr lang="pt-BR"/>
           </a:p>
@@ -4825,7 +4828,7 @@
           <a:p>
             <a:fld id="{95CA6A6C-2AC3-4218-B9A0-62CA25DAEC40}" type="datetimeFigureOut">
               <a:rPr lang="pt-BR" smtClean="0"/>
-              <a:t>02/12/2013</a:t>
+              <a:t>03/12/2013</a:t>
             </a:fld>
             <a:endParaRPr lang="pt-BR"/>
           </a:p>
@@ -5364,7 +5367,7 @@
           <a:p>
             <a:fld id="{95CA6A6C-2AC3-4218-B9A0-62CA25DAEC40}" type="datetimeFigureOut">
               <a:rPr lang="pt-BR" smtClean="0"/>
-              <a:t>02/12/2013</a:t>
+              <a:t>03/12/2013</a:t>
             </a:fld>
             <a:endParaRPr lang="pt-BR"/>
           </a:p>
@@ -5477,7 +5480,7 @@
           <a:p>
             <a:fld id="{95CA6A6C-2AC3-4218-B9A0-62CA25DAEC40}" type="datetimeFigureOut">
               <a:rPr lang="pt-BR" smtClean="0"/>
-              <a:t>02/12/2013</a:t>
+              <a:t>03/12/2013</a:t>
             </a:fld>
             <a:endParaRPr lang="pt-BR"/>
           </a:p>
@@ -5567,7 +5570,7 @@
           <a:p>
             <a:fld id="{95CA6A6C-2AC3-4218-B9A0-62CA25DAEC40}" type="datetimeFigureOut">
               <a:rPr lang="pt-BR" smtClean="0"/>
-              <a:t>02/12/2013</a:t>
+              <a:t>03/12/2013</a:t>
             </a:fld>
             <a:endParaRPr lang="pt-BR"/>
           </a:p>
@@ -8218,7 +8221,7 @@
           <a:p>
             <a:fld id="{95CA6A6C-2AC3-4218-B9A0-62CA25DAEC40}" type="datetimeFigureOut">
               <a:rPr lang="pt-BR" smtClean="0"/>
-              <a:t>02/12/2013</a:t>
+              <a:t>03/12/2013</a:t>
             </a:fld>
             <a:endParaRPr lang="pt-BR"/>
           </a:p>
@@ -11430,7 +11433,7 @@
           <a:p>
             <a:fld id="{95CA6A6C-2AC3-4218-B9A0-62CA25DAEC40}" type="datetimeFigureOut">
               <a:rPr lang="pt-BR" smtClean="0"/>
-              <a:t>02/12/2013</a:t>
+              <a:t>03/12/2013</a:t>
             </a:fld>
             <a:endParaRPr lang="pt-BR"/>
           </a:p>
@@ -14252,7 +14255,7 @@
           <a:p>
             <a:fld id="{95CA6A6C-2AC3-4218-B9A0-62CA25DAEC40}" type="datetimeFigureOut">
               <a:rPr lang="pt-BR" smtClean="0"/>
-              <a:t>02/12/2013</a:t>
+              <a:t>03/12/2013</a:t>
             </a:fld>
             <a:endParaRPr lang="pt-BR"/>
           </a:p>
@@ -14734,21 +14737,258 @@
           <a:p>
             <a:r>
               <a:rPr lang="pt-BR" dirty="0" smtClean="0"/>
-              <a:t>Utilização </a:t>
-            </a:r>
-            <a:r>
-              <a:rPr lang="pt-BR" dirty="0" smtClean="0"/>
-              <a:t>do </a:t>
-            </a:r>
-            <a:r>
-              <a:rPr lang="pt-BR" dirty="0" smtClean="0"/>
-              <a:t>algoritmo genético para resolução do problema de alocação de </a:t>
-            </a:r>
-            <a:r>
-              <a:rPr lang="pt-BR" dirty="0" smtClean="0"/>
-              <a:t>salas</a:t>
+              <a:t>Utilização do algoritmo genético para resolução do problema de alocação de salas</a:t>
             </a:r>
             <a:endParaRPr lang="pt-BR" dirty="0"/>
+          </a:p>
+        </p:txBody>
+      </p:sp>
+      <p:sp>
+        <p:nvSpPr>
+          <p:cNvPr id="3" name="Espaço Reservado para Conteúdo 2"/>
+          <p:cNvSpPr txBox="1">
+            <a:spLocks/>
+          </p:cNvSpPr>
+          <p:nvPr/>
+        </p:nvSpPr>
+        <p:spPr>
+          <a:xfrm>
+            <a:off x="1" y="1254820"/>
+            <a:ext cx="4572000" cy="3508977"/>
+          </a:xfrm>
+          <a:prstGeom prst="rect">
+            <a:avLst/>
+          </a:prstGeom>
+        </p:spPr>
+        <p:txBody>
+          <a:bodyPr vert="horz" lIns="91440" tIns="45720" rIns="91440" bIns="45720" rtlCol="0">
+            <a:noAutofit/>
+          </a:bodyPr>
+          <a:lstStyle>
+            <a:lvl1pPr marL="0" indent="0" algn="l" defTabSz="914400" rtl="0" eaLnBrk="1" latinLnBrk="0" hangingPunct="1">
+              <a:spcBef>
+                <a:spcPct val="20000"/>
+              </a:spcBef>
+              <a:buClr>
+                <a:schemeClr val="accent1"/>
+              </a:buClr>
+              <a:buSzPct val="76000"/>
+              <a:buFont typeface="Wingdings 2" pitchFamily="18" charset="2"/>
+              <a:buNone/>
+              <a:defRPr sz="1800" kern="1200">
+                <a:solidFill>
+                  <a:srgbClr val="424242"/>
+                </a:solidFill>
+                <a:latin typeface="+mn-lt"/>
+                <a:ea typeface="+mn-ea"/>
+                <a:cs typeface="+mn-cs"/>
+              </a:defRPr>
+            </a:lvl1pPr>
+            <a:lvl2pPr marL="457200" indent="0" algn="ctr" defTabSz="914400" rtl="0" eaLnBrk="1" latinLnBrk="0" hangingPunct="1">
+              <a:spcBef>
+                <a:spcPct val="20000"/>
+              </a:spcBef>
+              <a:buClr>
+                <a:schemeClr val="accent1"/>
+              </a:buClr>
+              <a:buSzPct val="76000"/>
+              <a:buFont typeface="Wingdings 2" pitchFamily="18" charset="2"/>
+              <a:buNone/>
+              <a:defRPr sz="2200" kern="1200">
+                <a:solidFill>
+                  <a:schemeClr val="tx1">
+                    <a:tint val="75000"/>
+                  </a:schemeClr>
+                </a:solidFill>
+                <a:latin typeface="+mn-lt"/>
+                <a:ea typeface="+mn-ea"/>
+                <a:cs typeface="+mn-cs"/>
+              </a:defRPr>
+            </a:lvl2pPr>
+            <a:lvl3pPr marL="914400" indent="0" algn="ctr" defTabSz="914400" rtl="0" eaLnBrk="1" latinLnBrk="0" hangingPunct="1">
+              <a:spcBef>
+                <a:spcPct val="20000"/>
+              </a:spcBef>
+              <a:buClr>
+                <a:schemeClr val="accent1"/>
+              </a:buClr>
+              <a:buSzPct val="76000"/>
+              <a:buFont typeface="Wingdings 2" pitchFamily="18" charset="2"/>
+              <a:buNone/>
+              <a:defRPr sz="2000" kern="1200">
+                <a:solidFill>
+                  <a:schemeClr val="tx1">
+                    <a:tint val="75000"/>
+                  </a:schemeClr>
+                </a:solidFill>
+                <a:latin typeface="+mn-lt"/>
+                <a:ea typeface="+mn-ea"/>
+                <a:cs typeface="+mn-cs"/>
+              </a:defRPr>
+            </a:lvl3pPr>
+            <a:lvl4pPr marL="1371600" indent="0" algn="ctr" defTabSz="914400" rtl="0" eaLnBrk="1" latinLnBrk="0" hangingPunct="1">
+              <a:spcBef>
+                <a:spcPct val="20000"/>
+              </a:spcBef>
+              <a:buClr>
+                <a:schemeClr val="accent1"/>
+              </a:buClr>
+              <a:buSzPct val="76000"/>
+              <a:buFont typeface="Wingdings 2" pitchFamily="18" charset="2"/>
+              <a:buNone/>
+              <a:defRPr sz="1800" kern="1200">
+                <a:solidFill>
+                  <a:schemeClr val="tx1">
+                    <a:tint val="75000"/>
+                  </a:schemeClr>
+                </a:solidFill>
+                <a:latin typeface="+mn-lt"/>
+                <a:ea typeface="+mn-ea"/>
+                <a:cs typeface="+mn-cs"/>
+              </a:defRPr>
+            </a:lvl4pPr>
+            <a:lvl5pPr marL="1828800" indent="0" algn="ctr" defTabSz="914400" rtl="0" eaLnBrk="1" latinLnBrk="0" hangingPunct="1">
+              <a:spcBef>
+                <a:spcPct val="20000"/>
+              </a:spcBef>
+              <a:buClr>
+                <a:schemeClr val="accent1"/>
+              </a:buClr>
+              <a:buSzPct val="76000"/>
+              <a:buFont typeface="Wingdings 2" pitchFamily="18" charset="2"/>
+              <a:buNone/>
+              <a:defRPr sz="1600" kern="1200" baseline="0">
+                <a:solidFill>
+                  <a:schemeClr val="tx1">
+                    <a:tint val="75000"/>
+                  </a:schemeClr>
+                </a:solidFill>
+                <a:latin typeface="+mn-lt"/>
+                <a:ea typeface="+mn-ea"/>
+                <a:cs typeface="+mn-cs"/>
+              </a:defRPr>
+            </a:lvl5pPr>
+            <a:lvl6pPr marL="2286000" indent="0" algn="ctr" defTabSz="914400" rtl="0" eaLnBrk="1" latinLnBrk="0" hangingPunct="1">
+              <a:spcBef>
+                <a:spcPct val="20000"/>
+              </a:spcBef>
+              <a:buClr>
+                <a:schemeClr val="accent1"/>
+              </a:buClr>
+              <a:buSzPct val="76000"/>
+              <a:buFont typeface="Wingdings 2" pitchFamily="18" charset="2"/>
+              <a:buNone/>
+              <a:defRPr sz="1400" kern="1200">
+                <a:solidFill>
+                  <a:schemeClr val="tx1">
+                    <a:tint val="75000"/>
+                  </a:schemeClr>
+                </a:solidFill>
+                <a:latin typeface="+mn-lt"/>
+                <a:ea typeface="+mn-ea"/>
+                <a:cs typeface="+mn-cs"/>
+              </a:defRPr>
+            </a:lvl6pPr>
+            <a:lvl7pPr marL="2743200" indent="0" algn="ctr" defTabSz="914400" rtl="0" eaLnBrk="1" latinLnBrk="0" hangingPunct="1">
+              <a:spcBef>
+                <a:spcPct val="20000"/>
+              </a:spcBef>
+              <a:buClr>
+                <a:schemeClr val="accent1"/>
+              </a:buClr>
+              <a:buSzPct val="76000"/>
+              <a:buFont typeface="Wingdings 2" pitchFamily="18" charset="2"/>
+              <a:buNone/>
+              <a:defRPr sz="1400" kern="1200">
+                <a:solidFill>
+                  <a:schemeClr val="tx1">
+                    <a:tint val="75000"/>
+                  </a:schemeClr>
+                </a:solidFill>
+                <a:latin typeface="+mn-lt"/>
+                <a:ea typeface="+mn-ea"/>
+                <a:cs typeface="+mn-cs"/>
+              </a:defRPr>
+            </a:lvl7pPr>
+            <a:lvl8pPr marL="3200400" indent="0" algn="ctr" defTabSz="914400" rtl="0" eaLnBrk="1" latinLnBrk="0" hangingPunct="1">
+              <a:spcBef>
+                <a:spcPct val="20000"/>
+              </a:spcBef>
+              <a:buClr>
+                <a:schemeClr val="accent1"/>
+              </a:buClr>
+              <a:buSzPct val="76000"/>
+              <a:buFont typeface="Wingdings 2" pitchFamily="18" charset="2"/>
+              <a:buNone/>
+              <a:defRPr sz="1400" kern="1200">
+                <a:solidFill>
+                  <a:schemeClr val="tx1">
+                    <a:tint val="75000"/>
+                  </a:schemeClr>
+                </a:solidFill>
+                <a:latin typeface="+mn-lt"/>
+                <a:ea typeface="+mn-ea"/>
+                <a:cs typeface="+mn-cs"/>
+              </a:defRPr>
+            </a:lvl8pPr>
+            <a:lvl9pPr marL="3657600" indent="0" algn="ctr" defTabSz="914400" rtl="0" eaLnBrk="1" latinLnBrk="0" hangingPunct="1">
+              <a:spcBef>
+                <a:spcPct val="20000"/>
+              </a:spcBef>
+              <a:buClr>
+                <a:schemeClr val="accent1"/>
+              </a:buClr>
+              <a:buSzPct val="76000"/>
+              <a:buFont typeface="Wingdings 2" pitchFamily="18" charset="2"/>
+              <a:buNone/>
+              <a:defRPr sz="1400" kern="1200">
+                <a:solidFill>
+                  <a:schemeClr val="tx1">
+                    <a:tint val="75000"/>
+                  </a:schemeClr>
+                </a:solidFill>
+                <a:latin typeface="+mn-lt"/>
+                <a:ea typeface="+mn-ea"/>
+                <a:cs typeface="+mn-cs"/>
+              </a:defRPr>
+            </a:lvl9pPr>
+          </a:lstStyle>
+          <a:p>
+            <a:pPr algn="ctr"/>
+            <a:endParaRPr lang="pt-BR" sz="3600" b="1" dirty="0" smtClean="0"/>
+          </a:p>
+          <a:p>
+            <a:pPr algn="ctr"/>
+            <a:r>
+              <a:rPr lang="pt-BR" sz="3600" b="1" dirty="0" smtClean="0"/>
+              <a:t>Aluno</a:t>
+            </a:r>
+          </a:p>
+          <a:p>
+            <a:pPr algn="ctr"/>
+            <a:r>
+              <a:rPr lang="pt-BR" sz="3600" dirty="0" smtClean="0"/>
+              <a:t>Alexandre Mendes</a:t>
+            </a:r>
+          </a:p>
+          <a:p>
+            <a:pPr algn="ctr"/>
+            <a:endParaRPr lang="pt-BR" sz="3600" dirty="0"/>
+          </a:p>
+          <a:p>
+            <a:pPr algn="ctr"/>
+            <a:r>
+              <a:rPr lang="pt-BR" sz="3600" b="1" dirty="0" smtClean="0"/>
+              <a:t>Orientador</a:t>
+            </a:r>
+          </a:p>
+          <a:p>
+            <a:pPr algn="ctr"/>
+            <a:r>
+              <a:rPr lang="pt-BR" sz="3600" dirty="0" smtClean="0"/>
+              <a:t>João Caram</a:t>
+            </a:r>
+            <a:endParaRPr lang="pt-BR" sz="3600" dirty="0"/>
           </a:p>
         </p:txBody>
       </p:sp>
@@ -14801,18 +15041,12 @@
         </p:nvSpPr>
         <p:spPr/>
         <p:txBody>
-          <a:bodyPr>
-            <a:normAutofit fontScale="90000"/>
-          </a:bodyPr>
+          <a:bodyPr/>
           <a:lstStyle/>
           <a:p>
             <a:r>
               <a:rPr lang="pt-BR" dirty="0" smtClean="0"/>
-              <a:t>Sistema </a:t>
-            </a:r>
-            <a:r>
-              <a:rPr lang="pt-BR" dirty="0" smtClean="0"/>
-              <a:t>Desenvolvido - Modelagem</a:t>
+              <a:t>Metodologia</a:t>
             </a:r>
             <a:endParaRPr lang="pt-BR" dirty="0"/>
           </a:p>
@@ -14830,68 +15064,87 @@
         </p:nvSpPr>
         <p:spPr/>
         <p:txBody>
-          <a:bodyPr/>
+          <a:bodyPr>
+            <a:normAutofit lnSpcReduction="10000"/>
+          </a:bodyPr>
           <a:lstStyle/>
           <a:p>
             <a:r>
               <a:rPr lang="pt-BR" dirty="0" smtClean="0"/>
-              <a:t>Diagrama de caso de </a:t>
-            </a:r>
+              <a:t>Ferramentas Utilizadas</a:t>
+            </a:r>
+          </a:p>
+          <a:p>
+            <a:endParaRPr lang="pt-BR" dirty="0" smtClean="0"/>
+          </a:p>
+          <a:p>
+            <a:pPr>
+              <a:buFont typeface="Wingdings" panose="05000000000000000000" pitchFamily="2" charset="2"/>
+              <a:buChar char="v"/>
+            </a:pPr>
+            <a:r>
+              <a:rPr lang="pt-BR" dirty="0" err="1" smtClean="0"/>
+              <a:t>PostgreSQL</a:t>
+            </a:r>
+            <a:endParaRPr lang="pt-BR" dirty="0" smtClean="0"/>
+          </a:p>
+          <a:p>
+            <a:pPr>
+              <a:buFont typeface="Wingdings" panose="05000000000000000000" pitchFamily="2" charset="2"/>
+              <a:buChar char="v"/>
+            </a:pPr>
             <a:r>
               <a:rPr lang="pt-BR" dirty="0" smtClean="0"/>
-              <a:t>uso</a:t>
-            </a:r>
-          </a:p>
-          <a:p>
+              <a:t>Java</a:t>
+            </a:r>
+          </a:p>
+          <a:p>
+            <a:pPr>
+              <a:buFont typeface="Wingdings" panose="05000000000000000000" pitchFamily="2" charset="2"/>
+              <a:buChar char="v"/>
+            </a:pPr>
+            <a:r>
+              <a:rPr lang="pt-BR" dirty="0" smtClean="0"/>
+              <a:t>Play! Framework</a:t>
+            </a:r>
+          </a:p>
+          <a:p>
+            <a:pPr>
+              <a:buFont typeface="Wingdings" panose="05000000000000000000" pitchFamily="2" charset="2"/>
+              <a:buChar char="v"/>
+            </a:pPr>
+            <a:r>
+              <a:rPr lang="pt-BR" dirty="0" smtClean="0"/>
+              <a:t>HTML</a:t>
+            </a:r>
+          </a:p>
+          <a:p>
+            <a:pPr>
+              <a:buFont typeface="Wingdings" panose="05000000000000000000" pitchFamily="2" charset="2"/>
+              <a:buChar char="v"/>
+            </a:pPr>
+            <a:r>
+              <a:rPr lang="pt-BR" dirty="0" smtClean="0"/>
+              <a:t>CSS</a:t>
+            </a:r>
+          </a:p>
+          <a:p>
+            <a:pPr>
+              <a:buFont typeface="Wingdings" panose="05000000000000000000" pitchFamily="2" charset="2"/>
+              <a:buChar char="v"/>
+            </a:pPr>
+            <a:r>
+              <a:rPr lang="pt-BR" dirty="0" err="1" smtClean="0"/>
+              <a:t>JavaScript</a:t>
+            </a:r>
             <a:endParaRPr lang="pt-BR" dirty="0"/>
           </a:p>
         </p:txBody>
       </p:sp>
-      <p:pic>
-        <p:nvPicPr>
-          <p:cNvPr id="4" name="Picture 2" descr="E:\TI\Desenvolvimento\GitHub\tcc2\Documento\imagens\diagramaCasoUso.png"/>
-          <p:cNvPicPr>
-            <a:picLocks noChangeAspect="1" noChangeArrowheads="1"/>
-          </p:cNvPicPr>
-          <p:nvPr/>
-        </p:nvPicPr>
-        <p:blipFill>
-          <a:blip r:embed="rId2">
-            <a:extLst>
-              <a:ext uri="{28A0092B-C50C-407E-A947-70E740481C1C}">
-                <a14:useLocalDpi xmlns:a14="http://schemas.microsoft.com/office/drawing/2010/main" val="0"/>
-              </a:ext>
-            </a:extLst>
-          </a:blip>
-          <a:srcRect/>
-          <a:stretch>
-            <a:fillRect/>
-          </a:stretch>
-        </p:blipFill>
-        <p:spPr bwMode="auto">
-          <a:xfrm>
-            <a:off x="2123728" y="2708920"/>
-            <a:ext cx="4728963" cy="3736341"/>
-          </a:xfrm>
-          <a:prstGeom prst="rect">
-            <a:avLst/>
-          </a:prstGeom>
-          <a:noFill/>
-          <a:extLst>
-            <a:ext uri="{909E8E84-426E-40DD-AFC4-6F175D3DCCD1}">
-              <a14:hiddenFill xmlns:a14="http://schemas.microsoft.com/office/drawing/2010/main">
-                <a:solidFill>
-                  <a:srgbClr val="FFFFFF"/>
-                </a:solidFill>
-              </a14:hiddenFill>
-            </a:ext>
-          </a:extLst>
-        </p:spPr>
-      </p:pic>
     </p:spTree>
     <p:extLst>
       <p:ext uri="{BB962C8B-B14F-4D97-AF65-F5344CB8AC3E}">
-        <p14:creationId xmlns:p14="http://schemas.microsoft.com/office/powerpoint/2010/main" val="1307973960"/>
+        <p14:creationId xmlns:p14="http://schemas.microsoft.com/office/powerpoint/2010/main" val="700352977"/>
       </p:ext>
     </p:extLst>
   </p:cSld>
@@ -14937,14 +15190,12 @@
         </p:nvSpPr>
         <p:spPr/>
         <p:txBody>
-          <a:bodyPr>
-            <a:normAutofit fontScale="90000"/>
-          </a:bodyPr>
+          <a:bodyPr/>
           <a:lstStyle/>
           <a:p>
             <a:r>
-              <a:rPr lang="pt-BR" dirty="0"/>
-              <a:t>Sistema Desenvolvido - Modelagem</a:t>
+              <a:rPr lang="pt-BR" dirty="0" smtClean="0"/>
+              <a:t>Metodologia</a:t>
             </a:r>
             <a:endParaRPr lang="pt-BR" dirty="0"/>
           </a:p>
@@ -14952,7 +15203,7 @@
       </p:sp>
       <p:sp>
         <p:nvSpPr>
-          <p:cNvPr id="6" name="Espaço Reservado para Conteúdo 5"/>
+          <p:cNvPr id="3" name="Espaço Reservado para Conteúdo 2"/>
           <p:cNvSpPr>
             <a:spLocks noGrp="1"/>
           </p:cNvSpPr>
@@ -14967,70 +15218,45 @@
           <a:p>
             <a:r>
               <a:rPr lang="pt-BR" dirty="0" smtClean="0"/>
-              <a:t>Diagrama de entidade </a:t>
+              <a:t>Escolha do algoritmo genético</a:t>
+            </a:r>
+          </a:p>
+          <a:p>
+            <a:r>
+              <a:rPr lang="pt-BR" dirty="0" smtClean="0"/>
+              <a:t>Entrevista com o responsável da área</a:t>
+            </a:r>
+          </a:p>
+          <a:p>
+            <a:r>
+              <a:rPr lang="pt-BR" dirty="0" smtClean="0"/>
+              <a:t>Desenho dos diagramas</a:t>
+            </a:r>
+          </a:p>
+          <a:p>
+            <a:r>
+              <a:rPr lang="pt-BR" dirty="0" smtClean="0"/>
+              <a:t>Interpretação do problema para aplicar sobre o algoritmo</a:t>
+            </a:r>
+          </a:p>
+          <a:p>
+            <a:r>
+              <a:rPr lang="pt-BR" dirty="0" smtClean="0"/>
+              <a:t>Realização de testes.</a:t>
             </a:r>
           </a:p>
           <a:p>
             <a:pPr marL="68580" indent="0">
               <a:buNone/>
             </a:pPr>
-            <a:r>
-              <a:rPr lang="pt-BR" dirty="0" err="1"/>
-              <a:t>r</a:t>
-            </a:r>
-            <a:r>
-              <a:rPr lang="pt-BR" dirty="0" err="1" smtClean="0"/>
-              <a:t>elaciomento</a:t>
-            </a:r>
             <a:endParaRPr lang="pt-BR" dirty="0"/>
           </a:p>
         </p:txBody>
       </p:sp>
-      <p:pic>
-        <p:nvPicPr>
-          <p:cNvPr id="2051" name="Picture 3" descr="E:\TI\Desenvolvimento\GitHub\tcc2\Documento\imagens\diagramaEntidadeRelacionamento.png"/>
-          <p:cNvPicPr>
-            <a:picLocks noChangeAspect="1" noChangeArrowheads="1"/>
-          </p:cNvPicPr>
-          <p:nvPr/>
-        </p:nvPicPr>
-        <p:blipFill>
-          <a:blip r:embed="rId2">
-            <a:extLst>
-              <a:ext uri="{28A0092B-C50C-407E-A947-70E740481C1C}">
-                <a14:useLocalDpi xmlns:a14="http://schemas.microsoft.com/office/drawing/2010/main" val="0"/>
-              </a:ext>
-            </a:extLst>
-          </a:blip>
-          <a:srcRect/>
-          <a:stretch>
-            <a:fillRect/>
-          </a:stretch>
-        </p:blipFill>
-        <p:spPr bwMode="auto">
-          <a:xfrm>
-            <a:off x="5652119" y="1518692"/>
-            <a:ext cx="3309519" cy="5229200"/>
-          </a:xfrm>
-          <a:prstGeom prst="rect">
-            <a:avLst/>
-          </a:prstGeom>
-          <a:noFill/>
-          <a:extLst>
-            <a:ext uri="{909E8E84-426E-40DD-AFC4-6F175D3DCCD1}">
-              <a14:hiddenFill xmlns:a14="http://schemas.microsoft.com/office/drawing/2010/main">
-                <a:solidFill>
-                  <a:srgbClr val="FFFFFF"/>
-                </a:solidFill>
-              </a14:hiddenFill>
-            </a:ext>
-          </a:extLst>
-        </p:spPr>
-      </p:pic>
     </p:spTree>
     <p:extLst>
       <p:ext uri="{BB962C8B-B14F-4D97-AF65-F5344CB8AC3E}">
-        <p14:creationId xmlns:p14="http://schemas.microsoft.com/office/powerpoint/2010/main" val="150586597"/>
+        <p14:creationId xmlns:p14="http://schemas.microsoft.com/office/powerpoint/2010/main" val="2790945150"/>
       </p:ext>
     </p:extLst>
   </p:cSld>
@@ -15074,7 +15300,12 @@
             <p:ph type="title"/>
           </p:nvPr>
         </p:nvSpPr>
-        <p:spPr/>
+        <p:spPr>
+          <a:xfrm>
+            <a:off x="1043608" y="1052736"/>
+            <a:ext cx="7024744" cy="1143000"/>
+          </a:xfrm>
+        </p:spPr>
         <p:txBody>
           <a:bodyPr>
             <a:normAutofit fontScale="90000"/>
@@ -15083,7 +15314,11 @@
           <a:p>
             <a:r>
               <a:rPr lang="pt-BR" dirty="0"/>
-              <a:t>Sistema Desenvolvido - Modelagem</a:t>
+              <a:t>Sistema Desenvolvido </a:t>
+            </a:r>
+            <a:r>
+              <a:rPr lang="pt-BR" dirty="0" smtClean="0"/>
+              <a:t> - Restrições	</a:t>
             </a:r>
             <a:endParaRPr lang="pt-BR" dirty="0"/>
           </a:p>
@@ -15091,7 +15326,7 @@
       </p:sp>
       <p:sp>
         <p:nvSpPr>
-          <p:cNvPr id="4" name="Espaço Reservado para Conteúdo 3"/>
+          <p:cNvPr id="3" name="Espaço Reservado para Conteúdo 2"/>
           <p:cNvSpPr>
             <a:spLocks noGrp="1"/>
           </p:cNvSpPr>
@@ -15101,62 +15336,75 @@
         </p:nvSpPr>
         <p:spPr/>
         <p:txBody>
-          <a:bodyPr/>
+          <a:bodyPr>
+            <a:normAutofit fontScale="92500"/>
+          </a:bodyPr>
           <a:lstStyle/>
           <a:p>
             <a:r>
               <a:rPr lang="pt-BR" dirty="0" smtClean="0"/>
-              <a:t>Diagrama de classe</a:t>
-            </a:r>
+              <a:t>Contextualização</a:t>
+            </a:r>
+          </a:p>
+          <a:p>
+            <a:endParaRPr lang="pt-BR" dirty="0" smtClean="0"/>
+          </a:p>
+          <a:p>
+            <a:pPr>
+              <a:buFont typeface="Wingdings" panose="05000000000000000000" pitchFamily="2" charset="2"/>
+              <a:buChar char="v"/>
+            </a:pPr>
+            <a:r>
+              <a:rPr lang="pt-BR" dirty="0" smtClean="0"/>
+              <a:t>Restrições do problema</a:t>
+            </a:r>
+          </a:p>
+          <a:p>
+            <a:pPr marL="525780" indent="-457200">
+              <a:buFont typeface="+mj-lt"/>
+              <a:buAutoNum type="arabicPeriod"/>
+            </a:pPr>
+            <a:r>
+              <a:rPr lang="pt-BR" dirty="0" smtClean="0"/>
+              <a:t>Os horários das salas devem atender a obrigatoriedade enviada pelos colegiados</a:t>
+            </a:r>
+          </a:p>
+          <a:p>
+            <a:pPr marL="525780" indent="-457200">
+              <a:buFont typeface="+mj-lt"/>
+              <a:buAutoNum type="arabicPeriod"/>
+            </a:pPr>
+            <a:r>
+              <a:rPr lang="pt-BR" dirty="0" smtClean="0"/>
+              <a:t>A capacidade da disciplina de ser atendida</a:t>
+            </a:r>
+          </a:p>
+          <a:p>
+            <a:pPr marL="525780" indent="-457200">
+              <a:buFont typeface="+mj-lt"/>
+              <a:buAutoNum type="arabicPeriod"/>
+            </a:pPr>
+            <a:r>
+              <a:rPr lang="pt-BR" dirty="0" smtClean="0"/>
+              <a:t>Todas as obrigatoriedades de disciplina e horário de uma disciplina devem estar na mesma sala.</a:t>
+            </a:r>
+          </a:p>
+          <a:p>
+            <a:pPr>
+              <a:buFont typeface="Wingdings" panose="05000000000000000000" pitchFamily="2" charset="2"/>
+              <a:buChar char="v"/>
+            </a:pPr>
+            <a:endParaRPr lang="pt-BR" dirty="0" smtClean="0"/>
+          </a:p>
+          <a:p>
             <a:endParaRPr lang="pt-BR" dirty="0"/>
           </a:p>
         </p:txBody>
       </p:sp>
-      <p:pic>
-        <p:nvPicPr>
-          <p:cNvPr id="5" name="Picture 2" descr="E:\TI\Desenvolvimento\GitHub\tcc2\Documento\imagens\diagramaClasse.png"/>
-          <p:cNvPicPr>
-            <a:picLocks noChangeAspect="1" noChangeArrowheads="1"/>
-          </p:cNvPicPr>
-          <p:nvPr/>
-        </p:nvPicPr>
-        <p:blipFill>
-          <a:blip r:embed="rId2" cstate="print">
-            <a:extLst>
-              <a:ext uri="{28A0092B-C50C-407E-A947-70E740481C1C}">
-                <a14:useLocalDpi xmlns:a14="http://schemas.microsoft.com/office/drawing/2010/main" val="0"/>
-              </a:ext>
-            </a:extLst>
-          </a:blip>
-          <a:srcRect/>
-          <a:stretch>
-            <a:fillRect/>
-          </a:stretch>
-        </p:blipFill>
-        <p:spPr bwMode="auto">
-          <a:xfrm>
-            <a:off x="4567588" y="2276872"/>
-            <a:ext cx="4032447" cy="4159896"/>
-          </a:xfrm>
-          <a:prstGeom prst="rect">
-            <a:avLst/>
-          </a:prstGeom>
-          <a:noFill/>
-          <a:extLst>
-            <a:ext uri="{909E8E84-426E-40DD-AFC4-6F175D3DCCD1}">
-              <a14:hiddenFill xmlns:a14="http://schemas.microsoft.com/office/drawing/2010/main">
-                <a:solidFill>
-                  <a:srgbClr val="FFFFFF"/>
-                </a:solidFill>
-              </a14:hiddenFill>
-            </a:ext>
-          </a:extLst>
-        </p:spPr>
-      </p:pic>
     </p:spTree>
     <p:extLst>
       <p:ext uri="{BB962C8B-B14F-4D97-AF65-F5344CB8AC3E}">
-        <p14:creationId xmlns:p14="http://schemas.microsoft.com/office/powerpoint/2010/main" val="3111598204"/>
+        <p14:creationId xmlns:p14="http://schemas.microsoft.com/office/powerpoint/2010/main" val="3887094104"/>
       </p:ext>
     </p:extLst>
   </p:cSld>
@@ -15202,12 +15450,18 @@
         </p:nvSpPr>
         <p:spPr/>
         <p:txBody>
-          <a:bodyPr/>
+          <a:bodyPr>
+            <a:normAutofit fontScale="90000"/>
+          </a:bodyPr>
           <a:lstStyle/>
           <a:p>
             <a:r>
+              <a:rPr lang="pt-BR" dirty="0"/>
+              <a:t>Sistema Desenvolvido  - Algoritmo </a:t>
+            </a:r>
+            <a:r>
               <a:rPr lang="pt-BR" dirty="0" smtClean="0"/>
-              <a:t>Algoritmo Genético</a:t>
+              <a:t>Genético</a:t>
             </a:r>
             <a:endParaRPr lang="pt-BR" dirty="0"/>
           </a:p>
@@ -15232,7 +15486,6 @@
               <a:rPr lang="pt-BR" dirty="0"/>
               <a:t>Representação Gene</a:t>
             </a:r>
-            <a:endParaRPr lang="pt-BR" dirty="0"/>
           </a:p>
         </p:txBody>
       </p:sp>
@@ -15326,12 +15579,18 @@
         </p:nvSpPr>
         <p:spPr/>
         <p:txBody>
-          <a:bodyPr/>
+          <a:bodyPr>
+            <a:normAutofit fontScale="90000"/>
+          </a:bodyPr>
           <a:lstStyle/>
           <a:p>
             <a:r>
+              <a:rPr lang="pt-BR" dirty="0"/>
+              <a:t>Sistema Desenvolvido  - Algoritmo </a:t>
+            </a:r>
+            <a:r>
               <a:rPr lang="pt-BR" dirty="0" smtClean="0"/>
-              <a:t>Algoritmo Genético</a:t>
+              <a:t>Genético</a:t>
             </a:r>
             <a:endParaRPr lang="pt-BR" dirty="0"/>
           </a:p>
@@ -15356,7 +15615,6 @@
               <a:rPr lang="pt-BR" dirty="0"/>
               <a:t>Representação Cromossomo</a:t>
             </a:r>
-            <a:endParaRPr lang="pt-BR" dirty="0"/>
           </a:p>
         </p:txBody>
       </p:sp>
@@ -15450,12 +15708,14 @@
         </p:nvSpPr>
         <p:spPr/>
         <p:txBody>
-          <a:bodyPr/>
+          <a:bodyPr>
+            <a:normAutofit fontScale="90000"/>
+          </a:bodyPr>
           <a:lstStyle/>
           <a:p>
             <a:r>
               <a:rPr lang="pt-BR" dirty="0"/>
-              <a:t>Algoritmo Genético</a:t>
+              <a:t>Sistema Desenvolvido  - Algoritmo Genético</a:t>
             </a:r>
           </a:p>
         </p:txBody>
@@ -15479,7 +15739,6 @@
               <a:rPr lang="pt-BR" dirty="0"/>
               <a:t>Representação Indivíduo</a:t>
             </a:r>
-            <a:endParaRPr lang="pt-BR" dirty="0"/>
           </a:p>
         </p:txBody>
       </p:sp>
@@ -15573,12 +15832,14 @@
         </p:nvSpPr>
         <p:spPr/>
         <p:txBody>
-          <a:bodyPr/>
+          <a:bodyPr>
+            <a:normAutofit fontScale="90000"/>
+          </a:bodyPr>
           <a:lstStyle/>
           <a:p>
             <a:r>
               <a:rPr lang="pt-BR" dirty="0"/>
-              <a:t>Algoritmo Genético</a:t>
+              <a:t>Sistema Desenvolvido  - Algoritmo Genético</a:t>
             </a:r>
           </a:p>
         </p:txBody>
@@ -15766,7 +16027,6 @@
               <a:rPr lang="pt-BR" sz="1200" dirty="0"/>
               <a:t>)/3</a:t>
             </a:r>
-            <a:endParaRPr lang="pt-BR" sz="1200" dirty="0"/>
           </a:p>
         </p:txBody>
       </p:sp>
@@ -15830,11 +16090,7 @@
             </a:r>
             <a:r>
               <a:rPr lang="pt-BR" dirty="0" smtClean="0"/>
-              <a:t>Algoritmo </a:t>
-            </a:r>
-            <a:r>
-              <a:rPr lang="pt-BR" dirty="0" smtClean="0"/>
-              <a:t>Genético</a:t>
+              <a:t>Algoritmo Genético</a:t>
             </a:r>
             <a:endParaRPr lang="pt-BR" dirty="0"/>
           </a:p>
@@ -15936,11 +16192,7 @@
             </a:r>
             <a:r>
               <a:rPr lang="pt-BR" dirty="0" smtClean="0"/>
-              <a:t>Algoritmo </a:t>
-            </a:r>
-            <a:r>
-              <a:rPr lang="pt-BR" dirty="0" smtClean="0"/>
-              <a:t>Genético</a:t>
+              <a:t>Algoritmo Genético</a:t>
             </a:r>
             <a:endParaRPr lang="pt-BR" dirty="0"/>
           </a:p>
@@ -15969,7 +16221,6 @@
               <a:rPr lang="pt-BR" dirty="0"/>
               <a:t>- Representação Mutação</a:t>
             </a:r>
-            <a:endParaRPr lang="pt-BR" dirty="0"/>
           </a:p>
         </p:txBody>
       </p:sp>
@@ -16074,11 +16325,7 @@
             </a:r>
             <a:r>
               <a:rPr lang="pt-BR" dirty="0" smtClean="0"/>
-              <a:t>Algoritmo </a:t>
-            </a:r>
-            <a:r>
-              <a:rPr lang="pt-BR" dirty="0" smtClean="0"/>
-              <a:t>Genético</a:t>
+              <a:t>Algoritmo Genético</a:t>
             </a:r>
             <a:endParaRPr lang="pt-BR" dirty="0"/>
           </a:p>
@@ -16101,11 +16348,7 @@
           <a:p>
             <a:r>
               <a:rPr lang="pt-BR" dirty="0" smtClean="0"/>
-              <a:t>Operador Genético </a:t>
-            </a:r>
-            <a:r>
-              <a:rPr lang="pt-BR" dirty="0" smtClean="0"/>
-              <a:t>– Seleção por torneio</a:t>
+              <a:t>Operador Genético – Seleção por torneio</a:t>
             </a:r>
           </a:p>
           <a:p>
@@ -16206,27 +16449,54 @@
         </p:nvSpPr>
         <p:spPr/>
         <p:txBody>
-          <a:bodyPr/>
+          <a:bodyPr>
+            <a:normAutofit/>
+          </a:bodyPr>
           <a:lstStyle/>
           <a:p>
             <a:r>
+              <a:rPr lang="pt-BR" dirty="0"/>
+              <a:t>Introdução</a:t>
+            </a:r>
+          </a:p>
+          <a:p>
+            <a:r>
+              <a:rPr lang="pt-BR" dirty="0"/>
+              <a:t>Referencial teórico</a:t>
+            </a:r>
+          </a:p>
+          <a:p>
+            <a:r>
+              <a:rPr lang="pt-BR" dirty="0"/>
+              <a:t>Metodologia</a:t>
+            </a:r>
+          </a:p>
+          <a:p>
+            <a:r>
+              <a:rPr lang="pt-BR" dirty="0"/>
+              <a:t>Sistema Desenvolvido</a:t>
+            </a:r>
+          </a:p>
+          <a:p>
+            <a:r>
+              <a:rPr lang="pt-BR" dirty="0"/>
+              <a:t>Resultados </a:t>
+            </a:r>
+            <a:r>
               <a:rPr lang="pt-BR" dirty="0" smtClean="0"/>
-              <a:t>Contextualização</a:t>
-            </a:r>
-          </a:p>
-          <a:p>
+              <a:t>Obtidos</a:t>
+            </a:r>
+            <a:endParaRPr lang="pt-BR" dirty="0"/>
+          </a:p>
+          <a:p>
+            <a:r>
+              <a:rPr lang="pt-BR" dirty="0"/>
+              <a:t>Considerações </a:t>
+            </a:r>
             <a:r>
               <a:rPr lang="pt-BR" dirty="0" smtClean="0"/>
-              <a:t>Objetivos</a:t>
-            </a:r>
-          </a:p>
-          <a:p>
-            <a:r>
-              <a:rPr lang="pt-BR" dirty="0" smtClean="0"/>
-              <a:t>Justificativa</a:t>
-            </a:r>
-          </a:p>
-          <a:p>
+              <a:t>Finais</a:t>
+            </a:r>
             <a:endParaRPr lang="pt-BR" dirty="0"/>
           </a:p>
         </p:txBody>
@@ -16291,11 +16561,7 @@
             </a:r>
             <a:r>
               <a:rPr lang="pt-BR" dirty="0" smtClean="0"/>
-              <a:t>Algoritmo </a:t>
-            </a:r>
-            <a:r>
-              <a:rPr lang="pt-BR" dirty="0" smtClean="0"/>
-              <a:t>Genético</a:t>
+              <a:t>Algoritmo Genético</a:t>
             </a:r>
             <a:endParaRPr lang="pt-BR" dirty="0"/>
           </a:p>
@@ -16324,7 +16590,6 @@
               <a:rPr lang="pt-BR" dirty="0"/>
               <a:t>- Indivíduos antes do crossover</a:t>
             </a:r>
-            <a:endParaRPr lang="pt-BR" dirty="0"/>
           </a:p>
         </p:txBody>
       </p:sp>
@@ -16429,11 +16694,7 @@
             </a:r>
             <a:r>
               <a:rPr lang="pt-BR" dirty="0" smtClean="0"/>
-              <a:t>Algoritmo </a:t>
-            </a:r>
-            <a:r>
-              <a:rPr lang="pt-BR" dirty="0" smtClean="0"/>
-              <a:t>Genético</a:t>
+              <a:t>Algoritmo Genético</a:t>
             </a:r>
             <a:endParaRPr lang="pt-BR" dirty="0"/>
           </a:p>
@@ -16462,7 +16723,6 @@
               <a:rPr lang="pt-BR" dirty="0"/>
               <a:t>- Inserção do material genético do pai</a:t>
             </a:r>
-            <a:endParaRPr lang="pt-BR" dirty="0"/>
           </a:p>
         </p:txBody>
       </p:sp>
@@ -16567,11 +16827,7 @@
             </a:r>
             <a:r>
               <a:rPr lang="pt-BR" dirty="0" smtClean="0"/>
-              <a:t>Algoritmo </a:t>
-            </a:r>
-            <a:r>
-              <a:rPr lang="pt-BR" dirty="0" smtClean="0"/>
-              <a:t>Genético</a:t>
+              <a:t>Algoritmo Genético</a:t>
             </a:r>
             <a:endParaRPr lang="pt-BR" dirty="0"/>
           </a:p>
@@ -16600,7 +16856,6 @@
               <a:rPr lang="pt-BR" dirty="0"/>
               <a:t>- Inserção do material genético da mãe</a:t>
             </a:r>
-            <a:endParaRPr lang="pt-BR" dirty="0"/>
           </a:p>
         </p:txBody>
       </p:sp>
@@ -16703,7 +16958,6 @@
               <a:rPr lang="pt-BR" dirty="0"/>
               <a:t>Sistema Desenvolvido - Algoritmo Genético</a:t>
             </a:r>
-            <a:endParaRPr lang="pt-BR" dirty="0"/>
           </a:p>
         </p:txBody>
       </p:sp>
@@ -16829,7 +17083,6 @@
               <a:rPr lang="pt-BR" dirty="0"/>
               <a:t>Sistema Desenvolvido - Algoritmo Genético</a:t>
             </a:r>
-            <a:endParaRPr lang="pt-BR" dirty="0"/>
           </a:p>
         </p:txBody>
       </p:sp>
@@ -16850,11 +17103,7 @@
           <a:p>
             <a:r>
               <a:rPr lang="pt-BR" dirty="0" smtClean="0"/>
-              <a:t>Fluxo </a:t>
-            </a:r>
-            <a:r>
-              <a:rPr lang="pt-BR" dirty="0" smtClean="0"/>
-              <a:t>algoritmo</a:t>
+              <a:t>Fluxo algoritmo</a:t>
             </a:r>
           </a:p>
           <a:p>
@@ -17040,7 +17289,6 @@
               <a:rPr lang="pt-BR" dirty="0" smtClean="0"/>
               <a:t>64bit</a:t>
             </a:r>
-            <a:endParaRPr lang="pt-BR" dirty="0" smtClean="0"/>
           </a:p>
           <a:p>
             <a:endParaRPr lang="pt-BR" u="sng" dirty="0" smtClean="0"/>
@@ -17110,11 +17358,7 @@
             </a:r>
             <a:r>
               <a:rPr lang="pt-BR" dirty="0" smtClean="0"/>
-              <a:t>Inicial</a:t>
-            </a:r>
-            <a:r>
-              <a:rPr lang="pt-BR" dirty="0" smtClean="0"/>
-              <a:t>	</a:t>
+              <a:t>Inicial	</a:t>
             </a:r>
             <a:endParaRPr lang="pt-BR" dirty="0"/>
           </a:p>
@@ -17211,6 +17455,115 @@
 </file>
 
 <file path=ppt/slides/slide27.xml><?xml version="1.0" encoding="utf-8"?>
+<p:sld xmlns:a="http://schemas.openxmlformats.org/drawingml/2006/main" xmlns:r="http://schemas.openxmlformats.org/officeDocument/2006/relationships" xmlns:p="http://schemas.openxmlformats.org/presentationml/2006/main">
+  <p:cSld>
+    <p:spTree>
+      <p:nvGrpSpPr>
+        <p:cNvPr id="1" name=""/>
+        <p:cNvGrpSpPr/>
+        <p:nvPr/>
+      </p:nvGrpSpPr>
+      <p:grpSpPr>
+        <a:xfrm>
+          <a:off x="0" y="0"/>
+          <a:ext cx="0" cy="0"/>
+          <a:chOff x="0" y="0"/>
+          <a:chExt cx="0" cy="0"/>
+        </a:xfrm>
+      </p:grpSpPr>
+      <p:sp>
+        <p:nvSpPr>
+          <p:cNvPr id="2" name="Título 1"/>
+          <p:cNvSpPr>
+            <a:spLocks noGrp="1"/>
+          </p:cNvSpPr>
+          <p:nvPr>
+            <p:ph type="title"/>
+          </p:nvPr>
+        </p:nvSpPr>
+        <p:spPr/>
+        <p:txBody>
+          <a:bodyPr>
+            <a:normAutofit fontScale="90000"/>
+          </a:bodyPr>
+          <a:lstStyle/>
+          <a:p>
+            <a:r>
+              <a:rPr lang="pt-BR" dirty="0" smtClean="0"/>
+              <a:t>Base de dados para apresentação</a:t>
+            </a:r>
+            <a:r>
+              <a:rPr lang="pt-BR" dirty="0" smtClean="0"/>
+              <a:t>	</a:t>
+            </a:r>
+            <a:endParaRPr lang="pt-BR" dirty="0"/>
+          </a:p>
+        </p:txBody>
+      </p:sp>
+      <p:sp>
+        <p:nvSpPr>
+          <p:cNvPr id="3" name="Espaço Reservado para Conteúdo 2"/>
+          <p:cNvSpPr>
+            <a:spLocks noGrp="1"/>
+          </p:cNvSpPr>
+          <p:nvPr>
+            <p:ph idx="1"/>
+          </p:nvPr>
+        </p:nvSpPr>
+        <p:spPr/>
+        <p:txBody>
+          <a:bodyPr>
+            <a:normAutofit/>
+          </a:bodyPr>
+          <a:lstStyle/>
+          <a:p>
+            <a:endParaRPr lang="pt-BR" dirty="0" smtClean="0"/>
+          </a:p>
+          <a:p>
+            <a:endParaRPr lang="pt-BR" dirty="0"/>
+          </a:p>
+          <a:p>
+            <a:r>
+              <a:rPr lang="pt-BR" dirty="0" smtClean="0"/>
+              <a:t>3 salas </a:t>
+            </a:r>
+          </a:p>
+          <a:p>
+            <a:r>
+              <a:rPr lang="pt-BR" dirty="0" smtClean="0"/>
+              <a:t>5 horários</a:t>
+            </a:r>
+          </a:p>
+          <a:p>
+            <a:r>
+              <a:rPr lang="pt-BR" dirty="0" smtClean="0"/>
+              <a:t>2 disciplinas</a:t>
+            </a:r>
+            <a:endParaRPr lang="pt-BR" dirty="0" smtClean="0"/>
+          </a:p>
+        </p:txBody>
+      </p:sp>
+    </p:spTree>
+    <p:extLst>
+      <p:ext uri="{BB962C8B-B14F-4D97-AF65-F5344CB8AC3E}">
+        <p14:creationId xmlns:p14="http://schemas.microsoft.com/office/powerpoint/2010/main" val="2513362439"/>
+      </p:ext>
+    </p:extLst>
+  </p:cSld>
+  <p:clrMapOvr>
+    <a:masterClrMapping/>
+  </p:clrMapOvr>
+  <p:timing>
+    <p:tnLst>
+      <p:par>
+        <p:cTn id="1" dur="indefinite" restart="never" nodeType="tmRoot"/>
+      </p:par>
+    </p:tnLst>
+  </p:timing>
+</p:sld>
+</file>
+
+<file path=ppt/slides/slide28.xml><?xml version="1.0" encoding="utf-8"?>
 <p:sld xmlns:a="http://schemas.openxmlformats.org/drawingml/2006/main" xmlns:r="http://schemas.openxmlformats.org/officeDocument/2006/relationships" xmlns:p="http://schemas.openxmlformats.org/presentationml/2006/main">
   <p:cSld>
     <p:spTree>
@@ -17354,7 +17707,7 @@
 </p:sld>
 </file>
 
-<file path=ppt/slides/slide28.xml><?xml version="1.0" encoding="utf-8"?>
+<file path=ppt/slides/slide29.xml><?xml version="1.0" encoding="utf-8"?>
 <p:sld xmlns:a="http://schemas.openxmlformats.org/drawingml/2006/main" xmlns:r="http://schemas.openxmlformats.org/officeDocument/2006/relationships" xmlns:p="http://schemas.openxmlformats.org/presentationml/2006/main">
   <p:cSld>
     <p:spTree>
@@ -17480,7 +17833,132 @@
 </p:sld>
 </file>
 
-<file path=ppt/slides/slide29.xml><?xml version="1.0" encoding="utf-8"?>
+<file path=ppt/slides/slide3.xml><?xml version="1.0" encoding="utf-8"?>
+<p:sld xmlns:a="http://schemas.openxmlformats.org/drawingml/2006/main" xmlns:r="http://schemas.openxmlformats.org/officeDocument/2006/relationships" xmlns:p="http://schemas.openxmlformats.org/presentationml/2006/main">
+  <p:cSld>
+    <p:spTree>
+      <p:nvGrpSpPr>
+        <p:cNvPr id="1" name=""/>
+        <p:cNvGrpSpPr/>
+        <p:nvPr/>
+      </p:nvGrpSpPr>
+      <p:grpSpPr>
+        <a:xfrm>
+          <a:off x="0" y="0"/>
+          <a:ext cx="0" cy="0"/>
+          <a:chOff x="0" y="0"/>
+          <a:chExt cx="0" cy="0"/>
+        </a:xfrm>
+      </p:grpSpPr>
+      <p:sp>
+        <p:nvSpPr>
+          <p:cNvPr id="2" name="Título 1"/>
+          <p:cNvSpPr>
+            <a:spLocks noGrp="1"/>
+          </p:cNvSpPr>
+          <p:nvPr>
+            <p:ph type="title"/>
+          </p:nvPr>
+        </p:nvSpPr>
+        <p:spPr/>
+        <p:txBody>
+          <a:bodyPr/>
+          <a:lstStyle/>
+          <a:p>
+            <a:r>
+              <a:rPr lang="pt-BR" dirty="0" smtClean="0"/>
+              <a:t>Introdução	</a:t>
+            </a:r>
+            <a:endParaRPr lang="pt-BR" dirty="0"/>
+          </a:p>
+        </p:txBody>
+      </p:sp>
+      <p:sp>
+        <p:nvSpPr>
+          <p:cNvPr id="3" name="Espaço Reservado para Conteúdo 2"/>
+          <p:cNvSpPr>
+            <a:spLocks noGrp="1"/>
+          </p:cNvSpPr>
+          <p:nvPr>
+            <p:ph idx="1"/>
+          </p:nvPr>
+        </p:nvSpPr>
+        <p:spPr/>
+        <p:txBody>
+          <a:bodyPr/>
+          <a:lstStyle/>
+          <a:p>
+            <a:r>
+              <a:rPr lang="pt-BR" dirty="0" smtClean="0"/>
+              <a:t>Contextualização</a:t>
+            </a:r>
+          </a:p>
+          <a:p>
+            <a:endParaRPr lang="pt-BR" dirty="0" smtClean="0"/>
+          </a:p>
+          <a:p>
+            <a:pPr>
+              <a:buFont typeface="Wingdings" panose="05000000000000000000" pitchFamily="2" charset="2"/>
+              <a:buChar char="v"/>
+            </a:pPr>
+            <a:r>
+              <a:rPr lang="pt-BR" dirty="0" smtClean="0"/>
+              <a:t>Problema de Alocação de Salas PAS</a:t>
+            </a:r>
+          </a:p>
+          <a:p>
+            <a:pPr>
+              <a:buFont typeface="Wingdings" panose="05000000000000000000" pitchFamily="2" charset="2"/>
+              <a:buChar char="v"/>
+            </a:pPr>
+            <a:r>
+              <a:rPr lang="pt-BR" dirty="0" smtClean="0"/>
+              <a:t>Meta-heurística Algoritmo Genético</a:t>
+            </a:r>
+          </a:p>
+          <a:p>
+            <a:pPr>
+              <a:buFont typeface="Wingdings" panose="05000000000000000000" pitchFamily="2" charset="2"/>
+              <a:buChar char="v"/>
+            </a:pPr>
+            <a:r>
+              <a:rPr lang="pt-BR" dirty="0" smtClean="0"/>
+              <a:t>Alocação de 149 disciplinas em 50 salas disponíveis na Faculdade de Filosofia e Ciências Humanas.</a:t>
+            </a:r>
+          </a:p>
+          <a:p>
+            <a:pPr>
+              <a:buFont typeface="Wingdings" panose="05000000000000000000" pitchFamily="2" charset="2"/>
+              <a:buChar char="v"/>
+            </a:pPr>
+            <a:endParaRPr lang="pt-BR" dirty="0" smtClean="0"/>
+          </a:p>
+          <a:p>
+            <a:endParaRPr lang="pt-BR" dirty="0"/>
+          </a:p>
+        </p:txBody>
+      </p:sp>
+    </p:spTree>
+    <p:extLst>
+      <p:ext uri="{BB962C8B-B14F-4D97-AF65-F5344CB8AC3E}">
+        <p14:creationId xmlns:p14="http://schemas.microsoft.com/office/powerpoint/2010/main" val="3801576391"/>
+      </p:ext>
+    </p:extLst>
+  </p:cSld>
+  <p:clrMapOvr>
+    <a:masterClrMapping/>
+  </p:clrMapOvr>
+  <p:timing>
+    <p:tnLst>
+      <p:par>
+        <p:cTn id="1" dur="indefinite" restart="never" nodeType="tmRoot"/>
+      </p:par>
+    </p:tnLst>
+  </p:timing>
+</p:sld>
+</file>
+
+<file path=ppt/slides/slide30.xml><?xml version="1.0" encoding="utf-8"?>
 <p:sld xmlns:a="http://schemas.openxmlformats.org/drawingml/2006/main" xmlns:r="http://schemas.openxmlformats.org/officeDocument/2006/relationships" xmlns:p="http://schemas.openxmlformats.org/presentationml/2006/main">
   <p:cSld>
     <p:spTree>
@@ -17640,132 +18118,7 @@
 </p:sld>
 </file>
 
-<file path=ppt/slides/slide3.xml><?xml version="1.0" encoding="utf-8"?>
-<p:sld xmlns:a="http://schemas.openxmlformats.org/drawingml/2006/main" xmlns:r="http://schemas.openxmlformats.org/officeDocument/2006/relationships" xmlns:p="http://schemas.openxmlformats.org/presentationml/2006/main">
-  <p:cSld>
-    <p:spTree>
-      <p:nvGrpSpPr>
-        <p:cNvPr id="1" name=""/>
-        <p:cNvGrpSpPr/>
-        <p:nvPr/>
-      </p:nvGrpSpPr>
-      <p:grpSpPr>
-        <a:xfrm>
-          <a:off x="0" y="0"/>
-          <a:ext cx="0" cy="0"/>
-          <a:chOff x="0" y="0"/>
-          <a:chExt cx="0" cy="0"/>
-        </a:xfrm>
-      </p:grpSpPr>
-      <p:sp>
-        <p:nvSpPr>
-          <p:cNvPr id="2" name="Título 1"/>
-          <p:cNvSpPr>
-            <a:spLocks noGrp="1"/>
-          </p:cNvSpPr>
-          <p:nvPr>
-            <p:ph type="title"/>
-          </p:nvPr>
-        </p:nvSpPr>
-        <p:spPr/>
-        <p:txBody>
-          <a:bodyPr/>
-          <a:lstStyle/>
-          <a:p>
-            <a:r>
-              <a:rPr lang="pt-BR" dirty="0" smtClean="0"/>
-              <a:t>Introdução	</a:t>
-            </a:r>
-            <a:endParaRPr lang="pt-BR" dirty="0"/>
-          </a:p>
-        </p:txBody>
-      </p:sp>
-      <p:sp>
-        <p:nvSpPr>
-          <p:cNvPr id="3" name="Espaço Reservado para Conteúdo 2"/>
-          <p:cNvSpPr>
-            <a:spLocks noGrp="1"/>
-          </p:cNvSpPr>
-          <p:nvPr>
-            <p:ph idx="1"/>
-          </p:nvPr>
-        </p:nvSpPr>
-        <p:spPr/>
-        <p:txBody>
-          <a:bodyPr/>
-          <a:lstStyle/>
-          <a:p>
-            <a:r>
-              <a:rPr lang="pt-BR" dirty="0" smtClean="0"/>
-              <a:t>Contextualização</a:t>
-            </a:r>
-          </a:p>
-          <a:p>
-            <a:endParaRPr lang="pt-BR" dirty="0" smtClean="0"/>
-          </a:p>
-          <a:p>
-            <a:pPr>
-              <a:buFont typeface="Wingdings" panose="05000000000000000000" pitchFamily="2" charset="2"/>
-              <a:buChar char="v"/>
-            </a:pPr>
-            <a:r>
-              <a:rPr lang="pt-BR" dirty="0" smtClean="0"/>
-              <a:t>Problema de Alocação de Salas PAS</a:t>
-            </a:r>
-          </a:p>
-          <a:p>
-            <a:pPr>
-              <a:buFont typeface="Wingdings" panose="05000000000000000000" pitchFamily="2" charset="2"/>
-              <a:buChar char="v"/>
-            </a:pPr>
-            <a:r>
-              <a:rPr lang="pt-BR" dirty="0" smtClean="0"/>
-              <a:t>Meta-heurística Algoritmo Genético</a:t>
-            </a:r>
-          </a:p>
-          <a:p>
-            <a:pPr>
-              <a:buFont typeface="Wingdings" panose="05000000000000000000" pitchFamily="2" charset="2"/>
-              <a:buChar char="v"/>
-            </a:pPr>
-            <a:r>
-              <a:rPr lang="pt-BR" dirty="0" smtClean="0"/>
-              <a:t>Alocação de 149 disciplinas em 50 salas disponíveis na Faculdade de Filosofia e Ciências Humanas.</a:t>
-            </a:r>
-          </a:p>
-          <a:p>
-            <a:pPr>
-              <a:buFont typeface="Wingdings" panose="05000000000000000000" pitchFamily="2" charset="2"/>
-              <a:buChar char="v"/>
-            </a:pPr>
-            <a:endParaRPr lang="pt-BR" dirty="0" smtClean="0"/>
-          </a:p>
-          <a:p>
-            <a:endParaRPr lang="pt-BR" dirty="0"/>
-          </a:p>
-        </p:txBody>
-      </p:sp>
-    </p:spTree>
-    <p:extLst>
-      <p:ext uri="{BB962C8B-B14F-4D97-AF65-F5344CB8AC3E}">
-        <p14:creationId xmlns:p14="http://schemas.microsoft.com/office/powerpoint/2010/main" val="3801576391"/>
-      </p:ext>
-    </p:extLst>
-  </p:cSld>
-  <p:clrMapOvr>
-    <a:masterClrMapping/>
-  </p:clrMapOvr>
-  <p:timing>
-    <p:tnLst>
-      <p:par>
-        <p:cTn id="1" dur="indefinite" restart="never" nodeType="tmRoot"/>
-      </p:par>
-    </p:tnLst>
-  </p:timing>
-</p:sld>
-</file>
-
-<file path=ppt/slides/slide30.xml><?xml version="1.0" encoding="utf-8"?>
+<file path=ppt/slides/slide31.xml><?xml version="1.0" encoding="utf-8"?>
 <p:sld xmlns:a="http://schemas.openxmlformats.org/drawingml/2006/main" xmlns:r="http://schemas.openxmlformats.org/officeDocument/2006/relationships" xmlns:p="http://schemas.openxmlformats.org/presentationml/2006/main">
   <p:cSld>
     <p:spTree>
@@ -17868,7 +18221,7 @@
 </p:sld>
 </file>
 
-<file path=ppt/slides/slide31.xml><?xml version="1.0" encoding="utf-8"?>
+<file path=ppt/slides/slide32.xml><?xml version="1.0" encoding="utf-8"?>
 <p:sld xmlns:a="http://schemas.openxmlformats.org/drawingml/2006/main" xmlns:r="http://schemas.openxmlformats.org/officeDocument/2006/relationships" xmlns:p="http://schemas.openxmlformats.org/presentationml/2006/main">
   <p:cSld>
     <p:spTree>
@@ -18018,7 +18371,7 @@
 </p:sld>
 </file>
 
-<file path=ppt/slides/slide32.xml><?xml version="1.0" encoding="utf-8"?>
+<file path=ppt/slides/slide33.xml><?xml version="1.0" encoding="utf-8"?>
 <p:sld xmlns:a="http://schemas.openxmlformats.org/drawingml/2006/main" xmlns:r="http://schemas.openxmlformats.org/officeDocument/2006/relationships" xmlns:p="http://schemas.openxmlformats.org/presentationml/2006/main">
   <p:cSld>
     <p:spTree>
@@ -18154,7 +18507,7 @@
 </p:sld>
 </file>
 
-<file path=ppt/slides/slide33.xml><?xml version="1.0" encoding="utf-8"?>
+<file path=ppt/slides/slide34.xml><?xml version="1.0" encoding="utf-8"?>
 <p:sld xmlns:a="http://schemas.openxmlformats.org/drawingml/2006/main" xmlns:r="http://schemas.openxmlformats.org/officeDocument/2006/relationships" xmlns:p="http://schemas.openxmlformats.org/presentationml/2006/main">
   <p:cSld>
     <p:spTree>
@@ -18317,7 +18670,7 @@
 </p:sld>
 </file>
 
-<file path=ppt/slides/slide34.xml><?xml version="1.0" encoding="utf-8"?>
+<file path=ppt/slides/slide35.xml><?xml version="1.0" encoding="utf-8"?>
 <p:sld xmlns:a="http://schemas.openxmlformats.org/drawingml/2006/main" xmlns:r="http://schemas.openxmlformats.org/officeDocument/2006/relationships" xmlns:p="http://schemas.openxmlformats.org/presentationml/2006/main">
   <p:cSld>
     <p:spTree>
@@ -18480,7 +18833,7 @@
 </p:sld>
 </file>
 
-<file path=ppt/slides/slide35.xml><?xml version="1.0" encoding="utf-8"?>
+<file path=ppt/slides/slide36.xml><?xml version="1.0" encoding="utf-8"?>
 <p:sld xmlns:a="http://schemas.openxmlformats.org/drawingml/2006/main" xmlns:r="http://schemas.openxmlformats.org/officeDocument/2006/relationships" xmlns:p="http://schemas.openxmlformats.org/presentationml/2006/main">
   <p:cSld>
     <p:spTree>
@@ -18639,7 +18992,7 @@
 </p:sld>
 </file>
 
-<file path=ppt/slides/slide36.xml><?xml version="1.0" encoding="utf-8"?>
+<file path=ppt/slides/slide37.xml><?xml version="1.0" encoding="utf-8"?>
 <p:sld xmlns:a="http://schemas.openxmlformats.org/drawingml/2006/main" xmlns:r="http://schemas.openxmlformats.org/officeDocument/2006/relationships" xmlns:p="http://schemas.openxmlformats.org/presentationml/2006/main">
   <p:cSld>
     <p:spTree>
@@ -18808,7 +19161,7 @@
 </p:sld>
 </file>
 
-<file path=ppt/slides/slide37.xml><?xml version="1.0" encoding="utf-8"?>
+<file path=ppt/slides/slide38.xml><?xml version="1.0" encoding="utf-8"?>
 <p:sld xmlns:a="http://schemas.openxmlformats.org/drawingml/2006/main" xmlns:r="http://schemas.openxmlformats.org/officeDocument/2006/relationships" xmlns:p="http://schemas.openxmlformats.org/presentationml/2006/main">
   <p:cSld>
     <p:spTree>
@@ -18928,7 +19281,7 @@
 </p:sld>
 </file>
 
-<file path=ppt/slides/slide38.xml><?xml version="1.0" encoding="utf-8"?>
+<file path=ppt/slides/slide39.xml><?xml version="1.0" encoding="utf-8"?>
 <p:sld xmlns:a="http://schemas.openxmlformats.org/drawingml/2006/main" xmlns:r="http://schemas.openxmlformats.org/officeDocument/2006/relationships" xmlns:p="http://schemas.openxmlformats.org/presentationml/2006/main">
   <p:cSld>
     <p:spTree>
@@ -19093,107 +19446,6 @@
 </p:sld>
 </file>
 
-<file path=ppt/slides/slide39.xml><?xml version="1.0" encoding="utf-8"?>
-<p:sld xmlns:a="http://schemas.openxmlformats.org/drawingml/2006/main" xmlns:r="http://schemas.openxmlformats.org/officeDocument/2006/relationships" xmlns:p="http://schemas.openxmlformats.org/presentationml/2006/main">
-  <p:cSld>
-    <p:spTree>
-      <p:nvGrpSpPr>
-        <p:cNvPr id="1" name=""/>
-        <p:cNvGrpSpPr/>
-        <p:nvPr/>
-      </p:nvGrpSpPr>
-      <p:grpSpPr>
-        <a:xfrm>
-          <a:off x="0" y="0"/>
-          <a:ext cx="0" cy="0"/>
-          <a:chOff x="0" y="0"/>
-          <a:chExt cx="0" cy="0"/>
-        </a:xfrm>
-      </p:grpSpPr>
-      <p:sp>
-        <p:nvSpPr>
-          <p:cNvPr id="2" name="Título 1"/>
-          <p:cNvSpPr>
-            <a:spLocks noGrp="1"/>
-          </p:cNvSpPr>
-          <p:nvPr>
-            <p:ph type="title"/>
-          </p:nvPr>
-        </p:nvSpPr>
-        <p:spPr/>
-        <p:txBody>
-          <a:bodyPr>
-            <a:normAutofit fontScale="90000"/>
-          </a:bodyPr>
-          <a:lstStyle/>
-          <a:p>
-            <a:r>
-              <a:rPr lang="pt-BR" dirty="0"/>
-              <a:t>Resultados Obtidos - Teste </a:t>
-            </a:r>
-            <a:r>
-              <a:rPr lang="pt-BR" dirty="0" smtClean="0"/>
-              <a:t>Carga Completa</a:t>
-            </a:r>
-            <a:r>
-              <a:rPr lang="pt-BR" dirty="0"/>
-              <a:t>	</a:t>
-            </a:r>
-            <a:r>
-              <a:rPr lang="pt-BR" dirty="0" smtClean="0"/>
-              <a:t>	</a:t>
-            </a:r>
-            <a:endParaRPr lang="pt-BR" dirty="0"/>
-          </a:p>
-        </p:txBody>
-      </p:sp>
-      <p:sp>
-        <p:nvSpPr>
-          <p:cNvPr id="3" name="Espaço Reservado para Conteúdo 2"/>
-          <p:cNvSpPr>
-            <a:spLocks noGrp="1"/>
-          </p:cNvSpPr>
-          <p:nvPr>
-            <p:ph idx="1"/>
-          </p:nvPr>
-        </p:nvSpPr>
-        <p:spPr/>
-        <p:txBody>
-          <a:bodyPr>
-            <a:normAutofit/>
-          </a:bodyPr>
-          <a:lstStyle/>
-          <a:p>
-            <a:r>
-              <a:rPr lang="pt-BR" dirty="0" smtClean="0"/>
-              <a:t>Previsão </a:t>
-            </a:r>
-          </a:p>
-          <a:p>
-            <a:endParaRPr lang="pt-BR" dirty="0" smtClean="0"/>
-          </a:p>
-        </p:txBody>
-      </p:sp>
-    </p:spTree>
-    <p:extLst>
-      <p:ext uri="{BB962C8B-B14F-4D97-AF65-F5344CB8AC3E}">
-        <p14:creationId xmlns:p14="http://schemas.microsoft.com/office/powerpoint/2010/main" val="3064943905"/>
-      </p:ext>
-    </p:extLst>
-  </p:cSld>
-  <p:clrMapOvr>
-    <a:masterClrMapping/>
-  </p:clrMapOvr>
-  <p:timing>
-    <p:tnLst>
-      <p:par>
-        <p:cTn id="1" dur="indefinite" restart="never" nodeType="tmRoot"/>
-      </p:par>
-    </p:tnLst>
-  </p:timing>
-</p:sld>
-</file>
-
 <file path=ppt/slides/slide4.xml><?xml version="1.0" encoding="utf-8"?>
 <p:sld xmlns:a="http://schemas.openxmlformats.org/drawingml/2006/main" xmlns:r="http://schemas.openxmlformats.org/officeDocument/2006/relationships" xmlns:p="http://schemas.openxmlformats.org/presentationml/2006/main">
   <p:cSld>
@@ -19247,13 +19499,13 @@
         <p:spPr/>
         <p:txBody>
           <a:bodyPr>
-            <a:normAutofit fontScale="92500"/>
+            <a:normAutofit/>
           </a:bodyPr>
           <a:lstStyle/>
           <a:p>
             <a:r>
               <a:rPr lang="pt-BR" dirty="0" smtClean="0"/>
-              <a:t>Contextualização</a:t>
+              <a:t>Objetivos</a:t>
             </a:r>
           </a:p>
           <a:p>
@@ -19266,37 +19518,7 @@
             </a:pPr>
             <a:r>
               <a:rPr lang="pt-BR" dirty="0" smtClean="0"/>
-              <a:t>Restrições do problema</a:t>
-            </a:r>
-          </a:p>
-          <a:p>
-            <a:pPr marL="525780" indent="-457200">
-              <a:buFont typeface="+mj-lt"/>
-              <a:buAutoNum type="arabicPeriod"/>
-            </a:pPr>
-            <a:r>
-              <a:rPr lang="pt-BR" dirty="0" smtClean="0"/>
-              <a:t>Os horários das salas devem atender a obrigatoriedade enviada pelos colegiados</a:t>
-            </a:r>
-          </a:p>
-          <a:p>
-            <a:pPr marL="525780" indent="-457200">
-              <a:buFont typeface="+mj-lt"/>
-              <a:buAutoNum type="arabicPeriod"/>
-            </a:pPr>
-            <a:r>
-              <a:rPr lang="pt-BR" dirty="0" smtClean="0"/>
-              <a:t>A capacidade da disciplina de ser atendida</a:t>
-            </a:r>
-          </a:p>
-          <a:p>
-            <a:pPr marL="525780" indent="-457200">
-              <a:buFont typeface="+mj-lt"/>
-              <a:buAutoNum type="arabicPeriod"/>
-            </a:pPr>
-            <a:r>
-              <a:rPr lang="pt-BR" dirty="0" smtClean="0"/>
-              <a:t>Todas as obrigatoriedades de disciplina e horário de uma disciplina devem estar na mesma sala.</a:t>
+              <a:t>Otimizar o tempo da resolução do problema de alocação, utilizando algoritmo genético </a:t>
             </a:r>
           </a:p>
           <a:p>
@@ -19304,17 +19526,17 @@
               <a:buFont typeface="Wingdings" panose="05000000000000000000" pitchFamily="2" charset="2"/>
               <a:buChar char="v"/>
             </a:pPr>
-            <a:endParaRPr lang="pt-BR" dirty="0" smtClean="0"/>
-          </a:p>
-          <a:p>
-            <a:endParaRPr lang="pt-BR" dirty="0"/>
+            <a:r>
+              <a:rPr lang="pt-BR" dirty="0" smtClean="0"/>
+              <a:t>O trabalho é manual consome o tempo de 2 semanas para ser realizado e é passível de alterações</a:t>
+            </a:r>
           </a:p>
         </p:txBody>
       </p:sp>
     </p:spTree>
     <p:extLst>
       <p:ext uri="{BB962C8B-B14F-4D97-AF65-F5344CB8AC3E}">
-        <p14:creationId xmlns:p14="http://schemas.microsoft.com/office/powerpoint/2010/main" val="2070209792"/>
+        <p14:creationId xmlns:p14="http://schemas.microsoft.com/office/powerpoint/2010/main" val="1691545644"/>
       </p:ext>
     </p:extLst>
   </p:cSld>
@@ -19361,13 +19583,17 @@
         <p:spPr/>
         <p:txBody>
           <a:bodyPr>
-            <a:normAutofit/>
+            <a:normAutofit fontScale="90000"/>
           </a:bodyPr>
           <a:lstStyle/>
           <a:p>
             <a:r>
+              <a:rPr lang="pt-BR" dirty="0"/>
+              <a:t>Resultados Obtidos - Teste </a:t>
+            </a:r>
+            <a:r>
               <a:rPr lang="pt-BR" dirty="0" smtClean="0"/>
-              <a:t>Considerações Finais</a:t>
+              <a:t>Carga Completa</a:t>
             </a:r>
             <a:r>
               <a:rPr lang="pt-BR" dirty="0"/>
@@ -19400,37 +19626,12 @@
           <a:p>
             <a:r>
               <a:rPr lang="pt-BR" dirty="0" smtClean="0"/>
-              <a:t>Não é uma tarefa simples</a:t>
-            </a:r>
-          </a:p>
-          <a:p>
+              <a:t>Previsão </a:t>
+            </a:r>
             <a:r>
               <a:rPr lang="pt-BR" dirty="0" smtClean="0"/>
-              <a:t>O algoritmo encontra uma solução que atende a 70% das restrições, porem deve se levar em consideração o tempo.</a:t>
-            </a:r>
-          </a:p>
-          <a:p>
-            <a:r>
-              <a:rPr lang="pt-BR" dirty="0" smtClean="0"/>
-              <a:t>O operador genético acelera a evolução quando a biodiversidade é grande</a:t>
-            </a:r>
-          </a:p>
-          <a:p>
-            <a:r>
-              <a:rPr lang="pt-BR" dirty="0" smtClean="0"/>
-              <a:t>O algoritmo gera uma solução inicial.</a:t>
-            </a:r>
-          </a:p>
-          <a:p>
-            <a:pPr marL="68580" indent="0">
-              <a:buNone/>
-            </a:pPr>
-            <a:endParaRPr lang="pt-BR" dirty="0" smtClean="0"/>
-          </a:p>
-          <a:p>
-            <a:endParaRPr lang="pt-BR" dirty="0" smtClean="0"/>
-          </a:p>
-          <a:p>
+              <a:t>carga completa 1 semana rodando.</a:t>
+            </a:r>
             <a:endParaRPr lang="pt-BR" dirty="0" smtClean="0"/>
           </a:p>
           <a:p>
@@ -19438,10 +19639,64 @@
           </a:p>
         </p:txBody>
       </p:sp>
+      <p:pic>
+        <p:nvPicPr>
+          <p:cNvPr id="1026" name="Picture 2"/>
+          <p:cNvPicPr>
+            <a:picLocks noChangeAspect="1" noChangeArrowheads="1"/>
+          </p:cNvPicPr>
+          <p:nvPr/>
+        </p:nvPicPr>
+        <p:blipFill>
+          <a:blip r:embed="rId2">
+            <a:extLst>
+              <a:ext uri="{28A0092B-C50C-407E-A947-70E740481C1C}">
+                <a14:useLocalDpi xmlns:a14="http://schemas.microsoft.com/office/drawing/2010/main" val="0"/>
+              </a:ext>
+            </a:extLst>
+          </a:blip>
+          <a:srcRect/>
+          <a:stretch>
+            <a:fillRect/>
+          </a:stretch>
+        </p:blipFill>
+        <p:spPr bwMode="auto">
+          <a:xfrm>
+            <a:off x="1187624" y="3212976"/>
+            <a:ext cx="6896100" cy="3162300"/>
+          </a:xfrm>
+          <a:prstGeom prst="rect">
+            <a:avLst/>
+          </a:prstGeom>
+          <a:noFill/>
+          <a:ln>
+            <a:noFill/>
+          </a:ln>
+          <a:extLst>
+            <a:ext uri="{909E8E84-426E-40DD-AFC4-6F175D3DCCD1}">
+              <a14:hiddenFill xmlns:a14="http://schemas.microsoft.com/office/drawing/2010/main">
+                <a:solidFill>
+                  <a:schemeClr val="accent1"/>
+                </a:solidFill>
+              </a14:hiddenFill>
+            </a:ext>
+            <a:ext uri="{91240B29-F687-4F45-9708-019B960494DF}">
+              <a14:hiddenLine xmlns:a14="http://schemas.microsoft.com/office/drawing/2010/main" w="9525">
+                <a:solidFill>
+                  <a:schemeClr val="tx1"/>
+                </a:solidFill>
+                <a:miter lim="800000"/>
+                <a:headEnd/>
+                <a:tailEnd/>
+              </a14:hiddenLine>
+            </a:ext>
+          </a:extLst>
+        </p:spPr>
+      </p:pic>
     </p:spTree>
     <p:extLst>
       <p:ext uri="{BB962C8B-B14F-4D97-AF65-F5344CB8AC3E}">
-        <p14:creationId xmlns:p14="http://schemas.microsoft.com/office/powerpoint/2010/main" val="1229296146"/>
+        <p14:creationId xmlns:p14="http://schemas.microsoft.com/office/powerpoint/2010/main" val="3064943905"/>
       </p:ext>
     </p:extLst>
   </p:cSld>
@@ -19494,7 +19749,11 @@
           <a:p>
             <a:r>
               <a:rPr lang="pt-BR" dirty="0" smtClean="0"/>
-              <a:t>Trabalhos Futuros</a:t>
+              <a:t>Considerações Finais</a:t>
+            </a:r>
+            <a:r>
+              <a:rPr lang="pt-BR" dirty="0"/>
+              <a:t>	</a:t>
             </a:r>
             <a:r>
               <a:rPr lang="pt-BR" dirty="0" smtClean="0"/>
@@ -19523,40 +19782,25 @@
           <a:p>
             <a:r>
               <a:rPr lang="pt-BR" dirty="0" smtClean="0"/>
-              <a:t>Aplicação de técnicas para que não aconteça a convergência prematura.</a:t>
-            </a:r>
-          </a:p>
-          <a:p>
-            <a:pPr marL="68580" indent="0">
-              <a:buNone/>
-            </a:pPr>
-            <a:r>
-              <a:rPr lang="pt-BR" dirty="0"/>
-              <a:t> </a:t>
-            </a:r>
+              <a:t>Não é uma tarefa simples</a:t>
+            </a:r>
+          </a:p>
+          <a:p>
             <a:r>
               <a:rPr lang="pt-BR" dirty="0" smtClean="0"/>
-              <a:t>  </a:t>
-            </a:r>
-            <a:r>
-              <a:rPr lang="pt-BR" dirty="0" err="1" smtClean="0"/>
-              <a:t>Ex</a:t>
-            </a:r>
+              <a:t>O algoritmo encontra uma solução que atende a 70% das restrições, porem deve se levar em consideração o tempo.</a:t>
+            </a:r>
+          </a:p>
+          <a:p>
             <a:r>
               <a:rPr lang="pt-BR" dirty="0" smtClean="0"/>
-              <a:t>: Utilização de técnicas para gerar a população inicial.</a:t>
+              <a:t>O operador genético acelera a evolução quando a biodiversidade é grande</a:t>
             </a:r>
           </a:p>
           <a:p>
             <a:r>
               <a:rPr lang="pt-BR" dirty="0" smtClean="0"/>
-              <a:t>Teste com parâmetros diferentes.</a:t>
-            </a:r>
-          </a:p>
-          <a:p>
-            <a:r>
-              <a:rPr lang="pt-BR" dirty="0" smtClean="0"/>
-              <a:t>Utilização de outros algoritmos para solucionar o mesmo problema.</a:t>
+              <a:t>O algoritmo gera uma solução inicial.</a:t>
             </a:r>
           </a:p>
           <a:p>
@@ -19579,7 +19823,7 @@
     </p:spTree>
     <p:extLst>
       <p:ext uri="{BB962C8B-B14F-4D97-AF65-F5344CB8AC3E}">
-        <p14:creationId xmlns:p14="http://schemas.microsoft.com/office/powerpoint/2010/main" val="3763076917"/>
+        <p14:creationId xmlns:p14="http://schemas.microsoft.com/office/powerpoint/2010/main" val="1229296146"/>
       </p:ext>
     </p:extLst>
   </p:cSld>
@@ -19626,17 +19870,24 @@
         <p:spPr/>
         <p:txBody>
           <a:bodyPr>
-            <a:normAutofit/>
+            <a:normAutofit fontScale="90000"/>
           </a:bodyPr>
           <a:lstStyle/>
           <a:p>
             <a:r>
-              <a:rPr lang="pt-BR" smtClean="0"/>
-              <a:t>Referencial Teórico.</a:t>
+              <a:rPr lang="pt-BR" dirty="0"/>
+              <a:t>Considerações Finais </a:t>
             </a:r>
             <a:r>
               <a:rPr lang="pt-BR" dirty="0" smtClean="0"/>
-              <a:t>	</a:t>
+              <a:t> - </a:t>
+            </a:r>
+            <a:br>
+              <a:rPr lang="pt-BR" dirty="0" smtClean="0"/>
+            </a:br>
+            <a:r>
+              <a:rPr lang="pt-BR" dirty="0" smtClean="0"/>
+              <a:t>Trabalhos Futuros	</a:t>
             </a:r>
             <a:endParaRPr lang="pt-BR" dirty="0"/>
           </a:p>
@@ -19661,13 +19912,260 @@
           <a:p>
             <a:r>
               <a:rPr lang="pt-BR" dirty="0" smtClean="0"/>
-              <a:t>Vou escolher ainda</a:t>
+              <a:t>Aplicação de técnicas para que não aconteça a convergência prematura.</a:t>
             </a:r>
           </a:p>
           <a:p>
             <a:pPr marL="68580" indent="0">
               <a:buNone/>
             </a:pPr>
+            <a:r>
+              <a:rPr lang="pt-BR" dirty="0"/>
+              <a:t> </a:t>
+            </a:r>
+            <a:r>
+              <a:rPr lang="pt-BR" dirty="0" smtClean="0"/>
+              <a:t>  </a:t>
+            </a:r>
+            <a:r>
+              <a:rPr lang="pt-BR" dirty="0" err="1" smtClean="0"/>
+              <a:t>Ex</a:t>
+            </a:r>
+            <a:r>
+              <a:rPr lang="pt-BR" dirty="0" smtClean="0"/>
+              <a:t>: Utilização de técnicas para gerar a população inicial.</a:t>
+            </a:r>
+          </a:p>
+          <a:p>
+            <a:r>
+              <a:rPr lang="pt-BR" dirty="0" smtClean="0"/>
+              <a:t>Teste com parâmetros diferentes.</a:t>
+            </a:r>
+          </a:p>
+          <a:p>
+            <a:r>
+              <a:rPr lang="pt-BR" dirty="0" smtClean="0"/>
+              <a:t>Utilização de outros algoritmos para solucionar o mesmo problema.</a:t>
+            </a:r>
+          </a:p>
+          <a:p>
+            <a:pPr marL="68580" indent="0">
+              <a:buNone/>
+            </a:pPr>
+            <a:endParaRPr lang="pt-BR" dirty="0" smtClean="0"/>
+          </a:p>
+          <a:p>
+            <a:endParaRPr lang="pt-BR" dirty="0" smtClean="0"/>
+          </a:p>
+          <a:p>
+            <a:endParaRPr lang="pt-BR" dirty="0" smtClean="0"/>
+          </a:p>
+          <a:p>
+            <a:endParaRPr lang="pt-BR" dirty="0" smtClean="0"/>
+          </a:p>
+        </p:txBody>
+      </p:sp>
+    </p:spTree>
+    <p:extLst>
+      <p:ext uri="{BB962C8B-B14F-4D97-AF65-F5344CB8AC3E}">
+        <p14:creationId xmlns:p14="http://schemas.microsoft.com/office/powerpoint/2010/main" val="3763076917"/>
+      </p:ext>
+    </p:extLst>
+  </p:cSld>
+  <p:clrMapOvr>
+    <a:masterClrMapping/>
+  </p:clrMapOvr>
+  <p:timing>
+    <p:tnLst>
+      <p:par>
+        <p:cTn id="1" dur="indefinite" restart="never" nodeType="tmRoot"/>
+      </p:par>
+    </p:tnLst>
+  </p:timing>
+</p:sld>
+</file>
+
+<file path=ppt/slides/slide43.xml><?xml version="1.0" encoding="utf-8"?>
+<p:sld xmlns:a="http://schemas.openxmlformats.org/drawingml/2006/main" xmlns:r="http://schemas.openxmlformats.org/officeDocument/2006/relationships" xmlns:p="http://schemas.openxmlformats.org/presentationml/2006/main">
+  <p:cSld>
+    <p:spTree>
+      <p:nvGrpSpPr>
+        <p:cNvPr id="1" name=""/>
+        <p:cNvGrpSpPr/>
+        <p:nvPr/>
+      </p:nvGrpSpPr>
+      <p:grpSpPr>
+        <a:xfrm>
+          <a:off x="0" y="0"/>
+          <a:ext cx="0" cy="0"/>
+          <a:chOff x="0" y="0"/>
+          <a:chExt cx="0" cy="0"/>
+        </a:xfrm>
+      </p:grpSpPr>
+      <p:sp>
+        <p:nvSpPr>
+          <p:cNvPr id="2" name="Título 1"/>
+          <p:cNvSpPr>
+            <a:spLocks noGrp="1"/>
+          </p:cNvSpPr>
+          <p:nvPr>
+            <p:ph type="title"/>
+          </p:nvPr>
+        </p:nvSpPr>
+        <p:spPr/>
+        <p:txBody>
+          <a:bodyPr>
+            <a:normAutofit/>
+          </a:bodyPr>
+          <a:lstStyle/>
+          <a:p>
+            <a:r>
+              <a:rPr lang="pt-BR" dirty="0"/>
+              <a:t>Referencial Teórico. </a:t>
+            </a:r>
+            <a:r>
+              <a:rPr lang="pt-BR" dirty="0" smtClean="0"/>
+              <a:t>	</a:t>
+            </a:r>
+            <a:endParaRPr lang="pt-BR" dirty="0"/>
+          </a:p>
+        </p:txBody>
+      </p:sp>
+      <p:sp>
+        <p:nvSpPr>
+          <p:cNvPr id="3" name="Espaço Reservado para Conteúdo 2"/>
+          <p:cNvSpPr>
+            <a:spLocks noGrp="1"/>
+          </p:cNvSpPr>
+          <p:nvPr>
+            <p:ph idx="1"/>
+          </p:nvPr>
+        </p:nvSpPr>
+        <p:spPr/>
+        <p:txBody>
+          <a:bodyPr>
+            <a:normAutofit fontScale="70000" lnSpcReduction="20000"/>
+          </a:bodyPr>
+          <a:lstStyle/>
+          <a:p>
+            <a:r>
+              <a:rPr lang="pt-BR" dirty="0"/>
+              <a:t>SILVA, A. </a:t>
+            </a:r>
+            <a:r>
+              <a:rPr lang="pt-BR" b="1" dirty="0"/>
+              <a:t>Estudo e implementação, mediante recozimento simulado, </a:t>
+            </a:r>
+            <a:r>
+              <a:rPr lang="pt-BR" b="1" dirty="0" smtClean="0"/>
+              <a:t>do problema </a:t>
+            </a:r>
+            <a:r>
+              <a:rPr lang="pt-BR" b="1" dirty="0"/>
+              <a:t>de alocação de salas. </a:t>
+            </a:r>
+            <a:r>
+              <a:rPr lang="pt-BR" dirty="0"/>
+              <a:t>Monografia (Conclusão do curso) </a:t>
+            </a:r>
+            <a:r>
+              <a:rPr lang="pt-BR" dirty="0" smtClean="0"/>
+              <a:t>– Departamento de </a:t>
+            </a:r>
+            <a:r>
+              <a:rPr lang="pt-BR" dirty="0"/>
+              <a:t>Ciência da Computação, Universidade Federal de Lavras, 2005</a:t>
+            </a:r>
+            <a:r>
+              <a:rPr lang="pt-BR" dirty="0" smtClean="0"/>
+              <a:t>.</a:t>
+            </a:r>
+          </a:p>
+          <a:p>
+            <a:endParaRPr lang="pt-BR" dirty="0" smtClean="0"/>
+          </a:p>
+          <a:p>
+            <a:r>
+              <a:rPr lang="pt-BR" dirty="0"/>
+              <a:t>SUBRAMANIAN, A. et al. </a:t>
+            </a:r>
+            <a:r>
+              <a:rPr lang="pt-BR" b="1" dirty="0"/>
+              <a:t>Aplicação da </a:t>
+            </a:r>
+            <a:r>
+              <a:rPr lang="pt-BR" b="1" dirty="0" err="1"/>
+              <a:t>metaheurística</a:t>
+            </a:r>
+            <a:r>
+              <a:rPr lang="pt-BR" b="1" dirty="0"/>
+              <a:t> busca tabu na </a:t>
+            </a:r>
+            <a:r>
+              <a:rPr lang="pt-BR" b="1" dirty="0" smtClean="0"/>
+              <a:t>resolução do </a:t>
+            </a:r>
+            <a:r>
+              <a:rPr lang="pt-BR" b="1" dirty="0"/>
+              <a:t>problema de alocação de salas do centro de tecnologia da </a:t>
+            </a:r>
+            <a:r>
+              <a:rPr lang="pt-BR" b="1" dirty="0" err="1"/>
+              <a:t>ufpb</a:t>
+            </a:r>
+            <a:r>
+              <a:rPr lang="pt-BR" b="1" dirty="0"/>
+              <a:t>. </a:t>
+            </a:r>
+            <a:r>
+              <a:rPr lang="pt-BR" dirty="0"/>
+              <a:t>Anais </a:t>
+            </a:r>
+            <a:r>
+              <a:rPr lang="pt-BR" dirty="0" smtClean="0"/>
+              <a:t>do XXVI </a:t>
+            </a:r>
+            <a:r>
+              <a:rPr lang="pt-BR" dirty="0"/>
+              <a:t>Encontro Nacional de Engenharia de Produção, p. 1, 2006</a:t>
+            </a:r>
+            <a:r>
+              <a:rPr lang="pt-BR" dirty="0" smtClean="0"/>
+              <a:t>.</a:t>
+            </a:r>
+          </a:p>
+          <a:p>
+            <a:endParaRPr lang="pt-BR" dirty="0" smtClean="0"/>
+          </a:p>
+          <a:p>
+            <a:r>
+              <a:rPr lang="pt-BR" dirty="0"/>
+              <a:t>HAMAWAKI, C. D. L. </a:t>
+            </a:r>
+            <a:r>
+              <a:rPr lang="pt-BR" b="1" dirty="0"/>
+              <a:t>Geração automática de grade horária usando </a:t>
+            </a:r>
+            <a:r>
+              <a:rPr lang="pt-BR" b="1" dirty="0" smtClean="0"/>
+              <a:t>algoritmos genéticos</a:t>
+            </a:r>
+            <a:r>
+              <a:rPr lang="pt-BR" b="1" dirty="0"/>
+              <a:t>: o caso da faculdade de engenharia elétrica da </a:t>
+            </a:r>
+            <a:r>
+              <a:rPr lang="pt-BR" b="1" dirty="0" err="1"/>
+              <a:t>ufu</a:t>
+            </a:r>
+            <a:r>
+              <a:rPr lang="pt-BR" b="1" dirty="0"/>
+              <a:t>. </a:t>
+            </a:r>
+            <a:r>
+              <a:rPr lang="pt-BR" dirty="0"/>
+              <a:t>2011.</a:t>
+            </a:r>
             <a:endParaRPr lang="pt-BR" dirty="0" smtClean="0"/>
           </a:p>
           <a:p>
@@ -19685,6 +20183,212 @@
     <p:extLst>
       <p:ext uri="{BB962C8B-B14F-4D97-AF65-F5344CB8AC3E}">
         <p14:creationId xmlns:p14="http://schemas.microsoft.com/office/powerpoint/2010/main" val="1108308430"/>
+      </p:ext>
+    </p:extLst>
+  </p:cSld>
+  <p:clrMapOvr>
+    <a:masterClrMapping/>
+  </p:clrMapOvr>
+  <p:timing>
+    <p:tnLst>
+      <p:par>
+        <p:cTn id="1" dur="indefinite" restart="never" nodeType="tmRoot"/>
+      </p:par>
+    </p:tnLst>
+  </p:timing>
+</p:sld>
+</file>
+
+<file path=ppt/slides/slide44.xml><?xml version="1.0" encoding="utf-8"?>
+<p:sld xmlns:a="http://schemas.openxmlformats.org/drawingml/2006/main" xmlns:r="http://schemas.openxmlformats.org/officeDocument/2006/relationships" xmlns:p="http://schemas.openxmlformats.org/presentationml/2006/main">
+  <p:cSld>
+    <p:spTree>
+      <p:nvGrpSpPr>
+        <p:cNvPr id="1" name=""/>
+        <p:cNvGrpSpPr/>
+        <p:nvPr/>
+      </p:nvGrpSpPr>
+      <p:grpSpPr>
+        <a:xfrm>
+          <a:off x="0" y="0"/>
+          <a:ext cx="0" cy="0"/>
+          <a:chOff x="0" y="0"/>
+          <a:chExt cx="0" cy="0"/>
+        </a:xfrm>
+      </p:grpSpPr>
+      <p:sp>
+        <p:nvSpPr>
+          <p:cNvPr id="2" name="Título 1"/>
+          <p:cNvSpPr>
+            <a:spLocks noGrp="1"/>
+          </p:cNvSpPr>
+          <p:nvPr>
+            <p:ph type="title"/>
+          </p:nvPr>
+        </p:nvSpPr>
+        <p:spPr/>
+        <p:txBody>
+          <a:bodyPr>
+            <a:normAutofit fontScale="90000"/>
+          </a:bodyPr>
+          <a:lstStyle/>
+          <a:p>
+            <a:r>
+              <a:rPr lang="pt-BR" dirty="0" smtClean="0"/>
+              <a:t>Resultado base de testes apresentação.</a:t>
+            </a:r>
+            <a:endParaRPr lang="pt-BR" dirty="0"/>
+          </a:p>
+        </p:txBody>
+      </p:sp>
+      <p:sp>
+        <p:nvSpPr>
+          <p:cNvPr id="3" name="Espaço Reservado para Conteúdo 2"/>
+          <p:cNvSpPr>
+            <a:spLocks noGrp="1"/>
+          </p:cNvSpPr>
+          <p:nvPr>
+            <p:ph idx="1"/>
+          </p:nvPr>
+        </p:nvSpPr>
+        <p:spPr/>
+        <p:txBody>
+          <a:bodyPr>
+            <a:normAutofit/>
+          </a:bodyPr>
+          <a:lstStyle/>
+          <a:p>
+            <a:endParaRPr lang="pt-BR" dirty="0" smtClean="0"/>
+          </a:p>
+          <a:p>
+            <a:endParaRPr lang="pt-BR" dirty="0"/>
+          </a:p>
+          <a:p>
+            <a:endParaRPr lang="pt-BR" dirty="0" smtClean="0"/>
+          </a:p>
+          <a:p>
+            <a:r>
+              <a:rPr lang="pt-BR" dirty="0" smtClean="0"/>
+              <a:t>Verificar o resultado.</a:t>
+            </a:r>
+            <a:endParaRPr lang="pt-BR" dirty="0" smtClean="0"/>
+          </a:p>
+          <a:p>
+            <a:endParaRPr lang="pt-BR" dirty="0" smtClean="0"/>
+          </a:p>
+          <a:p>
+            <a:endParaRPr lang="pt-BR" dirty="0" smtClean="0"/>
+          </a:p>
+        </p:txBody>
+      </p:sp>
+    </p:spTree>
+    <p:extLst>
+      <p:ext uri="{BB962C8B-B14F-4D97-AF65-F5344CB8AC3E}">
+        <p14:creationId xmlns:p14="http://schemas.microsoft.com/office/powerpoint/2010/main" val="1668631860"/>
+      </p:ext>
+    </p:extLst>
+  </p:cSld>
+  <p:clrMapOvr>
+    <a:masterClrMapping/>
+  </p:clrMapOvr>
+  <p:timing>
+    <p:tnLst>
+      <p:par>
+        <p:cTn id="1" dur="indefinite" restart="never" nodeType="tmRoot"/>
+      </p:par>
+    </p:tnLst>
+  </p:timing>
+</p:sld>
+</file>
+
+<file path=ppt/slides/slide45.xml><?xml version="1.0" encoding="utf-8"?>
+<p:sld xmlns:a="http://schemas.openxmlformats.org/drawingml/2006/main" xmlns:r="http://schemas.openxmlformats.org/officeDocument/2006/relationships" xmlns:p="http://schemas.openxmlformats.org/presentationml/2006/main">
+  <p:cSld>
+    <p:spTree>
+      <p:nvGrpSpPr>
+        <p:cNvPr id="1" name=""/>
+        <p:cNvGrpSpPr/>
+        <p:nvPr/>
+      </p:nvGrpSpPr>
+      <p:grpSpPr>
+        <a:xfrm>
+          <a:off x="0" y="0"/>
+          <a:ext cx="0" cy="0"/>
+          <a:chOff x="0" y="0"/>
+          <a:chExt cx="0" cy="0"/>
+        </a:xfrm>
+      </p:grpSpPr>
+      <p:sp>
+        <p:nvSpPr>
+          <p:cNvPr id="2" name="Título 1"/>
+          <p:cNvSpPr>
+            <a:spLocks noGrp="1"/>
+          </p:cNvSpPr>
+          <p:nvPr>
+            <p:ph type="title"/>
+          </p:nvPr>
+        </p:nvSpPr>
+        <p:spPr/>
+        <p:txBody>
+          <a:bodyPr>
+            <a:normAutofit/>
+          </a:bodyPr>
+          <a:lstStyle/>
+          <a:p>
+            <a:r>
+              <a:rPr lang="pt-BR" dirty="0" smtClean="0"/>
+              <a:t>Perguntas	</a:t>
+            </a:r>
+            <a:endParaRPr lang="pt-BR" dirty="0"/>
+          </a:p>
+        </p:txBody>
+      </p:sp>
+      <p:sp>
+        <p:nvSpPr>
+          <p:cNvPr id="3" name="Espaço Reservado para Conteúdo 2"/>
+          <p:cNvSpPr>
+            <a:spLocks noGrp="1"/>
+          </p:cNvSpPr>
+          <p:nvPr>
+            <p:ph idx="1"/>
+          </p:nvPr>
+        </p:nvSpPr>
+        <p:spPr/>
+        <p:txBody>
+          <a:bodyPr>
+            <a:normAutofit/>
+          </a:bodyPr>
+          <a:lstStyle/>
+          <a:p>
+            <a:pPr marL="68580" indent="0" algn="ctr">
+              <a:buNone/>
+            </a:pPr>
+            <a:r>
+              <a:rPr lang="pt-BR" sz="20000" dirty="0" smtClean="0"/>
+              <a:t>??</a:t>
+            </a:r>
+          </a:p>
+          <a:p>
+            <a:pPr marL="68580" indent="0">
+              <a:buNone/>
+            </a:pPr>
+            <a:endParaRPr lang="pt-BR" dirty="0" smtClean="0"/>
+          </a:p>
+          <a:p>
+            <a:endParaRPr lang="pt-BR" dirty="0" smtClean="0"/>
+          </a:p>
+          <a:p>
+            <a:endParaRPr lang="pt-BR" dirty="0" smtClean="0"/>
+          </a:p>
+          <a:p>
+            <a:endParaRPr lang="pt-BR" dirty="0" smtClean="0"/>
+          </a:p>
+        </p:txBody>
+      </p:sp>
+    </p:spTree>
+    <p:extLst>
+      <p:ext uri="{BB962C8B-B14F-4D97-AF65-F5344CB8AC3E}">
+        <p14:creationId xmlns:p14="http://schemas.microsoft.com/office/powerpoint/2010/main" val="2838159448"/>
       </p:ext>
     </p:extLst>
   </p:cSld>
@@ -19753,28 +20457,20 @@
         </p:nvSpPr>
         <p:spPr/>
         <p:txBody>
-          <a:bodyPr>
-            <a:normAutofit lnSpcReduction="10000"/>
-          </a:bodyPr>
+          <a:bodyPr/>
           <a:lstStyle/>
           <a:p>
             <a:r>
               <a:rPr lang="pt-BR" dirty="0" smtClean="0"/>
-              <a:t>Objetivos</a:t>
-            </a:r>
-          </a:p>
-          <a:p>
-            <a:endParaRPr lang="pt-BR" dirty="0" smtClean="0"/>
+              <a:t>Justificativa</a:t>
+            </a:r>
           </a:p>
           <a:p>
             <a:pPr>
               <a:buFont typeface="Wingdings" panose="05000000000000000000" pitchFamily="2" charset="2"/>
               <a:buChar char="v"/>
             </a:pPr>
-            <a:r>
-              <a:rPr lang="pt-BR" dirty="0" smtClean="0"/>
-              <a:t>Estudo da implementação do algoritmo genético.</a:t>
-            </a:r>
+            <a:endParaRPr lang="pt-BR" dirty="0" smtClean="0"/>
           </a:p>
           <a:p>
             <a:pPr>
@@ -19783,18 +20479,10 @@
             </a:pPr>
             <a:r>
               <a:rPr lang="pt-BR" dirty="0" smtClean="0"/>
-              <a:t>Otimizar o tempo da resolução do problema de alocação que é de 2 semanas realizando um trabalho manual.</a:t>
-            </a:r>
-          </a:p>
-          <a:p>
-            <a:pPr>
-              <a:buFont typeface="Wingdings" panose="05000000000000000000" pitchFamily="2" charset="2"/>
-              <a:buChar char="v"/>
-            </a:pPr>
-            <a:r>
-              <a:rPr lang="pt-BR" dirty="0" smtClean="0"/>
-              <a:t>Identificar os melhores parâmetros iniciais a serem utilizados pelo algoritmo.</a:t>
-            </a:r>
+              <a:t>Aplicar as restrições especificas do prédio da Faculdade de Filosofia e Ciências Humanas alocado na Universidade Federal de Minas Gerais.</a:t>
+            </a:r>
+          </a:p>
+          <a:p>
             <a:endParaRPr lang="pt-BR" dirty="0"/>
           </a:p>
         </p:txBody>
@@ -19853,7 +20541,7 @@
           <a:p>
             <a:r>
               <a:rPr lang="pt-BR" dirty="0" smtClean="0"/>
-              <a:t>Introdução	</a:t>
+              <a:t>Referencial teórico</a:t>
             </a:r>
             <a:endParaRPr lang="pt-BR" dirty="0"/>
           </a:p>
@@ -19876,28 +20564,31 @@
           <a:p>
             <a:r>
               <a:rPr lang="pt-BR" dirty="0" smtClean="0"/>
-              <a:t>Justificativa</a:t>
-            </a:r>
-          </a:p>
-          <a:p>
-            <a:pPr>
-              <a:buFont typeface="Wingdings" panose="05000000000000000000" pitchFamily="2" charset="2"/>
-              <a:buChar char="v"/>
+              <a:t>Problemas de otimização</a:t>
+            </a:r>
+          </a:p>
+          <a:p>
+            <a:r>
+              <a:rPr lang="pt-BR" dirty="0" smtClean="0"/>
+              <a:t>Heurística</a:t>
+            </a:r>
+          </a:p>
+          <a:p>
+            <a:r>
+              <a:rPr lang="pt-BR" dirty="0" smtClean="0"/>
+              <a:t>Busca Tabu</a:t>
+            </a:r>
+          </a:p>
+          <a:p>
+            <a:r>
+              <a:rPr lang="pt-BR" dirty="0" smtClean="0"/>
+              <a:t>Recozimento Simulado</a:t>
+            </a:r>
+          </a:p>
+          <a:p>
+            <a:pPr marL="68580" indent="0">
+              <a:buNone/>
             </a:pPr>
-            <a:endParaRPr lang="pt-BR" dirty="0" smtClean="0"/>
-          </a:p>
-          <a:p>
-            <a:pPr>
-              <a:buFont typeface="Wingdings" panose="05000000000000000000" pitchFamily="2" charset="2"/>
-              <a:buChar char="v"/>
-            </a:pPr>
-            <a:r>
-              <a:rPr lang="pt-BR" dirty="0" smtClean="0"/>
-              <a:t>Aplicar as restrições especificas do prédio da Faculdade de Filosofia e Ciências Humanas alocado na Universidade Federal de Minas Gerais.</a:t>
-            </a:r>
-            <a:endParaRPr lang="pt-BR" dirty="0" smtClean="0"/>
-          </a:p>
-          <a:p>
             <a:endParaRPr lang="pt-BR" dirty="0"/>
           </a:p>
         </p:txBody>
@@ -19905,7 +20596,7 @@
     </p:spTree>
     <p:extLst>
       <p:ext uri="{BB962C8B-B14F-4D97-AF65-F5344CB8AC3E}">
-        <p14:creationId xmlns:p14="http://schemas.microsoft.com/office/powerpoint/2010/main" val="1691545644"/>
+        <p14:creationId xmlns:p14="http://schemas.microsoft.com/office/powerpoint/2010/main" val="442706682"/>
       </p:ext>
     </p:extLst>
   </p:cSld>
@@ -19974,62 +20665,126 @@
         </p:nvSpPr>
         <p:spPr/>
         <p:txBody>
-          <a:bodyPr/>
+          <a:bodyPr>
+            <a:normAutofit fontScale="92500" lnSpcReduction="20000"/>
+          </a:bodyPr>
           <a:lstStyle/>
           <a:p>
             <a:r>
+              <a:rPr lang="pt-BR" dirty="0"/>
+              <a:t>Algoritmos </a:t>
+            </a:r>
+            <a:r>
               <a:rPr lang="pt-BR" dirty="0" smtClean="0"/>
-              <a:t>Problemas de </a:t>
-            </a:r>
+              <a:t>Genéticos</a:t>
+            </a:r>
+          </a:p>
+          <a:p>
+            <a:pPr>
+              <a:buFont typeface="Wingdings" panose="05000000000000000000" pitchFamily="2" charset="2"/>
+              <a:buChar char="v"/>
+            </a:pPr>
+            <a:endParaRPr lang="pt-BR" dirty="0" smtClean="0"/>
+          </a:p>
+          <a:p>
+            <a:pPr>
+              <a:buFont typeface="Wingdings" panose="05000000000000000000" pitchFamily="2" charset="2"/>
+              <a:buChar char="v"/>
+            </a:pPr>
             <a:r>
               <a:rPr lang="pt-BR" dirty="0" smtClean="0"/>
-              <a:t>otimização</a:t>
-            </a:r>
+              <a:t>genes</a:t>
+            </a:r>
+          </a:p>
+          <a:p>
+            <a:pPr>
+              <a:buFont typeface="Wingdings" panose="05000000000000000000" pitchFamily="2" charset="2"/>
+              <a:buChar char="v"/>
+            </a:pPr>
+            <a:r>
+              <a:rPr lang="pt-BR" dirty="0" smtClean="0"/>
+              <a:t>indivíduo</a:t>
+            </a:r>
+          </a:p>
+          <a:p>
+            <a:pPr>
+              <a:buFont typeface="Wingdings" panose="05000000000000000000" pitchFamily="2" charset="2"/>
+              <a:buChar char="v"/>
+            </a:pPr>
+            <a:r>
+              <a:rPr lang="pt-BR" dirty="0" smtClean="0"/>
+              <a:t>cromossomos</a:t>
+            </a:r>
+          </a:p>
+          <a:p>
+            <a:pPr>
+              <a:buFont typeface="Wingdings" panose="05000000000000000000" pitchFamily="2" charset="2"/>
+              <a:buChar char="v"/>
+            </a:pPr>
+            <a:r>
+              <a:rPr lang="pt-BR" dirty="0"/>
+              <a:t>p</a:t>
+            </a:r>
+            <a:r>
+              <a:rPr lang="pt-BR" dirty="0" smtClean="0"/>
+              <a:t>opulação</a:t>
+            </a:r>
+          </a:p>
+          <a:p>
+            <a:pPr>
+              <a:buFont typeface="Wingdings" panose="05000000000000000000" pitchFamily="2" charset="2"/>
+              <a:buChar char="v"/>
+            </a:pPr>
+            <a:r>
+              <a:rPr lang="pt-BR" dirty="0" smtClean="0"/>
+              <a:t>elitismo</a:t>
+            </a:r>
+          </a:p>
+          <a:p>
+            <a:pPr>
+              <a:buFont typeface="Wingdings" panose="05000000000000000000" pitchFamily="2" charset="2"/>
+              <a:buChar char="v"/>
+            </a:pPr>
+            <a:r>
+              <a:rPr lang="pt-BR" dirty="0" smtClean="0"/>
+              <a:t>seleção</a:t>
+            </a:r>
+            <a:endParaRPr lang="pt-BR" dirty="0"/>
+          </a:p>
+          <a:p>
+            <a:pPr>
+              <a:buFont typeface="Wingdings" panose="05000000000000000000" pitchFamily="2" charset="2"/>
+              <a:buChar char="v"/>
+            </a:pPr>
+            <a:r>
+              <a:rPr lang="pt-BR" dirty="0" smtClean="0"/>
+              <a:t>cruzamento,</a:t>
+            </a:r>
+          </a:p>
+          <a:p>
+            <a:pPr>
+              <a:buFont typeface="Wingdings" panose="05000000000000000000" pitchFamily="2" charset="2"/>
+              <a:buChar char="v"/>
+            </a:pPr>
+            <a:r>
+              <a:rPr lang="pt-BR" dirty="0" smtClean="0"/>
+              <a:t>mutação</a:t>
+            </a:r>
+            <a:endParaRPr lang="pt-BR" dirty="0"/>
+          </a:p>
+          <a:p>
+            <a:pPr>
+              <a:buFont typeface="Wingdings" panose="05000000000000000000" pitchFamily="2" charset="2"/>
+              <a:buChar char="v"/>
+            </a:pPr>
             <a:endParaRPr lang="pt-BR" dirty="0" smtClean="0"/>
-          </a:p>
-          <a:p>
-            <a:r>
-              <a:rPr lang="pt-BR" dirty="0" smtClean="0"/>
-              <a:t>Heurística</a:t>
-            </a:r>
-          </a:p>
-          <a:p>
-            <a:r>
-              <a:rPr lang="pt-BR" dirty="0" smtClean="0"/>
-              <a:t>Busca Tabu</a:t>
-            </a:r>
-          </a:p>
-          <a:p>
-            <a:r>
-              <a:rPr lang="pt-BR" dirty="0" smtClean="0"/>
-              <a:t>Recozimento Simulado</a:t>
-            </a:r>
-          </a:p>
-          <a:p>
-            <a:r>
-              <a:rPr lang="pt-BR" dirty="0" smtClean="0"/>
-              <a:t>Algoritmos Genéticos</a:t>
-            </a:r>
-          </a:p>
-          <a:p>
-            <a:r>
-              <a:rPr lang="pt-BR" dirty="0" err="1" smtClean="0"/>
-              <a:t>TimeTabling</a:t>
-            </a:r>
-            <a:endParaRPr lang="pt-BR" dirty="0" smtClean="0"/>
-          </a:p>
-          <a:p>
-            <a:pPr marL="68580" indent="0">
-              <a:buNone/>
-            </a:pPr>
-            <a:endParaRPr lang="pt-BR" dirty="0"/>
           </a:p>
         </p:txBody>
       </p:sp>
     </p:spTree>
     <p:extLst>
       <p:ext uri="{BB962C8B-B14F-4D97-AF65-F5344CB8AC3E}">
-        <p14:creationId xmlns:p14="http://schemas.microsoft.com/office/powerpoint/2010/main" val="442706682"/>
+        <p14:creationId xmlns:p14="http://schemas.microsoft.com/office/powerpoint/2010/main" val="3557065935"/>
       </p:ext>
     </p:extLst>
   </p:cSld>
@@ -20080,7 +20835,7 @@
           <a:p>
             <a:r>
               <a:rPr lang="pt-BR" dirty="0" smtClean="0"/>
-              <a:t>Metodologia</a:t>
+              <a:t>Referencial teórico</a:t>
             </a:r>
             <a:endParaRPr lang="pt-BR" dirty="0"/>
           </a:p>
@@ -20098,22 +20853,31 @@
         </p:nvSpPr>
         <p:spPr/>
         <p:txBody>
-          <a:bodyPr>
-            <a:normAutofit lnSpcReduction="10000"/>
-          </a:bodyPr>
+          <a:bodyPr/>
           <a:lstStyle/>
           <a:p>
             <a:r>
+              <a:rPr lang="pt-BR" dirty="0" err="1" smtClean="0"/>
+              <a:t>TimeTabling</a:t>
+            </a:r>
+            <a:r>
               <a:rPr lang="pt-BR" dirty="0" smtClean="0"/>
-              <a:t>Ferramentas </a:t>
+              <a:t> (Problemas de alocação de </a:t>
+            </a:r>
+            <a:r>
+              <a:rPr lang="pt-BR" dirty="0" err="1" smtClean="0"/>
+              <a:t>horarios</a:t>
             </a:r>
             <a:r>
               <a:rPr lang="pt-BR" dirty="0" smtClean="0"/>
-              <a:t>Utilizadas</a:t>
-            </a:r>
-          </a:p>
-          <a:p>
-            <a:endParaRPr lang="pt-BR" dirty="0" smtClean="0"/>
+              <a:t>)</a:t>
+            </a:r>
+          </a:p>
+          <a:p>
+            <a:pPr marL="68580" indent="0">
+              <a:buNone/>
+            </a:pPr>
+            <a:endParaRPr lang="pt-BR" u="sng" dirty="0" smtClean="0"/>
           </a:p>
           <a:p>
             <a:pPr>
@@ -20121,8 +20885,16 @@
               <a:buChar char="v"/>
             </a:pPr>
             <a:r>
+              <a:rPr lang="pt-BR" dirty="0" err="1"/>
+              <a:t>School</a:t>
+            </a:r>
+            <a:r>
+              <a:rPr lang="pt-BR" dirty="0"/>
+              <a:t> </a:t>
+            </a:r>
+            <a:r>
               <a:rPr lang="pt-BR" dirty="0" err="1" smtClean="0"/>
-              <a:t>PostgreSQL</a:t>
+              <a:t>TimeTabling</a:t>
             </a:r>
             <a:endParaRPr lang="pt-BR" dirty="0" smtClean="0"/>
           </a:p>
@@ -20132,9 +20904,18 @@
               <a:buChar char="v"/>
             </a:pPr>
             <a:r>
-              <a:rPr lang="pt-BR" dirty="0" smtClean="0"/>
-              <a:t>Java</a:t>
-            </a:r>
+              <a:rPr lang="pt-BR" dirty="0" err="1"/>
+              <a:t>Examination</a:t>
+            </a:r>
+            <a:r>
+              <a:rPr lang="pt-BR" dirty="0"/>
+              <a:t> </a:t>
+            </a:r>
+            <a:r>
+              <a:rPr lang="pt-BR" dirty="0" err="1" smtClean="0"/>
+              <a:t>TimeTabling</a:t>
+            </a:r>
+            <a:endParaRPr lang="pt-BR" dirty="0" smtClean="0"/>
           </a:p>
           <a:p>
             <a:pPr>
@@ -20142,8 +20923,16 @@
               <a:buChar char="v"/>
             </a:pPr>
             <a:r>
-              <a:rPr lang="pt-BR" dirty="0" smtClean="0"/>
-              <a:t>Play! Framework</a:t>
+              <a:rPr lang="pt-BR" dirty="0" err="1"/>
+              <a:t>Course</a:t>
+            </a:r>
+            <a:r>
+              <a:rPr lang="pt-BR" dirty="0"/>
+              <a:t> </a:t>
+            </a:r>
+            <a:r>
+              <a:rPr lang="pt-BR" dirty="0" err="1" smtClean="0"/>
+              <a:t>TimeTabling</a:t>
             </a:r>
             <a:endParaRPr lang="pt-BR" dirty="0" smtClean="0"/>
           </a:p>
@@ -20153,29 +20942,34 @@
               <a:buChar char="v"/>
             </a:pPr>
             <a:r>
+              <a:rPr lang="pt-BR" dirty="0" err="1" smtClean="0"/>
+              <a:t>Classroom</a:t>
+            </a:r>
+            <a:r>
               <a:rPr lang="pt-BR" dirty="0" smtClean="0"/>
-              <a:t>HTML</a:t>
-            </a:r>
-          </a:p>
-          <a:p>
-            <a:pPr>
-              <a:buFont typeface="Wingdings" panose="05000000000000000000" pitchFamily="2" charset="2"/>
-              <a:buChar char="v"/>
+              <a:t> </a:t>
+            </a:r>
+            <a:r>
+              <a:rPr lang="pt-BR" dirty="0" err="1" smtClean="0"/>
+              <a:t>Assignment</a:t>
+            </a:r>
+            <a:r>
+              <a:rPr lang="pt-BR" dirty="0" smtClean="0"/>
+              <a:t> (Problemas de alocação de </a:t>
+            </a:r>
+            <a:r>
+              <a:rPr lang="pt-BR" u="sng" dirty="0" smtClean="0"/>
+              <a:t>salas</a:t>
+            </a:r>
+            <a:r>
+              <a:rPr lang="pt-BR" dirty="0" smtClean="0"/>
+              <a:t>)</a:t>
+            </a:r>
+          </a:p>
+          <a:p>
+            <a:pPr marL="68580" indent="0">
+              <a:buNone/>
             </a:pPr>
-            <a:r>
-              <a:rPr lang="pt-BR" dirty="0" smtClean="0"/>
-              <a:t>CSS</a:t>
-            </a:r>
-          </a:p>
-          <a:p>
-            <a:pPr>
-              <a:buFont typeface="Wingdings" panose="05000000000000000000" pitchFamily="2" charset="2"/>
-              <a:buChar char="v"/>
-            </a:pPr>
-            <a:r>
-              <a:rPr lang="pt-BR" dirty="0" err="1" smtClean="0"/>
-              <a:t>JavaScript</a:t>
-            </a:r>
             <a:endParaRPr lang="pt-BR" dirty="0"/>
           </a:p>
         </p:txBody>
@@ -20183,7 +20977,7 @@
     </p:spTree>
     <p:extLst>
       <p:ext uri="{BB962C8B-B14F-4D97-AF65-F5344CB8AC3E}">
-        <p14:creationId xmlns:p14="http://schemas.microsoft.com/office/powerpoint/2010/main" val="700352977"/>
+        <p14:creationId xmlns:p14="http://schemas.microsoft.com/office/powerpoint/2010/main" val="3557065935"/>
       </p:ext>
     </p:extLst>
   </p:cSld>
@@ -20234,7 +21028,7 @@
           <a:p>
             <a:r>
               <a:rPr lang="pt-BR" dirty="0" smtClean="0"/>
-              <a:t>Metodologia</a:t>
+              <a:t>Referencial teórico</a:t>
             </a:r>
             <a:endParaRPr lang="pt-BR" dirty="0"/>
           </a:p>
@@ -20252,36 +21046,72 @@
         </p:nvSpPr>
         <p:spPr/>
         <p:txBody>
-          <a:bodyPr/>
+          <a:bodyPr>
+            <a:normAutofit fontScale="92500" lnSpcReduction="10000"/>
+          </a:bodyPr>
           <a:lstStyle/>
           <a:p>
             <a:r>
               <a:rPr lang="pt-BR" dirty="0" smtClean="0"/>
-              <a:t>Escolha do algoritmo genético</a:t>
-            </a:r>
-          </a:p>
-          <a:p>
+              <a:t>Trabalhos Relacionados</a:t>
+            </a:r>
+          </a:p>
+          <a:p>
+            <a:endParaRPr lang="pt-BR" dirty="0" smtClean="0"/>
+          </a:p>
+          <a:p>
+            <a:pPr>
+              <a:buFont typeface="Wingdings" panose="05000000000000000000" pitchFamily="2" charset="2"/>
+              <a:buChar char="v"/>
+            </a:pPr>
+            <a:r>
+              <a:rPr lang="pt-BR" dirty="0"/>
+              <a:t>Busca Tabu(SUBRAMANIAN et al., </a:t>
+            </a:r>
             <a:r>
               <a:rPr lang="pt-BR" dirty="0" smtClean="0"/>
-              <a:t>Entrevista com o responsável da área</a:t>
-            </a:r>
-          </a:p>
-          <a:p>
+              <a:t>2006)</a:t>
+            </a:r>
+          </a:p>
+          <a:p>
+            <a:pPr>
+              <a:buFont typeface="Wingdings" panose="05000000000000000000" pitchFamily="2" charset="2"/>
+              <a:buChar char="v"/>
+            </a:pPr>
             <a:r>
               <a:rPr lang="pt-BR" dirty="0" smtClean="0"/>
-              <a:t>Desenho dos diagramas</a:t>
-            </a:r>
-          </a:p>
-          <a:p>
+              <a:t>Recozimento simulado Silva(2005)</a:t>
+            </a:r>
+          </a:p>
+          <a:p>
+            <a:pPr>
+              <a:buFont typeface="Wingdings" panose="05000000000000000000" pitchFamily="2" charset="2"/>
+              <a:buChar char="v"/>
+            </a:pPr>
+            <a:r>
+              <a:rPr lang="pt-BR" dirty="0"/>
+              <a:t>Algoritmo Genético(HAMAWAKI, 2011</a:t>
+            </a:r>
             <a:r>
               <a:rPr lang="pt-BR" dirty="0" smtClean="0"/>
-              <a:t>Interpretação do problema para aplicar sobre o algoritmo</a:t>
-            </a:r>
-          </a:p>
-          <a:p>
+              <a:t>)</a:t>
+            </a:r>
+          </a:p>
+          <a:p>
+            <a:pPr>
+              <a:buFont typeface="Wingdings" panose="05000000000000000000" pitchFamily="2" charset="2"/>
+              <a:buChar char="v"/>
+            </a:pPr>
+            <a:endParaRPr lang="pt-BR" dirty="0"/>
+          </a:p>
+          <a:p>
+            <a:pPr>
+              <a:buFont typeface="Wingdings" panose="05000000000000000000" pitchFamily="2" charset="2"/>
+              <a:buChar char="v"/>
+            </a:pPr>
             <a:r>
               <a:rPr lang="pt-BR" dirty="0" smtClean="0"/>
-              <a:t>Realização de testes.</a:t>
+              <a:t>Todos os trabalhos apresentam uma solução satisfatória através da utilização dos diferentes métodos de meta-heurísticas</a:t>
             </a:r>
           </a:p>
           <a:p>
@@ -20295,7 +21125,7 @@
     </p:spTree>
     <p:extLst>
       <p:ext uri="{BB962C8B-B14F-4D97-AF65-F5344CB8AC3E}">
-        <p14:creationId xmlns:p14="http://schemas.microsoft.com/office/powerpoint/2010/main" val="2790945150"/>
+        <p14:creationId xmlns:p14="http://schemas.microsoft.com/office/powerpoint/2010/main" val="1711602372"/>
       </p:ext>
     </p:extLst>
   </p:cSld>

--- a/Apresentação.pptx
+++ b/Apresentação.pptx
@@ -5,54 +5,50 @@
     <p:sldMasterId id="2147483660" r:id="rId1"/>
   </p:sldMasterIdLst>
   <p:notesMasterIdLst>
-    <p:notesMasterId r:id="rId47"/>
+    <p:notesMasterId r:id="rId43"/>
   </p:notesMasterIdLst>
   <p:sldIdLst>
     <p:sldId id="256" r:id="rId2"/>
     <p:sldId id="257" r:id="rId3"/>
-    <p:sldId id="273" r:id="rId4"/>
-    <p:sldId id="274" r:id="rId5"/>
-    <p:sldId id="275" r:id="rId6"/>
-    <p:sldId id="258" r:id="rId7"/>
-    <p:sldId id="303" r:id="rId8"/>
-    <p:sldId id="304" r:id="rId9"/>
-    <p:sldId id="305" r:id="rId10"/>
-    <p:sldId id="259" r:id="rId11"/>
+    <p:sldId id="308" r:id="rId4"/>
+    <p:sldId id="273" r:id="rId5"/>
+    <p:sldId id="274" r:id="rId6"/>
+    <p:sldId id="275" r:id="rId7"/>
+    <p:sldId id="258" r:id="rId8"/>
+    <p:sldId id="303" r:id="rId9"/>
+    <p:sldId id="304" r:id="rId10"/>
+    <p:sldId id="305" r:id="rId11"/>
     <p:sldId id="299" r:id="rId12"/>
-    <p:sldId id="301" r:id="rId13"/>
-    <p:sldId id="263" r:id="rId14"/>
-    <p:sldId id="267" r:id="rId15"/>
-    <p:sldId id="268" r:id="rId16"/>
-    <p:sldId id="276" r:id="rId17"/>
-    <p:sldId id="266" r:id="rId18"/>
-    <p:sldId id="277" r:id="rId19"/>
-    <p:sldId id="282" r:id="rId20"/>
-    <p:sldId id="278" r:id="rId21"/>
-    <p:sldId id="279" r:id="rId22"/>
-    <p:sldId id="280" r:id="rId23"/>
-    <p:sldId id="269" r:id="rId24"/>
-    <p:sldId id="270" r:id="rId25"/>
-    <p:sldId id="271" r:id="rId26"/>
-    <p:sldId id="283" r:id="rId27"/>
-    <p:sldId id="306" r:id="rId28"/>
-    <p:sldId id="284" r:id="rId29"/>
-    <p:sldId id="285" r:id="rId30"/>
-    <p:sldId id="286" r:id="rId31"/>
-    <p:sldId id="288" r:id="rId32"/>
-    <p:sldId id="287" r:id="rId33"/>
-    <p:sldId id="289" r:id="rId34"/>
-    <p:sldId id="290" r:id="rId35"/>
-    <p:sldId id="291" r:id="rId36"/>
-    <p:sldId id="292" r:id="rId37"/>
-    <p:sldId id="293" r:id="rId38"/>
-    <p:sldId id="294" r:id="rId39"/>
-    <p:sldId id="295" r:id="rId40"/>
-    <p:sldId id="296" r:id="rId41"/>
-    <p:sldId id="297" r:id="rId42"/>
-    <p:sldId id="298" r:id="rId43"/>
-    <p:sldId id="300" r:id="rId44"/>
-    <p:sldId id="307" r:id="rId45"/>
-    <p:sldId id="302" r:id="rId46"/>
+    <p:sldId id="310" r:id="rId13"/>
+    <p:sldId id="301" r:id="rId14"/>
+    <p:sldId id="263" r:id="rId15"/>
+    <p:sldId id="267" r:id="rId16"/>
+    <p:sldId id="268" r:id="rId17"/>
+    <p:sldId id="276" r:id="rId18"/>
+    <p:sldId id="266" r:id="rId19"/>
+    <p:sldId id="277" r:id="rId20"/>
+    <p:sldId id="282" r:id="rId21"/>
+    <p:sldId id="278" r:id="rId22"/>
+    <p:sldId id="279" r:id="rId23"/>
+    <p:sldId id="280" r:id="rId24"/>
+    <p:sldId id="269" r:id="rId25"/>
+    <p:sldId id="270" r:id="rId26"/>
+    <p:sldId id="271" r:id="rId27"/>
+    <p:sldId id="309" r:id="rId28"/>
+    <p:sldId id="283" r:id="rId29"/>
+    <p:sldId id="286" r:id="rId30"/>
+    <p:sldId id="287" r:id="rId31"/>
+    <p:sldId id="290" r:id="rId32"/>
+    <p:sldId id="291" r:id="rId33"/>
+    <p:sldId id="292" r:id="rId34"/>
+    <p:sldId id="293" r:id="rId35"/>
+    <p:sldId id="294" r:id="rId36"/>
+    <p:sldId id="296" r:id="rId37"/>
+    <p:sldId id="297" r:id="rId38"/>
+    <p:sldId id="298" r:id="rId39"/>
+    <p:sldId id="300" r:id="rId40"/>
+    <p:sldId id="307" r:id="rId41"/>
+    <p:sldId id="302" r:id="rId42"/>
   </p:sldIdLst>
   <p:sldSz cx="9144000" cy="6858000" type="screen4x3"/>
   <p:notesSz cx="6858000" cy="9144000"/>
@@ -236,7 +232,7 @@
           <a:p>
             <a:fld id="{59728D08-1CFE-4D6D-B752-8CC2B00FAFCA}" type="datetimeFigureOut">
               <a:rPr lang="pt-BR" smtClean="0"/>
-              <a:t>03/12/2013</a:t>
+              <a:t>04/12/2013</a:t>
             </a:fld>
             <a:endParaRPr lang="pt-BR"/>
           </a:p>
@@ -569,7 +565,7 @@
           <a:p>
             <a:fld id="{09229B8C-1EB7-4E48-B4C6-7C4B2D5DB086}" type="slidenum">
               <a:rPr lang="pt-BR" smtClean="0"/>
-              <a:t>17</a:t>
+              <a:t>18</a:t>
             </a:fld>
             <a:endParaRPr lang="pt-BR"/>
           </a:p>
@@ -653,7 +649,7 @@
           <a:p>
             <a:fld id="{09229B8C-1EB7-4E48-B4C6-7C4B2D5DB086}" type="slidenum">
               <a:rPr lang="pt-BR" smtClean="0"/>
-              <a:t>18</a:t>
+              <a:t>19</a:t>
             </a:fld>
             <a:endParaRPr lang="pt-BR"/>
           </a:p>
@@ -737,7 +733,7 @@
           <a:p>
             <a:fld id="{09229B8C-1EB7-4E48-B4C6-7C4B2D5DB086}" type="slidenum">
               <a:rPr lang="pt-BR" smtClean="0"/>
-              <a:t>19</a:t>
+              <a:t>20</a:t>
             </a:fld>
             <a:endParaRPr lang="pt-BR"/>
           </a:p>
@@ -821,7 +817,7 @@
           <a:p>
             <a:fld id="{09229B8C-1EB7-4E48-B4C6-7C4B2D5DB086}" type="slidenum">
               <a:rPr lang="pt-BR" smtClean="0"/>
-              <a:t>20</a:t>
+              <a:t>21</a:t>
             </a:fld>
             <a:endParaRPr lang="pt-BR"/>
           </a:p>
@@ -905,7 +901,7 @@
           <a:p>
             <a:fld id="{09229B8C-1EB7-4E48-B4C6-7C4B2D5DB086}" type="slidenum">
               <a:rPr lang="pt-BR" smtClean="0"/>
-              <a:t>21</a:t>
+              <a:t>22</a:t>
             </a:fld>
             <a:endParaRPr lang="pt-BR"/>
           </a:p>
@@ -989,7 +985,7 @@
           <a:p>
             <a:fld id="{09229B8C-1EB7-4E48-B4C6-7C4B2D5DB086}" type="slidenum">
               <a:rPr lang="pt-BR" smtClean="0"/>
-              <a:t>22</a:t>
+              <a:t>23</a:t>
             </a:fld>
             <a:endParaRPr lang="pt-BR"/>
           </a:p>
@@ -1073,7 +1069,7 @@
           <a:p>
             <a:fld id="{09229B8C-1EB7-4E48-B4C6-7C4B2D5DB086}" type="slidenum">
               <a:rPr lang="pt-BR" smtClean="0"/>
-              <a:t>24</a:t>
+              <a:t>25</a:t>
             </a:fld>
             <a:endParaRPr lang="pt-BR"/>
           </a:p>
@@ -3847,9 +3843,9 @@
             </a:lvl1pPr>
           </a:lstStyle>
           <a:p>
-            <a:fld id="{95CA6A6C-2AC3-4218-B9A0-62CA25DAEC40}" type="datetimeFigureOut">
+            <a:fld id="{34E65AD7-F3ED-4D7F-9D3B-85E61B18EBB0}" type="datetime1">
               <a:rPr lang="pt-BR" smtClean="0"/>
-              <a:t>03/12/2013</a:t>
+              <a:t>04/12/2013</a:t>
             </a:fld>
             <a:endParaRPr lang="pt-BR"/>
           </a:p>
@@ -4132,9 +4128,9 @@
           <a:bodyPr/>
           <a:lstStyle/>
           <a:p>
-            <a:fld id="{95CA6A6C-2AC3-4218-B9A0-62CA25DAEC40}" type="datetimeFigureOut">
+            <a:fld id="{E90A2C57-A13A-4543-90F7-CBE20092684A}" type="datetime1">
               <a:rPr lang="pt-BR" smtClean="0"/>
-              <a:t>03/12/2013</a:t>
+              <a:t>04/12/2013</a:t>
             </a:fld>
             <a:endParaRPr lang="pt-BR"/>
           </a:p>
@@ -4307,9 +4303,9 @@
           <a:bodyPr/>
           <a:lstStyle/>
           <a:p>
-            <a:fld id="{95CA6A6C-2AC3-4218-B9A0-62CA25DAEC40}" type="datetimeFigureOut">
+            <a:fld id="{D2D16A4D-4E21-4875-86F4-8D1FA8A5013C}" type="datetime1">
               <a:rPr lang="pt-BR" smtClean="0"/>
-              <a:t>03/12/2013</a:t>
+              <a:t>04/12/2013</a:t>
             </a:fld>
             <a:endParaRPr lang="pt-BR"/>
           </a:p>
@@ -4472,9 +4468,9 @@
           <a:bodyPr/>
           <a:lstStyle/>
           <a:p>
-            <a:fld id="{95CA6A6C-2AC3-4218-B9A0-62CA25DAEC40}" type="datetimeFigureOut">
+            <a:fld id="{21F4A2F5-76DC-4F7B-A454-B24DCAEA35BF}" type="datetime1">
               <a:rPr lang="pt-BR" smtClean="0"/>
-              <a:t>03/12/2013</a:t>
+              <a:t>04/12/2013</a:t>
             </a:fld>
             <a:endParaRPr lang="pt-BR"/>
           </a:p>
@@ -4713,9 +4709,9 @@
           <a:bodyPr/>
           <a:lstStyle/>
           <a:p>
-            <a:fld id="{95CA6A6C-2AC3-4218-B9A0-62CA25DAEC40}" type="datetimeFigureOut">
+            <a:fld id="{79A91FCF-DC58-4A63-BEDE-F48A76A07E96}" type="datetime1">
               <a:rPr lang="pt-BR" smtClean="0"/>
-              <a:t>03/12/2013</a:t>
+              <a:t>04/12/2013</a:t>
             </a:fld>
             <a:endParaRPr lang="pt-BR"/>
           </a:p>
@@ -4826,9 +4822,9 @@
           <a:bodyPr/>
           <a:lstStyle/>
           <a:p>
-            <a:fld id="{95CA6A6C-2AC3-4218-B9A0-62CA25DAEC40}" type="datetimeFigureOut">
+            <a:fld id="{8E032BC7-264E-47E6-B9BF-25390B2937BA}" type="datetime1">
               <a:rPr lang="pt-BR" smtClean="0"/>
-              <a:t>03/12/2013</a:t>
+              <a:t>04/12/2013</a:t>
             </a:fld>
             <a:endParaRPr lang="pt-BR"/>
           </a:p>
@@ -5365,9 +5361,9 @@
           <a:bodyPr/>
           <a:lstStyle/>
           <a:p>
-            <a:fld id="{95CA6A6C-2AC3-4218-B9A0-62CA25DAEC40}" type="datetimeFigureOut">
+            <a:fld id="{72019CA7-70E7-4216-932D-C8E6A5055D82}" type="datetime1">
               <a:rPr lang="pt-BR" smtClean="0"/>
-              <a:t>03/12/2013</a:t>
+              <a:t>04/12/2013</a:t>
             </a:fld>
             <a:endParaRPr lang="pt-BR"/>
           </a:p>
@@ -5478,9 +5474,9 @@
           <a:bodyPr/>
           <a:lstStyle/>
           <a:p>
-            <a:fld id="{95CA6A6C-2AC3-4218-B9A0-62CA25DAEC40}" type="datetimeFigureOut">
+            <a:fld id="{AD65871F-7F07-40A5-8DC5-BC8C94536554}" type="datetime1">
               <a:rPr lang="pt-BR" smtClean="0"/>
-              <a:t>03/12/2013</a:t>
+              <a:t>04/12/2013</a:t>
             </a:fld>
             <a:endParaRPr lang="pt-BR"/>
           </a:p>
@@ -5568,9 +5564,9 @@
           <a:bodyPr/>
           <a:lstStyle/>
           <a:p>
-            <a:fld id="{95CA6A6C-2AC3-4218-B9A0-62CA25DAEC40}" type="datetimeFigureOut">
+            <a:fld id="{0EB19F80-4BCD-498A-9200-3D9D685A914A}" type="datetime1">
               <a:rPr lang="pt-BR" smtClean="0"/>
-              <a:t>03/12/2013</a:t>
+              <a:t>04/12/2013</a:t>
             </a:fld>
             <a:endParaRPr lang="pt-BR"/>
           </a:p>
@@ -8219,9 +8215,9 @@
           <a:bodyPr/>
           <a:lstStyle/>
           <a:p>
-            <a:fld id="{95CA6A6C-2AC3-4218-B9A0-62CA25DAEC40}" type="datetimeFigureOut">
+            <a:fld id="{883566E6-E7AB-4A6A-8827-DD8F869E6478}" type="datetime1">
               <a:rPr lang="pt-BR" smtClean="0"/>
-              <a:t>03/12/2013</a:t>
+              <a:t>04/12/2013</a:t>
             </a:fld>
             <a:endParaRPr lang="pt-BR"/>
           </a:p>
@@ -11431,9 +11427,9 @@
           <a:bodyPr/>
           <a:lstStyle/>
           <a:p>
-            <a:fld id="{95CA6A6C-2AC3-4218-B9A0-62CA25DAEC40}" type="datetimeFigureOut">
+            <a:fld id="{5BF99F17-0FAF-479C-AFA9-24EA8DDE9826}" type="datetime1">
               <a:rPr lang="pt-BR" smtClean="0"/>
-              <a:t>03/12/2013</a:t>
+              <a:t>04/12/2013</a:t>
             </a:fld>
             <a:endParaRPr lang="pt-BR"/>
           </a:p>
@@ -14253,9 +14249,9 @@
             </a:lvl1pPr>
           </a:lstStyle>
           <a:p>
-            <a:fld id="{95CA6A6C-2AC3-4218-B9A0-62CA25DAEC40}" type="datetimeFigureOut">
+            <a:fld id="{BB7B0AB6-38B5-485E-85BA-7247C520F5E8}" type="datetime1">
               <a:rPr lang="pt-BR" smtClean="0"/>
-              <a:t>03/12/2013</a:t>
+              <a:t>04/12/2013</a:t>
             </a:fld>
             <a:endParaRPr lang="pt-BR"/>
           </a:p>
@@ -14351,6 +14347,7 @@
     <p:sldLayoutId id="2147483670" r:id="rId10"/>
     <p:sldLayoutId id="2147483671" r:id="rId11"/>
   </p:sldLayoutIdLst>
+  <p:hf hdr="0" ftr="0" dt="0"/>
   <p:txStyles>
     <p:titleStyle>
       <a:lvl1pPr algn="l" defTabSz="914400" rtl="0" eaLnBrk="1" latinLnBrk="0" hangingPunct="1">
@@ -14745,6 +14742,34 @@
       </p:sp>
       <p:sp>
         <p:nvSpPr>
+          <p:cNvPr id="4" name="Espaço Reservado para Número de Slide 3"/>
+          <p:cNvSpPr>
+            <a:spLocks noGrp="1"/>
+          </p:cNvSpPr>
+          <p:nvPr>
+            <p:ph type="sldNum" sz="quarter" idx="12"/>
+          </p:nvPr>
+        </p:nvSpPr>
+        <p:spPr>
+          <a:xfrm>
+            <a:off x="5076056" y="5589240"/>
+            <a:ext cx="643666" cy="365125"/>
+          </a:xfrm>
+        </p:spPr>
+        <p:txBody>
+          <a:bodyPr/>
+          <a:lstStyle/>
+          <a:p>
+            <a:fld id="{695B8AFF-493B-4AA4-A2CD-F1B8BCED297E}" type="slidenum">
+              <a:rPr lang="pt-BR" smtClean="0"/>
+              <a:t>1</a:t>
+            </a:fld>
+            <a:endParaRPr lang="pt-BR" dirty="0"/>
+          </a:p>
+        </p:txBody>
+      </p:sp>
+      <p:sp>
+        <p:nvSpPr>
           <p:cNvPr id="3" name="Espaço Reservado para Conteúdo 2"/>
           <p:cNvSpPr txBox="1">
             <a:spLocks/>
@@ -15046,7 +15071,7 @@
           <a:p>
             <a:r>
               <a:rPr lang="pt-BR" dirty="0" smtClean="0"/>
-              <a:t>Metodologia</a:t>
+              <a:t>Referencial teórico</a:t>
             </a:r>
             <a:endParaRPr lang="pt-BR" dirty="0"/>
           </a:p>
@@ -15065,13 +15090,13 @@
         <p:spPr/>
         <p:txBody>
           <a:bodyPr>
-            <a:normAutofit lnSpcReduction="10000"/>
+            <a:normAutofit fontScale="92500" lnSpcReduction="10000"/>
           </a:bodyPr>
           <a:lstStyle/>
           <a:p>
             <a:r>
               <a:rPr lang="pt-BR" dirty="0" smtClean="0"/>
-              <a:t>Ferramentas Utilizadas</a:t>
+              <a:t>Trabalhos Relacionados</a:t>
             </a:r>
           </a:p>
           <a:p>
@@ -15083,10 +15108,13 @@
               <a:buChar char="v"/>
             </a:pPr>
             <a:r>
-              <a:rPr lang="pt-BR" dirty="0" err="1" smtClean="0"/>
-              <a:t>PostgreSQL</a:t>
-            </a:r>
-            <a:endParaRPr lang="pt-BR" dirty="0" smtClean="0"/>
+              <a:rPr lang="pt-BR" dirty="0"/>
+              <a:t>Busca Tabu(SUBRAMANIAN et al., </a:t>
+            </a:r>
+            <a:r>
+              <a:rPr lang="pt-BR" dirty="0" smtClean="0"/>
+              <a:t>2006)</a:t>
+            </a:r>
           </a:p>
           <a:p>
             <a:pPr>
@@ -15095,7 +15123,7 @@
             </a:pPr>
             <a:r>
               <a:rPr lang="pt-BR" dirty="0" smtClean="0"/>
-              <a:t>Java</a:t>
+              <a:t>Recozimento simulado Silva(2005)</a:t>
             </a:r>
           </a:p>
           <a:p>
@@ -15104,8 +15132,12 @@
               <a:buChar char="v"/>
             </a:pPr>
             <a:r>
+              <a:rPr lang="pt-BR" dirty="0"/>
+              <a:t>Algoritmo Genético(HAMAWAKI, 2011</a:t>
+            </a:r>
+            <a:r>
               <a:rPr lang="pt-BR" dirty="0" smtClean="0"/>
-              <a:t>Play! Framework</a:t>
+              <a:t>)</a:t>
             </a:r>
           </a:p>
           <a:p>
@@ -15113,10 +15145,7 @@
               <a:buFont typeface="Wingdings" panose="05000000000000000000" pitchFamily="2" charset="2"/>
               <a:buChar char="v"/>
             </a:pPr>
-            <a:r>
-              <a:rPr lang="pt-BR" dirty="0" smtClean="0"/>
-              <a:t>HTML</a:t>
-            </a:r>
+            <a:endParaRPr lang="pt-BR" dirty="0"/>
           </a:p>
           <a:p>
             <a:pPr>
@@ -15125,26 +15154,44 @@
             </a:pPr>
             <a:r>
               <a:rPr lang="pt-BR" dirty="0" smtClean="0"/>
-              <a:t>CSS</a:t>
-            </a:r>
-          </a:p>
-          <a:p>
-            <a:pPr>
-              <a:buFont typeface="Wingdings" panose="05000000000000000000" pitchFamily="2" charset="2"/>
-              <a:buChar char="v"/>
+              <a:t>Todos os trabalhos apresentam uma solução satisfatória através da utilização dos diferentes métodos de meta-heurísticas</a:t>
+            </a:r>
+          </a:p>
+          <a:p>
+            <a:pPr marL="68580" indent="0">
+              <a:buNone/>
             </a:pPr>
-            <a:r>
-              <a:rPr lang="pt-BR" dirty="0" err="1" smtClean="0"/>
-              <a:t>JavaScript</a:t>
-            </a:r>
             <a:endParaRPr lang="pt-BR" dirty="0"/>
+          </a:p>
+        </p:txBody>
+      </p:sp>
+      <p:sp>
+        <p:nvSpPr>
+          <p:cNvPr id="4" name="Espaço Reservado para Número de Slide 3"/>
+          <p:cNvSpPr>
+            <a:spLocks noGrp="1"/>
+          </p:cNvSpPr>
+          <p:nvPr>
+            <p:ph type="sldNum" sz="quarter" idx="12"/>
+          </p:nvPr>
+        </p:nvSpPr>
+        <p:spPr/>
+        <p:txBody>
+          <a:bodyPr/>
+          <a:lstStyle/>
+          <a:p>
+            <a:fld id="{695B8AFF-493B-4AA4-A2CD-F1B8BCED297E}" type="slidenum">
+              <a:rPr lang="pt-BR" sz="3200" smtClean="0"/>
+              <a:t>10</a:t>
+            </a:fld>
+            <a:endParaRPr lang="pt-BR" sz="3200" dirty="0"/>
           </a:p>
         </p:txBody>
       </p:sp>
     </p:spTree>
     <p:extLst>
       <p:ext uri="{BB962C8B-B14F-4D97-AF65-F5344CB8AC3E}">
-        <p14:creationId xmlns:p14="http://schemas.microsoft.com/office/powerpoint/2010/main" val="700352977"/>
+        <p14:creationId xmlns:p14="http://schemas.microsoft.com/office/powerpoint/2010/main" val="1711602372"/>
       </p:ext>
     </p:extLst>
   </p:cSld>
@@ -15242,14 +15289,36 @@
           <a:p>
             <a:r>
               <a:rPr lang="pt-BR" dirty="0" smtClean="0"/>
-              <a:t>Realização de testes.</a:t>
-            </a:r>
-          </a:p>
-          <a:p>
-            <a:pPr marL="68580" indent="0">
-              <a:buNone/>
-            </a:pPr>
+              <a:t>Realização de testes</a:t>
+            </a:r>
+            <a:r>
+              <a:rPr lang="pt-BR" dirty="0" smtClean="0"/>
+              <a:t>.</a:t>
+            </a:r>
             <a:endParaRPr lang="pt-BR" dirty="0"/>
+          </a:p>
+        </p:txBody>
+      </p:sp>
+      <p:sp>
+        <p:nvSpPr>
+          <p:cNvPr id="4" name="Espaço Reservado para Número de Slide 3"/>
+          <p:cNvSpPr>
+            <a:spLocks noGrp="1"/>
+          </p:cNvSpPr>
+          <p:nvPr>
+            <p:ph type="sldNum" sz="quarter" idx="12"/>
+          </p:nvPr>
+        </p:nvSpPr>
+        <p:spPr/>
+        <p:txBody>
+          <a:bodyPr/>
+          <a:lstStyle/>
+          <a:p>
+            <a:fld id="{695B8AFF-493B-4AA4-A2CD-F1B8BCED297E}" type="slidenum">
+              <a:rPr lang="pt-BR" sz="3200" smtClean="0"/>
+              <a:t>11</a:t>
+            </a:fld>
+            <a:endParaRPr lang="pt-BR" sz="3200" dirty="0"/>
           </a:p>
         </p:txBody>
       </p:sp>
@@ -15300,25 +15369,14 @@
             <p:ph type="title"/>
           </p:nvPr>
         </p:nvSpPr>
-        <p:spPr>
-          <a:xfrm>
-            <a:off x="1043608" y="1052736"/>
-            <a:ext cx="7024744" cy="1143000"/>
-          </a:xfrm>
-        </p:spPr>
-        <p:txBody>
-          <a:bodyPr>
-            <a:normAutofit fontScale="90000"/>
-          </a:bodyPr>
+        <p:spPr/>
+        <p:txBody>
+          <a:bodyPr/>
           <a:lstStyle/>
           <a:p>
             <a:r>
-              <a:rPr lang="pt-BR" dirty="0"/>
-              <a:t>Sistema Desenvolvido </a:t>
-            </a:r>
-            <a:r>
               <a:rPr lang="pt-BR" dirty="0" smtClean="0"/>
-              <a:t> - Restrições	</a:t>
+              <a:t>Metodologia</a:t>
             </a:r>
             <a:endParaRPr lang="pt-BR" dirty="0"/>
           </a:p>
@@ -15337,13 +15395,13 @@
         <p:spPr/>
         <p:txBody>
           <a:bodyPr>
-            <a:normAutofit fontScale="92500"/>
+            <a:normAutofit lnSpcReduction="10000"/>
           </a:bodyPr>
           <a:lstStyle/>
           <a:p>
             <a:r>
               <a:rPr lang="pt-BR" dirty="0" smtClean="0"/>
-              <a:t>Contextualização</a:t>
+              <a:t>Ferramentas Utilizadas</a:t>
             </a:r>
           </a:p>
           <a:p>
@@ -15355,56 +15413,91 @@
               <a:buChar char="v"/>
             </a:pPr>
             <a:r>
-              <a:rPr lang="pt-BR" dirty="0" smtClean="0"/>
-              <a:t>Restrições do problema</a:t>
-            </a:r>
-          </a:p>
-          <a:p>
-            <a:pPr marL="525780" indent="-457200">
-              <a:buFont typeface="+mj-lt"/>
-              <a:buAutoNum type="arabicPeriod"/>
-            </a:pPr>
-            <a:r>
-              <a:rPr lang="pt-BR" dirty="0" smtClean="0"/>
-              <a:t>Os horários das salas devem atender a obrigatoriedade enviada pelos colegiados</a:t>
-            </a:r>
-          </a:p>
-          <a:p>
-            <a:pPr marL="525780" indent="-457200">
-              <a:buFont typeface="+mj-lt"/>
-              <a:buAutoNum type="arabicPeriod"/>
-            </a:pPr>
-            <a:r>
-              <a:rPr lang="pt-BR" dirty="0" smtClean="0"/>
-              <a:t>A capacidade da disciplina de ser atendida</a:t>
-            </a:r>
-          </a:p>
-          <a:p>
-            <a:pPr marL="525780" indent="-457200">
-              <a:buFont typeface="+mj-lt"/>
-              <a:buAutoNum type="arabicPeriod"/>
-            </a:pPr>
-            <a:r>
-              <a:rPr lang="pt-BR" dirty="0" smtClean="0"/>
-              <a:t>Todas as obrigatoriedades de disciplina e horário de uma disciplina devem estar na mesma sala.</a:t>
-            </a:r>
+              <a:rPr lang="pt-BR" dirty="0" err="1" smtClean="0"/>
+              <a:t>PostgreSQL</a:t>
+            </a:r>
+            <a:endParaRPr lang="pt-BR" dirty="0" smtClean="0"/>
           </a:p>
           <a:p>
             <a:pPr>
               <a:buFont typeface="Wingdings" panose="05000000000000000000" pitchFamily="2" charset="2"/>
               <a:buChar char="v"/>
             </a:pPr>
-            <a:endParaRPr lang="pt-BR" dirty="0" smtClean="0"/>
-          </a:p>
-          <a:p>
+            <a:r>
+              <a:rPr lang="pt-BR" dirty="0" smtClean="0"/>
+              <a:t>Java</a:t>
+            </a:r>
+          </a:p>
+          <a:p>
+            <a:pPr>
+              <a:buFont typeface="Wingdings" panose="05000000000000000000" pitchFamily="2" charset="2"/>
+              <a:buChar char="v"/>
+            </a:pPr>
+            <a:r>
+              <a:rPr lang="pt-BR" dirty="0" smtClean="0"/>
+              <a:t>Play! Framework</a:t>
+            </a:r>
+          </a:p>
+          <a:p>
+            <a:pPr>
+              <a:buFont typeface="Wingdings" panose="05000000000000000000" pitchFamily="2" charset="2"/>
+              <a:buChar char="v"/>
+            </a:pPr>
+            <a:r>
+              <a:rPr lang="pt-BR" dirty="0" smtClean="0"/>
+              <a:t>HTML</a:t>
+            </a:r>
+          </a:p>
+          <a:p>
+            <a:pPr>
+              <a:buFont typeface="Wingdings" panose="05000000000000000000" pitchFamily="2" charset="2"/>
+              <a:buChar char="v"/>
+            </a:pPr>
+            <a:r>
+              <a:rPr lang="pt-BR" dirty="0" smtClean="0"/>
+              <a:t>CSS</a:t>
+            </a:r>
+          </a:p>
+          <a:p>
+            <a:pPr>
+              <a:buFont typeface="Wingdings" panose="05000000000000000000" pitchFamily="2" charset="2"/>
+              <a:buChar char="v"/>
+            </a:pPr>
+            <a:r>
+              <a:rPr lang="pt-BR" dirty="0" err="1" smtClean="0"/>
+              <a:t>JavaScript</a:t>
+            </a:r>
             <a:endParaRPr lang="pt-BR" dirty="0"/>
+          </a:p>
+        </p:txBody>
+      </p:sp>
+      <p:sp>
+        <p:nvSpPr>
+          <p:cNvPr id="4" name="Espaço Reservado para Número de Slide 3"/>
+          <p:cNvSpPr>
+            <a:spLocks noGrp="1"/>
+          </p:cNvSpPr>
+          <p:nvPr>
+            <p:ph type="sldNum" sz="quarter" idx="12"/>
+          </p:nvPr>
+        </p:nvSpPr>
+        <p:spPr/>
+        <p:txBody>
+          <a:bodyPr/>
+          <a:lstStyle/>
+          <a:p>
+            <a:fld id="{695B8AFF-493B-4AA4-A2CD-F1B8BCED297E}" type="slidenum">
+              <a:rPr lang="pt-BR" sz="3200" smtClean="0"/>
+              <a:t>12</a:t>
+            </a:fld>
+            <a:endParaRPr lang="pt-BR" sz="3200" dirty="0"/>
           </a:p>
         </p:txBody>
       </p:sp>
     </p:spTree>
     <p:extLst>
       <p:ext uri="{BB962C8B-B14F-4D97-AF65-F5344CB8AC3E}">
-        <p14:creationId xmlns:p14="http://schemas.microsoft.com/office/powerpoint/2010/main" val="3887094104"/>
+        <p14:creationId xmlns:p14="http://schemas.microsoft.com/office/powerpoint/2010/main" val="194506126"/>
       </p:ext>
     </p:extLst>
   </p:cSld>
@@ -15448,6 +15541,175 @@
             <p:ph type="title"/>
           </p:nvPr>
         </p:nvSpPr>
+        <p:spPr>
+          <a:xfrm>
+            <a:off x="1043608" y="1052736"/>
+            <a:ext cx="7024744" cy="1143000"/>
+          </a:xfrm>
+        </p:spPr>
+        <p:txBody>
+          <a:bodyPr>
+            <a:normAutofit fontScale="90000"/>
+          </a:bodyPr>
+          <a:lstStyle/>
+          <a:p>
+            <a:r>
+              <a:rPr lang="pt-BR" dirty="0"/>
+              <a:t>Sistema Desenvolvido </a:t>
+            </a:r>
+            <a:r>
+              <a:rPr lang="pt-BR" dirty="0" smtClean="0"/>
+              <a:t> - Restrições	</a:t>
+            </a:r>
+            <a:endParaRPr lang="pt-BR" dirty="0"/>
+          </a:p>
+        </p:txBody>
+      </p:sp>
+      <p:sp>
+        <p:nvSpPr>
+          <p:cNvPr id="3" name="Espaço Reservado para Conteúdo 2"/>
+          <p:cNvSpPr>
+            <a:spLocks noGrp="1"/>
+          </p:cNvSpPr>
+          <p:nvPr>
+            <p:ph idx="1"/>
+          </p:nvPr>
+        </p:nvSpPr>
+        <p:spPr/>
+        <p:txBody>
+          <a:bodyPr>
+            <a:normAutofit fontScale="92500"/>
+          </a:bodyPr>
+          <a:lstStyle/>
+          <a:p>
+            <a:r>
+              <a:rPr lang="pt-BR" dirty="0" smtClean="0"/>
+              <a:t>Restrições do problema</a:t>
+            </a:r>
+          </a:p>
+          <a:p>
+            <a:pPr>
+              <a:buFont typeface="Wingdings" panose="05000000000000000000" pitchFamily="2" charset="2"/>
+              <a:buChar char="v"/>
+            </a:pPr>
+            <a:endParaRPr lang="pt-BR" dirty="0"/>
+          </a:p>
+          <a:p>
+            <a:pPr>
+              <a:buFont typeface="Wingdings" panose="05000000000000000000" pitchFamily="2" charset="2"/>
+              <a:buChar char="v"/>
+            </a:pPr>
+            <a:r>
+              <a:rPr lang="pt-BR" dirty="0" smtClean="0"/>
+              <a:t>Os </a:t>
+            </a:r>
+            <a:r>
+              <a:rPr lang="pt-BR" dirty="0" smtClean="0"/>
+              <a:t>horários das salas devem atender a obrigatoriedade enviada pelos colegiados</a:t>
+            </a:r>
+          </a:p>
+          <a:p>
+            <a:pPr>
+              <a:buFont typeface="Wingdings" panose="05000000000000000000" pitchFamily="2" charset="2"/>
+              <a:buChar char="v"/>
+            </a:pPr>
+            <a:r>
+              <a:rPr lang="pt-BR" dirty="0" smtClean="0"/>
+              <a:t>A capacidade da disciplina de ser atendida</a:t>
+            </a:r>
+          </a:p>
+          <a:p>
+            <a:pPr>
+              <a:buFont typeface="Wingdings" panose="05000000000000000000" pitchFamily="2" charset="2"/>
+              <a:buChar char="v"/>
+            </a:pPr>
+            <a:r>
+              <a:rPr lang="pt-BR" dirty="0" smtClean="0"/>
+              <a:t>Todas as obrigatoriedades de disciplina e horário de uma disciplina devem estar na mesma sala.</a:t>
+            </a:r>
+          </a:p>
+          <a:p>
+            <a:pPr>
+              <a:buFont typeface="Wingdings" panose="05000000000000000000" pitchFamily="2" charset="2"/>
+              <a:buChar char="v"/>
+            </a:pPr>
+            <a:endParaRPr lang="pt-BR" dirty="0" smtClean="0"/>
+          </a:p>
+          <a:p>
+            <a:endParaRPr lang="pt-BR" dirty="0"/>
+          </a:p>
+        </p:txBody>
+      </p:sp>
+      <p:sp>
+        <p:nvSpPr>
+          <p:cNvPr id="4" name="Espaço Reservado para Número de Slide 3"/>
+          <p:cNvSpPr>
+            <a:spLocks noGrp="1"/>
+          </p:cNvSpPr>
+          <p:nvPr>
+            <p:ph type="sldNum" sz="quarter" idx="12"/>
+          </p:nvPr>
+        </p:nvSpPr>
+        <p:spPr/>
+        <p:txBody>
+          <a:bodyPr/>
+          <a:lstStyle/>
+          <a:p>
+            <a:fld id="{695B8AFF-493B-4AA4-A2CD-F1B8BCED297E}" type="slidenum">
+              <a:rPr lang="pt-BR" sz="3200" smtClean="0"/>
+              <a:t>13</a:t>
+            </a:fld>
+            <a:endParaRPr lang="pt-BR" sz="3200" dirty="0"/>
+          </a:p>
+        </p:txBody>
+      </p:sp>
+    </p:spTree>
+    <p:extLst>
+      <p:ext uri="{BB962C8B-B14F-4D97-AF65-F5344CB8AC3E}">
+        <p14:creationId xmlns:p14="http://schemas.microsoft.com/office/powerpoint/2010/main" val="3887094104"/>
+      </p:ext>
+    </p:extLst>
+  </p:cSld>
+  <p:clrMapOvr>
+    <a:masterClrMapping/>
+  </p:clrMapOvr>
+  <p:timing>
+    <p:tnLst>
+      <p:par>
+        <p:cTn id="1" dur="indefinite" restart="never" nodeType="tmRoot"/>
+      </p:par>
+    </p:tnLst>
+  </p:timing>
+</p:sld>
+</file>
+
+<file path=ppt/slides/slide14.xml><?xml version="1.0" encoding="utf-8"?>
+<p:sld xmlns:a="http://schemas.openxmlformats.org/drawingml/2006/main" xmlns:r="http://schemas.openxmlformats.org/officeDocument/2006/relationships" xmlns:p="http://schemas.openxmlformats.org/presentationml/2006/main">
+  <p:cSld>
+    <p:spTree>
+      <p:nvGrpSpPr>
+        <p:cNvPr id="1" name=""/>
+        <p:cNvGrpSpPr/>
+        <p:nvPr/>
+      </p:nvGrpSpPr>
+      <p:grpSpPr>
+        <a:xfrm>
+          <a:off x="0" y="0"/>
+          <a:ext cx="0" cy="0"/>
+          <a:chOff x="0" y="0"/>
+          <a:chExt cx="0" cy="0"/>
+        </a:xfrm>
+      </p:grpSpPr>
+      <p:sp>
+        <p:nvSpPr>
+          <p:cNvPr id="2" name="Título 1"/>
+          <p:cNvSpPr>
+            <a:spLocks noGrp="1"/>
+          </p:cNvSpPr>
+          <p:nvPr>
+            <p:ph type="title"/>
+          </p:nvPr>
+        </p:nvSpPr>
         <p:spPr/>
         <p:txBody>
           <a:bodyPr>
@@ -15486,6 +15748,29 @@
               <a:rPr lang="pt-BR" dirty="0"/>
               <a:t>Representação Gene</a:t>
             </a:r>
+          </a:p>
+        </p:txBody>
+      </p:sp>
+      <p:sp>
+        <p:nvSpPr>
+          <p:cNvPr id="3" name="Espaço Reservado para Número de Slide 2"/>
+          <p:cNvSpPr>
+            <a:spLocks noGrp="1"/>
+          </p:cNvSpPr>
+          <p:nvPr>
+            <p:ph type="sldNum" sz="quarter" idx="12"/>
+          </p:nvPr>
+        </p:nvSpPr>
+        <p:spPr/>
+        <p:txBody>
+          <a:bodyPr/>
+          <a:lstStyle/>
+          <a:p>
+            <a:fld id="{695B8AFF-493B-4AA4-A2CD-F1B8BCED297E}" type="slidenum">
+              <a:rPr lang="pt-BR" sz="3200" smtClean="0"/>
+              <a:t>14</a:t>
+            </a:fld>
+            <a:endParaRPr lang="pt-BR" sz="3200" dirty="0"/>
           </a:p>
         </p:txBody>
       </p:sp>
@@ -15497,7 +15782,7 @@
           </p:cNvPicPr>
           <p:nvPr/>
         </p:nvPicPr>
-        <p:blipFill>
+        <p:blipFill rotWithShape="1">
           <a:blip r:embed="rId2">
             <a:extLst>
               <a:ext uri="{28A0092B-C50C-407E-A947-70E740481C1C}">
@@ -15505,15 +15790,13 @@
               </a:ext>
             </a:extLst>
           </a:blip>
-          <a:srcRect/>
-          <a:stretch>
-            <a:fillRect/>
-          </a:stretch>
+          <a:srcRect l="2526" t="5100" r="2974" b="5282"/>
+          <a:stretch/>
         </p:blipFill>
         <p:spPr bwMode="auto">
           <a:xfrm>
-            <a:off x="2593256" y="3124200"/>
-            <a:ext cx="3924300" cy="1743075"/>
+            <a:off x="1043608" y="3140968"/>
+            <a:ext cx="6837833" cy="2880320"/>
           </a:xfrm>
           <a:prstGeom prst="rect">
             <a:avLst/>
@@ -15550,7 +15833,7 @@
 </p:sld>
 </file>
 
-<file path=ppt/slides/slide14.xml><?xml version="1.0" encoding="utf-8"?>
+<file path=ppt/slides/slide15.xml><?xml version="1.0" encoding="utf-8"?>
 <p:sld xmlns:a="http://schemas.openxmlformats.org/drawingml/2006/main" xmlns:r="http://schemas.openxmlformats.org/officeDocument/2006/relationships" xmlns:p="http://schemas.openxmlformats.org/presentationml/2006/main">
   <p:cSld>
     <p:spTree>
@@ -15618,6 +15901,29 @@
           </a:p>
         </p:txBody>
       </p:sp>
+      <p:sp>
+        <p:nvSpPr>
+          <p:cNvPr id="4" name="Espaço Reservado para Número de Slide 3"/>
+          <p:cNvSpPr>
+            <a:spLocks noGrp="1"/>
+          </p:cNvSpPr>
+          <p:nvPr>
+            <p:ph type="sldNum" sz="quarter" idx="12"/>
+          </p:nvPr>
+        </p:nvSpPr>
+        <p:spPr/>
+        <p:txBody>
+          <a:bodyPr/>
+          <a:lstStyle/>
+          <a:p>
+            <a:fld id="{695B8AFF-493B-4AA4-A2CD-F1B8BCED297E}" type="slidenum">
+              <a:rPr lang="pt-BR" sz="3200" smtClean="0"/>
+              <a:t>15</a:t>
+            </a:fld>
+            <a:endParaRPr lang="pt-BR" sz="3200" dirty="0"/>
+          </a:p>
+        </p:txBody>
+      </p:sp>
       <p:pic>
         <p:nvPicPr>
           <p:cNvPr id="5122" name="Picture 2" descr="D:\workspace\tcc2\Documento\imagens\representacaoCromossomo.png"/>
@@ -15626,7 +15932,7 @@
           </p:cNvPicPr>
           <p:nvPr/>
         </p:nvPicPr>
-        <p:blipFill>
+        <p:blipFill rotWithShape="1">
           <a:blip r:embed="rId2">
             <a:extLst>
               <a:ext uri="{28A0092B-C50C-407E-A947-70E740481C1C}">
@@ -15634,15 +15940,13 @@
               </a:ext>
             </a:extLst>
           </a:blip>
-          <a:srcRect/>
-          <a:stretch>
-            <a:fillRect/>
-          </a:stretch>
+          <a:srcRect l="887" t="12508" r="893" b="12370"/>
+          <a:stretch/>
         </p:blipFill>
         <p:spPr bwMode="auto">
           <a:xfrm>
-            <a:off x="1871662" y="3435927"/>
-            <a:ext cx="5400675" cy="581025"/>
+            <a:off x="611561" y="3895674"/>
+            <a:ext cx="8064896" cy="663626"/>
           </a:xfrm>
           <a:prstGeom prst="rect">
             <a:avLst/>
@@ -15679,7 +15983,7 @@
 </p:sld>
 </file>
 
-<file path=ppt/slides/slide15.xml><?xml version="1.0" encoding="utf-8"?>
+<file path=ppt/slides/slide16.xml><?xml version="1.0" encoding="utf-8"?>
 <p:sld xmlns:a="http://schemas.openxmlformats.org/drawingml/2006/main" xmlns:r="http://schemas.openxmlformats.org/officeDocument/2006/relationships" xmlns:p="http://schemas.openxmlformats.org/presentationml/2006/main">
   <p:cSld>
     <p:spTree>
@@ -15742,6 +16046,29 @@
           </a:p>
         </p:txBody>
       </p:sp>
+      <p:sp>
+        <p:nvSpPr>
+          <p:cNvPr id="4" name="Espaço Reservado para Número de Slide 3"/>
+          <p:cNvSpPr>
+            <a:spLocks noGrp="1"/>
+          </p:cNvSpPr>
+          <p:nvPr>
+            <p:ph type="sldNum" sz="quarter" idx="12"/>
+          </p:nvPr>
+        </p:nvSpPr>
+        <p:spPr/>
+        <p:txBody>
+          <a:bodyPr/>
+          <a:lstStyle/>
+          <a:p>
+            <a:fld id="{695B8AFF-493B-4AA4-A2CD-F1B8BCED297E}" type="slidenum">
+              <a:rPr lang="pt-BR" sz="3200" smtClean="0"/>
+              <a:t>16</a:t>
+            </a:fld>
+            <a:endParaRPr lang="pt-BR" sz="3200" dirty="0"/>
+          </a:p>
+        </p:txBody>
+      </p:sp>
       <p:pic>
         <p:nvPicPr>
           <p:cNvPr id="6146" name="Picture 2" descr="D:\workspace\tcc2\Documento\imagens\representacaoIndividuo.png"/>
@@ -15750,7 +16077,7 @@
           </p:cNvPicPr>
           <p:nvPr/>
         </p:nvPicPr>
-        <p:blipFill>
+        <p:blipFill rotWithShape="1">
           <a:blip r:embed="rId2">
             <a:extLst>
               <a:ext uri="{28A0092B-C50C-407E-A947-70E740481C1C}">
@@ -15758,15 +16085,13 @@
               </a:ext>
             </a:extLst>
           </a:blip>
-          <a:srcRect/>
-          <a:stretch>
-            <a:fillRect/>
-          </a:stretch>
+          <a:srcRect l="715" t="9474" r="1557" b="15351"/>
+          <a:stretch/>
         </p:blipFill>
         <p:spPr bwMode="auto">
           <a:xfrm>
-            <a:off x="1531937" y="3380509"/>
-            <a:ext cx="6078537" cy="800100"/>
+            <a:off x="611560" y="3717032"/>
+            <a:ext cx="7920880" cy="802001"/>
           </a:xfrm>
           <a:prstGeom prst="rect">
             <a:avLst/>
@@ -15803,253 +16128,6 @@
 </p:sld>
 </file>
 
-<file path=ppt/slides/slide16.xml><?xml version="1.0" encoding="utf-8"?>
-<p:sld xmlns:a="http://schemas.openxmlformats.org/drawingml/2006/main" xmlns:r="http://schemas.openxmlformats.org/officeDocument/2006/relationships" xmlns:p="http://schemas.openxmlformats.org/presentationml/2006/main">
-  <p:cSld>
-    <p:spTree>
-      <p:nvGrpSpPr>
-        <p:cNvPr id="1" name=""/>
-        <p:cNvGrpSpPr/>
-        <p:nvPr/>
-      </p:nvGrpSpPr>
-      <p:grpSpPr>
-        <a:xfrm>
-          <a:off x="0" y="0"/>
-          <a:ext cx="0" cy="0"/>
-          <a:chOff x="0" y="0"/>
-          <a:chExt cx="0" cy="0"/>
-        </a:xfrm>
-      </p:grpSpPr>
-      <p:sp>
-        <p:nvSpPr>
-          <p:cNvPr id="2" name="Título 1"/>
-          <p:cNvSpPr>
-            <a:spLocks noGrp="1"/>
-          </p:cNvSpPr>
-          <p:nvPr>
-            <p:ph type="title"/>
-          </p:nvPr>
-        </p:nvSpPr>
-        <p:spPr/>
-        <p:txBody>
-          <a:bodyPr>
-            <a:normAutofit fontScale="90000"/>
-          </a:bodyPr>
-          <a:lstStyle/>
-          <a:p>
-            <a:r>
-              <a:rPr lang="pt-BR" dirty="0"/>
-              <a:t>Sistema Desenvolvido  - Algoritmo Genético</a:t>
-            </a:r>
-          </a:p>
-        </p:txBody>
-      </p:sp>
-      <p:sp>
-        <p:nvSpPr>
-          <p:cNvPr id="3" name="Espaço Reservado para Conteúdo 2"/>
-          <p:cNvSpPr>
-            <a:spLocks noGrp="1"/>
-          </p:cNvSpPr>
-          <p:nvPr>
-            <p:ph idx="1"/>
-          </p:nvPr>
-        </p:nvSpPr>
-        <p:spPr>
-          <a:xfrm>
-            <a:off x="1043492" y="2323652"/>
-            <a:ext cx="7344932" cy="3985668"/>
-          </a:xfrm>
-        </p:spPr>
-        <p:txBody>
-          <a:bodyPr>
-            <a:normAutofit/>
-          </a:bodyPr>
-          <a:lstStyle/>
-          <a:p>
-            <a:r>
-              <a:rPr lang="pt-BR" dirty="0" smtClean="0"/>
-              <a:t>Função objetivo</a:t>
-            </a:r>
-          </a:p>
-          <a:p>
-            <a:endParaRPr lang="pt-BR" dirty="0"/>
-          </a:p>
-          <a:p>
-            <a:pPr marL="68580" indent="0">
-              <a:buNone/>
-            </a:pPr>
-            <a:r>
-              <a:rPr lang="pt-BR" sz="1200" b="1" dirty="0" smtClean="0"/>
-              <a:t>Restrição  obrigatoriedade entre disciplina e horário</a:t>
-            </a:r>
-          </a:p>
-          <a:p>
-            <a:pPr marL="68580" indent="0">
-              <a:buNone/>
-            </a:pPr>
-            <a:endParaRPr lang="pt-BR" sz="1200" dirty="0" smtClean="0"/>
-          </a:p>
-          <a:p>
-            <a:pPr marL="68580" indent="0">
-              <a:buNone/>
-            </a:pPr>
-            <a:r>
-              <a:rPr lang="pt-BR" sz="1200" dirty="0" smtClean="0"/>
-              <a:t>fitness01 =  </a:t>
-            </a:r>
-            <a:r>
-              <a:rPr lang="pt-BR" sz="1200" dirty="0" err="1" smtClean="0"/>
-              <a:t>somatórioRelaciomentosAtendidos</a:t>
-            </a:r>
-            <a:r>
-              <a:rPr lang="pt-BR" sz="1200" dirty="0" smtClean="0"/>
-              <a:t> </a:t>
-            </a:r>
-            <a:r>
-              <a:rPr lang="pt-BR" sz="1200" dirty="0"/>
-              <a:t>* 100 / </a:t>
-            </a:r>
-            <a:r>
-              <a:rPr lang="pt-BR" sz="1200" dirty="0" err="1" smtClean="0"/>
-              <a:t>quantidadDisciplinaHorario</a:t>
-            </a:r>
-            <a:endParaRPr lang="pt-BR" sz="1200" dirty="0" smtClean="0"/>
-          </a:p>
-          <a:p>
-            <a:pPr marL="68580" indent="0">
-              <a:buNone/>
-            </a:pPr>
-            <a:endParaRPr lang="pt-BR" sz="1200" dirty="0" smtClean="0"/>
-          </a:p>
-          <a:p>
-            <a:pPr marL="68580" indent="0">
-              <a:buNone/>
-            </a:pPr>
-            <a:r>
-              <a:rPr lang="pt-BR" sz="1200" b="1" dirty="0" smtClean="0"/>
-              <a:t>Restrição capacidade da sala</a:t>
-            </a:r>
-          </a:p>
-          <a:p>
-            <a:pPr marL="68580" indent="0">
-              <a:buNone/>
-            </a:pPr>
-            <a:endParaRPr lang="pt-BR" sz="1200" dirty="0" smtClean="0"/>
-          </a:p>
-          <a:p>
-            <a:pPr marL="68580" indent="0">
-              <a:buNone/>
-            </a:pPr>
-            <a:r>
-              <a:rPr lang="pt-BR" sz="1200" dirty="0" smtClean="0"/>
-              <a:t>fitness02 </a:t>
-            </a:r>
-            <a:r>
-              <a:rPr lang="pt-BR" sz="1200" dirty="0"/>
-              <a:t>=  </a:t>
-            </a:r>
-            <a:r>
-              <a:rPr lang="pt-BR" sz="1200" dirty="0" err="1"/>
-              <a:t>somatórioRelaciomentosAtendidos</a:t>
-            </a:r>
-            <a:r>
-              <a:rPr lang="pt-BR" sz="1200" dirty="0"/>
-              <a:t> * 100 / </a:t>
-            </a:r>
-            <a:r>
-              <a:rPr lang="pt-BR" sz="1200" dirty="0" err="1" smtClean="0"/>
-              <a:t>quantidadDisciplinaHorario</a:t>
-            </a:r>
-            <a:endParaRPr lang="pt-BR" sz="1200" dirty="0" smtClean="0"/>
-          </a:p>
-          <a:p>
-            <a:pPr marL="68580" indent="0">
-              <a:buNone/>
-            </a:pPr>
-            <a:endParaRPr lang="pt-BR" sz="1200" dirty="0" smtClean="0"/>
-          </a:p>
-          <a:p>
-            <a:pPr marL="68580" indent="0">
-              <a:buNone/>
-            </a:pPr>
-            <a:r>
-              <a:rPr lang="pt-BR" sz="1200" b="1" dirty="0" smtClean="0"/>
-              <a:t>Restrição todos os relacionamentos de obrigatoriedade entre disciplina e horário</a:t>
-            </a:r>
-          </a:p>
-          <a:p>
-            <a:pPr marL="68580" indent="0">
-              <a:buNone/>
-            </a:pPr>
-            <a:endParaRPr lang="pt-BR" sz="1200" dirty="0"/>
-          </a:p>
-          <a:p>
-            <a:pPr marL="68580" indent="0">
-              <a:buNone/>
-            </a:pPr>
-            <a:r>
-              <a:rPr lang="pt-BR" sz="1200" dirty="0" smtClean="0"/>
-              <a:t>fitness03 </a:t>
-            </a:r>
-            <a:r>
-              <a:rPr lang="pt-BR" sz="1200" dirty="0"/>
-              <a:t>=  </a:t>
-            </a:r>
-            <a:r>
-              <a:rPr lang="pt-BR" sz="1200" dirty="0" err="1"/>
-              <a:t>somatórioRelaciomentosAtendidos</a:t>
-            </a:r>
-            <a:r>
-              <a:rPr lang="pt-BR" sz="1200" dirty="0"/>
-              <a:t> * 100 / </a:t>
-            </a:r>
-            <a:r>
-              <a:rPr lang="pt-BR" sz="1200" dirty="0" err="1"/>
-              <a:t>quantidadDisciplinaHorario</a:t>
-            </a:r>
-            <a:endParaRPr lang="pt-BR" sz="1200" dirty="0"/>
-          </a:p>
-          <a:p>
-            <a:pPr marL="68580" indent="0">
-              <a:buNone/>
-            </a:pPr>
-            <a:endParaRPr lang="pt-BR" sz="1200" u="sng" dirty="0"/>
-          </a:p>
-          <a:p>
-            <a:pPr marL="68580" indent="0">
-              <a:buNone/>
-            </a:pPr>
-            <a:r>
-              <a:rPr lang="pt-BR" sz="1200" dirty="0" smtClean="0"/>
-              <a:t>(fitness01+fitness02+fitness03</a:t>
-            </a:r>
-            <a:r>
-              <a:rPr lang="pt-BR" sz="1200" dirty="0"/>
-              <a:t>)/3</a:t>
-            </a:r>
-          </a:p>
-        </p:txBody>
-      </p:sp>
-    </p:spTree>
-    <p:extLst>
-      <p:ext uri="{BB962C8B-B14F-4D97-AF65-F5344CB8AC3E}">
-        <p14:creationId xmlns:p14="http://schemas.microsoft.com/office/powerpoint/2010/main" val="304488047"/>
-      </p:ext>
-    </p:extLst>
-  </p:cSld>
-  <p:clrMapOvr>
-    <a:masterClrMapping/>
-  </p:clrMapOvr>
-  <p:timing>
-    <p:tnLst>
-      <p:par>
-        <p:cTn id="1" dur="indefinite" restart="never" nodeType="tmRoot"/>
-      </p:par>
-    </p:tnLst>
-  </p:timing>
-</p:sld>
-</file>
-
 <file path=ppt/slides/slide17.xml><?xml version="1.0" encoding="utf-8"?>
 <p:sld xmlns:a="http://schemas.openxmlformats.org/drawingml/2006/main" xmlns:r="http://schemas.openxmlformats.org/officeDocument/2006/relationships" xmlns:p="http://schemas.openxmlformats.org/presentationml/2006/main">
   <p:cSld>
@@ -16086,13 +16164,8 @@
           <a:p>
             <a:r>
               <a:rPr lang="pt-BR" dirty="0"/>
-              <a:t>Sistema Desenvolvido - </a:t>
-            </a:r>
-            <a:r>
-              <a:rPr lang="pt-BR" dirty="0" smtClean="0"/>
-              <a:t>Algoritmo Genético</a:t>
-            </a:r>
-            <a:endParaRPr lang="pt-BR" dirty="0"/>
+              <a:t>Sistema Desenvolvido  - Algoritmo Genético</a:t>
+            </a:r>
           </a:p>
         </p:txBody>
       </p:sp>
@@ -16106,15 +16179,35 @@
             <p:ph idx="1"/>
           </p:nvPr>
         </p:nvSpPr>
-        <p:spPr/>
-        <p:txBody>
-          <a:bodyPr/>
+        <p:spPr>
+          <a:xfrm>
+            <a:off x="1043492" y="2323652"/>
+            <a:ext cx="7344932" cy="3985668"/>
+          </a:xfrm>
+        </p:spPr>
+        <p:txBody>
+          <a:bodyPr>
+            <a:normAutofit/>
+          </a:bodyPr>
           <a:lstStyle/>
           <a:p>
             <a:r>
               <a:rPr lang="pt-BR" dirty="0" smtClean="0"/>
-              <a:t>Operador Genético - Elitismo</a:t>
-            </a:r>
+              <a:t>Função </a:t>
+            </a:r>
+            <a:r>
+              <a:rPr lang="pt-BR" dirty="0" smtClean="0"/>
+              <a:t>objetivo (</a:t>
+            </a:r>
+            <a:r>
+              <a:rPr lang="pt-BR" i="1" dirty="0" smtClean="0"/>
+              <a:t>fitness</a:t>
+            </a:r>
+            <a:r>
+              <a:rPr lang="pt-BR" dirty="0" smtClean="0"/>
+              <a:t>)</a:t>
+            </a:r>
+            <a:endParaRPr lang="pt-BR" dirty="0" smtClean="0"/>
           </a:p>
           <a:p>
             <a:endParaRPr lang="pt-BR" dirty="0"/>
@@ -16126,16 +16219,56 @@
             </a:pPr>
             <a:r>
               <a:rPr lang="pt-BR" dirty="0" smtClean="0"/>
-              <a:t>Garantia da seleção do melhor indivíduo</a:t>
-            </a:r>
+              <a:t>Formula matemática que valida a aptidão do indivíduo no ambiente.</a:t>
+            </a:r>
+          </a:p>
+          <a:p>
+            <a:pPr>
+              <a:buFont typeface="Wingdings" panose="05000000000000000000" pitchFamily="2" charset="2"/>
+              <a:buChar char="v"/>
+            </a:pPr>
             <a:endParaRPr lang="pt-BR" dirty="0"/>
+          </a:p>
+          <a:p>
+            <a:pPr>
+              <a:buFont typeface="Wingdings" panose="05000000000000000000" pitchFamily="2" charset="2"/>
+              <a:buChar char="v"/>
+            </a:pPr>
+            <a:r>
+              <a:rPr lang="pt-BR" dirty="0" smtClean="0"/>
+              <a:t>Resultado vai de 0 a100</a:t>
+            </a:r>
+            <a:endParaRPr lang="pt-BR" dirty="0"/>
+          </a:p>
+        </p:txBody>
+      </p:sp>
+      <p:sp>
+        <p:nvSpPr>
+          <p:cNvPr id="4" name="Espaço Reservado para Número de Slide 3"/>
+          <p:cNvSpPr>
+            <a:spLocks noGrp="1"/>
+          </p:cNvSpPr>
+          <p:nvPr>
+            <p:ph type="sldNum" sz="quarter" idx="12"/>
+          </p:nvPr>
+        </p:nvSpPr>
+        <p:spPr/>
+        <p:txBody>
+          <a:bodyPr/>
+          <a:lstStyle/>
+          <a:p>
+            <a:fld id="{695B8AFF-493B-4AA4-A2CD-F1B8BCED297E}" type="slidenum">
+              <a:rPr lang="pt-BR" sz="3200" smtClean="0"/>
+              <a:t>17</a:t>
+            </a:fld>
+            <a:endParaRPr lang="pt-BR" sz="3200" dirty="0"/>
           </a:p>
         </p:txBody>
       </p:sp>
     </p:spTree>
     <p:extLst>
       <p:ext uri="{BB962C8B-B14F-4D97-AF65-F5344CB8AC3E}">
-        <p14:creationId xmlns:p14="http://schemas.microsoft.com/office/powerpoint/2010/main" val="1509131478"/>
+        <p14:creationId xmlns:p14="http://schemas.microsoft.com/office/powerpoint/2010/main" val="304488047"/>
       </p:ext>
     </p:extLst>
   </p:cSld>
@@ -16215,12 +16348,167 @@
           <a:p>
             <a:r>
               <a:rPr lang="pt-BR" dirty="0" smtClean="0"/>
+              <a:t>Operador Genético - Elitismo</a:t>
+            </a:r>
+          </a:p>
+          <a:p>
+            <a:endParaRPr lang="pt-BR" dirty="0"/>
+          </a:p>
+          <a:p>
+            <a:pPr>
+              <a:buFont typeface="Wingdings" panose="05000000000000000000" pitchFamily="2" charset="2"/>
+              <a:buChar char="v"/>
+            </a:pPr>
+            <a:r>
+              <a:rPr lang="pt-BR" dirty="0" smtClean="0"/>
+              <a:t>Garantia da seleção do melhor indivíduo</a:t>
+            </a:r>
+            <a:endParaRPr lang="pt-BR" dirty="0"/>
+          </a:p>
+        </p:txBody>
+      </p:sp>
+      <p:sp>
+        <p:nvSpPr>
+          <p:cNvPr id="4" name="Espaço Reservado para Número de Slide 3"/>
+          <p:cNvSpPr>
+            <a:spLocks noGrp="1"/>
+          </p:cNvSpPr>
+          <p:nvPr>
+            <p:ph type="sldNum" sz="quarter" idx="12"/>
+          </p:nvPr>
+        </p:nvSpPr>
+        <p:spPr/>
+        <p:txBody>
+          <a:bodyPr/>
+          <a:lstStyle/>
+          <a:p>
+            <a:fld id="{695B8AFF-493B-4AA4-A2CD-F1B8BCED297E}" type="slidenum">
+              <a:rPr lang="pt-BR" sz="3200" smtClean="0"/>
+              <a:t>18</a:t>
+            </a:fld>
+            <a:endParaRPr lang="pt-BR" sz="3200" dirty="0"/>
+          </a:p>
+        </p:txBody>
+      </p:sp>
+    </p:spTree>
+    <p:extLst>
+      <p:ext uri="{BB962C8B-B14F-4D97-AF65-F5344CB8AC3E}">
+        <p14:creationId xmlns:p14="http://schemas.microsoft.com/office/powerpoint/2010/main" val="1509131478"/>
+      </p:ext>
+    </p:extLst>
+  </p:cSld>
+  <p:clrMapOvr>
+    <a:masterClrMapping/>
+  </p:clrMapOvr>
+  <p:timing>
+    <p:tnLst>
+      <p:par>
+        <p:cTn id="1" dur="indefinite" restart="never" nodeType="tmRoot"/>
+      </p:par>
+    </p:tnLst>
+  </p:timing>
+</p:sld>
+</file>
+
+<file path=ppt/slides/slide19.xml><?xml version="1.0" encoding="utf-8"?>
+<p:sld xmlns:a="http://schemas.openxmlformats.org/drawingml/2006/main" xmlns:r="http://schemas.openxmlformats.org/officeDocument/2006/relationships" xmlns:p="http://schemas.openxmlformats.org/presentationml/2006/main">
+  <p:cSld>
+    <p:spTree>
+      <p:nvGrpSpPr>
+        <p:cNvPr id="1" name=""/>
+        <p:cNvGrpSpPr/>
+        <p:nvPr/>
+      </p:nvGrpSpPr>
+      <p:grpSpPr>
+        <a:xfrm>
+          <a:off x="0" y="0"/>
+          <a:ext cx="0" cy="0"/>
+          <a:chOff x="0" y="0"/>
+          <a:chExt cx="0" cy="0"/>
+        </a:xfrm>
+      </p:grpSpPr>
+      <p:sp>
+        <p:nvSpPr>
+          <p:cNvPr id="2" name="Título 1"/>
+          <p:cNvSpPr>
+            <a:spLocks noGrp="1"/>
+          </p:cNvSpPr>
+          <p:nvPr>
+            <p:ph type="title"/>
+          </p:nvPr>
+        </p:nvSpPr>
+        <p:spPr/>
+        <p:txBody>
+          <a:bodyPr>
+            <a:normAutofit fontScale="90000"/>
+          </a:bodyPr>
+          <a:lstStyle/>
+          <a:p>
+            <a:r>
+              <a:rPr lang="pt-BR" dirty="0"/>
+              <a:t>Sistema Desenvolvido - </a:t>
+            </a:r>
+            <a:r>
+              <a:rPr lang="pt-BR" dirty="0" smtClean="0"/>
+              <a:t>Algoritmo Genético</a:t>
+            </a:r>
+            <a:endParaRPr lang="pt-BR" dirty="0"/>
+          </a:p>
+        </p:txBody>
+      </p:sp>
+      <p:sp>
+        <p:nvSpPr>
+          <p:cNvPr id="3" name="Espaço Reservado para Conteúdo 2"/>
+          <p:cNvSpPr>
+            <a:spLocks noGrp="1"/>
+          </p:cNvSpPr>
+          <p:nvPr>
+            <p:ph idx="1"/>
+          </p:nvPr>
+        </p:nvSpPr>
+        <p:spPr/>
+        <p:txBody>
+          <a:bodyPr/>
+          <a:lstStyle/>
+          <a:p>
+            <a:r>
+              <a:rPr lang="pt-BR" dirty="0" smtClean="0"/>
               <a:t>Operador Genético </a:t>
             </a:r>
             <a:r>
               <a:rPr lang="pt-BR" dirty="0"/>
-              <a:t>- Representação Mutação</a:t>
-            </a:r>
+              <a:t>- Representação </a:t>
+            </a:r>
+            <a:r>
+              <a:rPr lang="pt-BR" dirty="0" smtClean="0"/>
+              <a:t>Mutação</a:t>
+            </a:r>
+          </a:p>
+          <a:p>
+            <a:endParaRPr lang="pt-BR" dirty="0"/>
+          </a:p>
+        </p:txBody>
+      </p:sp>
+      <p:sp>
+        <p:nvSpPr>
+          <p:cNvPr id="4" name="Espaço Reservado para Número de Slide 3"/>
+          <p:cNvSpPr>
+            <a:spLocks noGrp="1"/>
+          </p:cNvSpPr>
+          <p:nvPr>
+            <p:ph type="sldNum" sz="quarter" idx="12"/>
+          </p:nvPr>
+        </p:nvSpPr>
+        <p:spPr/>
+        <p:txBody>
+          <a:bodyPr/>
+          <a:lstStyle/>
+          <a:p>
+            <a:fld id="{695B8AFF-493B-4AA4-A2CD-F1B8BCED297E}" type="slidenum">
+              <a:rPr lang="pt-BR" sz="3200" smtClean="0"/>
+              <a:t>19</a:t>
+            </a:fld>
+            <a:endParaRPr lang="pt-BR" sz="3200" dirty="0"/>
           </a:p>
         </p:txBody>
       </p:sp>
@@ -16247,8 +16535,8 @@
         </p:blipFill>
         <p:spPr bwMode="auto">
           <a:xfrm>
-            <a:off x="1566765" y="3140968"/>
-            <a:ext cx="6135687" cy="2000250"/>
+            <a:off x="539552" y="3356992"/>
+            <a:ext cx="8123622" cy="2880320"/>
           </a:xfrm>
           <a:prstGeom prst="rect">
             <a:avLst/>
@@ -16285,118 +16573,6 @@
 </p:sld>
 </file>
 
-<file path=ppt/slides/slide19.xml><?xml version="1.0" encoding="utf-8"?>
-<p:sld xmlns:a="http://schemas.openxmlformats.org/drawingml/2006/main" xmlns:r="http://schemas.openxmlformats.org/officeDocument/2006/relationships" xmlns:p="http://schemas.openxmlformats.org/presentationml/2006/main">
-  <p:cSld>
-    <p:spTree>
-      <p:nvGrpSpPr>
-        <p:cNvPr id="1" name=""/>
-        <p:cNvGrpSpPr/>
-        <p:nvPr/>
-      </p:nvGrpSpPr>
-      <p:grpSpPr>
-        <a:xfrm>
-          <a:off x="0" y="0"/>
-          <a:ext cx="0" cy="0"/>
-          <a:chOff x="0" y="0"/>
-          <a:chExt cx="0" cy="0"/>
-        </a:xfrm>
-      </p:grpSpPr>
-      <p:sp>
-        <p:nvSpPr>
-          <p:cNvPr id="2" name="Título 1"/>
-          <p:cNvSpPr>
-            <a:spLocks noGrp="1"/>
-          </p:cNvSpPr>
-          <p:nvPr>
-            <p:ph type="title"/>
-          </p:nvPr>
-        </p:nvSpPr>
-        <p:spPr/>
-        <p:txBody>
-          <a:bodyPr>
-            <a:normAutofit fontScale="90000"/>
-          </a:bodyPr>
-          <a:lstStyle/>
-          <a:p>
-            <a:r>
-              <a:rPr lang="pt-BR" dirty="0"/>
-              <a:t>Sistema Desenvolvido - </a:t>
-            </a:r>
-            <a:r>
-              <a:rPr lang="pt-BR" dirty="0" smtClean="0"/>
-              <a:t>Algoritmo Genético</a:t>
-            </a:r>
-            <a:endParaRPr lang="pt-BR" dirty="0"/>
-          </a:p>
-        </p:txBody>
-      </p:sp>
-      <p:sp>
-        <p:nvSpPr>
-          <p:cNvPr id="3" name="Espaço Reservado para Conteúdo 2"/>
-          <p:cNvSpPr>
-            <a:spLocks noGrp="1"/>
-          </p:cNvSpPr>
-          <p:nvPr>
-            <p:ph idx="1"/>
-          </p:nvPr>
-        </p:nvSpPr>
-        <p:spPr/>
-        <p:txBody>
-          <a:bodyPr/>
-          <a:lstStyle/>
-          <a:p>
-            <a:r>
-              <a:rPr lang="pt-BR" dirty="0" smtClean="0"/>
-              <a:t>Operador Genético – Seleção por torneio</a:t>
-            </a:r>
-          </a:p>
-          <a:p>
-            <a:endParaRPr lang="pt-BR" dirty="0"/>
-          </a:p>
-          <a:p>
-            <a:pPr>
-              <a:buFont typeface="Wingdings" panose="05000000000000000000" pitchFamily="2" charset="2"/>
-              <a:buChar char="v"/>
-            </a:pPr>
-            <a:r>
-              <a:rPr lang="pt-BR" dirty="0" smtClean="0"/>
-              <a:t>Seleciona 3 indivíduos  da população anterior</a:t>
-            </a:r>
-          </a:p>
-          <a:p>
-            <a:pPr>
-              <a:buFont typeface="Wingdings" panose="05000000000000000000" pitchFamily="2" charset="2"/>
-              <a:buChar char="v"/>
-            </a:pPr>
-            <a:r>
-              <a:rPr lang="pt-BR" dirty="0" smtClean="0"/>
-              <a:t>Escolhe os 2 com maior fitness para realizar o crossover</a:t>
-            </a:r>
-            <a:endParaRPr lang="pt-BR" dirty="0"/>
-          </a:p>
-        </p:txBody>
-      </p:sp>
-    </p:spTree>
-    <p:extLst>
-      <p:ext uri="{BB962C8B-B14F-4D97-AF65-F5344CB8AC3E}">
-        <p14:creationId xmlns:p14="http://schemas.microsoft.com/office/powerpoint/2010/main" val="2899445986"/>
-      </p:ext>
-    </p:extLst>
-  </p:cSld>
-  <p:clrMapOvr>
-    <a:masterClrMapping/>
-  </p:clrMapOvr>
-  <p:timing>
-    <p:tnLst>
-      <p:par>
-        <p:cTn id="1" dur="indefinite" restart="never" nodeType="tmRoot"/>
-      </p:par>
-    </p:tnLst>
-  </p:timing>
-</p:sld>
-</file>
-
 <file path=ppt/slides/slide2.xml><?xml version="1.0" encoding="utf-8"?>
 <p:sld xmlns:a="http://schemas.openxmlformats.org/drawingml/2006/main" xmlns:r="http://schemas.openxmlformats.org/officeDocument/2006/relationships" xmlns:p="http://schemas.openxmlformats.org/presentationml/2006/main">
   <p:cSld>
@@ -16450,14 +16626,21 @@
         <p:spPr/>
         <p:txBody>
           <a:bodyPr>
-            <a:normAutofit/>
+            <a:normAutofit lnSpcReduction="10000"/>
           </a:bodyPr>
           <a:lstStyle/>
           <a:p>
             <a:r>
-              <a:rPr lang="pt-BR" dirty="0"/>
+              <a:rPr lang="pt-BR" dirty="0" smtClean="0"/>
+              <a:t>Simulação de alocação</a:t>
+            </a:r>
+          </a:p>
+          <a:p>
+            <a:r>
+              <a:rPr lang="pt-BR" dirty="0" smtClean="0"/>
               <a:t>Introdução</a:t>
             </a:r>
+            <a:endParaRPr lang="pt-BR" dirty="0"/>
           </a:p>
           <a:p>
             <a:r>
@@ -16497,7 +16680,36 @@
               <a:rPr lang="pt-BR" dirty="0" smtClean="0"/>
               <a:t>Finais</a:t>
             </a:r>
+          </a:p>
+          <a:p>
+            <a:r>
+              <a:rPr lang="pt-BR" dirty="0" smtClean="0"/>
+              <a:t>Resultado da simulação de alocação</a:t>
+            </a:r>
             <a:endParaRPr lang="pt-BR" dirty="0"/>
+          </a:p>
+        </p:txBody>
+      </p:sp>
+      <p:sp>
+        <p:nvSpPr>
+          <p:cNvPr id="4" name="Espaço Reservado para Número de Slide 3"/>
+          <p:cNvSpPr>
+            <a:spLocks noGrp="1"/>
+          </p:cNvSpPr>
+          <p:nvPr>
+            <p:ph type="sldNum" sz="quarter" idx="12"/>
+          </p:nvPr>
+        </p:nvSpPr>
+        <p:spPr/>
+        <p:txBody>
+          <a:bodyPr/>
+          <a:lstStyle/>
+          <a:p>
+            <a:fld id="{695B8AFF-493B-4AA4-A2CD-F1B8BCED297E}" type="slidenum">
+              <a:rPr lang="pt-BR" sz="3200" smtClean="0"/>
+              <a:t>2</a:t>
+            </a:fld>
+            <a:endParaRPr lang="pt-BR" sz="3200" dirty="0"/>
           </a:p>
         </p:txBody>
       </p:sp>
@@ -16584,12 +16796,170 @@
           <a:p>
             <a:r>
               <a:rPr lang="pt-BR" dirty="0" smtClean="0"/>
+              <a:t>Operador Genético – Seleção por torneio</a:t>
+            </a:r>
+          </a:p>
+          <a:p>
+            <a:endParaRPr lang="pt-BR" dirty="0"/>
+          </a:p>
+          <a:p>
+            <a:pPr>
+              <a:buFont typeface="Wingdings" panose="05000000000000000000" pitchFamily="2" charset="2"/>
+              <a:buChar char="v"/>
+            </a:pPr>
+            <a:r>
+              <a:rPr lang="pt-BR" dirty="0" smtClean="0"/>
+              <a:t>Seleciona 3 indivíduos  da população anterior</a:t>
+            </a:r>
+          </a:p>
+          <a:p>
+            <a:pPr>
+              <a:buFont typeface="Wingdings" panose="05000000000000000000" pitchFamily="2" charset="2"/>
+              <a:buChar char="v"/>
+            </a:pPr>
+            <a:r>
+              <a:rPr lang="pt-BR" dirty="0" smtClean="0"/>
+              <a:t>Escolhe os 2 com maior fitness para realizar o crossover</a:t>
+            </a:r>
+            <a:endParaRPr lang="pt-BR" dirty="0"/>
+          </a:p>
+        </p:txBody>
+      </p:sp>
+      <p:sp>
+        <p:nvSpPr>
+          <p:cNvPr id="4" name="Espaço Reservado para Número de Slide 3"/>
+          <p:cNvSpPr>
+            <a:spLocks noGrp="1"/>
+          </p:cNvSpPr>
+          <p:nvPr>
+            <p:ph type="sldNum" sz="quarter" idx="12"/>
+          </p:nvPr>
+        </p:nvSpPr>
+        <p:spPr/>
+        <p:txBody>
+          <a:bodyPr/>
+          <a:lstStyle/>
+          <a:p>
+            <a:fld id="{695B8AFF-493B-4AA4-A2CD-F1B8BCED297E}" type="slidenum">
+              <a:rPr lang="pt-BR" sz="3200" smtClean="0"/>
+              <a:t>20</a:t>
+            </a:fld>
+            <a:endParaRPr lang="pt-BR" sz="3200" dirty="0"/>
+          </a:p>
+        </p:txBody>
+      </p:sp>
+    </p:spTree>
+    <p:extLst>
+      <p:ext uri="{BB962C8B-B14F-4D97-AF65-F5344CB8AC3E}">
+        <p14:creationId xmlns:p14="http://schemas.microsoft.com/office/powerpoint/2010/main" val="2899445986"/>
+      </p:ext>
+    </p:extLst>
+  </p:cSld>
+  <p:clrMapOvr>
+    <a:masterClrMapping/>
+  </p:clrMapOvr>
+  <p:timing>
+    <p:tnLst>
+      <p:par>
+        <p:cTn id="1" dur="indefinite" restart="never" nodeType="tmRoot"/>
+      </p:par>
+    </p:tnLst>
+  </p:timing>
+</p:sld>
+</file>
+
+<file path=ppt/slides/slide21.xml><?xml version="1.0" encoding="utf-8"?>
+<p:sld xmlns:a="http://schemas.openxmlformats.org/drawingml/2006/main" xmlns:r="http://schemas.openxmlformats.org/officeDocument/2006/relationships" xmlns:p="http://schemas.openxmlformats.org/presentationml/2006/main">
+  <p:cSld>
+    <p:spTree>
+      <p:nvGrpSpPr>
+        <p:cNvPr id="1" name=""/>
+        <p:cNvGrpSpPr/>
+        <p:nvPr/>
+      </p:nvGrpSpPr>
+      <p:grpSpPr>
+        <a:xfrm>
+          <a:off x="0" y="0"/>
+          <a:ext cx="0" cy="0"/>
+          <a:chOff x="0" y="0"/>
+          <a:chExt cx="0" cy="0"/>
+        </a:xfrm>
+      </p:grpSpPr>
+      <p:sp>
+        <p:nvSpPr>
+          <p:cNvPr id="2" name="Título 1"/>
+          <p:cNvSpPr>
+            <a:spLocks noGrp="1"/>
+          </p:cNvSpPr>
+          <p:nvPr>
+            <p:ph type="title"/>
+          </p:nvPr>
+        </p:nvSpPr>
+        <p:spPr/>
+        <p:txBody>
+          <a:bodyPr>
+            <a:normAutofit fontScale="90000"/>
+          </a:bodyPr>
+          <a:lstStyle/>
+          <a:p>
+            <a:r>
+              <a:rPr lang="pt-BR" dirty="0"/>
+              <a:t>Sistema Desenvolvido - </a:t>
+            </a:r>
+            <a:r>
+              <a:rPr lang="pt-BR" dirty="0" smtClean="0"/>
+              <a:t>Algoritmo Genético</a:t>
+            </a:r>
+            <a:endParaRPr lang="pt-BR" dirty="0"/>
+          </a:p>
+        </p:txBody>
+      </p:sp>
+      <p:sp>
+        <p:nvSpPr>
+          <p:cNvPr id="3" name="Espaço Reservado para Conteúdo 2"/>
+          <p:cNvSpPr>
+            <a:spLocks noGrp="1"/>
+          </p:cNvSpPr>
+          <p:nvPr>
+            <p:ph idx="1"/>
+          </p:nvPr>
+        </p:nvSpPr>
+        <p:spPr/>
+        <p:txBody>
+          <a:bodyPr/>
+          <a:lstStyle/>
+          <a:p>
+            <a:r>
+              <a:rPr lang="pt-BR" dirty="0" smtClean="0"/>
               <a:t>Operador Genético </a:t>
             </a:r>
             <a:r>
               <a:rPr lang="pt-BR" dirty="0"/>
               <a:t>- Indivíduos antes do crossover</a:t>
             </a:r>
+          </a:p>
+        </p:txBody>
+      </p:sp>
+      <p:sp>
+        <p:nvSpPr>
+          <p:cNvPr id="4" name="Espaço Reservado para Número de Slide 3"/>
+          <p:cNvSpPr>
+            <a:spLocks noGrp="1"/>
+          </p:cNvSpPr>
+          <p:nvPr>
+            <p:ph type="sldNum" sz="quarter" idx="12"/>
+          </p:nvPr>
+        </p:nvSpPr>
+        <p:spPr/>
+        <p:txBody>
+          <a:bodyPr/>
+          <a:lstStyle/>
+          <a:p>
+            <a:fld id="{695B8AFF-493B-4AA4-A2CD-F1B8BCED297E}" type="slidenum">
+              <a:rPr lang="pt-BR" sz="3200" smtClean="0"/>
+              <a:t>21</a:t>
+            </a:fld>
+            <a:endParaRPr lang="pt-BR" sz="3200" dirty="0"/>
           </a:p>
         </p:txBody>
       </p:sp>
@@ -16601,7 +16971,7 @@
           </p:cNvPicPr>
           <p:nvPr/>
         </p:nvPicPr>
-        <p:blipFill>
+        <p:blipFill rotWithShape="1">
           <a:blip r:embed="rId3">
             <a:extLst>
               <a:ext uri="{28A0092B-C50C-407E-A947-70E740481C1C}">
@@ -16609,15 +16979,13 @@
               </a:ext>
             </a:extLst>
           </a:blip>
-          <a:srcRect/>
-          <a:stretch>
-            <a:fillRect/>
-          </a:stretch>
+          <a:srcRect l="984" t="6563" r="2469" b="10987"/>
+          <a:stretch/>
         </p:blipFill>
         <p:spPr bwMode="auto">
           <a:xfrm>
-            <a:off x="1115616" y="3284984"/>
-            <a:ext cx="6831013" cy="1905000"/>
+            <a:off x="569888" y="3577690"/>
+            <a:ext cx="8006799" cy="1906896"/>
           </a:xfrm>
           <a:prstGeom prst="rect">
             <a:avLst/>
@@ -16654,139 +17022,6 @@
 </p:sld>
 </file>
 
-<file path=ppt/slides/slide21.xml><?xml version="1.0" encoding="utf-8"?>
-<p:sld xmlns:a="http://schemas.openxmlformats.org/drawingml/2006/main" xmlns:r="http://schemas.openxmlformats.org/officeDocument/2006/relationships" xmlns:p="http://schemas.openxmlformats.org/presentationml/2006/main">
-  <p:cSld>
-    <p:spTree>
-      <p:nvGrpSpPr>
-        <p:cNvPr id="1" name=""/>
-        <p:cNvGrpSpPr/>
-        <p:nvPr/>
-      </p:nvGrpSpPr>
-      <p:grpSpPr>
-        <a:xfrm>
-          <a:off x="0" y="0"/>
-          <a:ext cx="0" cy="0"/>
-          <a:chOff x="0" y="0"/>
-          <a:chExt cx="0" cy="0"/>
-        </a:xfrm>
-      </p:grpSpPr>
-      <p:sp>
-        <p:nvSpPr>
-          <p:cNvPr id="2" name="Título 1"/>
-          <p:cNvSpPr>
-            <a:spLocks noGrp="1"/>
-          </p:cNvSpPr>
-          <p:nvPr>
-            <p:ph type="title"/>
-          </p:nvPr>
-        </p:nvSpPr>
-        <p:spPr/>
-        <p:txBody>
-          <a:bodyPr>
-            <a:normAutofit fontScale="90000"/>
-          </a:bodyPr>
-          <a:lstStyle/>
-          <a:p>
-            <a:r>
-              <a:rPr lang="pt-BR" dirty="0"/>
-              <a:t>Sistema Desenvolvido - </a:t>
-            </a:r>
-            <a:r>
-              <a:rPr lang="pt-BR" dirty="0" smtClean="0"/>
-              <a:t>Algoritmo Genético</a:t>
-            </a:r>
-            <a:endParaRPr lang="pt-BR" dirty="0"/>
-          </a:p>
-        </p:txBody>
-      </p:sp>
-      <p:sp>
-        <p:nvSpPr>
-          <p:cNvPr id="3" name="Espaço Reservado para Conteúdo 2"/>
-          <p:cNvSpPr>
-            <a:spLocks noGrp="1"/>
-          </p:cNvSpPr>
-          <p:nvPr>
-            <p:ph idx="1"/>
-          </p:nvPr>
-        </p:nvSpPr>
-        <p:spPr/>
-        <p:txBody>
-          <a:bodyPr/>
-          <a:lstStyle/>
-          <a:p>
-            <a:r>
-              <a:rPr lang="pt-BR" dirty="0" smtClean="0"/>
-              <a:t>Operador Genético </a:t>
-            </a:r>
-            <a:r>
-              <a:rPr lang="pt-BR" dirty="0"/>
-              <a:t>- Inserção do material genético do pai</a:t>
-            </a:r>
-          </a:p>
-        </p:txBody>
-      </p:sp>
-      <p:pic>
-        <p:nvPicPr>
-          <p:cNvPr id="5122" name="Picture 2" descr="E:\TI\Desenvolvimento\GitHub\tcc2\Documento\imagens\individuosAposInsersaoGenetica.png"/>
-          <p:cNvPicPr>
-            <a:picLocks noChangeAspect="1" noChangeArrowheads="1"/>
-          </p:cNvPicPr>
-          <p:nvPr/>
-        </p:nvPicPr>
-        <p:blipFill>
-          <a:blip r:embed="rId3">
-            <a:extLst>
-              <a:ext uri="{28A0092B-C50C-407E-A947-70E740481C1C}">
-                <a14:useLocalDpi xmlns:a14="http://schemas.microsoft.com/office/drawing/2010/main" val="0"/>
-              </a:ext>
-            </a:extLst>
-          </a:blip>
-          <a:srcRect/>
-          <a:stretch>
-            <a:fillRect/>
-          </a:stretch>
-        </p:blipFill>
-        <p:spPr bwMode="auto">
-          <a:xfrm>
-            <a:off x="1259632" y="3353097"/>
-            <a:ext cx="6783387" cy="1819275"/>
-          </a:xfrm>
-          <a:prstGeom prst="rect">
-            <a:avLst/>
-          </a:prstGeom>
-          <a:noFill/>
-          <a:extLst>
-            <a:ext uri="{909E8E84-426E-40DD-AFC4-6F175D3DCCD1}">
-              <a14:hiddenFill xmlns:a14="http://schemas.microsoft.com/office/drawing/2010/main">
-                <a:solidFill>
-                  <a:srgbClr val="FFFFFF"/>
-                </a:solidFill>
-              </a14:hiddenFill>
-            </a:ext>
-          </a:extLst>
-        </p:spPr>
-      </p:pic>
-    </p:spTree>
-    <p:extLst>
-      <p:ext uri="{BB962C8B-B14F-4D97-AF65-F5344CB8AC3E}">
-        <p14:creationId xmlns:p14="http://schemas.microsoft.com/office/powerpoint/2010/main" val="1463871440"/>
-      </p:ext>
-    </p:extLst>
-  </p:cSld>
-  <p:clrMapOvr>
-    <a:masterClrMapping/>
-  </p:clrMapOvr>
-  <p:timing>
-    <p:tnLst>
-      <p:par>
-        <p:cTn id="1" dur="indefinite" restart="never" nodeType="tmRoot"/>
-      </p:par>
-    </p:tnLst>
-  </p:timing>
-</p:sld>
-</file>
-
 <file path=ppt/slides/slide22.xml><?xml version="1.0" encoding="utf-8"?>
 <p:sld xmlns:a="http://schemas.openxmlformats.org/drawingml/2006/main" xmlns:r="http://schemas.openxmlformats.org/officeDocument/2006/relationships" xmlns:p="http://schemas.openxmlformats.org/presentationml/2006/main">
   <p:cSld>
@@ -16854,20 +17089,43 @@
             </a:r>
             <a:r>
               <a:rPr lang="pt-BR" dirty="0"/>
-              <a:t>- Inserção do material genético da mãe</a:t>
-            </a:r>
+              <a:t>- Inserção do material genético do pai</a:t>
+            </a:r>
+          </a:p>
+        </p:txBody>
+      </p:sp>
+      <p:sp>
+        <p:nvSpPr>
+          <p:cNvPr id="4" name="Espaço Reservado para Número de Slide 3"/>
+          <p:cNvSpPr>
+            <a:spLocks noGrp="1"/>
+          </p:cNvSpPr>
+          <p:nvPr>
+            <p:ph type="sldNum" sz="quarter" idx="12"/>
+          </p:nvPr>
+        </p:nvSpPr>
+        <p:spPr/>
+        <p:txBody>
+          <a:bodyPr/>
+          <a:lstStyle/>
+          <a:p>
+            <a:fld id="{695B8AFF-493B-4AA4-A2CD-F1B8BCED297E}" type="slidenum">
+              <a:rPr lang="pt-BR" sz="3200" smtClean="0"/>
+              <a:t>22</a:t>
+            </a:fld>
+            <a:endParaRPr lang="pt-BR" sz="3200" dirty="0"/>
           </a:p>
         </p:txBody>
       </p:sp>
       <p:pic>
         <p:nvPicPr>
-          <p:cNvPr id="6146" name="Picture 2" descr="E:\TI\Desenvolvimento\GitHub\tcc2\Documento\imagens\insersaoMaterialMae.png"/>
+          <p:cNvPr id="5122" name="Picture 2" descr="E:\TI\Desenvolvimento\GitHub\tcc2\Documento\imagens\individuosAposInsersaoGenetica.png"/>
           <p:cNvPicPr>
             <a:picLocks noChangeAspect="1" noChangeArrowheads="1"/>
           </p:cNvPicPr>
           <p:nvPr/>
         </p:nvPicPr>
-        <p:blipFill>
+        <p:blipFill rotWithShape="1">
           <a:blip r:embed="rId3">
             <a:extLst>
               <a:ext uri="{28A0092B-C50C-407E-A947-70E740481C1C}">
@@ -16875,15 +17133,13 @@
               </a:ext>
             </a:extLst>
           </a:blip>
-          <a:srcRect/>
-          <a:stretch>
-            <a:fillRect/>
-          </a:stretch>
+          <a:srcRect l="-1" t="5567" r="1369" b="7870"/>
+          <a:stretch/>
         </p:blipFill>
         <p:spPr bwMode="auto">
           <a:xfrm>
-            <a:off x="1246932" y="3234680"/>
-            <a:ext cx="6878637" cy="1866900"/>
+            <a:off x="539552" y="3496796"/>
+            <a:ext cx="8064896" cy="1898284"/>
           </a:xfrm>
           <a:prstGeom prst="rect">
             <a:avLst/>
@@ -16956,8 +17212,13 @@
           <a:p>
             <a:r>
               <a:rPr lang="pt-BR" dirty="0"/>
-              <a:t>Sistema Desenvolvido - Algoritmo Genético</a:t>
-            </a:r>
+              <a:t>Sistema Desenvolvido - </a:t>
+            </a:r>
+            <a:r>
+              <a:rPr lang="pt-BR" dirty="0" smtClean="0"/>
+              <a:t>Algoritmo Genético</a:t>
+            </a:r>
+            <a:endParaRPr lang="pt-BR" dirty="0"/>
           </a:p>
         </p:txBody>
       </p:sp>
@@ -16978,37 +17239,61 @@
           <a:p>
             <a:r>
               <a:rPr lang="pt-BR" dirty="0" smtClean="0"/>
-              <a:t>Fluxo população</a:t>
-            </a:r>
-            <a:endParaRPr lang="pt-BR" dirty="0"/>
+              <a:t>Operador Genético </a:t>
+            </a:r>
+            <a:r>
+              <a:rPr lang="pt-BR" dirty="0"/>
+              <a:t>- Inserção do material genético da mãe</a:t>
+            </a:r>
+          </a:p>
+        </p:txBody>
+      </p:sp>
+      <p:sp>
+        <p:nvSpPr>
+          <p:cNvPr id="4" name="Espaço Reservado para Número de Slide 3"/>
+          <p:cNvSpPr>
+            <a:spLocks noGrp="1"/>
+          </p:cNvSpPr>
+          <p:nvPr>
+            <p:ph type="sldNum" sz="quarter" idx="12"/>
+          </p:nvPr>
+        </p:nvSpPr>
+        <p:spPr/>
+        <p:txBody>
+          <a:bodyPr/>
+          <a:lstStyle/>
+          <a:p>
+            <a:fld id="{695B8AFF-493B-4AA4-A2CD-F1B8BCED297E}" type="slidenum">
+              <a:rPr lang="pt-BR" sz="3200" smtClean="0"/>
+              <a:t>23</a:t>
+            </a:fld>
+            <a:endParaRPr lang="pt-BR" sz="3200" dirty="0"/>
           </a:p>
         </p:txBody>
       </p:sp>
       <p:pic>
         <p:nvPicPr>
-          <p:cNvPr id="7170" name="Picture 2" descr="E:\TI\Desenvolvimento\GitHub\tcc2\Documento\imagens\fluxoNovaPopulacao.png"/>
+          <p:cNvPr id="6146" name="Picture 2" descr="E:\TI\Desenvolvimento\GitHub\tcc2\Documento\imagens\insersaoMaterialMae.png"/>
           <p:cNvPicPr>
             <a:picLocks noChangeAspect="1" noChangeArrowheads="1"/>
           </p:cNvPicPr>
           <p:nvPr/>
         </p:nvPicPr>
-        <p:blipFill>
-          <a:blip r:embed="rId2">
+        <p:blipFill rotWithShape="1">
+          <a:blip r:embed="rId3">
             <a:extLst>
               <a:ext uri="{28A0092B-C50C-407E-A947-70E740481C1C}">
                 <a14:useLocalDpi xmlns:a14="http://schemas.microsoft.com/office/drawing/2010/main" val="0"/>
               </a:ext>
             </a:extLst>
           </a:blip>
-          <a:srcRect/>
-          <a:stretch>
-            <a:fillRect/>
-          </a:stretch>
+          <a:srcRect l="1323" t="5204" r="2300" b="9762"/>
+          <a:stretch/>
         </p:blipFill>
         <p:spPr bwMode="auto">
           <a:xfrm>
-            <a:off x="5548089" y="1772816"/>
-            <a:ext cx="3533303" cy="5052160"/>
+            <a:off x="732272" y="3789040"/>
+            <a:ext cx="7848872" cy="1879519"/>
           </a:xfrm>
           <a:prstGeom prst="rect">
             <a:avLst/>
@@ -17028,7 +17313,7 @@
     </p:spTree>
     <p:extLst>
       <p:ext uri="{BB962C8B-B14F-4D97-AF65-F5344CB8AC3E}">
-        <p14:creationId xmlns:p14="http://schemas.microsoft.com/office/powerpoint/2010/main" val="1356173687"/>
+        <p14:creationId xmlns:p14="http://schemas.microsoft.com/office/powerpoint/2010/main" val="1463871440"/>
       </p:ext>
     </p:extLst>
   </p:cSld>
@@ -17088,7 +17373,7 @@
       </p:sp>
       <p:sp>
         <p:nvSpPr>
-          <p:cNvPr id="3" name="Espaço Reservado para Conteúdo 2"/>
+          <p:cNvPr id="216" name="Espaço Reservado para Conteúdo 2"/>
           <p:cNvSpPr>
             <a:spLocks noGrp="1"/>
           </p:cNvSpPr>
@@ -17103,66 +17388,723 @@
           <a:p>
             <a:r>
               <a:rPr lang="pt-BR" dirty="0" smtClean="0"/>
-              <a:t>Fluxo algoritmo</a:t>
-            </a:r>
-          </a:p>
-          <a:p>
-            <a:pPr marL="68580" indent="0">
-              <a:buNone/>
-            </a:pPr>
+              <a:t>Fluxo </a:t>
+            </a:r>
             <a:r>
               <a:rPr lang="pt-BR" dirty="0" smtClean="0"/>
-              <a:t>genético</a:t>
+              <a:t>algoritmo nova populaç</a:t>
+            </a:r>
+            <a:r>
+              <a:rPr lang="pt-BR" dirty="0" smtClean="0"/>
+              <a:t>ão</a:t>
             </a:r>
             <a:endParaRPr lang="pt-BR" dirty="0"/>
           </a:p>
         </p:txBody>
       </p:sp>
-      <p:pic>
-        <p:nvPicPr>
-          <p:cNvPr id="8194" name="Picture 2" descr="E:\TI\Desenvolvimento\GitHub\tcc2\Documento\imagens\fluxoAlgoritimo.png"/>
-          <p:cNvPicPr>
-            <a:picLocks noChangeAspect="1" noChangeArrowheads="1"/>
-          </p:cNvPicPr>
+      <p:sp>
+        <p:nvSpPr>
+          <p:cNvPr id="172" name="Espaço Reservado para Número de Slide 171"/>
+          <p:cNvSpPr>
+            <a:spLocks noGrp="1"/>
+          </p:cNvSpPr>
+          <p:nvPr>
+            <p:ph type="sldNum" sz="quarter" idx="12"/>
+          </p:nvPr>
+        </p:nvSpPr>
+        <p:spPr/>
+        <p:txBody>
+          <a:bodyPr/>
+          <a:lstStyle/>
+          <a:p>
+            <a:fld id="{695B8AFF-493B-4AA4-A2CD-F1B8BCED297E}" type="slidenum">
+              <a:rPr lang="pt-BR" sz="3200" smtClean="0"/>
+              <a:t>24</a:t>
+            </a:fld>
+            <a:endParaRPr lang="pt-BR" sz="3200" dirty="0"/>
+          </a:p>
+        </p:txBody>
+      </p:sp>
+      <p:sp>
+        <p:nvSpPr>
+          <p:cNvPr id="5" name="Fluxograma: Conector 4"/>
+          <p:cNvSpPr/>
           <p:nvPr/>
-        </p:nvPicPr>
-        <p:blipFill>
-          <a:blip r:embed="rId3">
-            <a:extLst>
-              <a:ext uri="{28A0092B-C50C-407E-A947-70E740481C1C}">
-                <a14:useLocalDpi xmlns:a14="http://schemas.microsoft.com/office/drawing/2010/main" val="0"/>
-              </a:ext>
-            </a:extLst>
-          </a:blip>
-          <a:srcRect/>
-          <a:stretch>
-            <a:fillRect/>
-          </a:stretch>
-        </p:blipFill>
-        <p:spPr bwMode="auto">
+        </p:nvSpPr>
+        <p:spPr>
           <a:xfrm>
-            <a:off x="4208760" y="2276872"/>
-            <a:ext cx="3881930" cy="4149080"/>
+            <a:off x="1543534" y="2933786"/>
+            <a:ext cx="228600" cy="228600"/>
+          </a:xfrm>
+          <a:prstGeom prst="flowChartConnector">
+            <a:avLst/>
+          </a:prstGeom>
+          <a:ln>
+            <a:solidFill>
+              <a:schemeClr val="tx1"/>
+            </a:solidFill>
+          </a:ln>
+        </p:spPr>
+        <p:style>
+          <a:lnRef idx="2">
+            <a:schemeClr val="accent1">
+              <a:shade val="50000"/>
+            </a:schemeClr>
+          </a:lnRef>
+          <a:fillRef idx="1">
+            <a:schemeClr val="accent1"/>
+          </a:fillRef>
+          <a:effectRef idx="0">
+            <a:schemeClr val="accent1"/>
+          </a:effectRef>
+          <a:fontRef idx="minor">
+            <a:schemeClr val="lt1"/>
+          </a:fontRef>
+        </p:style>
+        <p:txBody>
+          <a:bodyPr rtlCol="0" anchor="ctr"/>
+          <a:lstStyle/>
+          <a:p>
+            <a:pPr algn="ctr"/>
+            <a:endParaRPr lang="pt-BR"/>
+          </a:p>
+        </p:txBody>
+      </p:sp>
+      <p:sp>
+        <p:nvSpPr>
+          <p:cNvPr id="6" name="Fluxograma: Processo 5"/>
+          <p:cNvSpPr/>
+          <p:nvPr/>
+        </p:nvSpPr>
+        <p:spPr>
+          <a:xfrm>
+            <a:off x="956792" y="3522091"/>
+            <a:ext cx="1402084" cy="872059"/>
+          </a:xfrm>
+          <a:prstGeom prst="flowChartProcess">
+            <a:avLst/>
+          </a:prstGeom>
+          <a:ln>
+            <a:solidFill>
+              <a:schemeClr val="tx1"/>
+            </a:solidFill>
+          </a:ln>
+        </p:spPr>
+        <p:style>
+          <a:lnRef idx="2">
+            <a:schemeClr val="accent1">
+              <a:shade val="50000"/>
+            </a:schemeClr>
+          </a:lnRef>
+          <a:fillRef idx="1">
+            <a:schemeClr val="accent1"/>
+          </a:fillRef>
+          <a:effectRef idx="0">
+            <a:schemeClr val="accent1"/>
+          </a:effectRef>
+          <a:fontRef idx="minor">
+            <a:schemeClr val="lt1"/>
+          </a:fontRef>
+        </p:style>
+        <p:txBody>
+          <a:bodyPr rtlCol="0" anchor="ctr"/>
+          <a:lstStyle/>
+          <a:p>
+            <a:pPr algn="ctr"/>
+            <a:r>
+              <a:rPr lang="pt-BR" sz="1600" b="1" dirty="0"/>
+              <a:t>Operador genético </a:t>
+            </a:r>
+            <a:r>
+              <a:rPr lang="pt-BR" sz="1600" b="1" dirty="0" smtClean="0"/>
+              <a:t>elitismo</a:t>
+            </a:r>
+            <a:endParaRPr lang="pt-BR" sz="1600" b="1" dirty="0"/>
+          </a:p>
+        </p:txBody>
+      </p:sp>
+      <p:sp>
+        <p:nvSpPr>
+          <p:cNvPr id="8" name="Fluxograma: Processo 7"/>
+          <p:cNvSpPr/>
+          <p:nvPr/>
+        </p:nvSpPr>
+        <p:spPr>
+          <a:xfrm>
+            <a:off x="2915816" y="3626760"/>
+            <a:ext cx="1152128" cy="662721"/>
+          </a:xfrm>
+          <a:prstGeom prst="flowChartProcess">
+            <a:avLst/>
+          </a:prstGeom>
+          <a:ln>
+            <a:solidFill>
+              <a:schemeClr val="tx1"/>
+            </a:solidFill>
+          </a:ln>
+        </p:spPr>
+        <p:style>
+          <a:lnRef idx="2">
+            <a:schemeClr val="accent1">
+              <a:shade val="50000"/>
+            </a:schemeClr>
+          </a:lnRef>
+          <a:fillRef idx="1">
+            <a:schemeClr val="accent1"/>
+          </a:fillRef>
+          <a:effectRef idx="0">
+            <a:schemeClr val="accent1"/>
+          </a:effectRef>
+          <a:fontRef idx="minor">
+            <a:schemeClr val="lt1"/>
+          </a:fontRef>
+        </p:style>
+        <p:txBody>
+          <a:bodyPr rtlCol="0" anchor="ctr"/>
+          <a:lstStyle/>
+          <a:p>
+            <a:pPr algn="ctr"/>
+            <a:r>
+              <a:rPr lang="pt-BR" sz="1600" b="1" dirty="0" smtClean="0"/>
+              <a:t>Seleção Torneio</a:t>
+            </a:r>
+            <a:endParaRPr lang="pt-BR" sz="1600" b="1" dirty="0"/>
+          </a:p>
+        </p:txBody>
+      </p:sp>
+      <p:sp>
+        <p:nvSpPr>
+          <p:cNvPr id="10" name="Fluxograma: Processo 9"/>
+          <p:cNvSpPr/>
+          <p:nvPr/>
+        </p:nvSpPr>
+        <p:spPr>
+          <a:xfrm>
+            <a:off x="4644007" y="3550747"/>
+            <a:ext cx="1350172" cy="814746"/>
+          </a:xfrm>
+          <a:prstGeom prst="flowChartProcess">
+            <a:avLst/>
+          </a:prstGeom>
+          <a:ln>
+            <a:solidFill>
+              <a:schemeClr val="tx1"/>
+            </a:solidFill>
+          </a:ln>
+        </p:spPr>
+        <p:style>
+          <a:lnRef idx="2">
+            <a:schemeClr val="accent1">
+              <a:shade val="50000"/>
+            </a:schemeClr>
+          </a:lnRef>
+          <a:fillRef idx="1">
+            <a:schemeClr val="accent1"/>
+          </a:fillRef>
+          <a:effectRef idx="0">
+            <a:schemeClr val="accent1"/>
+          </a:effectRef>
+          <a:fontRef idx="minor">
+            <a:schemeClr val="lt1"/>
+          </a:fontRef>
+        </p:style>
+        <p:txBody>
+          <a:bodyPr rtlCol="0" anchor="ctr"/>
+          <a:lstStyle/>
+          <a:p>
+            <a:pPr algn="ctr"/>
+            <a:r>
+              <a:rPr lang="pt-BR" sz="1600" b="1" dirty="0" smtClean="0"/>
+              <a:t>Operador genético crossover</a:t>
+            </a:r>
+            <a:endParaRPr lang="pt-BR" sz="1600" b="1" dirty="0"/>
+          </a:p>
+        </p:txBody>
+      </p:sp>
+      <p:sp>
+        <p:nvSpPr>
+          <p:cNvPr id="12" name="Fluxograma: Processo 11"/>
+          <p:cNvSpPr/>
+          <p:nvPr/>
+        </p:nvSpPr>
+        <p:spPr>
+          <a:xfrm>
+            <a:off x="6458747" y="3550747"/>
+            <a:ext cx="1227958" cy="805931"/>
+          </a:xfrm>
+          <a:prstGeom prst="flowChartProcess">
+            <a:avLst/>
+          </a:prstGeom>
+          <a:ln>
+            <a:solidFill>
+              <a:schemeClr val="tx1"/>
+            </a:solidFill>
+          </a:ln>
+        </p:spPr>
+        <p:style>
+          <a:lnRef idx="2">
+            <a:schemeClr val="accent1">
+              <a:shade val="50000"/>
+            </a:schemeClr>
+          </a:lnRef>
+          <a:fillRef idx="1">
+            <a:schemeClr val="accent1"/>
+          </a:fillRef>
+          <a:effectRef idx="0">
+            <a:schemeClr val="accent1"/>
+          </a:effectRef>
+          <a:fontRef idx="minor">
+            <a:schemeClr val="lt1"/>
+          </a:fontRef>
+        </p:style>
+        <p:txBody>
+          <a:bodyPr rtlCol="0" anchor="ctr"/>
+          <a:lstStyle/>
+          <a:p>
+            <a:pPr algn="ctr"/>
+            <a:r>
+              <a:rPr lang="pt-BR" sz="1600" b="1" dirty="0" smtClean="0"/>
+              <a:t>Operador genético mutação</a:t>
+            </a:r>
+            <a:endParaRPr lang="pt-BR" b="1" dirty="0"/>
+          </a:p>
+        </p:txBody>
+      </p:sp>
+      <p:cxnSp>
+        <p:nvCxnSpPr>
+          <p:cNvPr id="14" name="Conector de seta reta 13"/>
+          <p:cNvCxnSpPr>
+            <a:stCxn id="5" idx="4"/>
+            <a:endCxn id="6" idx="0"/>
+          </p:cNvCxnSpPr>
+          <p:nvPr/>
+        </p:nvCxnSpPr>
+        <p:spPr>
+          <a:xfrm>
+            <a:off x="1657834" y="3162386"/>
+            <a:ext cx="0" cy="359705"/>
+          </a:xfrm>
+          <a:prstGeom prst="straightConnector1">
+            <a:avLst/>
+          </a:prstGeom>
+          <a:ln>
+            <a:solidFill>
+              <a:schemeClr val="tx1"/>
+            </a:solidFill>
+            <a:tailEnd type="arrow"/>
+          </a:ln>
+        </p:spPr>
+        <p:style>
+          <a:lnRef idx="1">
+            <a:schemeClr val="accent1"/>
+          </a:lnRef>
+          <a:fillRef idx="0">
+            <a:schemeClr val="accent1"/>
+          </a:fillRef>
+          <a:effectRef idx="0">
+            <a:schemeClr val="accent1"/>
+          </a:effectRef>
+          <a:fontRef idx="minor">
+            <a:schemeClr val="tx1"/>
+          </a:fontRef>
+        </p:style>
+      </p:cxnSp>
+      <p:cxnSp>
+        <p:nvCxnSpPr>
+          <p:cNvPr id="30" name="Conector de seta reta 29"/>
+          <p:cNvCxnSpPr>
+            <a:stCxn id="6" idx="3"/>
+            <a:endCxn id="8" idx="1"/>
+          </p:cNvCxnSpPr>
+          <p:nvPr/>
+        </p:nvCxnSpPr>
+        <p:spPr>
+          <a:xfrm>
+            <a:off x="2358876" y="3958121"/>
+            <a:ext cx="556940" cy="0"/>
+          </a:xfrm>
+          <a:prstGeom prst="straightConnector1">
+            <a:avLst/>
+          </a:prstGeom>
+          <a:ln>
+            <a:solidFill>
+              <a:schemeClr val="tx1"/>
+            </a:solidFill>
+            <a:tailEnd type="arrow"/>
+          </a:ln>
+        </p:spPr>
+        <p:style>
+          <a:lnRef idx="1">
+            <a:schemeClr val="accent1"/>
+          </a:lnRef>
+          <a:fillRef idx="0">
+            <a:schemeClr val="accent1"/>
+          </a:fillRef>
+          <a:effectRef idx="0">
+            <a:schemeClr val="accent1"/>
+          </a:effectRef>
+          <a:fontRef idx="minor">
+            <a:schemeClr val="tx1"/>
+          </a:fontRef>
+        </p:style>
+      </p:cxnSp>
+      <p:cxnSp>
+        <p:nvCxnSpPr>
+          <p:cNvPr id="7177" name="Conector de seta reta 7176"/>
+          <p:cNvCxnSpPr>
+            <a:stCxn id="8" idx="3"/>
+            <a:endCxn id="10" idx="1"/>
+          </p:cNvCxnSpPr>
+          <p:nvPr/>
+        </p:nvCxnSpPr>
+        <p:spPr>
+          <a:xfrm flipV="1">
+            <a:off x="4067944" y="3958120"/>
+            <a:ext cx="576063" cy="1"/>
+          </a:xfrm>
+          <a:prstGeom prst="straightConnector1">
+            <a:avLst/>
+          </a:prstGeom>
+          <a:ln>
+            <a:solidFill>
+              <a:schemeClr val="tx1"/>
+            </a:solidFill>
+            <a:tailEnd type="arrow"/>
+          </a:ln>
+        </p:spPr>
+        <p:style>
+          <a:lnRef idx="1">
+            <a:schemeClr val="accent1"/>
+          </a:lnRef>
+          <a:fillRef idx="0">
+            <a:schemeClr val="accent1"/>
+          </a:fillRef>
+          <a:effectRef idx="0">
+            <a:schemeClr val="accent1"/>
+          </a:effectRef>
+          <a:fontRef idx="minor">
+            <a:schemeClr val="tx1"/>
+          </a:fontRef>
+        </p:style>
+      </p:cxnSp>
+      <p:cxnSp>
+        <p:nvCxnSpPr>
+          <p:cNvPr id="7239" name="Conector de seta reta 7238"/>
+          <p:cNvCxnSpPr>
+            <a:stCxn id="10" idx="3"/>
+            <a:endCxn id="12" idx="1"/>
+          </p:cNvCxnSpPr>
+          <p:nvPr/>
+        </p:nvCxnSpPr>
+        <p:spPr>
+          <a:xfrm flipV="1">
+            <a:off x="5994179" y="3953713"/>
+            <a:ext cx="464568" cy="4407"/>
+          </a:xfrm>
+          <a:prstGeom prst="straightConnector1">
+            <a:avLst/>
+          </a:prstGeom>
+          <a:ln>
+            <a:solidFill>
+              <a:schemeClr val="tx1"/>
+            </a:solidFill>
+            <a:tailEnd type="arrow"/>
+          </a:ln>
+        </p:spPr>
+        <p:style>
+          <a:lnRef idx="1">
+            <a:schemeClr val="accent1"/>
+          </a:lnRef>
+          <a:fillRef idx="0">
+            <a:schemeClr val="accent1"/>
+          </a:fillRef>
+          <a:effectRef idx="0">
+            <a:schemeClr val="accent1"/>
+          </a:effectRef>
+          <a:fontRef idx="minor">
+            <a:schemeClr val="tx1"/>
+          </a:fontRef>
+        </p:style>
+      </p:cxnSp>
+      <p:sp>
+        <p:nvSpPr>
+          <p:cNvPr id="7242" name="Fluxograma: Decisão 7241"/>
+          <p:cNvSpPr/>
+          <p:nvPr/>
+        </p:nvSpPr>
+        <p:spPr>
+          <a:xfrm>
+            <a:off x="5754086" y="4560990"/>
+            <a:ext cx="2637282" cy="1296144"/>
+          </a:xfrm>
+          <a:prstGeom prst="flowChartDecision">
+            <a:avLst/>
+          </a:prstGeom>
+          <a:ln>
+            <a:solidFill>
+              <a:schemeClr val="tx1"/>
+            </a:solidFill>
+          </a:ln>
+        </p:spPr>
+        <p:style>
+          <a:lnRef idx="2">
+            <a:schemeClr val="accent1">
+              <a:shade val="50000"/>
+            </a:schemeClr>
+          </a:lnRef>
+          <a:fillRef idx="1">
+            <a:schemeClr val="accent1"/>
+          </a:fillRef>
+          <a:effectRef idx="0">
+            <a:schemeClr val="accent1"/>
+          </a:effectRef>
+          <a:fontRef idx="minor">
+            <a:schemeClr val="lt1"/>
+          </a:fontRef>
+        </p:style>
+        <p:txBody>
+          <a:bodyPr rtlCol="0" anchor="ctr"/>
+          <a:lstStyle/>
+          <a:p>
+            <a:pPr algn="ctr"/>
+            <a:r>
+              <a:rPr lang="pt-BR" sz="1600" b="1" dirty="0" smtClean="0"/>
+              <a:t>População atingiu o tamanho ?</a:t>
+            </a:r>
+            <a:endParaRPr lang="pt-BR" sz="1600" b="1" dirty="0"/>
+          </a:p>
+        </p:txBody>
+      </p:sp>
+      <p:cxnSp>
+        <p:nvCxnSpPr>
+          <p:cNvPr id="7244" name="Conector de seta reta 7243"/>
+          <p:cNvCxnSpPr>
+            <a:stCxn id="12" idx="2"/>
+            <a:endCxn id="7242" idx="0"/>
+          </p:cNvCxnSpPr>
+          <p:nvPr/>
+        </p:nvCxnSpPr>
+        <p:spPr>
+          <a:xfrm>
+            <a:off x="7072726" y="4356678"/>
+            <a:ext cx="1" cy="204312"/>
+          </a:xfrm>
+          <a:prstGeom prst="straightConnector1">
+            <a:avLst/>
+          </a:prstGeom>
+          <a:ln>
+            <a:solidFill>
+              <a:schemeClr val="tx1"/>
+            </a:solidFill>
+            <a:tailEnd type="arrow"/>
+          </a:ln>
+        </p:spPr>
+        <p:style>
+          <a:lnRef idx="1">
+            <a:schemeClr val="accent1"/>
+          </a:lnRef>
+          <a:fillRef idx="0">
+            <a:schemeClr val="accent1"/>
+          </a:fillRef>
+          <a:effectRef idx="0">
+            <a:schemeClr val="accent1"/>
+          </a:effectRef>
+          <a:fontRef idx="minor">
+            <a:schemeClr val="tx1"/>
+          </a:fontRef>
+        </p:style>
+      </p:cxnSp>
+      <p:cxnSp>
+        <p:nvCxnSpPr>
+          <p:cNvPr id="7265" name="Conector angulado 7264"/>
+          <p:cNvCxnSpPr>
+            <a:stCxn id="7242" idx="1"/>
+            <a:endCxn id="8" idx="2"/>
+          </p:cNvCxnSpPr>
+          <p:nvPr/>
+        </p:nvCxnSpPr>
+        <p:spPr>
+          <a:xfrm rot="10800000">
+            <a:off x="3491880" y="4289482"/>
+            <a:ext cx="2262206" cy="919581"/>
+          </a:xfrm>
+          <a:prstGeom prst="bentConnector2">
+            <a:avLst/>
+          </a:prstGeom>
+          <a:ln>
+            <a:solidFill>
+              <a:schemeClr val="tx1"/>
+            </a:solidFill>
+            <a:tailEnd type="arrow"/>
+          </a:ln>
+        </p:spPr>
+        <p:style>
+          <a:lnRef idx="1">
+            <a:schemeClr val="accent1"/>
+          </a:lnRef>
+          <a:fillRef idx="0">
+            <a:schemeClr val="accent1"/>
+          </a:fillRef>
+          <a:effectRef idx="0">
+            <a:schemeClr val="accent1"/>
+          </a:effectRef>
+          <a:fontRef idx="minor">
+            <a:schemeClr val="tx1"/>
+          </a:fontRef>
+        </p:style>
+      </p:cxnSp>
+      <p:sp>
+        <p:nvSpPr>
+          <p:cNvPr id="163" name="Fluxograma: Conector 162"/>
+          <p:cNvSpPr/>
+          <p:nvPr/>
+        </p:nvSpPr>
+        <p:spPr>
+          <a:xfrm>
+            <a:off x="6958426" y="6186784"/>
+            <a:ext cx="228600" cy="228600"/>
+          </a:xfrm>
+          <a:prstGeom prst="flowChartConnector">
+            <a:avLst/>
+          </a:prstGeom>
+          <a:ln>
+            <a:solidFill>
+              <a:schemeClr val="tx1"/>
+            </a:solidFill>
+          </a:ln>
+        </p:spPr>
+        <p:style>
+          <a:lnRef idx="2">
+            <a:schemeClr val="accent1">
+              <a:shade val="50000"/>
+            </a:schemeClr>
+          </a:lnRef>
+          <a:fillRef idx="1">
+            <a:schemeClr val="accent1"/>
+          </a:fillRef>
+          <a:effectRef idx="0">
+            <a:schemeClr val="accent1"/>
+          </a:effectRef>
+          <a:fontRef idx="minor">
+            <a:schemeClr val="lt1"/>
+          </a:fontRef>
+        </p:style>
+        <p:txBody>
+          <a:bodyPr rtlCol="0" anchor="ctr"/>
+          <a:lstStyle/>
+          <a:p>
+            <a:pPr algn="ctr"/>
+            <a:r>
+              <a:rPr lang="pt-BR" dirty="0" smtClean="0"/>
+              <a:t>x</a:t>
+            </a:r>
+            <a:endParaRPr lang="pt-BR" dirty="0"/>
+          </a:p>
+        </p:txBody>
+      </p:sp>
+      <p:cxnSp>
+        <p:nvCxnSpPr>
+          <p:cNvPr id="7268" name="Conector de seta reta 7267"/>
+          <p:cNvCxnSpPr>
+            <a:stCxn id="7242" idx="2"/>
+            <a:endCxn id="163" idx="0"/>
+          </p:cNvCxnSpPr>
+          <p:nvPr/>
+        </p:nvCxnSpPr>
+        <p:spPr>
+          <a:xfrm flipH="1">
+            <a:off x="7072726" y="5857134"/>
+            <a:ext cx="1" cy="329650"/>
+          </a:xfrm>
+          <a:prstGeom prst="straightConnector1">
+            <a:avLst/>
+          </a:prstGeom>
+          <a:ln>
+            <a:solidFill>
+              <a:schemeClr val="tx1"/>
+            </a:solidFill>
+            <a:tailEnd type="arrow"/>
+          </a:ln>
+        </p:spPr>
+        <p:style>
+          <a:lnRef idx="1">
+            <a:schemeClr val="accent1"/>
+          </a:lnRef>
+          <a:fillRef idx="0">
+            <a:schemeClr val="accent1"/>
+          </a:fillRef>
+          <a:effectRef idx="0">
+            <a:schemeClr val="accent1"/>
+          </a:effectRef>
+          <a:fontRef idx="minor">
+            <a:schemeClr val="tx1"/>
+          </a:fontRef>
+        </p:style>
+      </p:cxnSp>
+      <p:sp>
+        <p:nvSpPr>
+          <p:cNvPr id="237" name="CaixaDeTexto 236"/>
+          <p:cNvSpPr txBox="1"/>
+          <p:nvPr/>
+        </p:nvSpPr>
+        <p:spPr>
+          <a:xfrm>
+            <a:off x="4291000" y="4839732"/>
+            <a:ext cx="663964" cy="369332"/>
           </a:xfrm>
           <a:prstGeom prst="rect">
             <a:avLst/>
           </a:prstGeom>
           <a:noFill/>
-          <a:extLst>
-            <a:ext uri="{909E8E84-426E-40DD-AFC4-6F175D3DCCD1}">
-              <a14:hiddenFill xmlns:a14="http://schemas.microsoft.com/office/drawing/2010/main">
-                <a:solidFill>
-                  <a:srgbClr val="FFFFFF"/>
-                </a:solidFill>
-              </a14:hiddenFill>
-            </a:ext>
-          </a:extLst>
         </p:spPr>
-      </p:pic>
+        <p:txBody>
+          <a:bodyPr wrap="none" rtlCol="0">
+            <a:spAutoFit/>
+          </a:bodyPr>
+          <a:lstStyle/>
+          <a:p>
+            <a:r>
+              <a:rPr lang="pt-BR" dirty="0" smtClean="0"/>
+              <a:t>Não</a:t>
+            </a:r>
+            <a:endParaRPr lang="pt-BR" dirty="0"/>
+          </a:p>
+        </p:txBody>
+      </p:sp>
+      <p:sp>
+        <p:nvSpPr>
+          <p:cNvPr id="238" name="CaixaDeTexto 237"/>
+          <p:cNvSpPr txBox="1"/>
+          <p:nvPr/>
+        </p:nvSpPr>
+        <p:spPr>
+          <a:xfrm>
+            <a:off x="7253693" y="5817452"/>
+            <a:ext cx="562975" cy="369332"/>
+          </a:xfrm>
+          <a:prstGeom prst="rect">
+            <a:avLst/>
+          </a:prstGeom>
+          <a:noFill/>
+        </p:spPr>
+        <p:txBody>
+          <a:bodyPr wrap="none" rtlCol="0">
+            <a:spAutoFit/>
+          </a:bodyPr>
+          <a:lstStyle/>
+          <a:p>
+            <a:r>
+              <a:rPr lang="pt-BR" dirty="0" smtClean="0"/>
+              <a:t>Sim</a:t>
+            </a:r>
+            <a:endParaRPr lang="pt-BR" dirty="0"/>
+          </a:p>
+        </p:txBody>
+      </p:sp>
     </p:spTree>
     <p:extLst>
       <p:ext uri="{BB962C8B-B14F-4D97-AF65-F5344CB8AC3E}">
-        <p14:creationId xmlns:p14="http://schemas.microsoft.com/office/powerpoint/2010/main" val="993251545"/>
+        <p14:creationId xmlns:p14="http://schemas.microsoft.com/office/powerpoint/2010/main" val="1356173687"/>
       </p:ext>
     </p:extLst>
   </p:cSld>
@@ -17208,14 +18150,15 @@
         </p:nvSpPr>
         <p:spPr/>
         <p:txBody>
-          <a:bodyPr/>
+          <a:bodyPr>
+            <a:normAutofit fontScale="90000"/>
+          </a:bodyPr>
           <a:lstStyle/>
           <a:p>
             <a:r>
-              <a:rPr lang="pt-BR" dirty="0" smtClean="0"/>
-              <a:t>Resultados Obtidos	</a:t>
-            </a:r>
-            <a:endParaRPr lang="pt-BR" dirty="0"/>
+              <a:rPr lang="pt-BR" dirty="0"/>
+              <a:t>Sistema Desenvolvido - Algoritmo Genético</a:t>
+            </a:r>
           </a:p>
         </p:txBody>
       </p:sp>
@@ -17236,64 +18179,806 @@
           <a:p>
             <a:r>
               <a:rPr lang="pt-BR" dirty="0" smtClean="0"/>
-              <a:t>Configuração da maquina</a:t>
-            </a:r>
-          </a:p>
-          <a:p>
-            <a:endParaRPr lang="pt-BR" dirty="0" smtClean="0"/>
-          </a:p>
-          <a:p>
-            <a:pPr>
-              <a:buFont typeface="Wingdings" panose="05000000000000000000" pitchFamily="2" charset="2"/>
-              <a:buChar char="v"/>
-            </a:pPr>
+              <a:t>Fluxo </a:t>
+            </a:r>
             <a:r>
               <a:rPr lang="pt-BR" dirty="0" smtClean="0"/>
-              <a:t>Intel </a:t>
-            </a:r>
-            <a:r>
-              <a:rPr lang="pt-BR" dirty="0"/>
-              <a:t>(R) Core (TM) i5 3.40GHz </a:t>
-            </a:r>
-            <a:endParaRPr lang="pt-BR" dirty="0" smtClean="0"/>
-          </a:p>
-          <a:p>
-            <a:pPr>
-              <a:buFont typeface="Wingdings" panose="05000000000000000000" pitchFamily="2" charset="2"/>
-              <a:buChar char="v"/>
-            </a:pPr>
+              <a:t>algoritmo genético</a:t>
+            </a:r>
+            <a:endParaRPr lang="pt-BR" dirty="0"/>
+          </a:p>
+        </p:txBody>
+      </p:sp>
+      <p:sp>
+        <p:nvSpPr>
+          <p:cNvPr id="8233" name="Espaço Reservado para Número de Slide 8232"/>
+          <p:cNvSpPr>
+            <a:spLocks noGrp="1"/>
+          </p:cNvSpPr>
+          <p:nvPr>
+            <p:ph type="sldNum" sz="quarter" idx="12"/>
+          </p:nvPr>
+        </p:nvSpPr>
+        <p:spPr/>
+        <p:txBody>
+          <a:bodyPr/>
+          <a:lstStyle/>
+          <a:p>
+            <a:fld id="{695B8AFF-493B-4AA4-A2CD-F1B8BCED297E}" type="slidenum">
+              <a:rPr lang="pt-BR" sz="3200" smtClean="0"/>
+              <a:t>25</a:t>
+            </a:fld>
+            <a:endParaRPr lang="pt-BR" sz="3200" dirty="0"/>
+          </a:p>
+        </p:txBody>
+      </p:sp>
+      <p:sp>
+        <p:nvSpPr>
+          <p:cNvPr id="5" name="Fluxograma: Conector 4"/>
+          <p:cNvSpPr/>
+          <p:nvPr/>
+        </p:nvSpPr>
+        <p:spPr>
+          <a:xfrm>
+            <a:off x="6977980" y="1332112"/>
+            <a:ext cx="228600" cy="228600"/>
+          </a:xfrm>
+          <a:prstGeom prst="flowChartConnector">
+            <a:avLst/>
+          </a:prstGeom>
+          <a:ln>
+            <a:solidFill>
+              <a:schemeClr val="tx1"/>
+            </a:solidFill>
+          </a:ln>
+        </p:spPr>
+        <p:style>
+          <a:lnRef idx="2">
+            <a:schemeClr val="accent1">
+              <a:shade val="50000"/>
+            </a:schemeClr>
+          </a:lnRef>
+          <a:fillRef idx="1">
+            <a:schemeClr val="accent1"/>
+          </a:fillRef>
+          <a:effectRef idx="0">
+            <a:schemeClr val="accent1"/>
+          </a:effectRef>
+          <a:fontRef idx="minor">
+            <a:schemeClr val="lt1"/>
+          </a:fontRef>
+        </p:style>
+        <p:txBody>
+          <a:bodyPr rtlCol="0" anchor="ctr"/>
+          <a:lstStyle/>
+          <a:p>
+            <a:pPr algn="ctr"/>
+            <a:endParaRPr lang="pt-BR"/>
+          </a:p>
+        </p:txBody>
+      </p:sp>
+      <p:sp>
+        <p:nvSpPr>
+          <p:cNvPr id="6" name="Fluxograma: Processo 5"/>
+          <p:cNvSpPr/>
+          <p:nvPr/>
+        </p:nvSpPr>
+        <p:spPr>
+          <a:xfrm>
+            <a:off x="6391238" y="1929957"/>
+            <a:ext cx="1402084" cy="872059"/>
+          </a:xfrm>
+          <a:prstGeom prst="flowChartProcess">
+            <a:avLst/>
+          </a:prstGeom>
+          <a:ln>
+            <a:solidFill>
+              <a:schemeClr val="tx1"/>
+            </a:solidFill>
+          </a:ln>
+        </p:spPr>
+        <p:style>
+          <a:lnRef idx="2">
+            <a:schemeClr val="accent1">
+              <a:shade val="50000"/>
+            </a:schemeClr>
+          </a:lnRef>
+          <a:fillRef idx="1">
+            <a:schemeClr val="accent1"/>
+          </a:fillRef>
+          <a:effectRef idx="0">
+            <a:schemeClr val="accent1"/>
+          </a:effectRef>
+          <a:fontRef idx="minor">
+            <a:schemeClr val="lt1"/>
+          </a:fontRef>
+        </p:style>
+        <p:txBody>
+          <a:bodyPr rtlCol="0" anchor="ctr"/>
+          <a:lstStyle/>
+          <a:p>
+            <a:pPr algn="ctr"/>
+            <a:r>
+              <a:rPr lang="pt-BR" sz="1600" b="1" dirty="0" smtClean="0"/>
+              <a:t>População inicial</a:t>
+            </a:r>
+            <a:endParaRPr lang="pt-BR" sz="1600" b="1" dirty="0"/>
+          </a:p>
+        </p:txBody>
+      </p:sp>
+      <p:sp>
+        <p:nvSpPr>
+          <p:cNvPr id="7" name="Fluxograma: Processo 6"/>
+          <p:cNvSpPr/>
+          <p:nvPr/>
+        </p:nvSpPr>
+        <p:spPr>
+          <a:xfrm>
+            <a:off x="2060900" y="3020255"/>
+            <a:ext cx="1277783" cy="662721"/>
+          </a:xfrm>
+          <a:prstGeom prst="flowChartProcess">
+            <a:avLst/>
+          </a:prstGeom>
+          <a:ln>
+            <a:solidFill>
+              <a:schemeClr val="tx1"/>
+            </a:solidFill>
+          </a:ln>
+        </p:spPr>
+        <p:style>
+          <a:lnRef idx="2">
+            <a:schemeClr val="accent1">
+              <a:shade val="50000"/>
+            </a:schemeClr>
+          </a:lnRef>
+          <a:fillRef idx="1">
+            <a:schemeClr val="accent1"/>
+          </a:fillRef>
+          <a:effectRef idx="0">
+            <a:schemeClr val="accent1"/>
+          </a:effectRef>
+          <a:fontRef idx="minor">
+            <a:schemeClr val="lt1"/>
+          </a:fontRef>
+        </p:style>
+        <p:txBody>
+          <a:bodyPr rtlCol="0" anchor="ctr"/>
+          <a:lstStyle/>
+          <a:p>
+            <a:pPr algn="ctr"/>
+            <a:r>
+              <a:rPr lang="pt-BR" sz="1600" b="1" dirty="0" smtClean="0"/>
+              <a:t>Nova População</a:t>
+            </a:r>
+            <a:endParaRPr lang="pt-BR" sz="1600" b="1" dirty="0"/>
+          </a:p>
+        </p:txBody>
+      </p:sp>
+      <p:sp>
+        <p:nvSpPr>
+          <p:cNvPr id="8" name="Fluxograma: Processo 7"/>
+          <p:cNvSpPr/>
+          <p:nvPr/>
+        </p:nvSpPr>
+        <p:spPr>
+          <a:xfrm>
+            <a:off x="6436254" y="5094860"/>
+            <a:ext cx="1350172" cy="814746"/>
+          </a:xfrm>
+          <a:prstGeom prst="flowChartProcess">
+            <a:avLst/>
+          </a:prstGeom>
+          <a:ln>
+            <a:solidFill>
+              <a:schemeClr val="tx1"/>
+            </a:solidFill>
+          </a:ln>
+        </p:spPr>
+        <p:style>
+          <a:lnRef idx="2">
+            <a:schemeClr val="accent1">
+              <a:shade val="50000"/>
+            </a:schemeClr>
+          </a:lnRef>
+          <a:fillRef idx="1">
+            <a:schemeClr val="accent1"/>
+          </a:fillRef>
+          <a:effectRef idx="0">
+            <a:schemeClr val="accent1"/>
+          </a:effectRef>
+          <a:fontRef idx="minor">
+            <a:schemeClr val="lt1"/>
+          </a:fontRef>
+        </p:style>
+        <p:txBody>
+          <a:bodyPr rtlCol="0" anchor="ctr"/>
+          <a:lstStyle/>
+          <a:p>
+            <a:pPr algn="ctr"/>
+            <a:r>
+              <a:rPr lang="pt-BR" sz="1600" b="1" dirty="0" smtClean="0"/>
+              <a:t>Persiste o melhor indivíduo</a:t>
+            </a:r>
+            <a:endParaRPr lang="pt-BR" sz="1600" b="1" dirty="0"/>
+          </a:p>
+        </p:txBody>
+      </p:sp>
+      <p:sp>
+        <p:nvSpPr>
+          <p:cNvPr id="10" name="Fluxograma: Decisão 9"/>
+          <p:cNvSpPr/>
+          <p:nvPr/>
+        </p:nvSpPr>
+        <p:spPr>
+          <a:xfrm>
+            <a:off x="5576976" y="3078519"/>
+            <a:ext cx="3024336" cy="1660080"/>
+          </a:xfrm>
+          <a:prstGeom prst="flowChartDecision">
+            <a:avLst/>
+          </a:prstGeom>
+          <a:ln>
+            <a:solidFill>
+              <a:schemeClr val="tx1"/>
+            </a:solidFill>
+          </a:ln>
+        </p:spPr>
+        <p:style>
+          <a:lnRef idx="2">
+            <a:schemeClr val="accent1">
+              <a:shade val="50000"/>
+            </a:schemeClr>
+          </a:lnRef>
+          <a:fillRef idx="1">
+            <a:schemeClr val="accent1"/>
+          </a:fillRef>
+          <a:effectRef idx="0">
+            <a:schemeClr val="accent1"/>
+          </a:effectRef>
+          <a:fontRef idx="minor">
+            <a:schemeClr val="lt1"/>
+          </a:fontRef>
+        </p:style>
+        <p:txBody>
+          <a:bodyPr rtlCol="0" anchor="ctr"/>
+          <a:lstStyle/>
+          <a:p>
+            <a:pPr algn="ctr"/>
+            <a:r>
+              <a:rPr lang="pt-BR" sz="1600" b="1" dirty="0" smtClean="0"/>
+              <a:t>A população contem o resultado ?</a:t>
+            </a:r>
+            <a:endParaRPr lang="pt-BR" sz="1600" b="1" dirty="0"/>
+          </a:p>
+        </p:txBody>
+      </p:sp>
+      <p:sp>
+        <p:nvSpPr>
+          <p:cNvPr id="11" name="Fluxograma: Conector 10"/>
+          <p:cNvSpPr/>
+          <p:nvPr/>
+        </p:nvSpPr>
+        <p:spPr>
+          <a:xfrm>
+            <a:off x="6983660" y="6188384"/>
+            <a:ext cx="228600" cy="228600"/>
+          </a:xfrm>
+          <a:prstGeom prst="flowChartConnector">
+            <a:avLst/>
+          </a:prstGeom>
+          <a:ln>
+            <a:solidFill>
+              <a:schemeClr val="tx1"/>
+            </a:solidFill>
+          </a:ln>
+        </p:spPr>
+        <p:style>
+          <a:lnRef idx="2">
+            <a:schemeClr val="accent1">
+              <a:shade val="50000"/>
+            </a:schemeClr>
+          </a:lnRef>
+          <a:fillRef idx="1">
+            <a:schemeClr val="accent1"/>
+          </a:fillRef>
+          <a:effectRef idx="0">
+            <a:schemeClr val="accent1"/>
+          </a:effectRef>
+          <a:fontRef idx="minor">
+            <a:schemeClr val="lt1"/>
+          </a:fontRef>
+        </p:style>
+        <p:txBody>
+          <a:bodyPr rtlCol="0" anchor="ctr"/>
+          <a:lstStyle/>
+          <a:p>
+            <a:pPr algn="ctr"/>
             <a:r>
               <a:rPr lang="pt-BR" dirty="0" smtClean="0"/>
-              <a:t>16Gb </a:t>
-            </a:r>
-            <a:r>
-              <a:rPr lang="pt-BR" dirty="0"/>
-              <a:t>de memória RAM </a:t>
-            </a:r>
-            <a:endParaRPr lang="pt-BR" dirty="0" smtClean="0"/>
-          </a:p>
-          <a:p>
-            <a:pPr>
-              <a:buFont typeface="Wingdings" panose="05000000000000000000" pitchFamily="2" charset="2"/>
-              <a:buChar char="v"/>
-            </a:pPr>
+              <a:t>x</a:t>
+            </a:r>
+            <a:endParaRPr lang="pt-BR" dirty="0"/>
+          </a:p>
+        </p:txBody>
+      </p:sp>
+      <p:sp>
+        <p:nvSpPr>
+          <p:cNvPr id="12" name="Fluxograma: Decisão 11"/>
+          <p:cNvSpPr/>
+          <p:nvPr/>
+        </p:nvSpPr>
+        <p:spPr>
+          <a:xfrm>
+            <a:off x="784826" y="4143186"/>
+            <a:ext cx="3829932" cy="1757400"/>
+          </a:xfrm>
+          <a:prstGeom prst="flowChartDecision">
+            <a:avLst/>
+          </a:prstGeom>
+          <a:ln>
+            <a:solidFill>
+              <a:schemeClr val="tx1"/>
+            </a:solidFill>
+          </a:ln>
+        </p:spPr>
+        <p:style>
+          <a:lnRef idx="2">
+            <a:schemeClr val="accent1">
+              <a:shade val="50000"/>
+            </a:schemeClr>
+          </a:lnRef>
+          <a:fillRef idx="1">
+            <a:schemeClr val="accent1"/>
+          </a:fillRef>
+          <a:effectRef idx="0">
+            <a:schemeClr val="accent1"/>
+          </a:effectRef>
+          <a:fontRef idx="minor">
+            <a:schemeClr val="lt1"/>
+          </a:fontRef>
+        </p:style>
+        <p:txBody>
+          <a:bodyPr rtlCol="0" anchor="ctr"/>
+          <a:lstStyle/>
+          <a:p>
+            <a:pPr algn="ctr"/>
+            <a:r>
+              <a:rPr lang="pt-BR" sz="1600" b="1" dirty="0" smtClean="0"/>
+              <a:t>O número de gerações atingiu o tamanho limite?</a:t>
+            </a:r>
+            <a:endParaRPr lang="pt-BR" sz="1600" b="1" dirty="0"/>
+          </a:p>
+        </p:txBody>
+      </p:sp>
+      <p:cxnSp>
+        <p:nvCxnSpPr>
+          <p:cNvPr id="13" name="Conector de seta reta 12"/>
+          <p:cNvCxnSpPr>
+            <a:stCxn id="5" idx="4"/>
+            <a:endCxn id="6" idx="0"/>
+          </p:cNvCxnSpPr>
+          <p:nvPr/>
+        </p:nvCxnSpPr>
+        <p:spPr>
+          <a:xfrm>
+            <a:off x="7092280" y="1560712"/>
+            <a:ext cx="0" cy="369245"/>
+          </a:xfrm>
+          <a:prstGeom prst="straightConnector1">
+            <a:avLst/>
+          </a:prstGeom>
+          <a:ln>
+            <a:solidFill>
+              <a:schemeClr val="tx1"/>
+            </a:solidFill>
+            <a:tailEnd type="arrow"/>
+          </a:ln>
+        </p:spPr>
+        <p:style>
+          <a:lnRef idx="1">
+            <a:schemeClr val="accent1"/>
+          </a:lnRef>
+          <a:fillRef idx="0">
+            <a:schemeClr val="accent1"/>
+          </a:fillRef>
+          <a:effectRef idx="0">
+            <a:schemeClr val="accent1"/>
+          </a:effectRef>
+          <a:fontRef idx="minor">
+            <a:schemeClr val="tx1"/>
+          </a:fontRef>
+        </p:style>
+      </p:cxnSp>
+      <p:cxnSp>
+        <p:nvCxnSpPr>
+          <p:cNvPr id="15" name="Conector de seta reta 14"/>
+          <p:cNvCxnSpPr>
+            <a:stCxn id="6" idx="2"/>
+            <a:endCxn id="10" idx="0"/>
+          </p:cNvCxnSpPr>
+          <p:nvPr/>
+        </p:nvCxnSpPr>
+        <p:spPr>
+          <a:xfrm flipH="1">
+            <a:off x="7089144" y="2802016"/>
+            <a:ext cx="3136" cy="276503"/>
+          </a:xfrm>
+          <a:prstGeom prst="straightConnector1">
+            <a:avLst/>
+          </a:prstGeom>
+          <a:ln>
+            <a:solidFill>
+              <a:schemeClr val="tx1"/>
+            </a:solidFill>
+            <a:tailEnd type="arrow"/>
+          </a:ln>
+        </p:spPr>
+        <p:style>
+          <a:lnRef idx="1">
+            <a:schemeClr val="accent1"/>
+          </a:lnRef>
+          <a:fillRef idx="0">
+            <a:schemeClr val="accent1"/>
+          </a:fillRef>
+          <a:effectRef idx="0">
+            <a:schemeClr val="accent1"/>
+          </a:effectRef>
+          <a:fontRef idx="minor">
+            <a:schemeClr val="tx1"/>
+          </a:fontRef>
+        </p:style>
+      </p:cxnSp>
+      <p:cxnSp>
+        <p:nvCxnSpPr>
+          <p:cNvPr id="39" name="Conector de seta reta 38"/>
+          <p:cNvCxnSpPr>
+            <a:stCxn id="10" idx="2"/>
+            <a:endCxn id="8" idx="0"/>
+          </p:cNvCxnSpPr>
+          <p:nvPr/>
+        </p:nvCxnSpPr>
+        <p:spPr>
+          <a:xfrm>
+            <a:off x="7089144" y="4738599"/>
+            <a:ext cx="22196" cy="356261"/>
+          </a:xfrm>
+          <a:prstGeom prst="straightConnector1">
+            <a:avLst/>
+          </a:prstGeom>
+          <a:ln>
+            <a:solidFill>
+              <a:schemeClr val="tx1"/>
+            </a:solidFill>
+            <a:tailEnd type="arrow"/>
+          </a:ln>
+        </p:spPr>
+        <p:style>
+          <a:lnRef idx="1">
+            <a:schemeClr val="accent1"/>
+          </a:lnRef>
+          <a:fillRef idx="0">
+            <a:schemeClr val="accent1"/>
+          </a:fillRef>
+          <a:effectRef idx="0">
+            <a:schemeClr val="accent1"/>
+          </a:effectRef>
+          <a:fontRef idx="minor">
+            <a:schemeClr val="tx1"/>
+          </a:fontRef>
+        </p:style>
+      </p:cxnSp>
+      <p:cxnSp>
+        <p:nvCxnSpPr>
+          <p:cNvPr id="41" name="Conector de seta reta 40"/>
+          <p:cNvCxnSpPr>
+            <a:stCxn id="8" idx="2"/>
+            <a:endCxn id="11" idx="0"/>
+          </p:cNvCxnSpPr>
+          <p:nvPr/>
+        </p:nvCxnSpPr>
+        <p:spPr>
+          <a:xfrm flipH="1">
+            <a:off x="7097960" y="5909606"/>
+            <a:ext cx="13380" cy="278778"/>
+          </a:xfrm>
+          <a:prstGeom prst="straightConnector1">
+            <a:avLst/>
+          </a:prstGeom>
+          <a:ln>
+            <a:solidFill>
+              <a:schemeClr val="tx1"/>
+            </a:solidFill>
+            <a:tailEnd type="arrow"/>
+          </a:ln>
+        </p:spPr>
+        <p:style>
+          <a:lnRef idx="1">
+            <a:schemeClr val="accent1"/>
+          </a:lnRef>
+          <a:fillRef idx="0">
+            <a:schemeClr val="accent1"/>
+          </a:fillRef>
+          <a:effectRef idx="0">
+            <a:schemeClr val="accent1"/>
+          </a:effectRef>
+          <a:fontRef idx="minor">
+            <a:schemeClr val="tx1"/>
+          </a:fontRef>
+        </p:style>
+      </p:cxnSp>
+      <p:cxnSp>
+        <p:nvCxnSpPr>
+          <p:cNvPr id="46" name="Conector de seta reta 45"/>
+          <p:cNvCxnSpPr>
+            <a:stCxn id="10" idx="1"/>
+            <a:endCxn id="12" idx="3"/>
+          </p:cNvCxnSpPr>
+          <p:nvPr/>
+        </p:nvCxnSpPr>
+        <p:spPr>
+          <a:xfrm flipH="1">
+            <a:off x="4614758" y="3908559"/>
+            <a:ext cx="962218" cy="1113327"/>
+          </a:xfrm>
+          <a:prstGeom prst="straightConnector1">
+            <a:avLst/>
+          </a:prstGeom>
+          <a:ln>
+            <a:solidFill>
+              <a:schemeClr val="tx1"/>
+            </a:solidFill>
+            <a:tailEnd type="arrow"/>
+          </a:ln>
+        </p:spPr>
+        <p:style>
+          <a:lnRef idx="1">
+            <a:schemeClr val="accent1"/>
+          </a:lnRef>
+          <a:fillRef idx="0">
+            <a:schemeClr val="accent1"/>
+          </a:fillRef>
+          <a:effectRef idx="0">
+            <a:schemeClr val="accent1"/>
+          </a:effectRef>
+          <a:fontRef idx="minor">
+            <a:schemeClr val="tx1"/>
+          </a:fontRef>
+        </p:style>
+      </p:cxnSp>
+      <p:cxnSp>
+        <p:nvCxnSpPr>
+          <p:cNvPr id="48" name="Conector de seta reta 47"/>
+          <p:cNvCxnSpPr>
+            <a:stCxn id="12" idx="2"/>
+            <a:endCxn id="8" idx="1"/>
+          </p:cNvCxnSpPr>
+          <p:nvPr/>
+        </p:nvCxnSpPr>
+        <p:spPr>
+          <a:xfrm flipV="1">
+            <a:off x="2699792" y="5502233"/>
+            <a:ext cx="3736462" cy="398353"/>
+          </a:xfrm>
+          <a:prstGeom prst="straightConnector1">
+            <a:avLst/>
+          </a:prstGeom>
+          <a:ln>
+            <a:solidFill>
+              <a:schemeClr val="tx1"/>
+            </a:solidFill>
+            <a:tailEnd type="arrow"/>
+          </a:ln>
+        </p:spPr>
+        <p:style>
+          <a:lnRef idx="1">
+            <a:schemeClr val="accent1"/>
+          </a:lnRef>
+          <a:fillRef idx="0">
+            <a:schemeClr val="accent1"/>
+          </a:fillRef>
+          <a:effectRef idx="0">
+            <a:schemeClr val="accent1"/>
+          </a:effectRef>
+          <a:fontRef idx="minor">
+            <a:schemeClr val="tx1"/>
+          </a:fontRef>
+        </p:style>
+      </p:cxnSp>
+      <p:cxnSp>
+        <p:nvCxnSpPr>
+          <p:cNvPr id="52" name="Conector de seta reta 51"/>
+          <p:cNvCxnSpPr>
+            <a:stCxn id="12" idx="0"/>
+            <a:endCxn id="7" idx="2"/>
+          </p:cNvCxnSpPr>
+          <p:nvPr/>
+        </p:nvCxnSpPr>
+        <p:spPr>
+          <a:xfrm flipV="1">
+            <a:off x="2699792" y="3682976"/>
+            <a:ext cx="0" cy="460210"/>
+          </a:xfrm>
+          <a:prstGeom prst="straightConnector1">
+            <a:avLst/>
+          </a:prstGeom>
+          <a:ln>
+            <a:solidFill>
+              <a:schemeClr val="tx1"/>
+            </a:solidFill>
+            <a:tailEnd type="arrow"/>
+          </a:ln>
+        </p:spPr>
+        <p:style>
+          <a:lnRef idx="1">
+            <a:schemeClr val="accent1"/>
+          </a:lnRef>
+          <a:fillRef idx="0">
+            <a:schemeClr val="accent1"/>
+          </a:fillRef>
+          <a:effectRef idx="0">
+            <a:schemeClr val="accent1"/>
+          </a:effectRef>
+          <a:fontRef idx="minor">
+            <a:schemeClr val="tx1"/>
+          </a:fontRef>
+        </p:style>
+      </p:cxnSp>
+      <p:cxnSp>
+        <p:nvCxnSpPr>
+          <p:cNvPr id="54" name="Conector de seta reta 53"/>
+          <p:cNvCxnSpPr>
+            <a:stCxn id="7" idx="3"/>
+            <a:endCxn id="10" idx="0"/>
+          </p:cNvCxnSpPr>
+          <p:nvPr/>
+        </p:nvCxnSpPr>
+        <p:spPr>
+          <a:xfrm flipV="1">
+            <a:off x="3338683" y="3078519"/>
+            <a:ext cx="3750461" cy="273097"/>
+          </a:xfrm>
+          <a:prstGeom prst="straightConnector1">
+            <a:avLst/>
+          </a:prstGeom>
+          <a:ln>
+            <a:solidFill>
+              <a:schemeClr val="tx1"/>
+            </a:solidFill>
+            <a:tailEnd type="arrow"/>
+          </a:ln>
+        </p:spPr>
+        <p:style>
+          <a:lnRef idx="1">
+            <a:schemeClr val="accent1"/>
+          </a:lnRef>
+          <a:fillRef idx="0">
+            <a:schemeClr val="accent1"/>
+          </a:fillRef>
+          <a:effectRef idx="0">
+            <a:schemeClr val="accent1"/>
+          </a:effectRef>
+          <a:fontRef idx="minor">
+            <a:schemeClr val="tx1"/>
+          </a:fontRef>
+        </p:style>
+      </p:cxnSp>
+      <p:sp>
+        <p:nvSpPr>
+          <p:cNvPr id="8229" name="CaixaDeTexto 8228"/>
+          <p:cNvSpPr txBox="1"/>
+          <p:nvPr/>
+        </p:nvSpPr>
+        <p:spPr>
+          <a:xfrm>
+            <a:off x="5110243" y="4465222"/>
+            <a:ext cx="663964" cy="369332"/>
+          </a:xfrm>
+          <a:prstGeom prst="rect">
+            <a:avLst/>
+          </a:prstGeom>
+          <a:noFill/>
+        </p:spPr>
+        <p:txBody>
+          <a:bodyPr wrap="none" rtlCol="0">
+            <a:spAutoFit/>
+          </a:bodyPr>
+          <a:lstStyle/>
+          <a:p>
             <a:r>
               <a:rPr lang="pt-BR" dirty="0" smtClean="0"/>
-              <a:t>Sistema operacional </a:t>
-            </a:r>
-            <a:r>
-              <a:rPr lang="pt-BR" dirty="0"/>
-              <a:t>Windows 7 </a:t>
-            </a:r>
+              <a:t>Não</a:t>
+            </a:r>
+            <a:endParaRPr lang="pt-BR" dirty="0"/>
+          </a:p>
+        </p:txBody>
+      </p:sp>
+      <p:sp>
+        <p:nvSpPr>
+          <p:cNvPr id="102" name="CaixaDeTexto 101"/>
+          <p:cNvSpPr txBox="1"/>
+          <p:nvPr/>
+        </p:nvSpPr>
+        <p:spPr>
+          <a:xfrm>
+            <a:off x="2843808" y="3775353"/>
+            <a:ext cx="663964" cy="369332"/>
+          </a:xfrm>
+          <a:prstGeom prst="rect">
+            <a:avLst/>
+          </a:prstGeom>
+          <a:noFill/>
+        </p:spPr>
+        <p:txBody>
+          <a:bodyPr wrap="none" rtlCol="0">
+            <a:spAutoFit/>
+          </a:bodyPr>
+          <a:lstStyle/>
+          <a:p>
             <a:r>
               <a:rPr lang="pt-BR" dirty="0" smtClean="0"/>
-              <a:t>64bit</a:t>
-            </a:r>
-          </a:p>
-          <a:p>
-            <a:endParaRPr lang="pt-BR" u="sng" dirty="0" smtClean="0"/>
-          </a:p>
-          <a:p>
+              <a:t>Não</a:t>
+            </a:r>
+            <a:endParaRPr lang="pt-BR" dirty="0"/>
+          </a:p>
+        </p:txBody>
+      </p:sp>
+      <p:sp>
+        <p:nvSpPr>
+          <p:cNvPr id="103" name="CaixaDeTexto 102"/>
+          <p:cNvSpPr txBox="1"/>
+          <p:nvPr/>
+        </p:nvSpPr>
+        <p:spPr>
+          <a:xfrm>
+            <a:off x="4614758" y="5679123"/>
+            <a:ext cx="562975" cy="369332"/>
+          </a:xfrm>
+          <a:prstGeom prst="rect">
+            <a:avLst/>
+          </a:prstGeom>
+          <a:noFill/>
+        </p:spPr>
+        <p:txBody>
+          <a:bodyPr wrap="none" rtlCol="0">
+            <a:spAutoFit/>
+          </a:bodyPr>
+          <a:lstStyle/>
+          <a:p>
+            <a:r>
+              <a:rPr lang="pt-BR" dirty="0" smtClean="0"/>
+              <a:t>Sim</a:t>
+            </a:r>
+            <a:endParaRPr lang="pt-BR" dirty="0"/>
+          </a:p>
+        </p:txBody>
+      </p:sp>
+      <p:sp>
+        <p:nvSpPr>
+          <p:cNvPr id="104" name="CaixaDeTexto 103"/>
+          <p:cNvSpPr txBox="1"/>
+          <p:nvPr/>
+        </p:nvSpPr>
+        <p:spPr>
+          <a:xfrm>
+            <a:off x="7230347" y="4652554"/>
+            <a:ext cx="562975" cy="369332"/>
+          </a:xfrm>
+          <a:prstGeom prst="rect">
+            <a:avLst/>
+          </a:prstGeom>
+          <a:noFill/>
+        </p:spPr>
+        <p:txBody>
+          <a:bodyPr wrap="none" rtlCol="0">
+            <a:spAutoFit/>
+          </a:bodyPr>
+          <a:lstStyle/>
+          <a:p>
+            <a:r>
+              <a:rPr lang="pt-BR" dirty="0" smtClean="0"/>
+              <a:t>Sim</a:t>
+            </a:r>
             <a:endParaRPr lang="pt-BR" dirty="0"/>
           </a:p>
         </p:txBody>
@@ -17301,7 +18986,7 @@
     </p:spTree>
     <p:extLst>
       <p:ext uri="{BB962C8B-B14F-4D97-AF65-F5344CB8AC3E}">
-        <p14:creationId xmlns:p14="http://schemas.microsoft.com/office/powerpoint/2010/main" val="1097085339"/>
+        <p14:creationId xmlns:p14="http://schemas.microsoft.com/office/powerpoint/2010/main" val="993251545"/>
       </p:ext>
     </p:extLst>
   </p:cSld>
@@ -17347,18 +19032,12 @@
         </p:nvSpPr>
         <p:spPr/>
         <p:txBody>
-          <a:bodyPr>
-            <a:normAutofit fontScale="90000"/>
-          </a:bodyPr>
+          <a:bodyPr/>
           <a:lstStyle/>
           <a:p>
             <a:r>
-              <a:rPr lang="pt-BR" dirty="0"/>
-              <a:t>Resultados Obtidos - Teste </a:t>
-            </a:r>
-            <a:r>
               <a:rPr lang="pt-BR" dirty="0" smtClean="0"/>
-              <a:t>Inicial	</a:t>
+              <a:t>Resultados Obtidos	</a:t>
             </a:r>
             <a:endParaRPr lang="pt-BR" dirty="0"/>
           </a:p>
@@ -17376,18 +19055,16 @@
         </p:nvSpPr>
         <p:spPr/>
         <p:txBody>
-          <a:bodyPr>
-            <a:normAutofit fontScale="92500" lnSpcReduction="10000"/>
-          </a:bodyPr>
+          <a:bodyPr/>
           <a:lstStyle/>
           <a:p>
             <a:r>
               <a:rPr lang="pt-BR" dirty="0" smtClean="0"/>
-              <a:t>Teste Inicial</a:t>
-            </a:r>
-          </a:p>
-          <a:p>
-            <a:endParaRPr lang="pt-BR" dirty="0"/>
+              <a:t>Configuração da maquina</a:t>
+            </a:r>
+          </a:p>
+          <a:p>
+            <a:endParaRPr lang="pt-BR" dirty="0" smtClean="0"/>
           </a:p>
           <a:p>
             <a:pPr>
@@ -17396,8 +19073,13 @@
             </a:pPr>
             <a:r>
               <a:rPr lang="pt-BR" dirty="0" smtClean="0"/>
-              <a:t>10 salas</a:t>
-            </a:r>
+              <a:t>Intel </a:t>
+            </a:r>
+            <a:r>
+              <a:rPr lang="pt-BR" dirty="0"/>
+              <a:t>(R) Core (TM) i5 3.40GHz </a:t>
+            </a:r>
+            <a:endParaRPr lang="pt-BR" dirty="0" smtClean="0"/>
           </a:p>
           <a:p>
             <a:pPr>
@@ -17406,19 +19088,12 @@
             </a:pPr>
             <a:r>
               <a:rPr lang="pt-BR" dirty="0" smtClean="0"/>
-              <a:t>46 disciplinas e suas restrições de horário</a:t>
-            </a:r>
-          </a:p>
-          <a:p>
-            <a:endParaRPr lang="pt-BR" dirty="0" smtClean="0"/>
-          </a:p>
-          <a:p>
-            <a:r>
-              <a:rPr lang="pt-BR" dirty="0" smtClean="0"/>
-              <a:t>Objetivo do teste inicial</a:t>
-            </a:r>
-          </a:p>
-          <a:p>
+              <a:t>16Gb </a:t>
+            </a:r>
+            <a:r>
+              <a:rPr lang="pt-BR" dirty="0"/>
+              <a:t>de memória RAM </a:t>
+            </a:r>
             <a:endParaRPr lang="pt-BR" dirty="0" smtClean="0"/>
           </a:p>
           <a:p>
@@ -17428,16 +19103,52 @@
             </a:pPr>
             <a:r>
               <a:rPr lang="pt-BR" dirty="0" smtClean="0"/>
-              <a:t>Descobrir o desempenho do algoritmo antes de utilizar a carga completa</a:t>
-            </a:r>
+              <a:t>Sistema operacional </a:t>
+            </a:r>
+            <a:r>
+              <a:rPr lang="pt-BR" dirty="0"/>
+              <a:t>Windows 7 </a:t>
+            </a:r>
+            <a:r>
+              <a:rPr lang="pt-BR" dirty="0" smtClean="0"/>
+              <a:t>64bit</a:t>
+            </a:r>
+          </a:p>
+          <a:p>
+            <a:endParaRPr lang="pt-BR" u="sng" dirty="0" smtClean="0"/>
+          </a:p>
+          <a:p>
             <a:endParaRPr lang="pt-BR" dirty="0"/>
+          </a:p>
+        </p:txBody>
+      </p:sp>
+      <p:sp>
+        <p:nvSpPr>
+          <p:cNvPr id="4" name="Espaço Reservado para Número de Slide 3"/>
+          <p:cNvSpPr>
+            <a:spLocks noGrp="1"/>
+          </p:cNvSpPr>
+          <p:nvPr>
+            <p:ph type="sldNum" sz="quarter" idx="12"/>
+          </p:nvPr>
+        </p:nvSpPr>
+        <p:spPr/>
+        <p:txBody>
+          <a:bodyPr/>
+          <a:lstStyle/>
+          <a:p>
+            <a:fld id="{695B8AFF-493B-4AA4-A2CD-F1B8BCED297E}" type="slidenum">
+              <a:rPr lang="pt-BR" sz="3200" smtClean="0"/>
+              <a:t>26</a:t>
+            </a:fld>
+            <a:endParaRPr lang="pt-BR" sz="3200" dirty="0"/>
           </a:p>
         </p:txBody>
       </p:sp>
     </p:spTree>
     <p:extLst>
       <p:ext uri="{BB962C8B-B14F-4D97-AF65-F5344CB8AC3E}">
-        <p14:creationId xmlns:p14="http://schemas.microsoft.com/office/powerpoint/2010/main" val="901607256"/>
+        <p14:creationId xmlns:p14="http://schemas.microsoft.com/office/powerpoint/2010/main" val="1097085339"/>
       </p:ext>
     </p:extLst>
   </p:cSld>
@@ -17489,8 +19200,8 @@
           <a:lstStyle/>
           <a:p>
             <a:r>
-              <a:rPr lang="pt-BR" dirty="0" smtClean="0"/>
-              <a:t>Base de dados para apresentação</a:t>
+              <a:rPr lang="pt-BR" dirty="0"/>
+              <a:t>Resultados Obtidos - Teste Inicial	</a:t>
             </a:r>
             <a:r>
               <a:rPr lang="pt-BR" dirty="0" smtClean="0"/>
@@ -17517,36 +19228,94 @@
           </a:bodyPr>
           <a:lstStyle/>
           <a:p>
-            <a:endParaRPr lang="pt-BR" dirty="0" smtClean="0"/>
-          </a:p>
-          <a:p>
-            <a:endParaRPr lang="pt-BR" dirty="0"/>
-          </a:p>
-          <a:p>
             <a:r>
               <a:rPr lang="pt-BR" dirty="0" smtClean="0"/>
-              <a:t>3 salas </a:t>
-            </a:r>
-          </a:p>
-          <a:p>
-            <a:r>
-              <a:rPr lang="pt-BR" dirty="0" smtClean="0"/>
-              <a:t>5 horários</a:t>
-            </a:r>
-          </a:p>
-          <a:p>
-            <a:r>
-              <a:rPr lang="pt-BR" dirty="0" smtClean="0"/>
-              <a:t>2 disciplinas</a:t>
-            </a:r>
-            <a:endParaRPr lang="pt-BR" dirty="0" smtClean="0"/>
-          </a:p>
-        </p:txBody>
-      </p:sp>
+              <a:t>Parâmetros iniciais</a:t>
+            </a:r>
+          </a:p>
+        </p:txBody>
+      </p:sp>
+      <p:sp>
+        <p:nvSpPr>
+          <p:cNvPr id="4" name="Espaço Reservado para Número de Slide 3"/>
+          <p:cNvSpPr>
+            <a:spLocks noGrp="1"/>
+          </p:cNvSpPr>
+          <p:nvPr>
+            <p:ph type="sldNum" sz="quarter" idx="12"/>
+          </p:nvPr>
+        </p:nvSpPr>
+        <p:spPr/>
+        <p:txBody>
+          <a:bodyPr/>
+          <a:lstStyle/>
+          <a:p>
+            <a:fld id="{695B8AFF-493B-4AA4-A2CD-F1B8BCED297E}" type="slidenum">
+              <a:rPr lang="pt-BR" sz="3200" smtClean="0"/>
+              <a:t>27</a:t>
+            </a:fld>
+            <a:endParaRPr lang="pt-BR" sz="3200" dirty="0"/>
+          </a:p>
+        </p:txBody>
+      </p:sp>
+      <p:pic>
+        <p:nvPicPr>
+          <p:cNvPr id="9219" name="Picture 3"/>
+          <p:cNvPicPr>
+            <a:picLocks noChangeAspect="1" noChangeArrowheads="1"/>
+          </p:cNvPicPr>
+          <p:nvPr/>
+        </p:nvPicPr>
+        <p:blipFill>
+          <a:blip r:embed="rId2">
+            <a:extLst>
+              <a:ext uri="{28A0092B-C50C-407E-A947-70E740481C1C}">
+                <a14:useLocalDpi xmlns:a14="http://schemas.microsoft.com/office/drawing/2010/main" val="0"/>
+              </a:ext>
+            </a:extLst>
+          </a:blip>
+          <a:srcRect/>
+          <a:stretch>
+            <a:fillRect/>
+          </a:stretch>
+        </p:blipFill>
+        <p:spPr bwMode="auto">
+          <a:xfrm>
+            <a:off x="2843808" y="2745354"/>
+            <a:ext cx="3816424" cy="3746208"/>
+          </a:xfrm>
+          <a:prstGeom prst="rect">
+            <a:avLst/>
+          </a:prstGeom>
+          <a:noFill/>
+          <a:ln>
+            <a:noFill/>
+          </a:ln>
+          <a:extLst>
+            <a:ext uri="{909E8E84-426E-40DD-AFC4-6F175D3DCCD1}">
+              <a14:hiddenFill xmlns:a14="http://schemas.microsoft.com/office/drawing/2010/main">
+                <a:solidFill>
+                  <a:srgbClr val="FFFFFF"/>
+                </a:solidFill>
+              </a14:hiddenFill>
+            </a:ext>
+            <a:ext uri="{91240B29-F687-4F45-9708-019B960494DF}">
+              <a14:hiddenLine xmlns:a14="http://schemas.microsoft.com/office/drawing/2010/main" w="9525">
+                <a:solidFill>
+                  <a:srgbClr val="000000"/>
+                </a:solidFill>
+                <a:miter lim="800000"/>
+                <a:headEnd/>
+                <a:tailEnd/>
+              </a14:hiddenLine>
+            </a:ext>
+          </a:extLst>
+        </p:spPr>
+      </p:pic>
     </p:spTree>
     <p:extLst>
       <p:ext uri="{BB962C8B-B14F-4D97-AF65-F5344CB8AC3E}">
-        <p14:creationId xmlns:p14="http://schemas.microsoft.com/office/powerpoint/2010/main" val="2513362439"/>
+        <p14:creationId xmlns:p14="http://schemas.microsoft.com/office/powerpoint/2010/main" val="3209973377"/>
       </p:ext>
     </p:extLst>
   </p:cSld>
@@ -17599,11 +19368,11 @@
           <a:p>
             <a:r>
               <a:rPr lang="pt-BR" dirty="0"/>
-              <a:t>Resultados Obtidos - Teste Inicial	</a:t>
+              <a:t>Resultados Obtidos - Teste </a:t>
             </a:r>
             <a:r>
               <a:rPr lang="pt-BR" dirty="0" smtClean="0"/>
-              <a:t>	</a:t>
+              <a:t>Inicial	</a:t>
             </a:r>
             <a:endParaRPr lang="pt-BR" dirty="0"/>
           </a:p>
@@ -17622,75 +19391,90 @@
         <p:spPr/>
         <p:txBody>
           <a:bodyPr>
-            <a:normAutofit/>
+            <a:normAutofit fontScale="92500" lnSpcReduction="10000"/>
           </a:bodyPr>
           <a:lstStyle/>
           <a:p>
             <a:r>
               <a:rPr lang="pt-BR" dirty="0" smtClean="0"/>
-              <a:t>Parâmetros iniciais</a:t>
-            </a:r>
-          </a:p>
-        </p:txBody>
-      </p:sp>
-      <p:pic>
-        <p:nvPicPr>
-          <p:cNvPr id="9219" name="Picture 3"/>
-          <p:cNvPicPr>
-            <a:picLocks noChangeAspect="1" noChangeArrowheads="1"/>
-          </p:cNvPicPr>
-          <p:nvPr/>
-        </p:nvPicPr>
-        <p:blipFill>
-          <a:blip r:embed="rId2">
-            <a:extLst>
-              <a:ext uri="{28A0092B-C50C-407E-A947-70E740481C1C}">
-                <a14:useLocalDpi xmlns:a14="http://schemas.microsoft.com/office/drawing/2010/main" val="0"/>
-              </a:ext>
-            </a:extLst>
-          </a:blip>
-          <a:srcRect/>
-          <a:stretch>
-            <a:fillRect/>
-          </a:stretch>
-        </p:blipFill>
-        <p:spPr bwMode="auto">
-          <a:xfrm>
-            <a:off x="2987824" y="2971750"/>
-            <a:ext cx="2933700" cy="2879725"/>
-          </a:xfrm>
-          <a:prstGeom prst="rect">
-            <a:avLst/>
-          </a:prstGeom>
-          <a:noFill/>
-          <a:ln>
-            <a:noFill/>
-          </a:ln>
-          <a:extLst>
-            <a:ext uri="{909E8E84-426E-40DD-AFC4-6F175D3DCCD1}">
-              <a14:hiddenFill xmlns:a14="http://schemas.microsoft.com/office/drawing/2010/main">
-                <a:solidFill>
-                  <a:srgbClr val="FFFFFF"/>
-                </a:solidFill>
-              </a14:hiddenFill>
-            </a:ext>
-            <a:ext uri="{91240B29-F687-4F45-9708-019B960494DF}">
-              <a14:hiddenLine xmlns:a14="http://schemas.microsoft.com/office/drawing/2010/main" w="9525">
-                <a:solidFill>
-                  <a:srgbClr val="000000"/>
-                </a:solidFill>
-                <a:miter lim="800000"/>
-                <a:headEnd/>
-                <a:tailEnd/>
-              </a14:hiddenLine>
-            </a:ext>
-          </a:extLst>
-        </p:spPr>
-      </p:pic>
+              <a:t>Teste Inicial</a:t>
+            </a:r>
+          </a:p>
+          <a:p>
+            <a:endParaRPr lang="pt-BR" dirty="0"/>
+          </a:p>
+          <a:p>
+            <a:pPr>
+              <a:buFont typeface="Wingdings" panose="05000000000000000000" pitchFamily="2" charset="2"/>
+              <a:buChar char="v"/>
+            </a:pPr>
+            <a:r>
+              <a:rPr lang="pt-BR" dirty="0" smtClean="0"/>
+              <a:t>10 salas</a:t>
+            </a:r>
+          </a:p>
+          <a:p>
+            <a:pPr>
+              <a:buFont typeface="Wingdings" panose="05000000000000000000" pitchFamily="2" charset="2"/>
+              <a:buChar char="v"/>
+            </a:pPr>
+            <a:r>
+              <a:rPr lang="pt-BR" dirty="0" smtClean="0"/>
+              <a:t>46 disciplinas e suas restrições de horário</a:t>
+            </a:r>
+          </a:p>
+          <a:p>
+            <a:endParaRPr lang="pt-BR" dirty="0" smtClean="0"/>
+          </a:p>
+          <a:p>
+            <a:r>
+              <a:rPr lang="pt-BR" dirty="0" smtClean="0"/>
+              <a:t>Objetivo do teste inicial</a:t>
+            </a:r>
+          </a:p>
+          <a:p>
+            <a:endParaRPr lang="pt-BR" dirty="0" smtClean="0"/>
+          </a:p>
+          <a:p>
+            <a:pPr>
+              <a:buFont typeface="Wingdings" panose="05000000000000000000" pitchFamily="2" charset="2"/>
+              <a:buChar char="v"/>
+            </a:pPr>
+            <a:r>
+              <a:rPr lang="pt-BR" dirty="0" smtClean="0"/>
+              <a:t>Descobrir o desempenho do algoritmo antes de utilizar a carga completa</a:t>
+            </a:r>
+            <a:endParaRPr lang="pt-BR" dirty="0"/>
+          </a:p>
+        </p:txBody>
+      </p:sp>
+      <p:sp>
+        <p:nvSpPr>
+          <p:cNvPr id="4" name="Espaço Reservado para Número de Slide 3"/>
+          <p:cNvSpPr>
+            <a:spLocks noGrp="1"/>
+          </p:cNvSpPr>
+          <p:nvPr>
+            <p:ph type="sldNum" sz="quarter" idx="12"/>
+          </p:nvPr>
+        </p:nvSpPr>
+        <p:spPr/>
+        <p:txBody>
+          <a:bodyPr/>
+          <a:lstStyle/>
+          <a:p>
+            <a:fld id="{695B8AFF-493B-4AA4-A2CD-F1B8BCED297E}" type="slidenum">
+              <a:rPr lang="pt-BR" sz="3200" smtClean="0"/>
+              <a:t>28</a:t>
+            </a:fld>
+            <a:endParaRPr lang="pt-BR" sz="3200" dirty="0"/>
+          </a:p>
+        </p:txBody>
+      </p:sp>
     </p:spTree>
     <p:extLst>
       <p:ext uri="{BB962C8B-B14F-4D97-AF65-F5344CB8AC3E}">
-        <p14:creationId xmlns:p14="http://schemas.microsoft.com/office/powerpoint/2010/main" val="2133338884"/>
+        <p14:creationId xmlns:p14="http://schemas.microsoft.com/office/powerpoint/2010/main" val="901607256"/>
       </p:ext>
     </p:extLst>
   </p:cSld>
@@ -17772,92 +19556,34 @@
           <a:p>
             <a:r>
               <a:rPr lang="pt-BR" dirty="0" smtClean="0"/>
-              <a:t>Testes</a:t>
-            </a:r>
+              <a:t>Resultado dos </a:t>
+            </a:r>
+            <a:r>
+              <a:rPr lang="pt-BR" dirty="0" smtClean="0"/>
+              <a:t>testes </a:t>
+            </a:r>
+            <a:r>
+              <a:rPr lang="pt-BR" dirty="0" err="1" smtClean="0"/>
+              <a:t>realisados</a:t>
+            </a:r>
+            <a:endParaRPr lang="pt-BR" dirty="0" smtClean="0"/>
           </a:p>
           <a:p>
             <a:endParaRPr lang="pt-BR" dirty="0"/>
           </a:p>
           <a:p>
-            <a:pPr>
-              <a:buFont typeface="Wingdings" panose="05000000000000000000" pitchFamily="2" charset="2"/>
-              <a:buChar char="v"/>
-            </a:pPr>
-            <a:r>
-              <a:rPr lang="pt-BR" dirty="0" smtClean="0"/>
-              <a:t>Todos parâmetros</a:t>
-            </a:r>
-          </a:p>
-          <a:p>
-            <a:pPr>
-              <a:buFont typeface="Wingdings" panose="05000000000000000000" pitchFamily="2" charset="2"/>
-              <a:buChar char="v"/>
-            </a:pPr>
-            <a:r>
-              <a:rPr lang="pt-BR" dirty="0" smtClean="0"/>
-              <a:t>Sem o parâmetro de mutação</a:t>
-            </a:r>
-          </a:p>
-          <a:p>
-            <a:pPr>
-              <a:buFont typeface="Wingdings" panose="05000000000000000000" pitchFamily="2" charset="2"/>
-              <a:buChar char="v"/>
-            </a:pPr>
-            <a:r>
-              <a:rPr lang="pt-BR" dirty="0" smtClean="0"/>
-              <a:t>Sem o parâmetro de crossover</a:t>
-            </a:r>
-          </a:p>
-          <a:p>
             <a:endParaRPr lang="pt-BR" dirty="0" smtClean="0"/>
           </a:p>
         </p:txBody>
       </p:sp>
-    </p:spTree>
-    <p:extLst>
-      <p:ext uri="{BB962C8B-B14F-4D97-AF65-F5344CB8AC3E}">
-        <p14:creationId xmlns:p14="http://schemas.microsoft.com/office/powerpoint/2010/main" val="3238930541"/>
-      </p:ext>
-    </p:extLst>
-  </p:cSld>
-  <p:clrMapOvr>
-    <a:masterClrMapping/>
-  </p:clrMapOvr>
-  <p:timing>
-    <p:tnLst>
-      <p:par>
-        <p:cTn id="1" dur="indefinite" restart="never" nodeType="tmRoot"/>
-      </p:par>
-    </p:tnLst>
-  </p:timing>
-</p:sld>
-</file>
-
-<file path=ppt/slides/slide3.xml><?xml version="1.0" encoding="utf-8"?>
-<p:sld xmlns:a="http://schemas.openxmlformats.org/drawingml/2006/main" xmlns:r="http://schemas.openxmlformats.org/officeDocument/2006/relationships" xmlns:p="http://schemas.openxmlformats.org/presentationml/2006/main">
-  <p:cSld>
-    <p:spTree>
-      <p:nvGrpSpPr>
-        <p:cNvPr id="1" name=""/>
-        <p:cNvGrpSpPr/>
-        <p:nvPr/>
-      </p:nvGrpSpPr>
-      <p:grpSpPr>
-        <a:xfrm>
-          <a:off x="0" y="0"/>
-          <a:ext cx="0" cy="0"/>
-          <a:chOff x="0" y="0"/>
-          <a:chExt cx="0" cy="0"/>
-        </a:xfrm>
-      </p:grpSpPr>
-      <p:sp>
-        <p:nvSpPr>
-          <p:cNvPr id="2" name="Título 1"/>
+      <p:sp>
+        <p:nvSpPr>
+          <p:cNvPr id="4" name="Espaço Reservado para Número de Slide 3"/>
           <p:cNvSpPr>
             <a:spLocks noGrp="1"/>
           </p:cNvSpPr>
           <p:nvPr>
-            <p:ph type="title"/>
+            <p:ph type="sldNum" sz="quarter" idx="12"/>
           </p:nvPr>
         </p:nvSpPr>
         <p:spPr/>
@@ -17865,172 +19591,11 @@
           <a:bodyPr/>
           <a:lstStyle/>
           <a:p>
-            <a:r>
-              <a:rPr lang="pt-BR" dirty="0" smtClean="0"/>
-              <a:t>Introdução	</a:t>
-            </a:r>
-            <a:endParaRPr lang="pt-BR" dirty="0"/>
-          </a:p>
-        </p:txBody>
-      </p:sp>
-      <p:sp>
-        <p:nvSpPr>
-          <p:cNvPr id="3" name="Espaço Reservado para Conteúdo 2"/>
-          <p:cNvSpPr>
-            <a:spLocks noGrp="1"/>
-          </p:cNvSpPr>
-          <p:nvPr>
-            <p:ph idx="1"/>
-          </p:nvPr>
-        </p:nvSpPr>
-        <p:spPr/>
-        <p:txBody>
-          <a:bodyPr/>
-          <a:lstStyle/>
-          <a:p>
-            <a:r>
-              <a:rPr lang="pt-BR" dirty="0" smtClean="0"/>
-              <a:t>Contextualização</a:t>
-            </a:r>
-          </a:p>
-          <a:p>
-            <a:endParaRPr lang="pt-BR" dirty="0" smtClean="0"/>
-          </a:p>
-          <a:p>
-            <a:pPr>
-              <a:buFont typeface="Wingdings" panose="05000000000000000000" pitchFamily="2" charset="2"/>
-              <a:buChar char="v"/>
-            </a:pPr>
-            <a:r>
-              <a:rPr lang="pt-BR" dirty="0" smtClean="0"/>
-              <a:t>Problema de Alocação de Salas PAS</a:t>
-            </a:r>
-          </a:p>
-          <a:p>
-            <a:pPr>
-              <a:buFont typeface="Wingdings" panose="05000000000000000000" pitchFamily="2" charset="2"/>
-              <a:buChar char="v"/>
-            </a:pPr>
-            <a:r>
-              <a:rPr lang="pt-BR" dirty="0" smtClean="0"/>
-              <a:t>Meta-heurística Algoritmo Genético</a:t>
-            </a:r>
-          </a:p>
-          <a:p>
-            <a:pPr>
-              <a:buFont typeface="Wingdings" panose="05000000000000000000" pitchFamily="2" charset="2"/>
-              <a:buChar char="v"/>
-            </a:pPr>
-            <a:r>
-              <a:rPr lang="pt-BR" dirty="0" smtClean="0"/>
-              <a:t>Alocação de 149 disciplinas em 50 salas disponíveis na Faculdade de Filosofia e Ciências Humanas.</a:t>
-            </a:r>
-          </a:p>
-          <a:p>
-            <a:pPr>
-              <a:buFont typeface="Wingdings" panose="05000000000000000000" pitchFamily="2" charset="2"/>
-              <a:buChar char="v"/>
-            </a:pPr>
-            <a:endParaRPr lang="pt-BR" dirty="0" smtClean="0"/>
-          </a:p>
-          <a:p>
-            <a:endParaRPr lang="pt-BR" dirty="0"/>
-          </a:p>
-        </p:txBody>
-      </p:sp>
-    </p:spTree>
-    <p:extLst>
-      <p:ext uri="{BB962C8B-B14F-4D97-AF65-F5344CB8AC3E}">
-        <p14:creationId xmlns:p14="http://schemas.microsoft.com/office/powerpoint/2010/main" val="3801576391"/>
-      </p:ext>
-    </p:extLst>
-  </p:cSld>
-  <p:clrMapOvr>
-    <a:masterClrMapping/>
-  </p:clrMapOvr>
-  <p:timing>
-    <p:tnLst>
-      <p:par>
-        <p:cTn id="1" dur="indefinite" restart="never" nodeType="tmRoot"/>
-      </p:par>
-    </p:tnLst>
-  </p:timing>
-</p:sld>
-</file>
-
-<file path=ppt/slides/slide30.xml><?xml version="1.0" encoding="utf-8"?>
-<p:sld xmlns:a="http://schemas.openxmlformats.org/drawingml/2006/main" xmlns:r="http://schemas.openxmlformats.org/officeDocument/2006/relationships" xmlns:p="http://schemas.openxmlformats.org/presentationml/2006/main">
-  <p:cSld>
-    <p:spTree>
-      <p:nvGrpSpPr>
-        <p:cNvPr id="1" name=""/>
-        <p:cNvGrpSpPr/>
-        <p:nvPr/>
-      </p:nvGrpSpPr>
-      <p:grpSpPr>
-        <a:xfrm>
-          <a:off x="0" y="0"/>
-          <a:ext cx="0" cy="0"/>
-          <a:chOff x="0" y="0"/>
-          <a:chExt cx="0" cy="0"/>
-        </a:xfrm>
-      </p:grpSpPr>
-      <p:sp>
-        <p:nvSpPr>
-          <p:cNvPr id="2" name="Título 1"/>
-          <p:cNvSpPr>
-            <a:spLocks noGrp="1"/>
-          </p:cNvSpPr>
-          <p:nvPr>
-            <p:ph type="title"/>
-          </p:nvPr>
-        </p:nvSpPr>
-        <p:spPr/>
-        <p:txBody>
-          <a:bodyPr>
-            <a:normAutofit fontScale="90000"/>
-          </a:bodyPr>
-          <a:lstStyle/>
-          <a:p>
-            <a:r>
-              <a:rPr lang="pt-BR" dirty="0"/>
-              <a:t>Resultados Obtidos - Teste Inicial	</a:t>
-            </a:r>
-            <a:r>
-              <a:rPr lang="pt-BR" dirty="0" smtClean="0"/>
-              <a:t>	</a:t>
-            </a:r>
-            <a:endParaRPr lang="pt-BR" dirty="0"/>
-          </a:p>
-        </p:txBody>
-      </p:sp>
-      <p:sp>
-        <p:nvSpPr>
-          <p:cNvPr id="3" name="Espaço Reservado para Conteúdo 2"/>
-          <p:cNvSpPr>
-            <a:spLocks noGrp="1"/>
-          </p:cNvSpPr>
-          <p:nvPr>
-            <p:ph idx="1"/>
-          </p:nvPr>
-        </p:nvSpPr>
-        <p:spPr/>
-        <p:txBody>
-          <a:bodyPr>
-            <a:normAutofit/>
-          </a:bodyPr>
-          <a:lstStyle/>
-          <a:p>
-            <a:r>
-              <a:rPr lang="pt-BR" dirty="0" smtClean="0"/>
-              <a:t>Resultado dos testes</a:t>
-            </a:r>
-          </a:p>
-          <a:p>
-            <a:endParaRPr lang="pt-BR" dirty="0"/>
-          </a:p>
-          <a:p>
-            <a:endParaRPr lang="pt-BR" dirty="0" smtClean="0"/>
+            <a:fld id="{695B8AFF-493B-4AA4-A2CD-F1B8BCED297E}" type="slidenum">
+              <a:rPr lang="pt-BR" sz="3200" smtClean="0"/>
+              <a:t>29</a:t>
+            </a:fld>
+            <a:endParaRPr lang="pt-BR" sz="3200" dirty="0"/>
           </a:p>
         </p:txBody>
       </p:sp>
@@ -18057,7 +19622,7 @@
         </p:blipFill>
         <p:spPr bwMode="auto">
           <a:xfrm>
-            <a:off x="1159024" y="2924944"/>
+            <a:off x="1159023" y="2921248"/>
             <a:ext cx="6781275" cy="3342200"/>
           </a:xfrm>
           <a:prstGeom prst="rect">
@@ -18118,7 +19683,7 @@
 </p:sld>
 </file>
 
-<file path=ppt/slides/slide31.xml><?xml version="1.0" encoding="utf-8"?>
+<file path=ppt/slides/slide3.xml><?xml version="1.0" encoding="utf-8"?>
 <p:sld xmlns:a="http://schemas.openxmlformats.org/drawingml/2006/main" xmlns:r="http://schemas.openxmlformats.org/officeDocument/2006/relationships" xmlns:p="http://schemas.openxmlformats.org/presentationml/2006/main">
   <p:cSld>
     <p:spTree>
@@ -18153,12 +19718,12 @@
           <a:lstStyle/>
           <a:p>
             <a:r>
-              <a:rPr lang="pt-BR" dirty="0"/>
-              <a:t>Resultados Obtidos - Teste Inicial	</a:t>
-            </a:r>
-            <a:r>
               <a:rPr lang="pt-BR" dirty="0" smtClean="0"/>
-              <a:t>	</a:t>
+              <a:t>Base de dados para </a:t>
+            </a:r>
+            <a:r>
+              <a:rPr lang="pt-BR" dirty="0" smtClean="0"/>
+              <a:t>simulação de alocação</a:t>
             </a:r>
             <a:endParaRPr lang="pt-BR" dirty="0"/>
           </a:p>
@@ -18174,7 +19739,12 @@
             <p:ph idx="1"/>
           </p:nvPr>
         </p:nvSpPr>
-        <p:spPr/>
+        <p:spPr>
+          <a:xfrm>
+            <a:off x="1043492" y="2323653"/>
+            <a:ext cx="6777317" cy="2617516"/>
+          </a:xfrm>
+        </p:spPr>
         <p:txBody>
           <a:bodyPr>
             <a:normAutofit/>
@@ -18183,11 +19753,12 @@
           <a:p>
             <a:r>
               <a:rPr lang="pt-BR" dirty="0" smtClean="0"/>
-              <a:t>Melhoria genética</a:t>
-            </a:r>
-          </a:p>
-          <a:p>
+              <a:t>Composição dos dados</a:t>
+            </a:r>
             <a:endParaRPr lang="pt-BR" dirty="0" smtClean="0"/>
+          </a:p>
+          <a:p>
+            <a:endParaRPr lang="pt-BR" dirty="0"/>
           </a:p>
           <a:p>
             <a:pPr>
@@ -18196,15 +19767,78 @@
             </a:pPr>
             <a:r>
               <a:rPr lang="pt-BR" dirty="0" smtClean="0"/>
-              <a:t>Troca dos genes para um posição que respeite as restrições do problema.</a:t>
-            </a:r>
+              <a:t>3 </a:t>
+            </a:r>
+            <a:r>
+              <a:rPr lang="pt-BR" dirty="0" smtClean="0"/>
+              <a:t>salas </a:t>
+            </a:r>
+          </a:p>
+          <a:p>
+            <a:pPr>
+              <a:buFont typeface="Wingdings" panose="05000000000000000000" pitchFamily="2" charset="2"/>
+              <a:buChar char="v"/>
+            </a:pPr>
+            <a:r>
+              <a:rPr lang="pt-BR" dirty="0"/>
+              <a:t>6</a:t>
+            </a:r>
+            <a:r>
+              <a:rPr lang="pt-BR" dirty="0" smtClean="0"/>
+              <a:t> </a:t>
+            </a:r>
+            <a:r>
+              <a:rPr lang="pt-BR" dirty="0" smtClean="0"/>
+              <a:t>horários</a:t>
+            </a:r>
+          </a:p>
+          <a:p>
+            <a:pPr>
+              <a:buFont typeface="Wingdings" panose="05000000000000000000" pitchFamily="2" charset="2"/>
+              <a:buChar char="v"/>
+            </a:pPr>
+            <a:r>
+              <a:rPr lang="pt-BR" dirty="0"/>
+              <a:t>3</a:t>
+            </a:r>
+            <a:r>
+              <a:rPr lang="pt-BR" dirty="0" smtClean="0"/>
+              <a:t> </a:t>
+            </a:r>
+            <a:r>
+              <a:rPr lang="pt-BR" dirty="0" smtClean="0"/>
+              <a:t>disciplinas</a:t>
+            </a:r>
+          </a:p>
+        </p:txBody>
+      </p:sp>
+      <p:sp>
+        <p:nvSpPr>
+          <p:cNvPr id="4" name="Espaço Reservado para Número de Slide 3"/>
+          <p:cNvSpPr>
+            <a:spLocks noGrp="1"/>
+          </p:cNvSpPr>
+          <p:nvPr>
+            <p:ph type="sldNum" sz="quarter" idx="12"/>
+          </p:nvPr>
+        </p:nvSpPr>
+        <p:spPr/>
+        <p:txBody>
+          <a:bodyPr/>
+          <a:lstStyle/>
+          <a:p>
+            <a:fld id="{695B8AFF-493B-4AA4-A2CD-F1B8BCED297E}" type="slidenum">
+              <a:rPr lang="pt-BR" sz="3200" smtClean="0"/>
+              <a:t>3</a:t>
+            </a:fld>
+            <a:endParaRPr lang="pt-BR" sz="3200" dirty="0"/>
           </a:p>
         </p:txBody>
       </p:sp>
     </p:spTree>
     <p:extLst>
       <p:ext uri="{BB962C8B-B14F-4D97-AF65-F5344CB8AC3E}">
-        <p14:creationId xmlns:p14="http://schemas.microsoft.com/office/powerpoint/2010/main" val="1184005835"/>
+        <p14:creationId xmlns:p14="http://schemas.microsoft.com/office/powerpoint/2010/main" val="2790957748"/>
       </p:ext>
     </p:extLst>
   </p:cSld>
@@ -18221,7 +19855,7 @@
 </p:sld>
 </file>
 
-<file path=ppt/slides/slide32.xml><?xml version="1.0" encoding="utf-8"?>
+<file path=ppt/slides/slide30.xml><?xml version="1.0" encoding="utf-8"?>
 <p:sld xmlns:a="http://schemas.openxmlformats.org/drawingml/2006/main" xmlns:r="http://schemas.openxmlformats.org/officeDocument/2006/relationships" xmlns:p="http://schemas.openxmlformats.org/presentationml/2006/main">
   <p:cSld>
     <p:spTree>
@@ -18294,6 +19928,29 @@
           </a:p>
           <a:p>
             <a:endParaRPr lang="pt-BR" dirty="0" smtClean="0"/>
+          </a:p>
+        </p:txBody>
+      </p:sp>
+      <p:sp>
+        <p:nvSpPr>
+          <p:cNvPr id="4" name="Espaço Reservado para Número de Slide 3"/>
+          <p:cNvSpPr>
+            <a:spLocks noGrp="1"/>
+          </p:cNvSpPr>
+          <p:nvPr>
+            <p:ph type="sldNum" sz="quarter" idx="12"/>
+          </p:nvPr>
+        </p:nvSpPr>
+        <p:spPr/>
+        <p:txBody>
+          <a:bodyPr/>
+          <a:lstStyle/>
+          <a:p>
+            <a:fld id="{695B8AFF-493B-4AA4-A2CD-F1B8BCED297E}" type="slidenum">
+              <a:rPr lang="pt-BR" sz="3200" smtClean="0"/>
+              <a:t>30</a:t>
+            </a:fld>
+            <a:endParaRPr lang="pt-BR" sz="3200" dirty="0"/>
           </a:p>
         </p:txBody>
       </p:sp>
@@ -18371,7 +20028,7 @@
 </p:sld>
 </file>
 
-<file path=ppt/slides/slide33.xml><?xml version="1.0" encoding="utf-8"?>
+<file path=ppt/slides/slide31.xml><?xml version="1.0" encoding="utf-8"?>
 <p:sld xmlns:a="http://schemas.openxmlformats.org/drawingml/2006/main" xmlns:r="http://schemas.openxmlformats.org/officeDocument/2006/relationships" xmlns:p="http://schemas.openxmlformats.org/presentationml/2006/main">
   <p:cSld>
     <p:spTree>
@@ -18436,153 +20093,41 @@
           <a:p>
             <a:r>
               <a:rPr lang="pt-BR" dirty="0" smtClean="0"/>
-              <a:t>Testes com crossover e melhoria genética</a:t>
-            </a:r>
-          </a:p>
-          <a:p>
+              <a:t>Testes com a utilização de crossover</a:t>
+            </a:r>
             <a:endParaRPr lang="pt-BR" dirty="0" smtClean="0"/>
           </a:p>
           <a:p>
-            <a:pPr>
-              <a:buFont typeface="Wingdings" panose="05000000000000000000" pitchFamily="2" charset="2"/>
-              <a:buChar char="v"/>
-            </a:pPr>
-            <a:r>
-              <a:rPr lang="pt-BR" dirty="0" smtClean="0"/>
-              <a:t>Inserção do parâmetro de crossover</a:t>
-            </a:r>
-          </a:p>
-          <a:p>
-            <a:pPr>
-              <a:buFont typeface="Wingdings" panose="05000000000000000000" pitchFamily="2" charset="2"/>
-              <a:buChar char="v"/>
-            </a:pPr>
-            <a:r>
-              <a:rPr lang="pt-BR" dirty="0" smtClean="0"/>
-              <a:t>Dobro da população metade do crossover</a:t>
-            </a:r>
-          </a:p>
-          <a:p>
-            <a:pPr>
-              <a:buFont typeface="Wingdings" panose="05000000000000000000" pitchFamily="2" charset="2"/>
-              <a:buChar char="v"/>
-            </a:pPr>
-            <a:r>
-              <a:rPr lang="pt-BR" dirty="0" smtClean="0"/>
-              <a:t>Dobro da população metade do crossover 2</a:t>
-            </a:r>
             <a:endParaRPr lang="pt-BR" dirty="0"/>
           </a:p>
           <a:p>
-            <a:pPr marL="68580" indent="0">
-              <a:buNone/>
-            </a:pPr>
+            <a:endParaRPr lang="pt-BR" dirty="0"/>
+          </a:p>
+          <a:p>
             <a:endParaRPr lang="pt-BR" dirty="0" smtClean="0"/>
           </a:p>
-          <a:p>
-            <a:endParaRPr lang="pt-BR" dirty="0"/>
-          </a:p>
-          <a:p>
-            <a:endParaRPr lang="pt-BR" dirty="0" smtClean="0"/>
-          </a:p>
-        </p:txBody>
-      </p:sp>
-    </p:spTree>
-    <p:extLst>
-      <p:ext uri="{BB962C8B-B14F-4D97-AF65-F5344CB8AC3E}">
-        <p14:creationId xmlns:p14="http://schemas.microsoft.com/office/powerpoint/2010/main" val="3879314854"/>
-      </p:ext>
-    </p:extLst>
-  </p:cSld>
-  <p:clrMapOvr>
-    <a:masterClrMapping/>
-  </p:clrMapOvr>
-  <p:timing>
-    <p:tnLst>
-      <p:par>
-        <p:cTn id="1" dur="indefinite" restart="never" nodeType="tmRoot"/>
-      </p:par>
-    </p:tnLst>
-  </p:timing>
-</p:sld>
-</file>
-
-<file path=ppt/slides/slide34.xml><?xml version="1.0" encoding="utf-8"?>
-<p:sld xmlns:a="http://schemas.openxmlformats.org/drawingml/2006/main" xmlns:r="http://schemas.openxmlformats.org/officeDocument/2006/relationships" xmlns:p="http://schemas.openxmlformats.org/presentationml/2006/main">
-  <p:cSld>
-    <p:spTree>
-      <p:nvGrpSpPr>
-        <p:cNvPr id="1" name=""/>
-        <p:cNvGrpSpPr/>
-        <p:nvPr/>
-      </p:nvGrpSpPr>
-      <p:grpSpPr>
-        <a:xfrm>
-          <a:off x="0" y="0"/>
-          <a:ext cx="0" cy="0"/>
-          <a:chOff x="0" y="0"/>
-          <a:chExt cx="0" cy="0"/>
-        </a:xfrm>
-      </p:grpSpPr>
-      <p:sp>
-        <p:nvSpPr>
-          <p:cNvPr id="2" name="Título 1"/>
+        </p:txBody>
+      </p:sp>
+      <p:sp>
+        <p:nvSpPr>
+          <p:cNvPr id="4" name="Espaço Reservado para Número de Slide 3"/>
           <p:cNvSpPr>
             <a:spLocks noGrp="1"/>
           </p:cNvSpPr>
           <p:nvPr>
-            <p:ph type="title"/>
+            <p:ph type="sldNum" sz="quarter" idx="12"/>
           </p:nvPr>
         </p:nvSpPr>
         <p:spPr/>
         <p:txBody>
-          <a:bodyPr>
-            <a:normAutofit fontScale="90000"/>
-          </a:bodyPr>
+          <a:bodyPr/>
           <a:lstStyle/>
           <a:p>
-            <a:r>
-              <a:rPr lang="pt-BR" dirty="0"/>
-              <a:t>Resultados Obtidos - Teste Inicial	</a:t>
-            </a:r>
-            <a:r>
-              <a:rPr lang="pt-BR" dirty="0" smtClean="0"/>
-              <a:t>	</a:t>
-            </a:r>
-            <a:endParaRPr lang="pt-BR" dirty="0"/>
-          </a:p>
-        </p:txBody>
-      </p:sp>
-      <p:sp>
-        <p:nvSpPr>
-          <p:cNvPr id="3" name="Espaço Reservado para Conteúdo 2"/>
-          <p:cNvSpPr>
-            <a:spLocks noGrp="1"/>
-          </p:cNvSpPr>
-          <p:nvPr>
-            <p:ph idx="1"/>
-          </p:nvPr>
-        </p:nvSpPr>
-        <p:spPr/>
-        <p:txBody>
-          <a:bodyPr>
-            <a:normAutofit/>
-          </a:bodyPr>
-          <a:lstStyle/>
-          <a:p>
-            <a:r>
-              <a:rPr lang="pt-BR" dirty="0" smtClean="0"/>
-              <a:t>Resultados dos testes</a:t>
-            </a:r>
-          </a:p>
-          <a:p>
-            <a:endParaRPr lang="pt-BR" dirty="0"/>
-          </a:p>
-          <a:p>
-            <a:endParaRPr lang="pt-BR" dirty="0"/>
-          </a:p>
-          <a:p>
-            <a:endParaRPr lang="pt-BR" dirty="0" smtClean="0"/>
+            <a:fld id="{695B8AFF-493B-4AA4-A2CD-F1B8BCED297E}" type="slidenum">
+              <a:rPr lang="pt-BR" sz="3200" smtClean="0"/>
+              <a:t>31</a:t>
+            </a:fld>
+            <a:endParaRPr lang="pt-BR" sz="3200" dirty="0"/>
           </a:p>
         </p:txBody>
       </p:sp>
@@ -18670,7 +20215,7 @@
 </p:sld>
 </file>
 
-<file path=ppt/slides/slide35.xml><?xml version="1.0" encoding="utf-8"?>
+<file path=ppt/slides/slide32.xml><?xml version="1.0" encoding="utf-8"?>
 <p:sld xmlns:a="http://schemas.openxmlformats.org/drawingml/2006/main" xmlns:r="http://schemas.openxmlformats.org/officeDocument/2006/relationships" xmlns:p="http://schemas.openxmlformats.org/presentationml/2006/main">
   <p:cSld>
     <p:spTree>
@@ -18734,8 +20279,24 @@
           <a:lstStyle/>
           <a:p>
             <a:r>
-              <a:rPr lang="pt-BR" dirty="0" smtClean="0"/>
-              <a:t>Comparação melhor resultado com o método de mutação </a:t>
+              <a:rPr lang="pt-BR" sz="1800" dirty="0" smtClean="0"/>
+              <a:t>Comparação melhor </a:t>
+            </a:r>
+            <a:r>
+              <a:rPr lang="pt-BR" sz="1800" dirty="0" smtClean="0"/>
+              <a:t>resultado com </a:t>
+            </a:r>
+            <a:r>
+              <a:rPr lang="pt-BR" sz="1800" dirty="0" smtClean="0"/>
+              <a:t>o </a:t>
+            </a:r>
+            <a:r>
+              <a:rPr lang="pt-BR" sz="1800" dirty="0" smtClean="0"/>
+              <a:t>parâmetro de crossover e o método </a:t>
+            </a:r>
+            <a:r>
+              <a:rPr lang="pt-BR" sz="1800" dirty="0" smtClean="0"/>
+              <a:t>de mutação </a:t>
             </a:r>
           </a:p>
           <a:p>
@@ -18746,6 +20307,29 @@
           </a:p>
           <a:p>
             <a:endParaRPr lang="pt-BR" dirty="0" smtClean="0"/>
+          </a:p>
+        </p:txBody>
+      </p:sp>
+      <p:sp>
+        <p:nvSpPr>
+          <p:cNvPr id="4" name="Espaço Reservado para Número de Slide 3"/>
+          <p:cNvSpPr>
+            <a:spLocks noGrp="1"/>
+          </p:cNvSpPr>
+          <p:nvPr>
+            <p:ph type="sldNum" sz="quarter" idx="12"/>
+          </p:nvPr>
+        </p:nvSpPr>
+        <p:spPr/>
+        <p:txBody>
+          <a:bodyPr/>
+          <a:lstStyle/>
+          <a:p>
+            <a:fld id="{695B8AFF-493B-4AA4-A2CD-F1B8BCED297E}" type="slidenum">
+              <a:rPr lang="pt-BR" sz="3200" smtClean="0"/>
+              <a:t>32</a:t>
+            </a:fld>
+            <a:endParaRPr lang="pt-BR" sz="3200" dirty="0"/>
           </a:p>
         </p:txBody>
       </p:sp>
@@ -18772,8 +20356,8 @@
         </p:blipFill>
         <p:spPr bwMode="auto">
           <a:xfrm>
-            <a:off x="1331640" y="3212975"/>
-            <a:ext cx="6768752" cy="3072341"/>
+            <a:off x="1187622" y="3030736"/>
+            <a:ext cx="7014029" cy="3183673"/>
           </a:xfrm>
           <a:prstGeom prst="rect">
             <a:avLst/>
@@ -18833,7 +20417,7 @@
 </p:sld>
 </file>
 
-<file path=ppt/slides/slide36.xml><?xml version="1.0" encoding="utf-8"?>
+<file path=ppt/slides/slide33.xml><?xml version="1.0" encoding="utf-8"?>
 <p:sld xmlns:a="http://schemas.openxmlformats.org/drawingml/2006/main" xmlns:r="http://schemas.openxmlformats.org/officeDocument/2006/relationships" xmlns:p="http://schemas.openxmlformats.org/presentationml/2006/main">
   <p:cSld>
     <p:spTree>
@@ -18915,6 +20499,29 @@
           </a:p>
           <a:p>
             <a:endParaRPr lang="pt-BR" dirty="0" smtClean="0"/>
+          </a:p>
+        </p:txBody>
+      </p:sp>
+      <p:sp>
+        <p:nvSpPr>
+          <p:cNvPr id="4" name="Espaço Reservado para Número de Slide 3"/>
+          <p:cNvSpPr>
+            <a:spLocks noGrp="1"/>
+          </p:cNvSpPr>
+          <p:nvPr>
+            <p:ph type="sldNum" sz="quarter" idx="12"/>
+          </p:nvPr>
+        </p:nvSpPr>
+        <p:spPr/>
+        <p:txBody>
+          <a:bodyPr/>
+          <a:lstStyle/>
+          <a:p>
+            <a:fld id="{695B8AFF-493B-4AA4-A2CD-F1B8BCED297E}" type="slidenum">
+              <a:rPr lang="pt-BR" sz="3200" smtClean="0"/>
+              <a:t>33</a:t>
+            </a:fld>
+            <a:endParaRPr lang="pt-BR" sz="3200" dirty="0"/>
           </a:p>
         </p:txBody>
       </p:sp>
@@ -18941,8 +20548,8 @@
         </p:blipFill>
         <p:spPr bwMode="auto">
           <a:xfrm>
-            <a:off x="971600" y="3140968"/>
-            <a:ext cx="7344816" cy="3138773"/>
+            <a:off x="755576" y="2967360"/>
+            <a:ext cx="7681817" cy="3282789"/>
           </a:xfrm>
           <a:prstGeom prst="rect">
             <a:avLst/>
@@ -18992,7 +20599,7 @@
 </p:sld>
 </file>
 
-<file path=ppt/slides/slide37.xml><?xml version="1.0" encoding="utf-8"?>
+<file path=ppt/slides/slide34.xml><?xml version="1.0" encoding="utf-8"?>
 <p:sld xmlns:a="http://schemas.openxmlformats.org/drawingml/2006/main" xmlns:r="http://schemas.openxmlformats.org/officeDocument/2006/relationships" xmlns:p="http://schemas.openxmlformats.org/presentationml/2006/main">
   <p:cSld>
     <p:spTree>
@@ -19074,6 +20681,29 @@
           </a:p>
           <a:p>
             <a:endParaRPr lang="pt-BR" dirty="0" smtClean="0"/>
+          </a:p>
+        </p:txBody>
+      </p:sp>
+      <p:sp>
+        <p:nvSpPr>
+          <p:cNvPr id="4" name="Espaço Reservado para Número de Slide 3"/>
+          <p:cNvSpPr>
+            <a:spLocks noGrp="1"/>
+          </p:cNvSpPr>
+          <p:nvPr>
+            <p:ph type="sldNum" sz="quarter" idx="12"/>
+          </p:nvPr>
+        </p:nvSpPr>
+        <p:spPr/>
+        <p:txBody>
+          <a:bodyPr/>
+          <a:lstStyle/>
+          <a:p>
+            <a:fld id="{695B8AFF-493B-4AA4-A2CD-F1B8BCED297E}" type="slidenum">
+              <a:rPr lang="pt-BR" sz="3200" smtClean="0"/>
+              <a:t>34</a:t>
+            </a:fld>
+            <a:endParaRPr lang="pt-BR" sz="3200" dirty="0"/>
           </a:p>
         </p:txBody>
       </p:sp>
@@ -19161,7 +20791,7 @@
 </p:sld>
 </file>
 
-<file path=ppt/slides/slide38.xml><?xml version="1.0" encoding="utf-8"?>
+<file path=ppt/slides/slide35.xml><?xml version="1.0" encoding="utf-8"?>
 <p:sld xmlns:a="http://schemas.openxmlformats.org/drawingml/2006/main" xmlns:r="http://schemas.openxmlformats.org/officeDocument/2006/relationships" xmlns:p="http://schemas.openxmlformats.org/presentationml/2006/main">
   <p:cSld>
     <p:spTree>
@@ -19252,12 +20882,39 @@
             </a:pPr>
             <a:r>
               <a:rPr lang="pt-BR" dirty="0" smtClean="0"/>
-              <a:t>Total de 30 horas</a:t>
+              <a:t>Consumo de 30 </a:t>
+            </a:r>
+            <a:r>
+              <a:rPr lang="pt-BR" dirty="0" smtClean="0"/>
+              <a:t>horas</a:t>
             </a:r>
             <a:endParaRPr lang="pt-BR" dirty="0"/>
           </a:p>
           <a:p>
             <a:endParaRPr lang="pt-BR" dirty="0" smtClean="0"/>
+          </a:p>
+        </p:txBody>
+      </p:sp>
+      <p:sp>
+        <p:nvSpPr>
+          <p:cNvPr id="4" name="Espaço Reservado para Número de Slide 3"/>
+          <p:cNvSpPr>
+            <a:spLocks noGrp="1"/>
+          </p:cNvSpPr>
+          <p:nvPr>
+            <p:ph type="sldNum" sz="quarter" idx="12"/>
+          </p:nvPr>
+        </p:nvSpPr>
+        <p:spPr/>
+        <p:txBody>
+          <a:bodyPr/>
+          <a:lstStyle/>
+          <a:p>
+            <a:fld id="{695B8AFF-493B-4AA4-A2CD-F1B8BCED297E}" type="slidenum">
+              <a:rPr lang="pt-BR" sz="3200" smtClean="0"/>
+              <a:t>35</a:t>
+            </a:fld>
+            <a:endParaRPr lang="pt-BR" sz="3200" dirty="0"/>
           </a:p>
         </p:txBody>
       </p:sp>
@@ -19281,7 +20938,7 @@
 </p:sld>
 </file>
 
-<file path=ppt/slides/slide39.xml><?xml version="1.0" encoding="utf-8"?>
+<file path=ppt/slides/slide36.xml><?xml version="1.0" encoding="utf-8"?>
 <p:sld xmlns:a="http://schemas.openxmlformats.org/drawingml/2006/main" xmlns:r="http://schemas.openxmlformats.org/officeDocument/2006/relationships" xmlns:p="http://schemas.openxmlformats.org/presentationml/2006/main">
   <p:cSld>
     <p:spTree>
@@ -19354,123 +21011,23 @@
           <a:p>
             <a:r>
               <a:rPr lang="pt-BR" dirty="0" smtClean="0"/>
-              <a:t>Comparação da evolução da carga completa com a carga inicial de teste</a:t>
-            </a:r>
-          </a:p>
-          <a:p>
+              <a:t>Desempenho carga completa.</a:t>
+            </a:r>
             <a:endParaRPr lang="pt-BR" dirty="0" smtClean="0"/>
           </a:p>
-        </p:txBody>
-      </p:sp>
-      <p:pic>
-        <p:nvPicPr>
-          <p:cNvPr id="17410" name="Picture 2"/>
-          <p:cNvPicPr>
-            <a:picLocks noChangeAspect="1" noChangeArrowheads="1"/>
-          </p:cNvPicPr>
-          <p:nvPr/>
-        </p:nvPicPr>
-        <p:blipFill>
-          <a:blip r:embed="rId2">
-            <a:extLst>
-              <a:ext uri="{28A0092B-C50C-407E-A947-70E740481C1C}">
-                <a14:useLocalDpi xmlns:a14="http://schemas.microsoft.com/office/drawing/2010/main" val="0"/>
-              </a:ext>
-            </a:extLst>
-          </a:blip>
-          <a:srcRect/>
-          <a:stretch>
-            <a:fillRect/>
-          </a:stretch>
-        </p:blipFill>
-        <p:spPr bwMode="auto">
-          <a:xfrm>
-            <a:off x="1247304" y="3179030"/>
-            <a:ext cx="6709072" cy="3053706"/>
-          </a:xfrm>
-          <a:prstGeom prst="rect">
-            <a:avLst/>
-          </a:prstGeom>
-          <a:noFill/>
-          <a:ln>
-            <a:noFill/>
-          </a:ln>
-          <a:effectLst/>
-          <a:extLst>
-            <a:ext uri="{909E8E84-426E-40DD-AFC4-6F175D3DCCD1}">
-              <a14:hiddenFill xmlns:a14="http://schemas.microsoft.com/office/drawing/2010/main">
-                <a:solidFill>
-                  <a:schemeClr val="accent1"/>
-                </a:solidFill>
-              </a14:hiddenFill>
-            </a:ext>
-            <a:ext uri="{91240B29-F687-4F45-9708-019B960494DF}">
-              <a14:hiddenLine xmlns:a14="http://schemas.microsoft.com/office/drawing/2010/main" w="9525">
-                <a:solidFill>
-                  <a:schemeClr val="tx1"/>
-                </a:solidFill>
-                <a:miter lim="800000"/>
-                <a:headEnd/>
-                <a:tailEnd/>
-              </a14:hiddenLine>
-            </a:ext>
-            <a:ext uri="{AF507438-7753-43E0-B8FC-AC1667EBCBE1}">
-              <a14:hiddenEffects xmlns:a14="http://schemas.microsoft.com/office/drawing/2010/main">
-                <a:effectLst>
-                  <a:outerShdw dist="35921" dir="2700000" algn="ctr" rotWithShape="0">
-                    <a:schemeClr val="bg2"/>
-                  </a:outerShdw>
-                </a:effectLst>
-              </a14:hiddenEffects>
-            </a:ext>
-          </a:extLst>
-        </p:spPr>
-      </p:pic>
-    </p:spTree>
-    <p:extLst>
-      <p:ext uri="{BB962C8B-B14F-4D97-AF65-F5344CB8AC3E}">
-        <p14:creationId xmlns:p14="http://schemas.microsoft.com/office/powerpoint/2010/main" val="305467930"/>
-      </p:ext>
-    </p:extLst>
-  </p:cSld>
-  <p:clrMapOvr>
-    <a:masterClrMapping/>
-  </p:clrMapOvr>
-  <p:timing>
-    <p:tnLst>
-      <p:par>
-        <p:cTn id="1" dur="indefinite" restart="never" nodeType="tmRoot"/>
-      </p:par>
-    </p:tnLst>
-  </p:timing>
-</p:sld>
-</file>
-
-<file path=ppt/slides/slide4.xml><?xml version="1.0" encoding="utf-8"?>
-<p:sld xmlns:a="http://schemas.openxmlformats.org/drawingml/2006/main" xmlns:r="http://schemas.openxmlformats.org/officeDocument/2006/relationships" xmlns:p="http://schemas.openxmlformats.org/presentationml/2006/main">
-  <p:cSld>
-    <p:spTree>
-      <p:nvGrpSpPr>
-        <p:cNvPr id="1" name=""/>
-        <p:cNvGrpSpPr/>
-        <p:nvPr/>
-      </p:nvGrpSpPr>
-      <p:grpSpPr>
-        <a:xfrm>
-          <a:off x="0" y="0"/>
-          <a:ext cx="0" cy="0"/>
-          <a:chOff x="0" y="0"/>
-          <a:chExt cx="0" cy="0"/>
-        </a:xfrm>
-      </p:grpSpPr>
-      <p:sp>
-        <p:nvSpPr>
-          <p:cNvPr id="2" name="Título 1"/>
+          <a:p>
+            <a:endParaRPr lang="pt-BR" dirty="0" smtClean="0"/>
+          </a:p>
+        </p:txBody>
+      </p:sp>
+      <p:sp>
+        <p:nvSpPr>
+          <p:cNvPr id="4" name="Espaço Reservado para Número de Slide 3"/>
           <p:cNvSpPr>
             <a:spLocks noGrp="1"/>
           </p:cNvSpPr>
           <p:nvPr>
-            <p:ph type="title"/>
+            <p:ph type="sldNum" sz="quarter" idx="12"/>
           </p:nvPr>
         </p:nvSpPr>
         <p:spPr/>
@@ -19478,164 +21035,11 @@
           <a:bodyPr/>
           <a:lstStyle/>
           <a:p>
-            <a:r>
-              <a:rPr lang="pt-BR" dirty="0" smtClean="0"/>
-              <a:t>Introdução	</a:t>
-            </a:r>
-            <a:endParaRPr lang="pt-BR" dirty="0"/>
-          </a:p>
-        </p:txBody>
-      </p:sp>
-      <p:sp>
-        <p:nvSpPr>
-          <p:cNvPr id="3" name="Espaço Reservado para Conteúdo 2"/>
-          <p:cNvSpPr>
-            <a:spLocks noGrp="1"/>
-          </p:cNvSpPr>
-          <p:nvPr>
-            <p:ph idx="1"/>
-          </p:nvPr>
-        </p:nvSpPr>
-        <p:spPr/>
-        <p:txBody>
-          <a:bodyPr>
-            <a:normAutofit/>
-          </a:bodyPr>
-          <a:lstStyle/>
-          <a:p>
-            <a:r>
-              <a:rPr lang="pt-BR" dirty="0" smtClean="0"/>
-              <a:t>Objetivos</a:t>
-            </a:r>
-          </a:p>
-          <a:p>
-            <a:endParaRPr lang="pt-BR" dirty="0" smtClean="0"/>
-          </a:p>
-          <a:p>
-            <a:pPr>
-              <a:buFont typeface="Wingdings" panose="05000000000000000000" pitchFamily="2" charset="2"/>
-              <a:buChar char="v"/>
-            </a:pPr>
-            <a:r>
-              <a:rPr lang="pt-BR" dirty="0" smtClean="0"/>
-              <a:t>Otimizar o tempo da resolução do problema de alocação, utilizando algoritmo genético </a:t>
-            </a:r>
-          </a:p>
-          <a:p>
-            <a:pPr>
-              <a:buFont typeface="Wingdings" panose="05000000000000000000" pitchFamily="2" charset="2"/>
-              <a:buChar char="v"/>
-            </a:pPr>
-            <a:r>
-              <a:rPr lang="pt-BR" dirty="0" smtClean="0"/>
-              <a:t>O trabalho é manual consome o tempo de 2 semanas para ser realizado e é passível de alterações</a:t>
-            </a:r>
-          </a:p>
-        </p:txBody>
-      </p:sp>
-    </p:spTree>
-    <p:extLst>
-      <p:ext uri="{BB962C8B-B14F-4D97-AF65-F5344CB8AC3E}">
-        <p14:creationId xmlns:p14="http://schemas.microsoft.com/office/powerpoint/2010/main" val="1691545644"/>
-      </p:ext>
-    </p:extLst>
-  </p:cSld>
-  <p:clrMapOvr>
-    <a:masterClrMapping/>
-  </p:clrMapOvr>
-  <p:timing>
-    <p:tnLst>
-      <p:par>
-        <p:cTn id="1" dur="indefinite" restart="never" nodeType="tmRoot"/>
-      </p:par>
-    </p:tnLst>
-  </p:timing>
-</p:sld>
-</file>
-
-<file path=ppt/slides/slide40.xml><?xml version="1.0" encoding="utf-8"?>
-<p:sld xmlns:a="http://schemas.openxmlformats.org/drawingml/2006/main" xmlns:r="http://schemas.openxmlformats.org/officeDocument/2006/relationships" xmlns:p="http://schemas.openxmlformats.org/presentationml/2006/main">
-  <p:cSld>
-    <p:spTree>
-      <p:nvGrpSpPr>
-        <p:cNvPr id="1" name=""/>
-        <p:cNvGrpSpPr/>
-        <p:nvPr/>
-      </p:nvGrpSpPr>
-      <p:grpSpPr>
-        <a:xfrm>
-          <a:off x="0" y="0"/>
-          <a:ext cx="0" cy="0"/>
-          <a:chOff x="0" y="0"/>
-          <a:chExt cx="0" cy="0"/>
-        </a:xfrm>
-      </p:grpSpPr>
-      <p:sp>
-        <p:nvSpPr>
-          <p:cNvPr id="2" name="Título 1"/>
-          <p:cNvSpPr>
-            <a:spLocks noGrp="1"/>
-          </p:cNvSpPr>
-          <p:nvPr>
-            <p:ph type="title"/>
-          </p:nvPr>
-        </p:nvSpPr>
-        <p:spPr/>
-        <p:txBody>
-          <a:bodyPr>
-            <a:normAutofit fontScale="90000"/>
-          </a:bodyPr>
-          <a:lstStyle/>
-          <a:p>
-            <a:r>
-              <a:rPr lang="pt-BR" dirty="0"/>
-              <a:t>Resultados Obtidos - Teste </a:t>
-            </a:r>
-            <a:r>
-              <a:rPr lang="pt-BR" dirty="0" smtClean="0"/>
-              <a:t>Carga Completa</a:t>
-            </a:r>
-            <a:r>
-              <a:rPr lang="pt-BR" dirty="0"/>
-              <a:t>	</a:t>
-            </a:r>
-            <a:r>
-              <a:rPr lang="pt-BR" dirty="0" smtClean="0"/>
-              <a:t>	</a:t>
-            </a:r>
-            <a:endParaRPr lang="pt-BR" dirty="0"/>
-          </a:p>
-        </p:txBody>
-      </p:sp>
-      <p:sp>
-        <p:nvSpPr>
-          <p:cNvPr id="3" name="Espaço Reservado para Conteúdo 2"/>
-          <p:cNvSpPr>
-            <a:spLocks noGrp="1"/>
-          </p:cNvSpPr>
-          <p:nvPr>
-            <p:ph idx="1"/>
-          </p:nvPr>
-        </p:nvSpPr>
-        <p:spPr/>
-        <p:txBody>
-          <a:bodyPr>
-            <a:normAutofit/>
-          </a:bodyPr>
-          <a:lstStyle/>
-          <a:p>
-            <a:r>
-              <a:rPr lang="pt-BR" dirty="0" smtClean="0"/>
-              <a:t>Previsão </a:t>
-            </a:r>
-            <a:r>
-              <a:rPr lang="pt-BR" dirty="0" smtClean="0"/>
-              <a:t>carga completa 1 semana rodando.</a:t>
-            </a:r>
-            <a:endParaRPr lang="pt-BR" dirty="0" smtClean="0"/>
-          </a:p>
-          <a:p>
-            <a:endParaRPr lang="pt-BR" dirty="0" smtClean="0"/>
+            <a:fld id="{695B8AFF-493B-4AA4-A2CD-F1B8BCED297E}" type="slidenum">
+              <a:rPr lang="pt-BR" sz="3200" smtClean="0"/>
+              <a:t>36</a:t>
+            </a:fld>
+            <a:endParaRPr lang="pt-BR" sz="3200" dirty="0"/>
           </a:p>
         </p:txBody>
       </p:sp>
@@ -19662,8 +21066,8 @@
         </p:blipFill>
         <p:spPr bwMode="auto">
           <a:xfrm>
-            <a:off x="1187624" y="3212976"/>
-            <a:ext cx="6896100" cy="3162300"/>
+            <a:off x="913284" y="2968104"/>
+            <a:ext cx="7524218" cy="3450332"/>
           </a:xfrm>
           <a:prstGeom prst="rect">
             <a:avLst/>
@@ -19713,7 +21117,7 @@
 </p:sld>
 </file>
 
-<file path=ppt/slides/slide41.xml><?xml version="1.0" encoding="utf-8"?>
+<file path=ppt/slides/slide37.xml><?xml version="1.0" encoding="utf-8"?>
 <p:sld xmlns:a="http://schemas.openxmlformats.org/drawingml/2006/main" xmlns:r="http://schemas.openxmlformats.org/officeDocument/2006/relationships" xmlns:p="http://schemas.openxmlformats.org/presentationml/2006/main">
   <p:cSld>
     <p:spTree>
@@ -19782,26 +21186,42 @@
           <a:p>
             <a:r>
               <a:rPr lang="pt-BR" dirty="0" smtClean="0"/>
-              <a:t>Não é uma tarefa simples</a:t>
-            </a:r>
-          </a:p>
-          <a:p>
+              <a:t>A calibragem do algoritmo n</a:t>
+            </a:r>
             <a:r>
               <a:rPr lang="pt-BR" dirty="0" smtClean="0"/>
-              <a:t>O algoritmo encontra uma solução que atende a 70% das restrições, porem deve se levar em consideração o tempo.</a:t>
-            </a:r>
-          </a:p>
-          <a:p>
+              <a:t>ão </a:t>
+            </a:r>
             <a:r>
               <a:rPr lang="pt-BR" dirty="0" smtClean="0"/>
-              <a:t>O operador genético acelera a evolução quando a biodiversidade é grande</a:t>
-            </a:r>
-          </a:p>
-          <a:p>
+              <a:t>é uma tarefa </a:t>
+            </a:r>
             <a:r>
               <a:rPr lang="pt-BR" dirty="0" smtClean="0"/>
-              <a:t>O algoritmo gera uma solução inicial.</a:t>
-            </a:r>
+              <a:t>simples.</a:t>
+            </a:r>
+          </a:p>
+          <a:p>
+            <a:endParaRPr lang="pt-BR" dirty="0" smtClean="0"/>
+          </a:p>
+          <a:p>
+            <a:r>
+              <a:rPr lang="pt-BR" dirty="0" smtClean="0"/>
+              <a:t>O algoritmo encontra uma </a:t>
+            </a:r>
+            <a:r>
+              <a:rPr lang="pt-BR" dirty="0" smtClean="0"/>
+              <a:t>solução inicial </a:t>
+            </a:r>
+            <a:r>
+              <a:rPr lang="pt-BR" dirty="0" smtClean="0"/>
+              <a:t>que atende a 70% das restrições, porem deve se levar em consideração o </a:t>
+            </a:r>
+            <a:r>
+              <a:rPr lang="pt-BR" dirty="0" smtClean="0"/>
+              <a:t>tempo de execução.</a:t>
+            </a:r>
+            <a:endParaRPr lang="pt-BR" dirty="0" smtClean="0"/>
           </a:p>
           <a:p>
             <a:pPr marL="68580" indent="0">
@@ -19810,6 +21230,9 @@
             <a:endParaRPr lang="pt-BR" dirty="0" smtClean="0"/>
           </a:p>
           <a:p>
+            <a:pPr marL="68580" indent="0">
+              <a:buNone/>
+            </a:pPr>
             <a:endParaRPr lang="pt-BR" dirty="0" smtClean="0"/>
           </a:p>
           <a:p>
@@ -19817,6 +21240,32 @@
           </a:p>
           <a:p>
             <a:endParaRPr lang="pt-BR" dirty="0" smtClean="0"/>
+          </a:p>
+          <a:p>
+            <a:endParaRPr lang="pt-BR" dirty="0" smtClean="0"/>
+          </a:p>
+        </p:txBody>
+      </p:sp>
+      <p:sp>
+        <p:nvSpPr>
+          <p:cNvPr id="4" name="Espaço Reservado para Número de Slide 3"/>
+          <p:cNvSpPr>
+            <a:spLocks noGrp="1"/>
+          </p:cNvSpPr>
+          <p:nvPr>
+            <p:ph type="sldNum" sz="quarter" idx="12"/>
+          </p:nvPr>
+        </p:nvSpPr>
+        <p:spPr/>
+        <p:txBody>
+          <a:bodyPr/>
+          <a:lstStyle/>
+          <a:p>
+            <a:fld id="{695B8AFF-493B-4AA4-A2CD-F1B8BCED297E}" type="slidenum">
+              <a:rPr lang="pt-BR" sz="3200" smtClean="0"/>
+              <a:t>37</a:t>
+            </a:fld>
+            <a:endParaRPr lang="pt-BR" sz="3200" dirty="0"/>
           </a:p>
         </p:txBody>
       </p:sp>
@@ -19840,7 +21289,7 @@
 </p:sld>
 </file>
 
-<file path=ppt/slides/slide42.xml><?xml version="1.0" encoding="utf-8"?>
+<file path=ppt/slides/slide38.xml><?xml version="1.0" encoding="utf-8"?>
 <p:sld xmlns:a="http://schemas.openxmlformats.org/drawingml/2006/main" xmlns:r="http://schemas.openxmlformats.org/officeDocument/2006/relationships" xmlns:p="http://schemas.openxmlformats.org/presentationml/2006/main">
   <p:cSld>
     <p:spTree>
@@ -19912,28 +21361,29 @@
           <a:p>
             <a:r>
               <a:rPr lang="pt-BR" dirty="0" smtClean="0"/>
-              <a:t>Aplicação de técnicas para que não aconteça a convergência prematura.</a:t>
-            </a:r>
-          </a:p>
-          <a:p>
-            <a:pPr marL="68580" indent="0">
-              <a:buNone/>
-            </a:pPr>
-            <a:r>
-              <a:rPr lang="pt-BR" dirty="0"/>
-              <a:t> </a:t>
+              <a:t>Técnicas </a:t>
             </a:r>
             <a:r>
               <a:rPr lang="pt-BR" dirty="0" smtClean="0"/>
-              <a:t>  </a:t>
-            </a:r>
-            <a:r>
-              <a:rPr lang="pt-BR" dirty="0" err="1" smtClean="0"/>
-              <a:t>Ex</a:t>
+              <a:t>para que não aconteça a convergência prematura</a:t>
             </a:r>
             <a:r>
               <a:rPr lang="pt-BR" dirty="0" smtClean="0"/>
-              <a:t>: Utilização de técnicas para gerar a população inicial.</a:t>
+              <a:t>.</a:t>
+            </a:r>
+          </a:p>
+          <a:p>
+            <a:r>
+              <a:rPr lang="pt-BR" dirty="0" smtClean="0"/>
+              <a:t>Té</a:t>
+            </a:r>
+            <a:r>
+              <a:rPr lang="pt-BR" dirty="0" smtClean="0"/>
+              <a:t>cnicas </a:t>
+            </a:r>
+            <a:r>
+              <a:rPr lang="pt-BR" dirty="0" smtClean="0"/>
+              <a:t>para gerar a população inicial.</a:t>
             </a:r>
           </a:p>
           <a:p>
@@ -19962,6 +21412,29 @@
           </a:p>
           <a:p>
             <a:endParaRPr lang="pt-BR" dirty="0" smtClean="0"/>
+          </a:p>
+        </p:txBody>
+      </p:sp>
+      <p:sp>
+        <p:nvSpPr>
+          <p:cNvPr id="4" name="Espaço Reservado para Número de Slide 3"/>
+          <p:cNvSpPr>
+            <a:spLocks noGrp="1"/>
+          </p:cNvSpPr>
+          <p:nvPr>
+            <p:ph type="sldNum" sz="quarter" idx="12"/>
+          </p:nvPr>
+        </p:nvSpPr>
+        <p:spPr/>
+        <p:txBody>
+          <a:bodyPr/>
+          <a:lstStyle/>
+          <a:p>
+            <a:fld id="{695B8AFF-493B-4AA4-A2CD-F1B8BCED297E}" type="slidenum">
+              <a:rPr lang="pt-BR" sz="3200" smtClean="0"/>
+              <a:t>38</a:t>
+            </a:fld>
+            <a:endParaRPr lang="pt-BR" sz="3200" dirty="0"/>
           </a:p>
         </p:txBody>
       </p:sp>
@@ -19985,7 +21458,7 @@
 </p:sld>
 </file>
 
-<file path=ppt/slides/slide43.xml><?xml version="1.0" encoding="utf-8"?>
+<file path=ppt/slides/slide39.xml><?xml version="1.0" encoding="utf-8"?>
 <p:sld xmlns:a="http://schemas.openxmlformats.org/drawingml/2006/main" xmlns:r="http://schemas.openxmlformats.org/officeDocument/2006/relationships" xmlns:p="http://schemas.openxmlformats.org/presentationml/2006/main">
   <p:cSld>
     <p:spTree>
@@ -20176,6 +21649,29 @@
           </a:p>
           <a:p>
             <a:endParaRPr lang="pt-BR" dirty="0" smtClean="0"/>
+          </a:p>
+        </p:txBody>
+      </p:sp>
+      <p:sp>
+        <p:nvSpPr>
+          <p:cNvPr id="4" name="Espaço Reservado para Número de Slide 3"/>
+          <p:cNvSpPr>
+            <a:spLocks noGrp="1"/>
+          </p:cNvSpPr>
+          <p:nvPr>
+            <p:ph type="sldNum" sz="quarter" idx="12"/>
+          </p:nvPr>
+        </p:nvSpPr>
+        <p:spPr/>
+        <p:txBody>
+          <a:bodyPr/>
+          <a:lstStyle/>
+          <a:p>
+            <a:fld id="{695B8AFF-493B-4AA4-A2CD-F1B8BCED297E}" type="slidenum">
+              <a:rPr lang="pt-BR" sz="3200" smtClean="0"/>
+              <a:t>39</a:t>
+            </a:fld>
+            <a:endParaRPr lang="pt-BR" sz="3200" dirty="0"/>
           </a:p>
         </p:txBody>
       </p:sp>
@@ -20199,7 +21695,7 @@
 </p:sld>
 </file>
 
-<file path=ppt/slides/slide44.xml><?xml version="1.0" encoding="utf-8"?>
+<file path=ppt/slides/slide4.xml><?xml version="1.0" encoding="utf-8"?>
 <p:sld xmlns:a="http://schemas.openxmlformats.org/drawingml/2006/main" xmlns:r="http://schemas.openxmlformats.org/officeDocument/2006/relationships" xmlns:p="http://schemas.openxmlformats.org/presentationml/2006/main">
   <p:cSld>
     <p:spTree>
@@ -20228,14 +21724,12 @@
         </p:nvSpPr>
         <p:spPr/>
         <p:txBody>
-          <a:bodyPr>
-            <a:normAutofit fontScale="90000"/>
-          </a:bodyPr>
+          <a:bodyPr/>
           <a:lstStyle/>
           <a:p>
             <a:r>
               <a:rPr lang="pt-BR" dirty="0" smtClean="0"/>
-              <a:t>Resultado base de testes apresentação.</a:t>
+              <a:t>Introdução	</a:t>
             </a:r>
             <a:endParaRPr lang="pt-BR" dirty="0"/>
           </a:p>
@@ -20253,6 +21747,156 @@
         </p:nvSpPr>
         <p:spPr/>
         <p:txBody>
+          <a:bodyPr/>
+          <a:lstStyle/>
+          <a:p>
+            <a:r>
+              <a:rPr lang="pt-BR" dirty="0" smtClean="0"/>
+              <a:t>Contextualização</a:t>
+            </a:r>
+          </a:p>
+          <a:p>
+            <a:endParaRPr lang="pt-BR" dirty="0" smtClean="0"/>
+          </a:p>
+          <a:p>
+            <a:pPr>
+              <a:buFont typeface="Wingdings" panose="05000000000000000000" pitchFamily="2" charset="2"/>
+              <a:buChar char="v"/>
+            </a:pPr>
+            <a:r>
+              <a:rPr lang="pt-BR" dirty="0" smtClean="0"/>
+              <a:t>Problema de Alocação de Salas PAS</a:t>
+            </a:r>
+          </a:p>
+          <a:p>
+            <a:pPr>
+              <a:buFont typeface="Wingdings" panose="05000000000000000000" pitchFamily="2" charset="2"/>
+              <a:buChar char="v"/>
+            </a:pPr>
+            <a:r>
+              <a:rPr lang="pt-BR" dirty="0" smtClean="0"/>
+              <a:t>Meta-heurística Algoritmo Genético</a:t>
+            </a:r>
+          </a:p>
+          <a:p>
+            <a:pPr>
+              <a:buFont typeface="Wingdings" panose="05000000000000000000" pitchFamily="2" charset="2"/>
+              <a:buChar char="v"/>
+            </a:pPr>
+            <a:r>
+              <a:rPr lang="pt-BR" dirty="0" smtClean="0"/>
+              <a:t>Alocação de 149 disciplinas em 50 salas disponíveis na Faculdade de Filosofia e Ciências Humanas.</a:t>
+            </a:r>
+          </a:p>
+          <a:p>
+            <a:pPr>
+              <a:buFont typeface="Wingdings" panose="05000000000000000000" pitchFamily="2" charset="2"/>
+              <a:buChar char="v"/>
+            </a:pPr>
+            <a:endParaRPr lang="pt-BR" dirty="0" smtClean="0"/>
+          </a:p>
+          <a:p>
+            <a:endParaRPr lang="pt-BR" dirty="0"/>
+          </a:p>
+        </p:txBody>
+      </p:sp>
+      <p:sp>
+        <p:nvSpPr>
+          <p:cNvPr id="4" name="Espaço Reservado para Número de Slide 3"/>
+          <p:cNvSpPr>
+            <a:spLocks noGrp="1"/>
+          </p:cNvSpPr>
+          <p:nvPr>
+            <p:ph type="sldNum" sz="quarter" idx="12"/>
+          </p:nvPr>
+        </p:nvSpPr>
+        <p:spPr/>
+        <p:txBody>
+          <a:bodyPr/>
+          <a:lstStyle/>
+          <a:p>
+            <a:fld id="{695B8AFF-493B-4AA4-A2CD-F1B8BCED297E}" type="slidenum">
+              <a:rPr lang="pt-BR" sz="3200" smtClean="0"/>
+              <a:t>4</a:t>
+            </a:fld>
+            <a:endParaRPr lang="pt-BR" sz="3200" dirty="0"/>
+          </a:p>
+        </p:txBody>
+      </p:sp>
+    </p:spTree>
+    <p:extLst>
+      <p:ext uri="{BB962C8B-B14F-4D97-AF65-F5344CB8AC3E}">
+        <p14:creationId xmlns:p14="http://schemas.microsoft.com/office/powerpoint/2010/main" val="3801576391"/>
+      </p:ext>
+    </p:extLst>
+  </p:cSld>
+  <p:clrMapOvr>
+    <a:masterClrMapping/>
+  </p:clrMapOvr>
+  <p:timing>
+    <p:tnLst>
+      <p:par>
+        <p:cTn id="1" dur="indefinite" restart="never" nodeType="tmRoot"/>
+      </p:par>
+    </p:tnLst>
+  </p:timing>
+</p:sld>
+</file>
+
+<file path=ppt/slides/slide40.xml><?xml version="1.0" encoding="utf-8"?>
+<p:sld xmlns:a="http://schemas.openxmlformats.org/drawingml/2006/main" xmlns:r="http://schemas.openxmlformats.org/officeDocument/2006/relationships" xmlns:p="http://schemas.openxmlformats.org/presentationml/2006/main">
+  <p:cSld>
+    <p:spTree>
+      <p:nvGrpSpPr>
+        <p:cNvPr id="1" name=""/>
+        <p:cNvGrpSpPr/>
+        <p:nvPr/>
+      </p:nvGrpSpPr>
+      <p:grpSpPr>
+        <a:xfrm>
+          <a:off x="0" y="0"/>
+          <a:ext cx="0" cy="0"/>
+          <a:chOff x="0" y="0"/>
+          <a:chExt cx="0" cy="0"/>
+        </a:xfrm>
+      </p:grpSpPr>
+      <p:sp>
+        <p:nvSpPr>
+          <p:cNvPr id="2" name="Título 1"/>
+          <p:cNvSpPr>
+            <a:spLocks noGrp="1"/>
+          </p:cNvSpPr>
+          <p:nvPr>
+            <p:ph type="title"/>
+          </p:nvPr>
+        </p:nvSpPr>
+        <p:spPr/>
+        <p:txBody>
+          <a:bodyPr>
+            <a:normAutofit fontScale="90000"/>
+          </a:bodyPr>
+          <a:lstStyle/>
+          <a:p>
+            <a:r>
+              <a:rPr lang="pt-BR" dirty="0"/>
+              <a:t>Resultado da simulação de alocação</a:t>
+            </a:r>
+            <a:endParaRPr lang="pt-BR" dirty="0"/>
+          </a:p>
+        </p:txBody>
+      </p:sp>
+      <p:sp>
+        <p:nvSpPr>
+          <p:cNvPr id="3" name="Espaço Reservado para Conteúdo 2"/>
+          <p:cNvSpPr>
+            <a:spLocks noGrp="1"/>
+          </p:cNvSpPr>
+          <p:nvPr>
+            <p:ph idx="1"/>
+          </p:nvPr>
+        </p:nvSpPr>
+        <p:spPr/>
+        <p:txBody>
           <a:bodyPr>
             <a:normAutofit/>
           </a:bodyPr>
@@ -20271,13 +21915,35 @@
               <a:rPr lang="pt-BR" dirty="0" smtClean="0"/>
               <a:t>Verificar o resultado.</a:t>
             </a:r>
+          </a:p>
+          <a:p>
             <a:endParaRPr lang="pt-BR" dirty="0" smtClean="0"/>
           </a:p>
           <a:p>
             <a:endParaRPr lang="pt-BR" dirty="0" smtClean="0"/>
           </a:p>
-          <a:p>
-            <a:endParaRPr lang="pt-BR" dirty="0" smtClean="0"/>
+        </p:txBody>
+      </p:sp>
+      <p:sp>
+        <p:nvSpPr>
+          <p:cNvPr id="4" name="Espaço Reservado para Número de Slide 3"/>
+          <p:cNvSpPr>
+            <a:spLocks noGrp="1"/>
+          </p:cNvSpPr>
+          <p:nvPr>
+            <p:ph type="sldNum" sz="quarter" idx="12"/>
+          </p:nvPr>
+        </p:nvSpPr>
+        <p:spPr/>
+        <p:txBody>
+          <a:bodyPr/>
+          <a:lstStyle/>
+          <a:p>
+            <a:fld id="{695B8AFF-493B-4AA4-A2CD-F1B8BCED297E}" type="slidenum">
+              <a:rPr lang="pt-BR" sz="3200" smtClean="0"/>
+              <a:t>40</a:t>
+            </a:fld>
+            <a:endParaRPr lang="pt-BR" sz="3200" dirty="0"/>
           </a:p>
         </p:txBody>
       </p:sp>
@@ -20301,7 +21967,7 @@
 </p:sld>
 </file>
 
-<file path=ppt/slides/slide45.xml><?xml version="1.0" encoding="utf-8"?>
+<file path=ppt/slides/slide41.xml><?xml version="1.0" encoding="utf-8"?>
 <p:sld xmlns:a="http://schemas.openxmlformats.org/drawingml/2006/main" xmlns:r="http://schemas.openxmlformats.org/officeDocument/2006/relationships" xmlns:p="http://schemas.openxmlformats.org/presentationml/2006/main">
   <p:cSld>
     <p:spTree>
@@ -20382,6 +22048,29 @@
           </a:p>
           <a:p>
             <a:endParaRPr lang="pt-BR" dirty="0" smtClean="0"/>
+          </a:p>
+        </p:txBody>
+      </p:sp>
+      <p:sp>
+        <p:nvSpPr>
+          <p:cNvPr id="4" name="Espaço Reservado para Número de Slide 3"/>
+          <p:cNvSpPr>
+            <a:spLocks noGrp="1"/>
+          </p:cNvSpPr>
+          <p:nvPr>
+            <p:ph type="sldNum" sz="quarter" idx="12"/>
+          </p:nvPr>
+        </p:nvSpPr>
+        <p:spPr/>
+        <p:txBody>
+          <a:bodyPr/>
+          <a:lstStyle/>
+          <a:p>
+            <a:fld id="{695B8AFF-493B-4AA4-A2CD-F1B8BCED297E}" type="slidenum">
+              <a:rPr lang="pt-BR" sz="3200" smtClean="0"/>
+              <a:t>41</a:t>
+            </a:fld>
+            <a:endParaRPr lang="pt-BR" sz="3200" dirty="0"/>
           </a:p>
         </p:txBody>
       </p:sp>
@@ -20462,28 +22151,48 @@
           <a:p>
             <a:r>
               <a:rPr lang="pt-BR" dirty="0" smtClean="0"/>
-              <a:t>Justificativa</a:t>
-            </a:r>
-          </a:p>
-          <a:p>
-            <a:pPr>
-              <a:buFont typeface="Wingdings" panose="05000000000000000000" pitchFamily="2" charset="2"/>
-              <a:buChar char="v"/>
-            </a:pPr>
+              <a:t>Objetivos</a:t>
+            </a:r>
+          </a:p>
+          <a:p>
             <a:endParaRPr lang="pt-BR" dirty="0" smtClean="0"/>
           </a:p>
           <a:p>
-            <a:pPr>
-              <a:buFont typeface="Wingdings" panose="05000000000000000000" pitchFamily="2" charset="2"/>
-              <a:buChar char="v"/>
-            </a:pPr>
             <a:r>
               <a:rPr lang="pt-BR" dirty="0" smtClean="0"/>
-              <a:t>Aplicar as restrições especificas do prédio da Faculdade de Filosofia e Ciências Humanas alocado na Universidade Federal de Minas Gerais.</a:t>
-            </a:r>
-          </a:p>
-          <a:p>
-            <a:endParaRPr lang="pt-BR" dirty="0"/>
+              <a:t>Otimizar o tempo da resolução do problema de alocação, utilizando algoritmo genético</a:t>
+            </a:r>
+          </a:p>
+          <a:p>
+            <a:r>
+              <a:rPr lang="pt-BR" dirty="0" smtClean="0"/>
+              <a:t>O trabalho é manual consome o tempo de 2 semanas para ser realizado e é passível de alterações</a:t>
+            </a:r>
+            <a:endParaRPr lang="pt-BR" dirty="0" smtClean="0"/>
+          </a:p>
+        </p:txBody>
+      </p:sp>
+      <p:sp>
+        <p:nvSpPr>
+          <p:cNvPr id="4" name="Espaço Reservado para Número de Slide 3"/>
+          <p:cNvSpPr>
+            <a:spLocks noGrp="1"/>
+          </p:cNvSpPr>
+          <p:nvPr>
+            <p:ph type="sldNum" sz="quarter" idx="12"/>
+          </p:nvPr>
+        </p:nvSpPr>
+        <p:spPr/>
+        <p:txBody>
+          <a:bodyPr/>
+          <a:lstStyle/>
+          <a:p>
+            <a:fld id="{695B8AFF-493B-4AA4-A2CD-F1B8BCED297E}" type="slidenum">
+              <a:rPr lang="pt-BR" sz="3200" smtClean="0"/>
+              <a:pPr/>
+              <a:t>5</a:t>
+            </a:fld>
+            <a:endParaRPr lang="pt-BR" sz="3200" dirty="0"/>
           </a:p>
         </p:txBody>
       </p:sp>
@@ -20541,7 +22250,7 @@
           <a:p>
             <a:r>
               <a:rPr lang="pt-BR" dirty="0" smtClean="0"/>
-              <a:t>Referencial teórico</a:t>
+              <a:t>Introdução	</a:t>
             </a:r>
             <a:endParaRPr lang="pt-BR" dirty="0"/>
           </a:p>
@@ -20564,39 +22273,58 @@
           <a:p>
             <a:r>
               <a:rPr lang="pt-BR" dirty="0" smtClean="0"/>
-              <a:t>Problemas de otimização</a:t>
-            </a:r>
-          </a:p>
-          <a:p>
+              <a:t>Justificativa</a:t>
+            </a:r>
+          </a:p>
+          <a:p>
+            <a:pPr>
+              <a:buFont typeface="Wingdings" panose="05000000000000000000" pitchFamily="2" charset="2"/>
+              <a:buChar char="v"/>
+            </a:pPr>
+            <a:endParaRPr lang="pt-BR" dirty="0" smtClean="0"/>
+          </a:p>
+          <a:p>
+            <a:pPr>
+              <a:buFont typeface="Wingdings" panose="05000000000000000000" pitchFamily="2" charset="2"/>
+              <a:buChar char="v"/>
+            </a:pPr>
             <a:r>
               <a:rPr lang="pt-BR" dirty="0" smtClean="0"/>
-              <a:t>Heurística</a:t>
-            </a:r>
-          </a:p>
-          <a:p>
-            <a:r>
-              <a:rPr lang="pt-BR" dirty="0" smtClean="0"/>
-              <a:t>Busca Tabu</a:t>
-            </a:r>
-          </a:p>
-          <a:p>
-            <a:r>
-              <a:rPr lang="pt-BR" dirty="0" smtClean="0"/>
-              <a:t>Recozimento Simulado</a:t>
-            </a:r>
-          </a:p>
-          <a:p>
-            <a:pPr marL="68580" indent="0">
-              <a:buNone/>
-            </a:pPr>
+              <a:t>Aplicar as restrições especificas do prédio da Faculdade de Filosofia e Ciências Humanas alocado na Universidade Federal de Minas Gerais.</a:t>
+            </a:r>
+          </a:p>
+          <a:p>
             <a:endParaRPr lang="pt-BR" dirty="0"/>
+          </a:p>
+        </p:txBody>
+      </p:sp>
+      <p:sp>
+        <p:nvSpPr>
+          <p:cNvPr id="4" name="Espaço Reservado para Número de Slide 3"/>
+          <p:cNvSpPr>
+            <a:spLocks noGrp="1"/>
+          </p:cNvSpPr>
+          <p:nvPr>
+            <p:ph type="sldNum" sz="quarter" idx="12"/>
+          </p:nvPr>
+        </p:nvSpPr>
+        <p:spPr/>
+        <p:txBody>
+          <a:bodyPr/>
+          <a:lstStyle/>
+          <a:p>
+            <a:fld id="{695B8AFF-493B-4AA4-A2CD-F1B8BCED297E}" type="slidenum">
+              <a:rPr lang="pt-BR" sz="3200" smtClean="0"/>
+              <a:t>6</a:t>
+            </a:fld>
+            <a:endParaRPr lang="pt-BR" sz="3200" dirty="0"/>
           </a:p>
         </p:txBody>
       </p:sp>
     </p:spTree>
     <p:extLst>
       <p:ext uri="{BB962C8B-B14F-4D97-AF65-F5344CB8AC3E}">
-        <p14:creationId xmlns:p14="http://schemas.microsoft.com/office/powerpoint/2010/main" val="442706682"/>
+        <p14:creationId xmlns:p14="http://schemas.microsoft.com/office/powerpoint/2010/main" val="1691545644"/>
       </p:ext>
     </p:extLst>
   </p:cSld>
@@ -20665,126 +22393,67 @@
         </p:nvSpPr>
         <p:spPr/>
         <p:txBody>
-          <a:bodyPr>
-            <a:normAutofit fontScale="92500" lnSpcReduction="20000"/>
-          </a:bodyPr>
+          <a:bodyPr/>
           <a:lstStyle/>
           <a:p>
             <a:r>
-              <a:rPr lang="pt-BR" dirty="0"/>
-              <a:t>Algoritmos </a:t>
-            </a:r>
-            <a:r>
               <a:rPr lang="pt-BR" dirty="0" smtClean="0"/>
-              <a:t>Genéticos</a:t>
-            </a:r>
-          </a:p>
-          <a:p>
-            <a:pPr>
-              <a:buFont typeface="Wingdings" panose="05000000000000000000" pitchFamily="2" charset="2"/>
-              <a:buChar char="v"/>
+              <a:t>Problemas de otimização</a:t>
+            </a:r>
+          </a:p>
+          <a:p>
+            <a:r>
+              <a:rPr lang="pt-BR" dirty="0" smtClean="0"/>
+              <a:t>Heurística</a:t>
+            </a:r>
+          </a:p>
+          <a:p>
+            <a:r>
+              <a:rPr lang="pt-BR" dirty="0" smtClean="0"/>
+              <a:t>Busca Tabu</a:t>
+            </a:r>
+          </a:p>
+          <a:p>
+            <a:r>
+              <a:rPr lang="pt-BR" dirty="0" smtClean="0"/>
+              <a:t>Recozimento Simulado</a:t>
+            </a:r>
+          </a:p>
+          <a:p>
+            <a:pPr marL="68580" indent="0">
+              <a:buNone/>
             </a:pPr>
-            <a:endParaRPr lang="pt-BR" dirty="0" smtClean="0"/>
-          </a:p>
-          <a:p>
-            <a:pPr>
-              <a:buFont typeface="Wingdings" panose="05000000000000000000" pitchFamily="2" charset="2"/>
-              <a:buChar char="v"/>
-            </a:pPr>
-            <a:r>
-              <a:rPr lang="pt-BR" dirty="0" smtClean="0"/>
-              <a:t>genes</a:t>
-            </a:r>
-          </a:p>
-          <a:p>
-            <a:pPr>
-              <a:buFont typeface="Wingdings" panose="05000000000000000000" pitchFamily="2" charset="2"/>
-              <a:buChar char="v"/>
-            </a:pPr>
-            <a:r>
-              <a:rPr lang="pt-BR" dirty="0" smtClean="0"/>
-              <a:t>indivíduo</a:t>
-            </a:r>
-          </a:p>
-          <a:p>
-            <a:pPr>
-              <a:buFont typeface="Wingdings" panose="05000000000000000000" pitchFamily="2" charset="2"/>
-              <a:buChar char="v"/>
-            </a:pPr>
-            <a:r>
-              <a:rPr lang="pt-BR" dirty="0" smtClean="0"/>
-              <a:t>cromossomos</a:t>
-            </a:r>
-          </a:p>
-          <a:p>
-            <a:pPr>
-              <a:buFont typeface="Wingdings" panose="05000000000000000000" pitchFamily="2" charset="2"/>
-              <a:buChar char="v"/>
-            </a:pPr>
-            <a:r>
-              <a:rPr lang="pt-BR" dirty="0"/>
-              <a:t>p</a:t>
-            </a:r>
-            <a:r>
-              <a:rPr lang="pt-BR" dirty="0" smtClean="0"/>
-              <a:t>opulação</a:t>
-            </a:r>
-          </a:p>
-          <a:p>
-            <a:pPr>
-              <a:buFont typeface="Wingdings" panose="05000000000000000000" pitchFamily="2" charset="2"/>
-              <a:buChar char="v"/>
-            </a:pPr>
-            <a:r>
-              <a:rPr lang="pt-BR" dirty="0" smtClean="0"/>
-              <a:t>elitismo</a:t>
-            </a:r>
-          </a:p>
-          <a:p>
-            <a:pPr>
-              <a:buFont typeface="Wingdings" panose="05000000000000000000" pitchFamily="2" charset="2"/>
-              <a:buChar char="v"/>
-            </a:pPr>
-            <a:r>
-              <a:rPr lang="pt-BR" dirty="0" smtClean="0"/>
-              <a:t>seleção</a:t>
-            </a:r>
             <a:endParaRPr lang="pt-BR" dirty="0"/>
           </a:p>
-          <a:p>
-            <a:pPr>
-              <a:buFont typeface="Wingdings" panose="05000000000000000000" pitchFamily="2" charset="2"/>
-              <a:buChar char="v"/>
-            </a:pPr>
-            <a:r>
-              <a:rPr lang="pt-BR" dirty="0" smtClean="0"/>
-              <a:t>cruzamento,</a:t>
-            </a:r>
-          </a:p>
-          <a:p>
-            <a:pPr>
-              <a:buFont typeface="Wingdings" panose="05000000000000000000" pitchFamily="2" charset="2"/>
-              <a:buChar char="v"/>
-            </a:pPr>
-            <a:r>
-              <a:rPr lang="pt-BR" dirty="0" smtClean="0"/>
-              <a:t>mutação</a:t>
-            </a:r>
-            <a:endParaRPr lang="pt-BR" dirty="0"/>
-          </a:p>
-          <a:p>
-            <a:pPr>
-              <a:buFont typeface="Wingdings" panose="05000000000000000000" pitchFamily="2" charset="2"/>
-              <a:buChar char="v"/>
-            </a:pPr>
-            <a:endParaRPr lang="pt-BR" dirty="0" smtClean="0"/>
+        </p:txBody>
+      </p:sp>
+      <p:sp>
+        <p:nvSpPr>
+          <p:cNvPr id="4" name="Espaço Reservado para Número de Slide 3"/>
+          <p:cNvSpPr>
+            <a:spLocks noGrp="1"/>
+          </p:cNvSpPr>
+          <p:nvPr>
+            <p:ph type="sldNum" sz="quarter" idx="12"/>
+          </p:nvPr>
+        </p:nvSpPr>
+        <p:spPr/>
+        <p:txBody>
+          <a:bodyPr/>
+          <a:lstStyle/>
+          <a:p>
+            <a:fld id="{695B8AFF-493B-4AA4-A2CD-F1B8BCED297E}" type="slidenum">
+              <a:rPr lang="pt-BR" sz="3200" smtClean="0"/>
+              <a:t>7</a:t>
+            </a:fld>
+            <a:endParaRPr lang="pt-BR" sz="3200" dirty="0"/>
           </a:p>
         </p:txBody>
       </p:sp>
     </p:spTree>
     <p:extLst>
       <p:ext uri="{BB962C8B-B14F-4D97-AF65-F5344CB8AC3E}">
-        <p14:creationId xmlns:p14="http://schemas.microsoft.com/office/powerpoint/2010/main" val="3557065935"/>
+        <p14:creationId xmlns:p14="http://schemas.microsoft.com/office/powerpoint/2010/main" val="442706682"/>
       </p:ext>
     </p:extLst>
   </p:cSld>
@@ -20853,49 +22522,25 @@
         </p:nvSpPr>
         <p:spPr/>
         <p:txBody>
-          <a:bodyPr/>
+          <a:bodyPr>
+            <a:normAutofit fontScale="92500" lnSpcReduction="20000"/>
+          </a:bodyPr>
           <a:lstStyle/>
           <a:p>
             <a:r>
-              <a:rPr lang="pt-BR" dirty="0" err="1" smtClean="0"/>
-              <a:t>TimeTabling</a:t>
+              <a:rPr lang="pt-BR" dirty="0"/>
+              <a:t>Algoritmos </a:t>
             </a:r>
             <a:r>
               <a:rPr lang="pt-BR" dirty="0" smtClean="0"/>
-              <a:t> (Problemas de alocação de </a:t>
-            </a:r>
-            <a:r>
-              <a:rPr lang="pt-BR" dirty="0" err="1" smtClean="0"/>
-              <a:t>horarios</a:t>
-            </a:r>
-            <a:r>
-              <a:rPr lang="pt-BR" dirty="0" smtClean="0"/>
-              <a:t>)</a:t>
-            </a:r>
-          </a:p>
-          <a:p>
-            <a:pPr marL="68580" indent="0">
-              <a:buNone/>
-            </a:pPr>
-            <a:endParaRPr lang="pt-BR" u="sng" dirty="0" smtClean="0"/>
+              <a:t>Genéticos</a:t>
+            </a:r>
           </a:p>
           <a:p>
             <a:pPr>
               <a:buFont typeface="Wingdings" panose="05000000000000000000" pitchFamily="2" charset="2"/>
               <a:buChar char="v"/>
             </a:pPr>
-            <a:r>
-              <a:rPr lang="pt-BR" dirty="0" err="1"/>
-              <a:t>School</a:t>
-            </a:r>
-            <a:r>
-              <a:rPr lang="pt-BR" dirty="0"/>
-              <a:t> </a:t>
-            </a:r>
-            <a:r>
-              <a:rPr lang="pt-BR" dirty="0" err="1" smtClean="0"/>
-              <a:t>TimeTabling</a:t>
-            </a:r>
             <a:endParaRPr lang="pt-BR" dirty="0" smtClean="0"/>
           </a:p>
           <a:p>
@@ -20904,18 +22549,9 @@
               <a:buChar char="v"/>
             </a:pPr>
             <a:r>
-              <a:rPr lang="pt-BR" dirty="0" err="1"/>
-              <a:t>Examination</a:t>
-            </a:r>
-            <a:r>
-              <a:rPr lang="pt-BR" dirty="0"/>
-              <a:t> </a:t>
-            </a:r>
-            <a:r>
-              <a:rPr lang="pt-BR" dirty="0" err="1" smtClean="0"/>
-              <a:t>TimeTabling</a:t>
-            </a:r>
-            <a:endParaRPr lang="pt-BR" dirty="0" smtClean="0"/>
+              <a:rPr lang="pt-BR" dirty="0" smtClean="0"/>
+              <a:t>genes</a:t>
+            </a:r>
           </a:p>
           <a:p>
             <a:pPr>
@@ -20923,18 +22559,9 @@
               <a:buChar char="v"/>
             </a:pPr>
             <a:r>
-              <a:rPr lang="pt-BR" dirty="0" err="1"/>
-              <a:t>Course</a:t>
-            </a:r>
-            <a:r>
-              <a:rPr lang="pt-BR" dirty="0"/>
-              <a:t> </a:t>
-            </a:r>
-            <a:r>
-              <a:rPr lang="pt-BR" dirty="0" err="1" smtClean="0"/>
-              <a:t>TimeTabling</a:t>
-            </a:r>
-            <a:endParaRPr lang="pt-BR" dirty="0" smtClean="0"/>
+              <a:rPr lang="pt-BR" dirty="0" smtClean="0"/>
+              <a:t>indivíduo</a:t>
+            </a:r>
           </a:p>
           <a:p>
             <a:pPr>
@@ -20942,35 +22569,95 @@
               <a:buChar char="v"/>
             </a:pPr>
             <a:r>
-              <a:rPr lang="pt-BR" dirty="0" err="1" smtClean="0"/>
-              <a:t>Classroom</a:t>
-            </a:r>
-            <a:r>
               <a:rPr lang="pt-BR" dirty="0" smtClean="0"/>
-              <a:t> </a:t>
-            </a:r>
-            <a:r>
-              <a:rPr lang="pt-BR" dirty="0" err="1" smtClean="0"/>
-              <a:t>Assignment</a:t>
+              <a:t>cromossomos</a:t>
+            </a:r>
+          </a:p>
+          <a:p>
+            <a:pPr>
+              <a:buFont typeface="Wingdings" panose="05000000000000000000" pitchFamily="2" charset="2"/>
+              <a:buChar char="v"/>
+            </a:pPr>
+            <a:r>
+              <a:rPr lang="pt-BR" dirty="0"/>
+              <a:t>p</a:t>
             </a:r>
             <a:r>
               <a:rPr lang="pt-BR" dirty="0" smtClean="0"/>
-              <a:t> (Problemas de alocação de </a:t>
-            </a:r>
-            <a:r>
-              <a:rPr lang="pt-BR" u="sng" dirty="0" smtClean="0"/>
-              <a:t>salas</a:t>
-            </a:r>
+              <a:t>opulação</a:t>
+            </a:r>
+          </a:p>
+          <a:p>
+            <a:pPr>
+              <a:buFont typeface="Wingdings" panose="05000000000000000000" pitchFamily="2" charset="2"/>
+              <a:buChar char="v"/>
+            </a:pPr>
             <a:r>
               <a:rPr lang="pt-BR" dirty="0" smtClean="0"/>
-              <a:t>)</a:t>
-            </a:r>
-          </a:p>
-          <a:p>
-            <a:pPr marL="68580" indent="0">
-              <a:buNone/>
+              <a:t>elitismo</a:t>
+            </a:r>
+          </a:p>
+          <a:p>
+            <a:pPr>
+              <a:buFont typeface="Wingdings" panose="05000000000000000000" pitchFamily="2" charset="2"/>
+              <a:buChar char="v"/>
             </a:pPr>
+            <a:r>
+              <a:rPr lang="pt-BR" dirty="0" smtClean="0"/>
+              <a:t>seleção</a:t>
+            </a:r>
             <a:endParaRPr lang="pt-BR" dirty="0"/>
+          </a:p>
+          <a:p>
+            <a:pPr>
+              <a:buFont typeface="Wingdings" panose="05000000000000000000" pitchFamily="2" charset="2"/>
+              <a:buChar char="v"/>
+            </a:pPr>
+            <a:r>
+              <a:rPr lang="pt-BR" dirty="0" smtClean="0"/>
+              <a:t>cruzamento,</a:t>
+            </a:r>
+          </a:p>
+          <a:p>
+            <a:pPr>
+              <a:buFont typeface="Wingdings" panose="05000000000000000000" pitchFamily="2" charset="2"/>
+              <a:buChar char="v"/>
+            </a:pPr>
+            <a:r>
+              <a:rPr lang="pt-BR" dirty="0" smtClean="0"/>
+              <a:t>mutação</a:t>
+            </a:r>
+            <a:endParaRPr lang="pt-BR" dirty="0"/>
+          </a:p>
+          <a:p>
+            <a:pPr>
+              <a:buFont typeface="Wingdings" panose="05000000000000000000" pitchFamily="2" charset="2"/>
+              <a:buChar char="v"/>
+            </a:pPr>
+            <a:endParaRPr lang="pt-BR" dirty="0" smtClean="0"/>
+          </a:p>
+        </p:txBody>
+      </p:sp>
+      <p:sp>
+        <p:nvSpPr>
+          <p:cNvPr id="4" name="Espaço Reservado para Número de Slide 3"/>
+          <p:cNvSpPr>
+            <a:spLocks noGrp="1"/>
+          </p:cNvSpPr>
+          <p:nvPr>
+            <p:ph type="sldNum" sz="quarter" idx="12"/>
+          </p:nvPr>
+        </p:nvSpPr>
+        <p:spPr/>
+        <p:txBody>
+          <a:bodyPr/>
+          <a:lstStyle/>
+          <a:p>
+            <a:fld id="{695B8AFF-493B-4AA4-A2CD-F1B8BCED297E}" type="slidenum">
+              <a:rPr lang="pt-BR" sz="3200" smtClean="0"/>
+              <a:t>8</a:t>
+            </a:fld>
+            <a:endParaRPr lang="pt-BR" sz="3200" dirty="0"/>
           </a:p>
         </p:txBody>
       </p:sp>
@@ -21046,18 +22733,31 @@
         </p:nvSpPr>
         <p:spPr/>
         <p:txBody>
-          <a:bodyPr>
-            <a:normAutofit fontScale="92500" lnSpcReduction="10000"/>
-          </a:bodyPr>
+          <a:bodyPr/>
           <a:lstStyle/>
           <a:p>
             <a:r>
+              <a:rPr lang="pt-BR" dirty="0" err="1" smtClean="0"/>
+              <a:t>TimeTabling</a:t>
+            </a:r>
+            <a:r>
               <a:rPr lang="pt-BR" dirty="0" smtClean="0"/>
-              <a:t>Trabalhos Relacionados</a:t>
-            </a:r>
-          </a:p>
-          <a:p>
-            <a:endParaRPr lang="pt-BR" dirty="0" smtClean="0"/>
+              <a:t> (Problemas de alocação de </a:t>
+            </a:r>
+            <a:r>
+              <a:rPr lang="pt-BR" dirty="0" err="1" smtClean="0"/>
+              <a:t>horarios</a:t>
+            </a:r>
+            <a:r>
+              <a:rPr lang="pt-BR" dirty="0" smtClean="0"/>
+              <a:t>)</a:t>
+            </a:r>
+          </a:p>
+          <a:p>
+            <a:pPr marL="68580" indent="0">
+              <a:buNone/>
+            </a:pPr>
+            <a:endParaRPr lang="pt-BR" u="sng" dirty="0" smtClean="0"/>
           </a:p>
           <a:p>
             <a:pPr>
@@ -21065,13 +22765,18 @@
               <a:buChar char="v"/>
             </a:pPr>
             <a:r>
+              <a:rPr lang="pt-BR" dirty="0" err="1"/>
+              <a:t>School</a:t>
+            </a:r>
+            <a:r>
               <a:rPr lang="pt-BR" dirty="0"/>
-              <a:t>Busca Tabu(SUBRAMANIAN et al., </a:t>
-            </a:r>
-            <a:r>
-              <a:rPr lang="pt-BR" dirty="0" smtClean="0"/>
-              <a:t>2006)</a:t>
-            </a:r>
+              <a:t> </a:t>
+            </a:r>
+            <a:r>
+              <a:rPr lang="pt-BR" dirty="0" err="1" smtClean="0"/>
+              <a:t>TimeTabling</a:t>
+            </a:r>
+            <a:endParaRPr lang="pt-BR" dirty="0" smtClean="0"/>
           </a:p>
           <a:p>
             <a:pPr>
@@ -21079,9 +22784,18 @@
               <a:buChar char="v"/>
             </a:pPr>
             <a:r>
-              <a:rPr lang="pt-BR" dirty="0" smtClean="0"/>
-              <a:t>Recozimento simulado Silva(2005)</a:t>
-            </a:r>
+              <a:rPr lang="pt-BR" dirty="0" err="1"/>
+              <a:t>Examination</a:t>
+            </a:r>
+            <a:r>
+              <a:rPr lang="pt-BR" dirty="0"/>
+              <a:t> </a:t>
+            </a:r>
+            <a:r>
+              <a:rPr lang="pt-BR" dirty="0" err="1" smtClean="0"/>
+              <a:t>TimeTabling</a:t>
+            </a:r>
+            <a:endParaRPr lang="pt-BR" dirty="0" smtClean="0"/>
           </a:p>
           <a:p>
             <a:pPr>
@@ -21089,29 +22803,39 @@
               <a:buChar char="v"/>
             </a:pPr>
             <a:r>
+              <a:rPr lang="pt-BR" dirty="0" err="1"/>
+              <a:t>Course</a:t>
+            </a:r>
+            <a:r>
               <a:rPr lang="pt-BR" dirty="0"/>
-              <a:t>Algoritmo Genético(HAMAWAKI, 2011</a:t>
-            </a:r>
-            <a:r>
-              <a:rPr lang="pt-BR" dirty="0" smtClean="0"/>
-              <a:t>)</a:t>
-            </a:r>
+              <a:t> </a:t>
+            </a:r>
+            <a:r>
+              <a:rPr lang="pt-BR" dirty="0" err="1" smtClean="0"/>
+              <a:t>TimeTabling</a:t>
+            </a:r>
+            <a:endParaRPr lang="pt-BR" dirty="0" smtClean="0"/>
           </a:p>
           <a:p>
             <a:pPr>
               <a:buFont typeface="Wingdings" panose="05000000000000000000" pitchFamily="2" charset="2"/>
               <a:buChar char="v"/>
             </a:pPr>
-            <a:endParaRPr lang="pt-BR" dirty="0"/>
-          </a:p>
-          <a:p>
-            <a:pPr>
-              <a:buFont typeface="Wingdings" panose="05000000000000000000" pitchFamily="2" charset="2"/>
-              <a:buChar char="v"/>
-            </a:pPr>
+            <a:r>
+              <a:rPr lang="pt-BR" dirty="0" err="1" smtClean="0"/>
+              <a:t>Classroom</a:t>
+            </a:r>
             <a:r>
               <a:rPr lang="pt-BR" dirty="0" smtClean="0"/>
-              <a:t>Todos os trabalhos apresentam uma solução satisfatória através da utilização dos diferentes métodos de meta-heurísticas</a:t>
+              <a:t> </a:t>
+            </a:r>
+            <a:r>
+              <a:rPr lang="pt-BR" dirty="0" err="1" smtClean="0"/>
+              <a:t>Assignment</a:t>
+            </a:r>
+            <a:r>
+              <a:rPr lang="pt-BR" dirty="0" smtClean="0"/>
+              <a:t> (Problemas de alocação de salas)</a:t>
             </a:r>
           </a:p>
           <a:p>
@@ -21122,10 +22846,33 @@
           </a:p>
         </p:txBody>
       </p:sp>
+      <p:sp>
+        <p:nvSpPr>
+          <p:cNvPr id="4" name="Espaço Reservado para Número de Slide 3"/>
+          <p:cNvSpPr>
+            <a:spLocks noGrp="1"/>
+          </p:cNvSpPr>
+          <p:nvPr>
+            <p:ph type="sldNum" sz="quarter" idx="12"/>
+          </p:nvPr>
+        </p:nvSpPr>
+        <p:spPr/>
+        <p:txBody>
+          <a:bodyPr/>
+          <a:lstStyle/>
+          <a:p>
+            <a:fld id="{695B8AFF-493B-4AA4-A2CD-F1B8BCED297E}" type="slidenum">
+              <a:rPr lang="pt-BR" sz="3200" smtClean="0"/>
+              <a:t>9</a:t>
+            </a:fld>
+            <a:endParaRPr lang="pt-BR" sz="3200" dirty="0"/>
+          </a:p>
+        </p:txBody>
+      </p:sp>
     </p:spTree>
     <p:extLst>
       <p:ext uri="{BB962C8B-B14F-4D97-AF65-F5344CB8AC3E}">
-        <p14:creationId xmlns:p14="http://schemas.microsoft.com/office/powerpoint/2010/main" val="1711602372"/>
+        <p14:creationId xmlns:p14="http://schemas.microsoft.com/office/powerpoint/2010/main" val="3557065935"/>
       </p:ext>
     </p:extLst>
   </p:cSld>

--- a/Apresentação.pptx
+++ b/Apresentação.pptx
@@ -15289,11 +15289,7 @@
           <a:p>
             <a:r>
               <a:rPr lang="pt-BR" dirty="0" smtClean="0"/>
-              <a:t>Realização de testes</a:t>
-            </a:r>
-            <a:r>
-              <a:rPr lang="pt-BR" dirty="0" smtClean="0"/>
-              <a:t>.</a:t>
+              <a:t>Realização de testes.</a:t>
             </a:r>
             <a:endParaRPr lang="pt-BR" dirty="0"/>
           </a:p>
@@ -15601,11 +15597,7 @@
             </a:pPr>
             <a:r>
               <a:rPr lang="pt-BR" dirty="0" smtClean="0"/>
-              <a:t>Os </a:t>
-            </a:r>
-            <a:r>
-              <a:rPr lang="pt-BR" dirty="0" smtClean="0"/>
-              <a:t>horários das salas devem atender a obrigatoriedade enviada pelos colegiados</a:t>
+              <a:t>Os horários das salas devem atender a obrigatoriedade enviada pelos colegiados</a:t>
             </a:r>
           </a:p>
           <a:p>
@@ -16193,11 +16185,7 @@
           <a:p>
             <a:r>
               <a:rPr lang="pt-BR" dirty="0" smtClean="0"/>
-              <a:t>Função </a:t>
-            </a:r>
-            <a:r>
-              <a:rPr lang="pt-BR" dirty="0" smtClean="0"/>
-              <a:t>objetivo (</a:t>
+              <a:t>Função objetivo (</a:t>
             </a:r>
             <a:r>
               <a:rPr lang="pt-BR" i="1" dirty="0" smtClean="0"/>
@@ -16207,7 +16195,6 @@
               <a:rPr lang="pt-BR" dirty="0" smtClean="0"/>
               <a:t>)</a:t>
             </a:r>
-            <a:endParaRPr lang="pt-BR" dirty="0" smtClean="0"/>
           </a:p>
           <a:p>
             <a:endParaRPr lang="pt-BR" dirty="0"/>
@@ -16219,7 +16206,11 @@
             </a:pPr>
             <a:r>
               <a:rPr lang="pt-BR" dirty="0" smtClean="0"/>
-              <a:t>Formula matemática que valida a aptidão do indivíduo no ambiente.</a:t>
+              <a:t>Fórmula </a:t>
+            </a:r>
+            <a:r>
+              <a:rPr lang="pt-BR" dirty="0" smtClean="0"/>
+              <a:t>matemática que valida a aptidão do indivíduo no ambiente.</a:t>
             </a:r>
           </a:p>
           <a:p>
@@ -17388,15 +17379,7 @@
           <a:p>
             <a:r>
               <a:rPr lang="pt-BR" dirty="0" smtClean="0"/>
-              <a:t>Fluxo </a:t>
-            </a:r>
-            <a:r>
-              <a:rPr lang="pt-BR" dirty="0" smtClean="0"/>
-              <a:t>algoritmo nova populaç</a:t>
-            </a:r>
-            <a:r>
-              <a:rPr lang="pt-BR" dirty="0" smtClean="0"/>
-              <a:t>ão</a:t>
+              <a:t>Fluxo algoritmo nova população</a:t>
             </a:r>
             <a:endParaRPr lang="pt-BR" dirty="0"/>
           </a:p>
@@ -18179,11 +18162,7 @@
           <a:p>
             <a:r>
               <a:rPr lang="pt-BR" dirty="0" smtClean="0"/>
-              <a:t>Fluxo </a:t>
-            </a:r>
-            <a:r>
-              <a:rPr lang="pt-BR" dirty="0" smtClean="0"/>
-              <a:t>algoritmo genético</a:t>
+              <a:t>Fluxo algoritmo genético</a:t>
             </a:r>
             <a:endParaRPr lang="pt-BR" dirty="0"/>
           </a:p>
@@ -19556,15 +19535,11 @@
           <a:p>
             <a:r>
               <a:rPr lang="pt-BR" dirty="0" smtClean="0"/>
-              <a:t>Resultado dos </a:t>
+              <a:t>Resultado dos testes </a:t>
             </a:r>
             <a:r>
               <a:rPr lang="pt-BR" dirty="0" smtClean="0"/>
-              <a:t>testes </a:t>
-            </a:r>
-            <a:r>
-              <a:rPr lang="pt-BR" dirty="0" err="1" smtClean="0"/>
-              <a:t>realisados</a:t>
+              <a:t>realizados</a:t>
             </a:r>
             <a:endParaRPr lang="pt-BR" dirty="0" smtClean="0"/>
           </a:p>
@@ -19719,11 +19694,7 @@
           <a:p>
             <a:r>
               <a:rPr lang="pt-BR" dirty="0" smtClean="0"/>
-              <a:t>Base de dados para </a:t>
-            </a:r>
-            <a:r>
-              <a:rPr lang="pt-BR" dirty="0" smtClean="0"/>
-              <a:t>simulação de alocação</a:t>
+              <a:t>Base de dados para simulação de alocação</a:t>
             </a:r>
             <a:endParaRPr lang="pt-BR" dirty="0"/>
           </a:p>
@@ -19755,7 +19726,6 @@
               <a:rPr lang="pt-BR" dirty="0" smtClean="0"/>
               <a:t>Composição dos dados</a:t>
             </a:r>
-            <a:endParaRPr lang="pt-BR" dirty="0" smtClean="0"/>
           </a:p>
           <a:p>
             <a:endParaRPr lang="pt-BR" dirty="0"/>
@@ -19766,8 +19736,12 @@
               <a:buChar char="v"/>
             </a:pPr>
             <a:r>
+              <a:rPr lang="pt-BR" dirty="0"/>
+              <a:t>2</a:t>
+            </a:r>
+            <a:r>
               <a:rPr lang="pt-BR" dirty="0" smtClean="0"/>
-              <a:t>3 </a:t>
+              <a:t> </a:t>
             </a:r>
             <a:r>
               <a:rPr lang="pt-BR" dirty="0" smtClean="0"/>
@@ -19780,30 +19754,8 @@
               <a:buChar char="v"/>
             </a:pPr>
             <a:r>
-              <a:rPr lang="pt-BR" dirty="0"/>
-              <a:t>6</a:t>
-            </a:r>
-            <a:r>
               <a:rPr lang="pt-BR" dirty="0" smtClean="0"/>
-              <a:t> </a:t>
-            </a:r>
-            <a:r>
-              <a:rPr lang="pt-BR" dirty="0" smtClean="0"/>
-              <a:t>horários</a:t>
-            </a:r>
-          </a:p>
-          <a:p>
-            <a:pPr>
-              <a:buFont typeface="Wingdings" panose="05000000000000000000" pitchFamily="2" charset="2"/>
-              <a:buChar char="v"/>
-            </a:pPr>
-            <a:r>
-              <a:rPr lang="pt-BR" dirty="0"/>
-              <a:t>3</a:t>
-            </a:r>
-            <a:r>
-              <a:rPr lang="pt-BR" dirty="0" smtClean="0"/>
-              <a:t> </a:t>
+              <a:t>3 </a:t>
             </a:r>
             <a:r>
               <a:rPr lang="pt-BR" dirty="0" smtClean="0"/>
@@ -20095,7 +20047,6 @@
               <a:rPr lang="pt-BR" dirty="0" smtClean="0"/>
               <a:t>Testes com a utilização de crossover</a:t>
             </a:r>
-            <a:endParaRPr lang="pt-BR" dirty="0" smtClean="0"/>
           </a:p>
           <a:p>
             <a:endParaRPr lang="pt-BR" dirty="0"/>
@@ -20280,23 +20231,7 @@
           <a:p>
             <a:r>
               <a:rPr lang="pt-BR" sz="1800" dirty="0" smtClean="0"/>
-              <a:t>Comparação melhor </a:t>
-            </a:r>
-            <a:r>
-              <a:rPr lang="pt-BR" sz="1800" dirty="0" smtClean="0"/>
-              <a:t>resultado com </a:t>
-            </a:r>
-            <a:r>
-              <a:rPr lang="pt-BR" sz="1800" dirty="0" smtClean="0"/>
-              <a:t>o </a:t>
-            </a:r>
-            <a:r>
-              <a:rPr lang="pt-BR" sz="1800" dirty="0" smtClean="0"/>
-              <a:t>parâmetro de crossover e o método </a:t>
-            </a:r>
-            <a:r>
-              <a:rPr lang="pt-BR" sz="1800" dirty="0" smtClean="0"/>
-              <a:t>de mutação </a:t>
+              <a:t>Comparação melhor resultado com o parâmetro de crossover e o método de mutação </a:t>
             </a:r>
           </a:p>
           <a:p>
@@ -20882,11 +20817,7 @@
             </a:pPr>
             <a:r>
               <a:rPr lang="pt-BR" dirty="0" smtClean="0"/>
-              <a:t>Consumo de 30 </a:t>
-            </a:r>
-            <a:r>
-              <a:rPr lang="pt-BR" dirty="0" smtClean="0"/>
-              <a:t>horas</a:t>
+              <a:t>Consumo de 30 horas</a:t>
             </a:r>
             <a:endParaRPr lang="pt-BR" dirty="0"/>
           </a:p>
@@ -21013,7 +20944,6 @@
               <a:rPr lang="pt-BR" dirty="0" smtClean="0"/>
               <a:t>Desempenho carga completa.</a:t>
             </a:r>
-            <a:endParaRPr lang="pt-BR" dirty="0" smtClean="0"/>
           </a:p>
           <a:p>
             <a:endParaRPr lang="pt-BR" dirty="0" smtClean="0"/>
@@ -21186,42 +21116,17 @@
           <a:p>
             <a:r>
               <a:rPr lang="pt-BR" dirty="0" smtClean="0"/>
-              <a:t>A calibragem do algoritmo n</a:t>
-            </a:r>
+              <a:t>A calibragem do algoritmo não é uma tarefa simples.</a:t>
+            </a:r>
+          </a:p>
+          <a:p>
+            <a:endParaRPr lang="pt-BR" dirty="0" smtClean="0"/>
+          </a:p>
+          <a:p>
             <a:r>
               <a:rPr lang="pt-BR" dirty="0" smtClean="0"/>
-              <a:t>ão </a:t>
-            </a:r>
-            <a:r>
-              <a:rPr lang="pt-BR" dirty="0" smtClean="0"/>
-              <a:t>é uma tarefa </a:t>
-            </a:r>
-            <a:r>
-              <a:rPr lang="pt-BR" dirty="0" smtClean="0"/>
-              <a:t>simples.</a:t>
-            </a:r>
-          </a:p>
-          <a:p>
-            <a:endParaRPr lang="pt-BR" dirty="0" smtClean="0"/>
-          </a:p>
-          <a:p>
-            <a:r>
-              <a:rPr lang="pt-BR" dirty="0" smtClean="0"/>
-              <a:t>O algoritmo encontra uma </a:t>
-            </a:r>
-            <a:r>
-              <a:rPr lang="pt-BR" dirty="0" smtClean="0"/>
-              <a:t>solução inicial </a:t>
-            </a:r>
-            <a:r>
-              <a:rPr lang="pt-BR" dirty="0" smtClean="0"/>
-              <a:t>que atende a 70% das restrições, porem deve se levar em consideração o </a:t>
-            </a:r>
-            <a:r>
-              <a:rPr lang="pt-BR" dirty="0" smtClean="0"/>
-              <a:t>tempo de execução.</a:t>
-            </a:r>
-            <a:endParaRPr lang="pt-BR" dirty="0" smtClean="0"/>
+              <a:t>O algoritmo encontra uma solução inicial que atende a 70% das restrições, porem deve se levar em consideração o tempo de execução.</a:t>
+            </a:r>
           </a:p>
           <a:p>
             <a:pPr marL="68580" indent="0">
@@ -21361,29 +21266,13 @@
           <a:p>
             <a:r>
               <a:rPr lang="pt-BR" dirty="0" smtClean="0"/>
-              <a:t>Técnicas </a:t>
-            </a:r>
+              <a:t>Técnicas para que não aconteça a convergência prematura.</a:t>
+            </a:r>
+          </a:p>
+          <a:p>
             <a:r>
               <a:rPr lang="pt-BR" dirty="0" smtClean="0"/>
-              <a:t>para que não aconteça a convergência prematura</a:t>
-            </a:r>
-            <a:r>
-              <a:rPr lang="pt-BR" dirty="0" smtClean="0"/>
-              <a:t>.</a:t>
-            </a:r>
-          </a:p>
-          <a:p>
-            <a:r>
-              <a:rPr lang="pt-BR" dirty="0" smtClean="0"/>
-              <a:t>Té</a:t>
-            </a:r>
-            <a:r>
-              <a:rPr lang="pt-BR" dirty="0" smtClean="0"/>
-              <a:t>cnicas </a:t>
-            </a:r>
-            <a:r>
-              <a:rPr lang="pt-BR" dirty="0" smtClean="0"/>
-              <a:t>para gerar a população inicial.</a:t>
+              <a:t>Técnicas para gerar a população inicial.</a:t>
             </a:r>
           </a:p>
           <a:p>
@@ -21747,7 +21636,9 @@
         </p:nvSpPr>
         <p:spPr/>
         <p:txBody>
-          <a:bodyPr/>
+          <a:bodyPr>
+            <a:normAutofit lnSpcReduction="10000"/>
+          </a:bodyPr>
           <a:lstStyle/>
           <a:p>
             <a:r>
@@ -21785,8 +21676,13 @@
             </a:pPr>
             <a:r>
               <a:rPr lang="pt-BR" dirty="0" smtClean="0"/>
-              <a:t>Alocação de 149 disciplinas em 50 salas disponíveis na Faculdade de Filosofia e Ciências Humanas.</a:t>
-            </a:r>
+              <a:t>Alocação de 149 disciplinas em 50 salas disponíveis na Faculdade de Filosofia e Ciências </a:t>
+            </a:r>
+            <a:r>
+              <a:rPr lang="pt-BR" dirty="0" smtClean="0"/>
+              <a:t>Humanas que pertence Universidade Federal de Minas Gerais (UFMG).</a:t>
+            </a:r>
+            <a:endParaRPr lang="pt-BR" dirty="0" smtClean="0"/>
           </a:p>
           <a:p>
             <a:pPr>
@@ -21881,7 +21777,6 @@
               <a:rPr lang="pt-BR" dirty="0"/>
               <a:t>Resultado da simulação de alocação</a:t>
             </a:r>
-            <a:endParaRPr lang="pt-BR" dirty="0"/>
           </a:p>
         </p:txBody>
       </p:sp>
@@ -22158,17 +22053,24 @@
             <a:endParaRPr lang="pt-BR" dirty="0" smtClean="0"/>
           </a:p>
           <a:p>
+            <a:pPr>
+              <a:buFont typeface="Wingdings" panose="05000000000000000000" pitchFamily="2" charset="2"/>
+              <a:buChar char="v"/>
+            </a:pPr>
             <a:r>
               <a:rPr lang="pt-BR" dirty="0" smtClean="0"/>
               <a:t>Otimizar o tempo da resolução do problema de alocação, utilizando algoritmo genético</a:t>
             </a:r>
           </a:p>
           <a:p>
+            <a:pPr>
+              <a:buFont typeface="Wingdings" panose="05000000000000000000" pitchFamily="2" charset="2"/>
+              <a:buChar char="v"/>
+            </a:pPr>
             <a:r>
               <a:rPr lang="pt-BR" dirty="0" smtClean="0"/>
               <a:t>O trabalho é manual consome o tempo de 2 semanas para ser realizado e é passível de alterações</a:t>
             </a:r>
-            <a:endParaRPr lang="pt-BR" dirty="0" smtClean="0"/>
           </a:p>
         </p:txBody>
       </p:sp>
@@ -22290,8 +22192,13 @@
             </a:pPr>
             <a:r>
               <a:rPr lang="pt-BR" dirty="0" smtClean="0"/>
-              <a:t>Aplicar as restrições especificas do prédio da Faculdade de Filosofia e Ciências Humanas alocado na Universidade Federal de Minas Gerais.</a:t>
-            </a:r>
+              <a:t>Aplicar as restrições especificas do prédio da Faculdade de Filosofia e Ciências Humanas </a:t>
+            </a:r>
+            <a:r>
+              <a:rPr lang="pt-BR" dirty="0" smtClean="0"/>
+              <a:t>alocado.</a:t>
+            </a:r>
+            <a:endParaRPr lang="pt-BR" dirty="0" smtClean="0"/>
           </a:p>
           <a:p>
             <a:endParaRPr lang="pt-BR" dirty="0"/>
@@ -22404,8 +22311,9 @@
           <a:p>
             <a:r>
               <a:rPr lang="pt-BR" dirty="0" smtClean="0"/>
-              <a:t>Heurística</a:t>
-            </a:r>
+              <a:t>Meta-heurística</a:t>
+            </a:r>
+            <a:endParaRPr lang="pt-BR" dirty="0" smtClean="0"/>
           </a:p>
           <a:p>
             <a:r>

--- a/Apresentação.pptx
+++ b/Apresentação.pptx
@@ -14998,7 +14998,7 @@
           </a:p>
           <a:p>
             <a:pPr algn="ctr"/>
-            <a:endParaRPr lang="pt-BR" sz="3600" dirty="0"/>
+            <a:endParaRPr lang="pt-BR" sz="3600" b="1" dirty="0"/>
           </a:p>
           <a:p>
             <a:pPr algn="ctr"/>
@@ -15006,6 +15006,7 @@
               <a:rPr lang="pt-BR" sz="3600" b="1" dirty="0" smtClean="0"/>
               <a:t>Orientador</a:t>
             </a:r>
+            <a:endParaRPr lang="pt-BR" sz="3600" b="1" dirty="0" smtClean="0"/>
           </a:p>
           <a:p>
             <a:pPr algn="ctr"/>
@@ -15109,12 +15110,29 @@
             </a:pPr>
             <a:r>
               <a:rPr lang="pt-BR" dirty="0"/>
-              <a:t>Busca Tabu(SUBRAMANIAN et al., </a:t>
+              <a:t>Busca </a:t>
             </a:r>
             <a:r>
               <a:rPr lang="pt-BR" dirty="0" smtClean="0"/>
-              <a:t>2006)</a:t>
-            </a:r>
+              <a:t>Tabu, </a:t>
+            </a:r>
+            <a:r>
+              <a:rPr lang="pt-BR" dirty="0" err="1" smtClean="0"/>
+              <a:t>Subramanian</a:t>
+            </a:r>
+            <a:r>
+              <a:rPr lang="pt-BR" dirty="0" smtClean="0"/>
+              <a:t> et al ( </a:t>
+            </a:r>
+            <a:r>
+              <a:rPr lang="pt-BR" dirty="0" smtClean="0"/>
+              <a:t>2006</a:t>
+            </a:r>
+            <a:r>
+              <a:rPr lang="pt-BR" dirty="0" smtClean="0"/>
+              <a:t>).</a:t>
+            </a:r>
+            <a:endParaRPr lang="pt-BR" dirty="0" smtClean="0"/>
           </a:p>
           <a:p>
             <a:pPr>
@@ -15123,8 +15141,21 @@
             </a:pPr>
             <a:r>
               <a:rPr lang="pt-BR" dirty="0" smtClean="0"/>
-              <a:t>Recozimento simulado Silva(2005)</a:t>
-            </a:r>
+              <a:t>Recozimento </a:t>
+            </a:r>
+            <a:r>
+              <a:rPr lang="pt-BR" dirty="0" smtClean="0"/>
+              <a:t>simulado, </a:t>
+            </a:r>
+            <a:r>
+              <a:rPr lang="pt-BR" dirty="0" smtClean="0"/>
+              <a:t>Silva(2005</a:t>
+            </a:r>
+            <a:r>
+              <a:rPr lang="pt-BR" dirty="0" smtClean="0"/>
+              <a:t>).</a:t>
+            </a:r>
+            <a:endParaRPr lang="pt-BR" dirty="0" smtClean="0"/>
           </a:p>
           <a:p>
             <a:pPr>
@@ -15133,12 +15164,29 @@
             </a:pPr>
             <a:r>
               <a:rPr lang="pt-BR" dirty="0"/>
-              <a:t>Algoritmo Genético(HAMAWAKI, 2011</a:t>
+              <a:t>Algoritmo </a:t>
             </a:r>
             <a:r>
               <a:rPr lang="pt-BR" dirty="0" smtClean="0"/>
-              <a:t>)</a:t>
-            </a:r>
+              <a:t>Genético, </a:t>
+            </a:r>
+            <a:r>
+              <a:rPr lang="pt-BR" dirty="0" err="1" smtClean="0"/>
+              <a:t>Hamawaki</a:t>
+            </a:r>
+            <a:r>
+              <a:rPr lang="pt-BR" dirty="0" smtClean="0"/>
+              <a:t>( </a:t>
+            </a:r>
+            <a:r>
+              <a:rPr lang="pt-BR" dirty="0"/>
+              <a:t>2011</a:t>
+            </a:r>
+            <a:r>
+              <a:rPr lang="pt-BR" dirty="0" smtClean="0"/>
+              <a:t>).</a:t>
+            </a:r>
+            <a:endParaRPr lang="pt-BR" dirty="0" smtClean="0"/>
           </a:p>
           <a:p>
             <a:pPr>
@@ -15154,8 +15202,13 @@
             </a:pPr>
             <a:r>
               <a:rPr lang="pt-BR" dirty="0" smtClean="0"/>
-              <a:t>Todos os trabalhos apresentam uma solução satisfatória através da utilização dos diferentes métodos de meta-heurísticas</a:t>
-            </a:r>
+              <a:t>Todos os trabalhos apresentam uma solução satisfatória através da utilização dos diferentes métodos de </a:t>
+            </a:r>
+            <a:r>
+              <a:rPr lang="pt-BR" dirty="0" smtClean="0"/>
+              <a:t>meta-heurísticas.</a:t>
+            </a:r>
+            <a:endParaRPr lang="pt-BR" dirty="0" smtClean="0"/>
           </a:p>
           <a:p>
             <a:pPr marL="68580" indent="0">
@@ -15263,30 +15316,81 @@
           <a:bodyPr/>
           <a:lstStyle/>
           <a:p>
+            <a:pPr>
+              <a:buFont typeface="Wingdings" panose="05000000000000000000" pitchFamily="2" charset="2"/>
+              <a:buChar char="v"/>
+            </a:pPr>
+            <a:endParaRPr lang="pt-BR" dirty="0" smtClean="0"/>
+          </a:p>
+          <a:p>
+            <a:pPr>
+              <a:buFont typeface="Wingdings" panose="05000000000000000000" pitchFamily="2" charset="2"/>
+              <a:buChar char="v"/>
+            </a:pPr>
             <a:r>
               <a:rPr lang="pt-BR" dirty="0" smtClean="0"/>
-              <a:t>Escolha do algoritmo genético</a:t>
-            </a:r>
-          </a:p>
-          <a:p>
+              <a:t>Escolha </a:t>
+            </a:r>
             <a:r>
               <a:rPr lang="pt-BR" dirty="0" smtClean="0"/>
-              <a:t>Entrevista com o responsável da área</a:t>
-            </a:r>
-          </a:p>
-          <a:p>
+              <a:t>do algoritmo </a:t>
+            </a:r>
             <a:r>
               <a:rPr lang="pt-BR" dirty="0" smtClean="0"/>
-              <a:t>Desenho dos diagramas</a:t>
-            </a:r>
-          </a:p>
-          <a:p>
+              <a:t>genético.</a:t>
+            </a:r>
+            <a:endParaRPr lang="pt-BR" dirty="0" smtClean="0"/>
+          </a:p>
+          <a:p>
+            <a:pPr>
+              <a:buFont typeface="Wingdings" panose="05000000000000000000" pitchFamily="2" charset="2"/>
+              <a:buChar char="v"/>
+            </a:pPr>
             <a:r>
               <a:rPr lang="pt-BR" dirty="0" smtClean="0"/>
-              <a:t>Interpretação do problema para aplicar sobre o algoritmo</a:t>
-            </a:r>
-          </a:p>
-          <a:p>
+              <a:t>Entrevista com o responsável da </a:t>
+            </a:r>
+            <a:r>
+              <a:rPr lang="pt-BR" dirty="0" smtClean="0"/>
+              <a:t>área.</a:t>
+            </a:r>
+            <a:endParaRPr lang="pt-BR" dirty="0" smtClean="0"/>
+          </a:p>
+          <a:p>
+            <a:pPr>
+              <a:buFont typeface="Wingdings" panose="05000000000000000000" pitchFamily="2" charset="2"/>
+              <a:buChar char="v"/>
+            </a:pPr>
+            <a:r>
+              <a:rPr lang="pt-BR" dirty="0" smtClean="0"/>
+              <a:t>Desenho dos </a:t>
+            </a:r>
+            <a:r>
+              <a:rPr lang="pt-BR" dirty="0" smtClean="0"/>
+              <a:t>diagramas.</a:t>
+            </a:r>
+            <a:endParaRPr lang="pt-BR" dirty="0" smtClean="0"/>
+          </a:p>
+          <a:p>
+            <a:pPr>
+              <a:buFont typeface="Wingdings" panose="05000000000000000000" pitchFamily="2" charset="2"/>
+              <a:buChar char="v"/>
+            </a:pPr>
+            <a:r>
+              <a:rPr lang="pt-BR" dirty="0" smtClean="0"/>
+              <a:t>Interpretação do problema para aplicar sobre o </a:t>
+            </a:r>
+            <a:r>
+              <a:rPr lang="pt-BR" dirty="0" smtClean="0"/>
+              <a:t>algoritmo.</a:t>
+            </a:r>
+            <a:endParaRPr lang="pt-BR" dirty="0" smtClean="0"/>
+          </a:p>
+          <a:p>
+            <a:pPr>
+              <a:buFont typeface="Wingdings" panose="05000000000000000000" pitchFamily="2" charset="2"/>
+              <a:buChar char="v"/>
+            </a:pPr>
             <a:r>
               <a:rPr lang="pt-BR" dirty="0" smtClean="0"/>
               <a:t>Realização de testes.</a:t>
@@ -15597,8 +15701,13 @@
             </a:pPr>
             <a:r>
               <a:rPr lang="pt-BR" dirty="0" smtClean="0"/>
-              <a:t>Os horários das salas devem atender a obrigatoriedade enviada pelos colegiados</a:t>
-            </a:r>
+              <a:t>Os horários das salas devem atender a obrigatoriedade enviada pelos </a:t>
+            </a:r>
+            <a:r>
+              <a:rPr lang="pt-BR" dirty="0" smtClean="0"/>
+              <a:t>colegiados.</a:t>
+            </a:r>
+            <a:endParaRPr lang="pt-BR" dirty="0" smtClean="0"/>
           </a:p>
           <a:p>
             <a:pPr>
@@ -16206,11 +16315,7 @@
             </a:pPr>
             <a:r>
               <a:rPr lang="pt-BR" dirty="0" smtClean="0"/>
-              <a:t>Fórmula </a:t>
-            </a:r>
-            <a:r>
-              <a:rPr lang="pt-BR" dirty="0" smtClean="0"/>
-              <a:t>matemática que valida a aptidão do indivíduo no ambiente.</a:t>
+              <a:t>Fórmula matemática que valida a aptidão do indivíduo no ambiente.</a:t>
             </a:r>
           </a:p>
           <a:p>
@@ -16227,7 +16332,11 @@
             </a:pPr>
             <a:r>
               <a:rPr lang="pt-BR" dirty="0" smtClean="0"/>
-              <a:t>Resultado vai de 0 a100</a:t>
+              <a:t>Resultado vai de 0 </a:t>
+            </a:r>
+            <a:r>
+              <a:rPr lang="pt-BR" dirty="0" smtClean="0"/>
+              <a:t>a100.</a:t>
             </a:r>
             <a:endParaRPr lang="pt-BR" dirty="0"/>
           </a:p>
@@ -16352,7 +16461,11 @@
             </a:pPr>
             <a:r>
               <a:rPr lang="pt-BR" dirty="0" smtClean="0"/>
-              <a:t>Garantia da seleção do melhor indivíduo</a:t>
+              <a:t>Garantia da seleção do melhor </a:t>
+            </a:r>
+            <a:r>
+              <a:rPr lang="pt-BR" dirty="0" smtClean="0"/>
+              <a:t>indivíduo.</a:t>
             </a:r>
             <a:endParaRPr lang="pt-BR" dirty="0"/>
           </a:p>
@@ -16800,8 +16913,13 @@
             </a:pPr>
             <a:r>
               <a:rPr lang="pt-BR" dirty="0" smtClean="0"/>
-              <a:t>Seleciona 3 indivíduos  da população anterior</a:t>
-            </a:r>
+              <a:t>Seleciona 3 indivíduos  da população </a:t>
+            </a:r>
+            <a:r>
+              <a:rPr lang="pt-BR" dirty="0" smtClean="0"/>
+              <a:t>anterior.</a:t>
+            </a:r>
+            <a:endParaRPr lang="pt-BR" dirty="0" smtClean="0"/>
           </a:p>
           <a:p>
             <a:pPr>
@@ -16810,7 +16928,11 @@
             </a:pPr>
             <a:r>
               <a:rPr lang="pt-BR" dirty="0" smtClean="0"/>
-              <a:t>Escolhe os 2 com maior fitness para realizar o crossover</a:t>
+              <a:t>Escolhe os 2 com maior fitness para realizar o </a:t>
+            </a:r>
+            <a:r>
+              <a:rPr lang="pt-BR" dirty="0" smtClean="0"/>
+              <a:t>crossover.</a:t>
             </a:r>
             <a:endParaRPr lang="pt-BR" dirty="0"/>
           </a:p>
@@ -19056,7 +19178,11 @@
             </a:r>
             <a:r>
               <a:rPr lang="pt-BR" dirty="0"/>
-              <a:t>(R) Core (TM) i5 3.40GHz </a:t>
+              <a:t>(R) Core (TM) i5 </a:t>
+            </a:r>
+            <a:r>
+              <a:rPr lang="pt-BR" dirty="0" smtClean="0"/>
+              <a:t>3.40GHz. </a:t>
             </a:r>
             <a:endParaRPr lang="pt-BR" dirty="0" smtClean="0"/>
           </a:p>
@@ -19071,7 +19197,11 @@
             </a:r>
             <a:r>
               <a:rPr lang="pt-BR" dirty="0"/>
-              <a:t>de memória RAM </a:t>
+              <a:t>de memória </a:t>
+            </a:r>
+            <a:r>
+              <a:rPr lang="pt-BR" dirty="0" smtClean="0"/>
+              <a:t>RAM.</a:t>
             </a:r>
             <a:endParaRPr lang="pt-BR" dirty="0" smtClean="0"/>
           </a:p>
@@ -19090,8 +19220,9 @@
             </a:r>
             <a:r>
               <a:rPr lang="pt-BR" dirty="0" smtClean="0"/>
-              <a:t>64bit</a:t>
-            </a:r>
+              <a:t>64bit.</a:t>
+            </a:r>
+            <a:endParaRPr lang="pt-BR" dirty="0" smtClean="0"/>
           </a:p>
           <a:p>
             <a:endParaRPr lang="pt-BR" u="sng" dirty="0" smtClean="0"/>
@@ -19370,7 +19501,7 @@
         <p:spPr/>
         <p:txBody>
           <a:bodyPr>
-            <a:normAutofit fontScale="92500" lnSpcReduction="10000"/>
+            <a:normAutofit fontScale="85000" lnSpcReduction="20000"/>
           </a:bodyPr>
           <a:lstStyle/>
           <a:p>
@@ -19389,8 +19520,13 @@
             </a:pPr>
             <a:r>
               <a:rPr lang="pt-BR" dirty="0" smtClean="0"/>
-              <a:t>10 salas</a:t>
-            </a:r>
+              <a:t>10 </a:t>
+            </a:r>
+            <a:r>
+              <a:rPr lang="pt-BR" dirty="0" smtClean="0"/>
+              <a:t>salas com 14 horários.</a:t>
+            </a:r>
+            <a:endParaRPr lang="pt-BR" dirty="0" smtClean="0"/>
           </a:p>
           <a:p>
             <a:pPr>
@@ -19399,20 +19535,12 @@
             </a:pPr>
             <a:r>
               <a:rPr lang="pt-BR" dirty="0" smtClean="0"/>
-              <a:t>46 disciplinas e suas restrições de horário</a:t>
-            </a:r>
-          </a:p>
-          <a:p>
-            <a:endParaRPr lang="pt-BR" dirty="0" smtClean="0"/>
-          </a:p>
-          <a:p>
+              <a:t>46 disciplinas e suas restrições de </a:t>
+            </a:r>
             <a:r>
               <a:rPr lang="pt-BR" dirty="0" smtClean="0"/>
-              <a:t>Objetivo do teste inicial</a:t>
-            </a:r>
-          </a:p>
-          <a:p>
-            <a:endParaRPr lang="pt-BR" dirty="0" smtClean="0"/>
+              <a:t>horário.</a:t>
+            </a:r>
           </a:p>
           <a:p>
             <a:pPr>
@@ -19421,7 +19549,46 @@
             </a:pPr>
             <a:r>
               <a:rPr lang="pt-BR" dirty="0" smtClean="0"/>
-              <a:t>Descobrir o desempenho do algoritmo antes de utilizar a carga completa</a:t>
+              <a:t>980 genes.</a:t>
+            </a:r>
+            <a:endParaRPr lang="pt-BR" dirty="0" smtClean="0"/>
+          </a:p>
+          <a:p>
+            <a:endParaRPr lang="pt-BR" dirty="0" smtClean="0"/>
+          </a:p>
+          <a:p>
+            <a:r>
+              <a:rPr lang="pt-BR" dirty="0" smtClean="0"/>
+              <a:t>Objetivo do teste inicial</a:t>
+            </a:r>
+          </a:p>
+          <a:p>
+            <a:endParaRPr lang="pt-BR" dirty="0" smtClean="0"/>
+          </a:p>
+          <a:p>
+            <a:pPr>
+              <a:buFont typeface="Wingdings" panose="05000000000000000000" pitchFamily="2" charset="2"/>
+              <a:buChar char="v"/>
+            </a:pPr>
+            <a:r>
+              <a:rPr lang="pt-BR" dirty="0" smtClean="0"/>
+              <a:t>Descobrir o desempenho do algoritmo </a:t>
+            </a:r>
+            <a:r>
+              <a:rPr lang="pt-BR" dirty="0" smtClean="0"/>
+              <a:t>em função da sua adaptação no ambiente </a:t>
+            </a:r>
+            <a:r>
+              <a:rPr lang="pt-BR" dirty="0"/>
+              <a:t>antes de utilizar </a:t>
+            </a:r>
+            <a:r>
+              <a:rPr lang="pt-BR" dirty="0" smtClean="0"/>
+              <a:t> a carga </a:t>
+            </a:r>
+            <a:r>
+              <a:rPr lang="pt-BR" dirty="0" smtClean="0"/>
+              <a:t>completa.</a:t>
             </a:r>
             <a:endParaRPr lang="pt-BR" dirty="0"/>
           </a:p>
@@ -19535,13 +19702,8 @@
           <a:p>
             <a:r>
               <a:rPr lang="pt-BR" dirty="0" smtClean="0"/>
-              <a:t>Resultado dos testes </a:t>
-            </a:r>
-            <a:r>
-              <a:rPr lang="pt-BR" dirty="0" smtClean="0"/>
-              <a:t>realizados</a:t>
-            </a:r>
-            <a:endParaRPr lang="pt-BR" dirty="0" smtClean="0"/>
+              <a:t>Resultado dos testes realizados</a:t>
+            </a:r>
           </a:p>
           <a:p>
             <a:endParaRPr lang="pt-BR" dirty="0"/>
@@ -19718,7 +19880,7 @@
         </p:spPr>
         <p:txBody>
           <a:bodyPr>
-            <a:normAutofit/>
+            <a:normAutofit lnSpcReduction="10000"/>
           </a:bodyPr>
           <a:lstStyle/>
           <a:p>
@@ -19745,8 +19907,9 @@
             </a:r>
             <a:r>
               <a:rPr lang="pt-BR" dirty="0" smtClean="0"/>
-              <a:t>salas </a:t>
-            </a:r>
+              <a:t>salas.</a:t>
+            </a:r>
+            <a:endParaRPr lang="pt-BR" dirty="0" smtClean="0"/>
           </a:p>
           <a:p>
             <a:pPr>
@@ -19759,8 +19922,29 @@
             </a:r>
             <a:r>
               <a:rPr lang="pt-BR" dirty="0" smtClean="0"/>
-              <a:t>disciplinas</a:t>
-            </a:r>
+              <a:t>disciplinas.</a:t>
+            </a:r>
+          </a:p>
+          <a:p>
+            <a:pPr>
+              <a:buFont typeface="Wingdings" panose="05000000000000000000" pitchFamily="2" charset="2"/>
+              <a:buChar char="v"/>
+            </a:pPr>
+            <a:r>
+              <a:rPr lang="pt-BR" dirty="0" smtClean="0"/>
+              <a:t>6 horários.</a:t>
+            </a:r>
+          </a:p>
+          <a:p>
+            <a:pPr>
+              <a:buFont typeface="Wingdings" panose="05000000000000000000" pitchFamily="2" charset="2"/>
+              <a:buChar char="v"/>
+            </a:pPr>
+            <a:r>
+              <a:rPr lang="pt-BR" dirty="0" smtClean="0"/>
+              <a:t>84 genes.</a:t>
+            </a:r>
+            <a:endParaRPr lang="pt-BR" dirty="0" smtClean="0"/>
           </a:p>
         </p:txBody>
       </p:sp>
@@ -20807,8 +20991,13 @@
             </a:pPr>
             <a:r>
               <a:rPr lang="pt-BR" dirty="0" smtClean="0"/>
-              <a:t>Encontra uma solução que atende a 70% das restrições</a:t>
-            </a:r>
+              <a:t>Encontra uma solução que atende a 70% das </a:t>
+            </a:r>
+            <a:r>
+              <a:rPr lang="pt-BR" dirty="0" smtClean="0"/>
+              <a:t>restrições.</a:t>
+            </a:r>
+            <a:endParaRPr lang="pt-BR" dirty="0" smtClean="0"/>
           </a:p>
           <a:p>
             <a:pPr>
@@ -20817,7 +21006,11 @@
             </a:pPr>
             <a:r>
               <a:rPr lang="pt-BR" dirty="0" smtClean="0"/>
-              <a:t>Consumo de 30 horas</a:t>
+              <a:t>Consumo de 30 </a:t>
+            </a:r>
+            <a:r>
+              <a:rPr lang="pt-BR" dirty="0" smtClean="0"/>
+              <a:t>horas.</a:t>
             </a:r>
             <a:endParaRPr lang="pt-BR" dirty="0"/>
           </a:p>
@@ -21637,7 +21830,7 @@
         <p:spPr/>
         <p:txBody>
           <a:bodyPr>
-            <a:normAutofit lnSpcReduction="10000"/>
+            <a:normAutofit fontScale="92500" lnSpcReduction="20000"/>
           </a:bodyPr>
           <a:lstStyle/>
           <a:p>
@@ -21656,8 +21849,13 @@
             </a:pPr>
             <a:r>
               <a:rPr lang="pt-BR" dirty="0" smtClean="0"/>
-              <a:t>Problema de Alocação de Salas PAS</a:t>
-            </a:r>
+              <a:t>Problema de Alocação de Salas </a:t>
+            </a:r>
+            <a:r>
+              <a:rPr lang="pt-BR" dirty="0" smtClean="0"/>
+              <a:t>PAS.</a:t>
+            </a:r>
+            <a:endParaRPr lang="pt-BR" dirty="0" smtClean="0"/>
           </a:p>
           <a:p>
             <a:pPr>
@@ -21666,8 +21864,13 @@
             </a:pPr>
             <a:r>
               <a:rPr lang="pt-BR" dirty="0" smtClean="0"/>
-              <a:t>Meta-heurística Algoritmo Genético</a:t>
-            </a:r>
+              <a:t>Meta-heurística Algoritmo </a:t>
+            </a:r>
+            <a:r>
+              <a:rPr lang="pt-BR" dirty="0" smtClean="0"/>
+              <a:t>Genético.</a:t>
+            </a:r>
+            <a:endParaRPr lang="pt-BR" dirty="0" smtClean="0"/>
           </a:p>
           <a:p>
             <a:pPr>
@@ -21676,13 +21879,16 @@
             </a:pPr>
             <a:r>
               <a:rPr lang="pt-BR" dirty="0" smtClean="0"/>
-              <a:t>Alocação de 149 disciplinas em 50 salas disponíveis na Faculdade de Filosofia e Ciências </a:t>
+              <a:t>Alocação de 149 disciplinas em 50 </a:t>
             </a:r>
             <a:r>
               <a:rPr lang="pt-BR" dirty="0" smtClean="0"/>
-              <a:t>Humanas que pertence Universidade Federal de Minas Gerais (UFMG).</a:t>
-            </a:r>
-            <a:endParaRPr lang="pt-BR" dirty="0" smtClean="0"/>
+              <a:t>salas e 14 horários </a:t>
+            </a:r>
+            <a:r>
+              <a:rPr lang="pt-BR" dirty="0" smtClean="0"/>
+              <a:t>disponíveis na Faculdade de Filosofia e Ciências Humanas que pertence Universidade Federal de Minas Gerais (UFMG).</a:t>
+            </a:r>
           </a:p>
           <a:p>
             <a:pPr>
@@ -21692,6 +21898,14 @@
             <a:endParaRPr lang="pt-BR" dirty="0" smtClean="0"/>
           </a:p>
           <a:p>
+            <a:pPr>
+              <a:buFont typeface="Wingdings" panose="05000000000000000000" pitchFamily="2" charset="2"/>
+              <a:buChar char="v"/>
+            </a:pPr>
+            <a:r>
+              <a:rPr lang="pt-BR" dirty="0" smtClean="0"/>
+              <a:t>4900 genes por indivíduo.</a:t>
+            </a:r>
             <a:endParaRPr lang="pt-BR" dirty="0"/>
           </a:p>
         </p:txBody>
@@ -22059,8 +22273,13 @@
             </a:pPr>
             <a:r>
               <a:rPr lang="pt-BR" dirty="0" smtClean="0"/>
-              <a:t>Otimizar o tempo da resolução do problema de alocação, utilizando algoritmo genético</a:t>
-            </a:r>
+              <a:t>Otimizar o tempo da resolução do problema de alocação, utilizando algoritmo </a:t>
+            </a:r>
+            <a:r>
+              <a:rPr lang="pt-BR" dirty="0" smtClean="0"/>
+              <a:t>genético.</a:t>
+            </a:r>
+            <a:endParaRPr lang="pt-BR" dirty="0" smtClean="0"/>
           </a:p>
           <a:p>
             <a:pPr>
@@ -22069,8 +22288,13 @@
             </a:pPr>
             <a:r>
               <a:rPr lang="pt-BR" dirty="0" smtClean="0"/>
-              <a:t>O trabalho é manual consome o tempo de 2 semanas para ser realizado e é passível de alterações</a:t>
-            </a:r>
+              <a:t>O trabalho é manual consome o tempo de 2 semanas para ser realizado e é passível de </a:t>
+            </a:r>
+            <a:r>
+              <a:rPr lang="pt-BR" dirty="0" smtClean="0"/>
+              <a:t>alterações.</a:t>
+            </a:r>
+            <a:endParaRPr lang="pt-BR" dirty="0" smtClean="0"/>
           </a:p>
         </p:txBody>
       </p:sp>
@@ -22192,13 +22416,8 @@
             </a:pPr>
             <a:r>
               <a:rPr lang="pt-BR" dirty="0" smtClean="0"/>
-              <a:t>Aplicar as restrições especificas do prédio da Faculdade de Filosofia e Ciências Humanas </a:t>
-            </a:r>
-            <a:r>
-              <a:rPr lang="pt-BR" dirty="0" smtClean="0"/>
-              <a:t>alocado.</a:t>
-            </a:r>
-            <a:endParaRPr lang="pt-BR" dirty="0" smtClean="0"/>
+              <a:t>Aplicar as restrições especificas do prédio da Faculdade de Filosofia e Ciências Humanas alocado.</a:t>
+            </a:r>
           </a:p>
           <a:p>
             <a:endParaRPr lang="pt-BR" dirty="0"/>
@@ -22313,7 +22532,6 @@
               <a:rPr lang="pt-BR" dirty="0" smtClean="0"/>
               <a:t>Meta-heurística</a:t>
             </a:r>
-            <a:endParaRPr lang="pt-BR" dirty="0" smtClean="0"/>
           </a:p>
           <a:p>
             <a:r>
@@ -22684,6 +22902,10 @@
               <a:rPr lang="pt-BR" dirty="0" err="1" smtClean="0"/>
               <a:t>TimeTabling</a:t>
             </a:r>
+            <a:r>
+              <a:rPr lang="pt-BR" dirty="0" smtClean="0"/>
+              <a:t>.</a:t>
+            </a:r>
             <a:endParaRPr lang="pt-BR" dirty="0" smtClean="0"/>
           </a:p>
           <a:p>
@@ -22703,6 +22925,10 @@
               <a:rPr lang="pt-BR" dirty="0" err="1" smtClean="0"/>
               <a:t>TimeTabling</a:t>
             </a:r>
+            <a:r>
+              <a:rPr lang="pt-BR" dirty="0" smtClean="0"/>
+              <a:t>.</a:t>
+            </a:r>
             <a:endParaRPr lang="pt-BR" dirty="0" smtClean="0"/>
           </a:p>
           <a:p>
@@ -22722,6 +22948,10 @@
               <a:rPr lang="pt-BR" dirty="0" err="1" smtClean="0"/>
               <a:t>TimeTabling</a:t>
             </a:r>
+            <a:r>
+              <a:rPr lang="pt-BR" dirty="0" smtClean="0"/>
+              <a:t>.</a:t>
+            </a:r>
             <a:endParaRPr lang="pt-BR" dirty="0" smtClean="0"/>
           </a:p>
           <a:p>
@@ -22743,8 +22973,13 @@
             </a:r>
             <a:r>
               <a:rPr lang="pt-BR" dirty="0" smtClean="0"/>
-              <a:t> (Problemas de alocação de salas)</a:t>
-            </a:r>
+              <a:t> (Problemas de alocação de salas</a:t>
+            </a:r>
+            <a:r>
+              <a:rPr lang="pt-BR" dirty="0" smtClean="0"/>
+              <a:t>).</a:t>
+            </a:r>
+            <a:endParaRPr lang="pt-BR" dirty="0" smtClean="0"/>
           </a:p>
           <a:p>
             <a:pPr marL="68580" indent="0">
